--- a/Prezentatsia_VKR_2022.pptx
+++ b/Prezentatsia_VKR_2022.pptx
@@ -28656,7 +28656,7 @@
           <a:p>
             <a:fld id="{52056610-B2B8-4C80-B377-E3C2418411DD}" type="datetimeFigureOut">
               <a:rPr lang="ru-RU" smtClean="0"/>
-              <a:t>29.05.2022</a:t>
+              <a:t>30.05.2022</a:t>
             </a:fld>
             <a:endParaRPr lang="ru-RU"/>
           </a:p>
@@ -28824,7 +28824,7 @@
           <a:p>
             <a:fld id="{52056610-B2B8-4C80-B377-E3C2418411DD}" type="datetimeFigureOut">
               <a:rPr lang="ru-RU" smtClean="0"/>
-              <a:t>29.05.2022</a:t>
+              <a:t>30.05.2022</a:t>
             </a:fld>
             <a:endParaRPr lang="ru-RU"/>
           </a:p>
@@ -29002,7 +29002,7 @@
           <a:p>
             <a:fld id="{52056610-B2B8-4C80-B377-E3C2418411DD}" type="datetimeFigureOut">
               <a:rPr lang="ru-RU" smtClean="0"/>
-              <a:t>29.05.2022</a:t>
+              <a:t>30.05.2022</a:t>
             </a:fld>
             <a:endParaRPr lang="ru-RU"/>
           </a:p>
@@ -29170,7 +29170,7 @@
           <a:p>
             <a:fld id="{52056610-B2B8-4C80-B377-E3C2418411DD}" type="datetimeFigureOut">
               <a:rPr lang="ru-RU" smtClean="0"/>
-              <a:t>29.05.2022</a:t>
+              <a:t>30.05.2022</a:t>
             </a:fld>
             <a:endParaRPr lang="ru-RU"/>
           </a:p>
@@ -29415,7 +29415,7 @@
           <a:p>
             <a:fld id="{52056610-B2B8-4C80-B377-E3C2418411DD}" type="datetimeFigureOut">
               <a:rPr lang="ru-RU" smtClean="0"/>
-              <a:t>29.05.2022</a:t>
+              <a:t>30.05.2022</a:t>
             </a:fld>
             <a:endParaRPr lang="ru-RU"/>
           </a:p>
@@ -29644,7 +29644,7 @@
           <a:p>
             <a:fld id="{52056610-B2B8-4C80-B377-E3C2418411DD}" type="datetimeFigureOut">
               <a:rPr lang="ru-RU" smtClean="0"/>
-              <a:t>29.05.2022</a:t>
+              <a:t>30.05.2022</a:t>
             </a:fld>
             <a:endParaRPr lang="ru-RU"/>
           </a:p>
@@ -30008,7 +30008,7 @@
           <a:p>
             <a:fld id="{52056610-B2B8-4C80-B377-E3C2418411DD}" type="datetimeFigureOut">
               <a:rPr lang="ru-RU" smtClean="0"/>
-              <a:t>29.05.2022</a:t>
+              <a:t>30.05.2022</a:t>
             </a:fld>
             <a:endParaRPr lang="ru-RU"/>
           </a:p>
@@ -30125,7 +30125,7 @@
           <a:p>
             <a:fld id="{52056610-B2B8-4C80-B377-E3C2418411DD}" type="datetimeFigureOut">
               <a:rPr lang="ru-RU" smtClean="0"/>
-              <a:t>29.05.2022</a:t>
+              <a:t>30.05.2022</a:t>
             </a:fld>
             <a:endParaRPr lang="ru-RU"/>
           </a:p>
@@ -30220,7 +30220,7 @@
           <a:p>
             <a:fld id="{52056610-B2B8-4C80-B377-E3C2418411DD}" type="datetimeFigureOut">
               <a:rPr lang="ru-RU" smtClean="0"/>
-              <a:t>29.05.2022</a:t>
+              <a:t>30.05.2022</a:t>
             </a:fld>
             <a:endParaRPr lang="ru-RU"/>
           </a:p>
@@ -30495,7 +30495,7 @@
           <a:p>
             <a:fld id="{52056610-B2B8-4C80-B377-E3C2418411DD}" type="datetimeFigureOut">
               <a:rPr lang="ru-RU" smtClean="0"/>
-              <a:t>29.05.2022</a:t>
+              <a:t>30.05.2022</a:t>
             </a:fld>
             <a:endParaRPr lang="ru-RU"/>
           </a:p>
@@ -30747,7 +30747,7 @@
           <a:p>
             <a:fld id="{52056610-B2B8-4C80-B377-E3C2418411DD}" type="datetimeFigureOut">
               <a:rPr lang="ru-RU" smtClean="0"/>
-              <a:t>29.05.2022</a:t>
+              <a:t>30.05.2022</a:t>
             </a:fld>
             <a:endParaRPr lang="ru-RU"/>
           </a:p>
@@ -30961,7 +30961,7 @@
           <a:p>
             <a:fld id="{52056610-B2B8-4C80-B377-E3C2418411DD}" type="datetimeFigureOut">
               <a:rPr lang="ru-RU" smtClean="0"/>
-              <a:t>29.05.2022</a:t>
+              <a:t>30.05.2022</a:t>
             </a:fld>
             <a:endParaRPr lang="ru-RU"/>
           </a:p>
@@ -32340,6 +32340,103 @@
           </a:p>
         </p:txBody>
       </p:sp>
+      <p:sp>
+        <p:nvSpPr>
+          <p:cNvPr id="5" name="TextBox 4">
+            <a:extLst>
+              <a:ext uri="{FF2B5EF4-FFF2-40B4-BE49-F238E27FC236}">
+                <a16:creationId xmlns:a16="http://schemas.microsoft.com/office/drawing/2014/main" id="{958F9FB9-DA43-B275-C95D-D08731C76201}"/>
+              </a:ext>
+            </a:extLst>
+          </p:cNvPr>
+          <p:cNvSpPr txBox="1"/>
+          <p:nvPr/>
+        </p:nvSpPr>
+        <p:spPr>
+          <a:xfrm>
+            <a:off x="824576" y="1327874"/>
+            <a:ext cx="10794176" cy="2254848"/>
+          </a:xfrm>
+          <a:prstGeom prst="rect">
+            <a:avLst/>
+          </a:prstGeom>
+          <a:noFill/>
+        </p:spPr>
+        <p:txBody>
+          <a:bodyPr wrap="square">
+            <a:spAutoFit/>
+          </a:bodyPr>
+          <a:lstStyle/>
+          <a:p>
+            <a:pPr algn="just">
+              <a:lnSpc>
+                <a:spcPct val="107000"/>
+              </a:lnSpc>
+              <a:spcAft>
+                <a:spcPts val="800"/>
+              </a:spcAft>
+            </a:pPr>
+            <a:r>
+              <a:rPr lang="ru-RU" sz="1800" b="1" dirty="0">
+                <a:effectLst/>
+                <a:latin typeface="Times New Roman" panose="02020603050405020304" pitchFamily="18" charset="0"/>
+                <a:ea typeface="Times New Roman" panose="02020603050405020304" pitchFamily="18" charset="0"/>
+                <a:cs typeface="Times New Roman" panose="02020603050405020304" pitchFamily="18" charset="0"/>
+              </a:rPr>
+              <a:t>Цель работы:</a:t>
+            </a:r>
+            <a:r>
+              <a:rPr lang="ru-RU" sz="1800" dirty="0">
+                <a:effectLst/>
+                <a:latin typeface="Times New Roman" panose="02020603050405020304" pitchFamily="18" charset="0"/>
+                <a:ea typeface="Times New Roman" panose="02020603050405020304" pitchFamily="18" charset="0"/>
+                <a:cs typeface="Times New Roman" panose="02020603050405020304" pitchFamily="18" charset="0"/>
+              </a:rPr>
+              <a:t> разработка веб-сервиса определения местонахождения звукового оборудования для сетевой арендной организации</a:t>
+            </a:r>
+            <a:endParaRPr lang="ru-RU" sz="1600" dirty="0">
+              <a:effectLst/>
+              <a:latin typeface="Calibri" panose="020F0502020204030204" pitchFamily="34" charset="0"/>
+              <a:ea typeface="Calibri" panose="020F0502020204030204" pitchFamily="34" charset="0"/>
+              <a:cs typeface="Times New Roman" panose="02020603050405020304" pitchFamily="18" charset="0"/>
+            </a:endParaRPr>
+          </a:p>
+          <a:p>
+            <a:pPr algn="just">
+              <a:lnSpc>
+                <a:spcPct val="107000"/>
+              </a:lnSpc>
+              <a:spcAft>
+                <a:spcPts val="800"/>
+              </a:spcAft>
+            </a:pPr>
+            <a:r>
+              <a:rPr lang="ru-RU" sz="1800" b="1" dirty="0">
+                <a:effectLst/>
+                <a:latin typeface="Times New Roman" panose="02020603050405020304" pitchFamily="18" charset="0"/>
+                <a:ea typeface="Times New Roman" panose="02020603050405020304" pitchFamily="18" charset="0"/>
+                <a:cs typeface="Times New Roman" panose="02020603050405020304" pitchFamily="18" charset="0"/>
+              </a:rPr>
+              <a:t>Задачи работы:</a:t>
+            </a:r>
+            <a:r>
+              <a:rPr lang="ru-RU" sz="1800" dirty="0">
+                <a:effectLst/>
+                <a:latin typeface="Times New Roman" panose="02020603050405020304" pitchFamily="18" charset="0"/>
+                <a:ea typeface="Times New Roman" panose="02020603050405020304" pitchFamily="18" charset="0"/>
+                <a:cs typeface="Times New Roman" panose="02020603050405020304" pitchFamily="18" charset="0"/>
+              </a:rPr>
+              <a:t> анализ бизнеса по аренде движимого оборудования с точки зрения учета его местонахождения; анализ и сравнение имеющихся на рынке средств автоматизации системы хранения; выявление основных требований к функционалу разрабатываемого решения; проектирование алгоритмов работы; проектирование бизнес-процессов; экономические параметры разработки и внедрения разрабатываемого решения; разработка программного продукта </a:t>
+            </a:r>
+            <a:endParaRPr lang="ru-RU" sz="1600" dirty="0">
+              <a:effectLst/>
+              <a:latin typeface="Calibri" panose="020F0502020204030204" pitchFamily="34" charset="0"/>
+              <a:ea typeface="Calibri" panose="020F0502020204030204" pitchFamily="34" charset="0"/>
+              <a:cs typeface="Times New Roman" panose="02020603050405020304" pitchFamily="18" charset="0"/>
+            </a:endParaRPr>
+          </a:p>
+        </p:txBody>
+      </p:sp>
     </p:spTree>
     <p:extLst>
       <p:ext uri="{BB962C8B-B14F-4D97-AF65-F5344CB8AC3E}">
@@ -32453,6 +32550,308 @@
               </a:rPr>
               <a:t>2</a:t>
             </a:r>
+          </a:p>
+        </p:txBody>
+      </p:sp>
+      <p:sp>
+        <p:nvSpPr>
+          <p:cNvPr id="5" name="TextBox 4">
+            <a:extLst>
+              <a:ext uri="{FF2B5EF4-FFF2-40B4-BE49-F238E27FC236}">
+                <a16:creationId xmlns:a16="http://schemas.microsoft.com/office/drawing/2014/main" id="{9C3C996C-D2DB-6BC9-0A64-A174D359107E}"/>
+              </a:ext>
+            </a:extLst>
+          </p:cNvPr>
+          <p:cNvSpPr txBox="1"/>
+          <p:nvPr/>
+        </p:nvSpPr>
+        <p:spPr>
+          <a:xfrm>
+            <a:off x="1266737" y="1131377"/>
+            <a:ext cx="8328171" cy="4960332"/>
+          </a:xfrm>
+          <a:prstGeom prst="rect">
+            <a:avLst/>
+          </a:prstGeom>
+          <a:noFill/>
+        </p:spPr>
+        <p:txBody>
+          <a:bodyPr wrap="square">
+            <a:spAutoFit/>
+          </a:bodyPr>
+          <a:lstStyle/>
+          <a:p>
+            <a:pPr indent="450215" algn="just">
+              <a:lnSpc>
+                <a:spcPct val="150000"/>
+              </a:lnSpc>
+              <a:spcAft>
+                <a:spcPts val="800"/>
+              </a:spcAft>
+            </a:pPr>
+            <a:r>
+              <a:rPr lang="ru-RU" sz="1800" dirty="0">
+                <a:effectLst/>
+                <a:latin typeface="Times New Roman" panose="02020603050405020304" pitchFamily="18" charset="0"/>
+                <a:ea typeface="Times New Roman" panose="02020603050405020304" pitchFamily="18" charset="0"/>
+                <a:cs typeface="Times New Roman" panose="02020603050405020304" pitchFamily="18" charset="0"/>
+              </a:rPr>
+              <a:t>Функции незарегистрированных пользователей:</a:t>
+            </a:r>
+            <a:endParaRPr lang="ru-RU" sz="1400" dirty="0">
+              <a:effectLst/>
+              <a:latin typeface="Calibri" panose="020F0502020204030204" pitchFamily="34" charset="0"/>
+              <a:ea typeface="Calibri" panose="020F0502020204030204" pitchFamily="34" charset="0"/>
+              <a:cs typeface="Times New Roman" panose="02020603050405020304" pitchFamily="18" charset="0"/>
+            </a:endParaRPr>
+          </a:p>
+          <a:p>
+            <a:pPr indent="450215" algn="just">
+              <a:spcAft>
+                <a:spcPts val="800"/>
+              </a:spcAft>
+            </a:pPr>
+            <a:r>
+              <a:rPr lang="ru-RU" sz="1800" dirty="0">
+                <a:effectLst/>
+                <a:latin typeface="Times New Roman" panose="02020603050405020304" pitchFamily="18" charset="0"/>
+                <a:ea typeface="Times New Roman" panose="02020603050405020304" pitchFamily="18" charset="0"/>
+                <a:cs typeface="Times New Roman" panose="02020603050405020304" pitchFamily="18" charset="0"/>
+              </a:rPr>
+              <a:t>– просмотр спецоборудования; – поиск спецоборудования;</a:t>
+            </a:r>
+            <a:endParaRPr lang="ru-RU" sz="1400" dirty="0">
+              <a:effectLst/>
+              <a:latin typeface="Calibri" panose="020F0502020204030204" pitchFamily="34" charset="0"/>
+              <a:ea typeface="Calibri" panose="020F0502020204030204" pitchFamily="34" charset="0"/>
+              <a:cs typeface="Times New Roman" panose="02020603050405020304" pitchFamily="18" charset="0"/>
+            </a:endParaRPr>
+          </a:p>
+          <a:p>
+            <a:pPr indent="450215" algn="just">
+              <a:spcAft>
+                <a:spcPts val="800"/>
+              </a:spcAft>
+            </a:pPr>
+            <a:r>
+              <a:rPr lang="ru-RU" sz="1800" dirty="0">
+                <a:effectLst/>
+                <a:latin typeface="Times New Roman" panose="02020603050405020304" pitchFamily="18" charset="0"/>
+                <a:ea typeface="Times New Roman" panose="02020603050405020304" pitchFamily="18" charset="0"/>
+                <a:cs typeface="Times New Roman" panose="02020603050405020304" pitchFamily="18" charset="0"/>
+              </a:rPr>
+              <a:t>– формирование заявки; – отправка заявки;</a:t>
+            </a:r>
+            <a:endParaRPr lang="ru-RU" sz="1400" dirty="0">
+              <a:effectLst/>
+              <a:latin typeface="Calibri" panose="020F0502020204030204" pitchFamily="34" charset="0"/>
+              <a:ea typeface="Calibri" panose="020F0502020204030204" pitchFamily="34" charset="0"/>
+              <a:cs typeface="Times New Roman" panose="02020603050405020304" pitchFamily="18" charset="0"/>
+            </a:endParaRPr>
+          </a:p>
+          <a:p>
+            <a:pPr indent="450215" algn="just">
+              <a:spcAft>
+                <a:spcPts val="800"/>
+              </a:spcAft>
+            </a:pPr>
+            <a:r>
+              <a:rPr lang="ru-RU" sz="1800" dirty="0">
+                <a:effectLst/>
+                <a:latin typeface="Times New Roman" panose="02020603050405020304" pitchFamily="18" charset="0"/>
+                <a:ea typeface="Times New Roman" panose="02020603050405020304" pitchFamily="18" charset="0"/>
+                <a:cs typeface="Times New Roman" panose="02020603050405020304" pitchFamily="18" charset="0"/>
+              </a:rPr>
+              <a:t>– возможность регистрации;</a:t>
+            </a:r>
+            <a:endParaRPr lang="ru-RU" sz="1400" dirty="0">
+              <a:effectLst/>
+              <a:latin typeface="Calibri" panose="020F0502020204030204" pitchFamily="34" charset="0"/>
+              <a:ea typeface="Calibri" panose="020F0502020204030204" pitchFamily="34" charset="0"/>
+              <a:cs typeface="Times New Roman" panose="02020603050405020304" pitchFamily="18" charset="0"/>
+            </a:endParaRPr>
+          </a:p>
+          <a:p>
+            <a:pPr indent="450215" algn="just">
+              <a:lnSpc>
+                <a:spcPct val="150000"/>
+              </a:lnSpc>
+              <a:spcAft>
+                <a:spcPts val="800"/>
+              </a:spcAft>
+            </a:pPr>
+            <a:r>
+              <a:rPr lang="ru-RU" sz="1800" dirty="0">
+                <a:effectLst/>
+                <a:latin typeface="Times New Roman" panose="02020603050405020304" pitchFamily="18" charset="0"/>
+                <a:ea typeface="Times New Roman" panose="02020603050405020304" pitchFamily="18" charset="0"/>
+                <a:cs typeface="Times New Roman" panose="02020603050405020304" pitchFamily="18" charset="0"/>
+              </a:rPr>
+              <a:t>Функционал зарегистрированных пользователей:</a:t>
+            </a:r>
+            <a:endParaRPr lang="ru-RU" sz="1400" dirty="0">
+              <a:effectLst/>
+              <a:latin typeface="Calibri" panose="020F0502020204030204" pitchFamily="34" charset="0"/>
+              <a:ea typeface="Calibri" panose="020F0502020204030204" pitchFamily="34" charset="0"/>
+              <a:cs typeface="Times New Roman" panose="02020603050405020304" pitchFamily="18" charset="0"/>
+            </a:endParaRPr>
+          </a:p>
+          <a:p>
+            <a:pPr indent="450215" algn="just">
+              <a:spcAft>
+                <a:spcPts val="800"/>
+              </a:spcAft>
+            </a:pPr>
+            <a:r>
+              <a:rPr lang="ru-RU" sz="1800" dirty="0">
+                <a:effectLst/>
+                <a:latin typeface="Times New Roman" panose="02020603050405020304" pitchFamily="18" charset="0"/>
+                <a:ea typeface="Times New Roman" panose="02020603050405020304" pitchFamily="18" charset="0"/>
+                <a:cs typeface="Times New Roman" panose="02020603050405020304" pitchFamily="18" charset="0"/>
+              </a:rPr>
+              <a:t>– просмотр спецоборудования; – поиск спецоборудования;</a:t>
+            </a:r>
+            <a:endParaRPr lang="ru-RU" sz="1400" dirty="0">
+              <a:effectLst/>
+              <a:latin typeface="Calibri" panose="020F0502020204030204" pitchFamily="34" charset="0"/>
+              <a:ea typeface="Calibri" panose="020F0502020204030204" pitchFamily="34" charset="0"/>
+              <a:cs typeface="Times New Roman" panose="02020603050405020304" pitchFamily="18" charset="0"/>
+            </a:endParaRPr>
+          </a:p>
+          <a:p>
+            <a:pPr indent="450215" algn="just">
+              <a:spcAft>
+                <a:spcPts val="800"/>
+              </a:spcAft>
+            </a:pPr>
+            <a:r>
+              <a:rPr lang="ru-RU" sz="1800" dirty="0">
+                <a:effectLst/>
+                <a:latin typeface="Times New Roman" panose="02020603050405020304" pitchFamily="18" charset="0"/>
+                <a:ea typeface="Times New Roman" panose="02020603050405020304" pitchFamily="18" charset="0"/>
+                <a:cs typeface="Times New Roman" panose="02020603050405020304" pitchFamily="18" charset="0"/>
+              </a:rPr>
+              <a:t>– формирование заявки; – отправка заявки;</a:t>
+            </a:r>
+            <a:endParaRPr lang="ru-RU" sz="1400" dirty="0">
+              <a:effectLst/>
+              <a:latin typeface="Calibri" panose="020F0502020204030204" pitchFamily="34" charset="0"/>
+              <a:ea typeface="Calibri" panose="020F0502020204030204" pitchFamily="34" charset="0"/>
+              <a:cs typeface="Times New Roman" panose="02020603050405020304" pitchFamily="18" charset="0"/>
+            </a:endParaRPr>
+          </a:p>
+          <a:p>
+            <a:pPr indent="450215" algn="just">
+              <a:spcAft>
+                <a:spcPts val="800"/>
+              </a:spcAft>
+            </a:pPr>
+            <a:r>
+              <a:rPr lang="ru-RU" sz="1800" dirty="0">
+                <a:effectLst/>
+                <a:latin typeface="Times New Roman" panose="02020603050405020304" pitchFamily="18" charset="0"/>
+                <a:ea typeface="Times New Roman" panose="02020603050405020304" pitchFamily="18" charset="0"/>
+                <a:cs typeface="Times New Roman" panose="02020603050405020304" pitchFamily="18" charset="0"/>
+              </a:rPr>
+              <a:t>– авторизация;</a:t>
+            </a:r>
+            <a:endParaRPr lang="ru-RU" sz="1400" dirty="0">
+              <a:effectLst/>
+              <a:latin typeface="Calibri" panose="020F0502020204030204" pitchFamily="34" charset="0"/>
+              <a:ea typeface="Calibri" panose="020F0502020204030204" pitchFamily="34" charset="0"/>
+              <a:cs typeface="Times New Roman" panose="02020603050405020304" pitchFamily="18" charset="0"/>
+            </a:endParaRPr>
+          </a:p>
+          <a:p>
+            <a:pPr indent="450215" algn="just">
+              <a:lnSpc>
+                <a:spcPct val="150000"/>
+              </a:lnSpc>
+              <a:spcAft>
+                <a:spcPts val="800"/>
+              </a:spcAft>
+            </a:pPr>
+            <a:r>
+              <a:rPr lang="ru-RU" sz="1800" dirty="0">
+                <a:effectLst/>
+                <a:latin typeface="Times New Roman" panose="02020603050405020304" pitchFamily="18" charset="0"/>
+                <a:ea typeface="Times New Roman" panose="02020603050405020304" pitchFamily="18" charset="0"/>
+                <a:cs typeface="Times New Roman" panose="02020603050405020304" pitchFamily="18" charset="0"/>
+              </a:rPr>
+              <a:t>Функции администратора:</a:t>
+            </a:r>
+            <a:endParaRPr lang="ru-RU" sz="1400" dirty="0">
+              <a:effectLst/>
+              <a:latin typeface="Calibri" panose="020F0502020204030204" pitchFamily="34" charset="0"/>
+              <a:ea typeface="Calibri" panose="020F0502020204030204" pitchFamily="34" charset="0"/>
+              <a:cs typeface="Times New Roman" panose="02020603050405020304" pitchFamily="18" charset="0"/>
+            </a:endParaRPr>
+          </a:p>
+          <a:p>
+            <a:pPr indent="450215" algn="just">
+              <a:spcAft>
+                <a:spcPts val="800"/>
+              </a:spcAft>
+            </a:pPr>
+            <a:r>
+              <a:rPr lang="ru-RU" sz="1800" dirty="0">
+                <a:effectLst/>
+                <a:latin typeface="Times New Roman" panose="02020603050405020304" pitchFamily="18" charset="0"/>
+                <a:ea typeface="Times New Roman" panose="02020603050405020304" pitchFamily="18" charset="0"/>
+                <a:cs typeface="Times New Roman" panose="02020603050405020304" pitchFamily="18" charset="0"/>
+              </a:rPr>
+              <a:t>– просмотр заявок; – добавление нового спецоборудования;</a:t>
+            </a:r>
+            <a:endParaRPr lang="ru-RU" sz="1400" dirty="0">
+              <a:effectLst/>
+              <a:latin typeface="Calibri" panose="020F0502020204030204" pitchFamily="34" charset="0"/>
+              <a:ea typeface="Calibri" panose="020F0502020204030204" pitchFamily="34" charset="0"/>
+              <a:cs typeface="Times New Roman" panose="02020603050405020304" pitchFamily="18" charset="0"/>
+            </a:endParaRPr>
+          </a:p>
+          <a:p>
+            <a:pPr indent="450215" algn="just">
+              <a:spcAft>
+                <a:spcPts val="800"/>
+              </a:spcAft>
+            </a:pPr>
+            <a:r>
+              <a:rPr lang="ru-RU" sz="1800" dirty="0">
+                <a:effectLst/>
+                <a:latin typeface="Times New Roman" panose="02020603050405020304" pitchFamily="18" charset="0"/>
+                <a:ea typeface="Times New Roman" panose="02020603050405020304" pitchFamily="18" charset="0"/>
+                <a:cs typeface="Times New Roman" panose="02020603050405020304" pitchFamily="18" charset="0"/>
+              </a:rPr>
+              <a:t>– добавление технических характеристик спецоборудования;</a:t>
+            </a:r>
+            <a:endParaRPr lang="ru-RU" sz="1400" dirty="0">
+              <a:effectLst/>
+              <a:latin typeface="Calibri" panose="020F0502020204030204" pitchFamily="34" charset="0"/>
+              <a:ea typeface="Calibri" panose="020F0502020204030204" pitchFamily="34" charset="0"/>
+              <a:cs typeface="Times New Roman" panose="02020603050405020304" pitchFamily="18" charset="0"/>
+            </a:endParaRPr>
+          </a:p>
+          <a:p>
+            <a:pPr indent="450215" algn="just">
+              <a:spcAft>
+                <a:spcPts val="800"/>
+              </a:spcAft>
+            </a:pPr>
+            <a:r>
+              <a:rPr lang="ru-RU" sz="1800" dirty="0">
+                <a:effectLst/>
+                <a:latin typeface="Times New Roman" panose="02020603050405020304" pitchFamily="18" charset="0"/>
+                <a:ea typeface="Times New Roman" panose="02020603050405020304" pitchFamily="18" charset="0"/>
+                <a:cs typeface="Times New Roman" panose="02020603050405020304" pitchFamily="18" charset="0"/>
+              </a:rPr>
+              <a:t>– составление отчетов о прибыли и количестве продаж;</a:t>
+            </a:r>
+            <a:endParaRPr lang="ru-RU" sz="1400" dirty="0">
+              <a:effectLst/>
+              <a:latin typeface="Calibri" panose="020F0502020204030204" pitchFamily="34" charset="0"/>
+              <a:ea typeface="Calibri" panose="020F0502020204030204" pitchFamily="34" charset="0"/>
+              <a:cs typeface="Times New Roman" panose="02020603050405020304" pitchFamily="18" charset="0"/>
+            </a:endParaRPr>
           </a:p>
         </p:txBody>
       </p:sp>
@@ -32572,6 +32971,36 @@
           </a:p>
         </p:txBody>
       </p:sp>
+      <p:pic>
+        <p:nvPicPr>
+          <p:cNvPr id="4" name="Рисунок 3">
+            <a:extLst>
+              <a:ext uri="{FF2B5EF4-FFF2-40B4-BE49-F238E27FC236}">
+                <a16:creationId xmlns:a16="http://schemas.microsoft.com/office/drawing/2014/main" id="{8F542177-C38E-C568-A1E2-D841817789C7}"/>
+              </a:ext>
+            </a:extLst>
+          </p:cNvPr>
+          <p:cNvPicPr>
+            <a:picLocks noChangeAspect="1"/>
+          </p:cNvPicPr>
+          <p:nvPr/>
+        </p:nvPicPr>
+        <p:blipFill>
+          <a:blip r:embed="rId7"/>
+          <a:stretch>
+            <a:fillRect/>
+          </a:stretch>
+        </p:blipFill>
+        <p:spPr>
+          <a:xfrm>
+            <a:off x="2656003" y="1243464"/>
+            <a:ext cx="6641462" cy="4905666"/>
+          </a:xfrm>
+          <a:prstGeom prst="rect">
+            <a:avLst/>
+          </a:prstGeom>
+        </p:spPr>
+      </p:pic>
     </p:spTree>
     <p:extLst>
       <p:ext uri="{BB962C8B-B14F-4D97-AF65-F5344CB8AC3E}">
@@ -32920,6 +33349,88 @@
           </a:p>
         </p:txBody>
       </p:sp>
+      <p:pic>
+        <p:nvPicPr>
+          <p:cNvPr id="4" name="Рисунок 3">
+            <a:extLst>
+              <a:ext uri="{FF2B5EF4-FFF2-40B4-BE49-F238E27FC236}">
+                <a16:creationId xmlns:a16="http://schemas.microsoft.com/office/drawing/2014/main" id="{1314C7AE-8592-EB31-B88B-D929CA7D05D3}"/>
+              </a:ext>
+            </a:extLst>
+          </p:cNvPr>
+          <p:cNvPicPr>
+            <a:picLocks noChangeAspect="1"/>
+          </p:cNvPicPr>
+          <p:nvPr/>
+        </p:nvPicPr>
+        <p:blipFill>
+          <a:blip r:embed="rId7">
+            <a:extLst>
+              <a:ext uri="{28A0092B-C50C-407E-A947-70E740481C1C}">
+                <a14:useLocalDpi xmlns:a14="http://schemas.microsoft.com/office/drawing/2010/main" val="0"/>
+              </a:ext>
+            </a:extLst>
+          </a:blip>
+          <a:srcRect/>
+          <a:stretch>
+            <a:fillRect/>
+          </a:stretch>
+        </p:blipFill>
+        <p:spPr bwMode="auto">
+          <a:xfrm>
+            <a:off x="824576" y="1536382"/>
+            <a:ext cx="5932805" cy="3785235"/>
+          </a:xfrm>
+          <a:prstGeom prst="rect">
+            <a:avLst/>
+          </a:prstGeom>
+          <a:noFill/>
+          <a:ln>
+            <a:noFill/>
+          </a:ln>
+        </p:spPr>
+      </p:pic>
+      <p:pic>
+        <p:nvPicPr>
+          <p:cNvPr id="5" name="Рисунок 4">
+            <a:extLst>
+              <a:ext uri="{FF2B5EF4-FFF2-40B4-BE49-F238E27FC236}">
+                <a16:creationId xmlns:a16="http://schemas.microsoft.com/office/drawing/2014/main" id="{454167C5-BD38-A7A8-8FA7-7B24A4FCC16C}"/>
+              </a:ext>
+            </a:extLst>
+          </p:cNvPr>
+          <p:cNvPicPr>
+            <a:picLocks noChangeAspect="1"/>
+          </p:cNvPicPr>
+          <p:nvPr/>
+        </p:nvPicPr>
+        <p:blipFill>
+          <a:blip r:embed="rId8">
+            <a:extLst>
+              <a:ext uri="{28A0092B-C50C-407E-A947-70E740481C1C}">
+                <a14:useLocalDpi xmlns:a14="http://schemas.microsoft.com/office/drawing/2010/main" val="0"/>
+              </a:ext>
+            </a:extLst>
+          </a:blip>
+          <a:srcRect/>
+          <a:stretch>
+            <a:fillRect/>
+          </a:stretch>
+        </p:blipFill>
+        <p:spPr bwMode="auto">
+          <a:xfrm>
+            <a:off x="6021091" y="1451291"/>
+            <a:ext cx="5932805" cy="3955415"/>
+          </a:xfrm>
+          <a:prstGeom prst="rect">
+            <a:avLst/>
+          </a:prstGeom>
+          <a:noFill/>
+          <a:ln>
+            <a:noFill/>
+          </a:ln>
+        </p:spPr>
+      </p:pic>
     </p:spTree>
     <p:extLst>
       <p:ext uri="{BB962C8B-B14F-4D97-AF65-F5344CB8AC3E}">

--- a/Prezentatsia_VKR_2022.pptx
+++ b/Prezentatsia_VKR_2022.pptx
@@ -8,17 +8,18 @@
     <p:sldId id="256" r:id="rId2"/>
     <p:sldId id="257" r:id="rId3"/>
     <p:sldId id="268" r:id="rId4"/>
-    <p:sldId id="269" r:id="rId5"/>
+    <p:sldId id="271" r:id="rId5"/>
     <p:sldId id="270" r:id="rId6"/>
-    <p:sldId id="271" r:id="rId7"/>
-    <p:sldId id="272" r:id="rId8"/>
-    <p:sldId id="273" r:id="rId9"/>
-    <p:sldId id="274" r:id="rId10"/>
-    <p:sldId id="275" r:id="rId11"/>
-    <p:sldId id="276" r:id="rId12"/>
-    <p:sldId id="277" r:id="rId13"/>
-    <p:sldId id="258" r:id="rId14"/>
-    <p:sldId id="267" r:id="rId15"/>
+    <p:sldId id="269" r:id="rId7"/>
+    <p:sldId id="279" r:id="rId8"/>
+    <p:sldId id="278" r:id="rId9"/>
+    <p:sldId id="272" r:id="rId10"/>
+    <p:sldId id="267" r:id="rId11"/>
+    <p:sldId id="274" r:id="rId12"/>
+    <p:sldId id="275" r:id="rId13"/>
+    <p:sldId id="277" r:id="rId14"/>
+    <p:sldId id="276" r:id="rId15"/>
+    <p:sldId id="258" r:id="rId16"/>
   </p:sldIdLst>
   <p:sldSz cx="12192000" cy="6858000"/>
   <p:notesSz cx="6797675" cy="9926638"/>
@@ -2367,6 +2368,753 @@
 </file>
 
 <file path=ppt/diagrams/colors12.xml><?xml version="1.0" encoding="utf-8"?>
+<dgm:colorsDef xmlns:dgm="http://schemas.openxmlformats.org/drawingml/2006/diagram" xmlns:a="http://schemas.openxmlformats.org/drawingml/2006/main" uniqueId="urn:microsoft.com/office/officeart/2005/8/colors/accent1_2">
+  <dgm:title val=""/>
+  <dgm:desc val=""/>
+  <dgm:catLst>
+    <dgm:cat type="accent1" pri="11200"/>
+  </dgm:catLst>
+  <dgm:styleLbl name="node0">
+    <dgm:fillClrLst meth="repeat">
+      <a:schemeClr val="accent1"/>
+    </dgm:fillClrLst>
+    <dgm:linClrLst meth="repeat">
+      <a:schemeClr val="lt1"/>
+    </dgm:linClrLst>
+    <dgm:effectClrLst/>
+    <dgm:txLinClrLst/>
+    <dgm:txFillClrLst/>
+    <dgm:txEffectClrLst/>
+  </dgm:styleLbl>
+  <dgm:styleLbl name="alignNode1">
+    <dgm:fillClrLst meth="repeat">
+      <a:schemeClr val="accent1"/>
+    </dgm:fillClrLst>
+    <dgm:linClrLst meth="repeat">
+      <a:schemeClr val="accent1"/>
+    </dgm:linClrLst>
+    <dgm:effectClrLst/>
+    <dgm:txLinClrLst/>
+    <dgm:txFillClrLst/>
+    <dgm:txEffectClrLst/>
+  </dgm:styleLbl>
+  <dgm:styleLbl name="node1">
+    <dgm:fillClrLst meth="repeat">
+      <a:schemeClr val="accent1"/>
+    </dgm:fillClrLst>
+    <dgm:linClrLst meth="repeat">
+      <a:schemeClr val="lt1"/>
+    </dgm:linClrLst>
+    <dgm:effectClrLst/>
+    <dgm:txLinClrLst/>
+    <dgm:txFillClrLst/>
+    <dgm:txEffectClrLst/>
+  </dgm:styleLbl>
+  <dgm:styleLbl name="lnNode1">
+    <dgm:fillClrLst meth="repeat">
+      <a:schemeClr val="accent1"/>
+    </dgm:fillClrLst>
+    <dgm:linClrLst meth="repeat">
+      <a:schemeClr val="lt1"/>
+    </dgm:linClrLst>
+    <dgm:effectClrLst/>
+    <dgm:txLinClrLst/>
+    <dgm:txFillClrLst/>
+    <dgm:txEffectClrLst/>
+  </dgm:styleLbl>
+  <dgm:styleLbl name="vennNode1">
+    <dgm:fillClrLst meth="repeat">
+      <a:schemeClr val="accent1">
+        <a:alpha val="50000"/>
+      </a:schemeClr>
+    </dgm:fillClrLst>
+    <dgm:linClrLst meth="repeat">
+      <a:schemeClr val="lt1"/>
+    </dgm:linClrLst>
+    <dgm:effectClrLst/>
+    <dgm:txLinClrLst/>
+    <dgm:txFillClrLst/>
+    <dgm:txEffectClrLst/>
+  </dgm:styleLbl>
+  <dgm:styleLbl name="node2">
+    <dgm:fillClrLst meth="repeat">
+      <a:schemeClr val="accent1"/>
+    </dgm:fillClrLst>
+    <dgm:linClrLst meth="repeat">
+      <a:schemeClr val="lt1"/>
+    </dgm:linClrLst>
+    <dgm:effectClrLst/>
+    <dgm:txLinClrLst/>
+    <dgm:txFillClrLst/>
+    <dgm:txEffectClrLst/>
+  </dgm:styleLbl>
+  <dgm:styleLbl name="node3">
+    <dgm:fillClrLst meth="repeat">
+      <a:schemeClr val="accent1"/>
+    </dgm:fillClrLst>
+    <dgm:linClrLst meth="repeat">
+      <a:schemeClr val="lt1"/>
+    </dgm:linClrLst>
+    <dgm:effectClrLst/>
+    <dgm:txLinClrLst/>
+    <dgm:txFillClrLst/>
+    <dgm:txEffectClrLst/>
+  </dgm:styleLbl>
+  <dgm:styleLbl name="node4">
+    <dgm:fillClrLst meth="repeat">
+      <a:schemeClr val="accent1"/>
+    </dgm:fillClrLst>
+    <dgm:linClrLst meth="repeat">
+      <a:schemeClr val="lt1"/>
+    </dgm:linClrLst>
+    <dgm:effectClrLst/>
+    <dgm:txLinClrLst/>
+    <dgm:txFillClrLst/>
+    <dgm:txEffectClrLst/>
+  </dgm:styleLbl>
+  <dgm:styleLbl name="fgImgPlace1">
+    <dgm:fillClrLst meth="repeat">
+      <a:schemeClr val="accent1">
+        <a:tint val="50000"/>
+      </a:schemeClr>
+    </dgm:fillClrLst>
+    <dgm:linClrLst meth="repeat">
+      <a:schemeClr val="lt1"/>
+    </dgm:linClrLst>
+    <dgm:effectClrLst/>
+    <dgm:txLinClrLst/>
+    <dgm:txFillClrLst meth="repeat">
+      <a:schemeClr val="lt1"/>
+    </dgm:txFillClrLst>
+    <dgm:txEffectClrLst/>
+  </dgm:styleLbl>
+  <dgm:styleLbl name="alignImgPlace1">
+    <dgm:fillClrLst meth="repeat">
+      <a:schemeClr val="accent1">
+        <a:tint val="50000"/>
+      </a:schemeClr>
+    </dgm:fillClrLst>
+    <dgm:linClrLst meth="repeat">
+      <a:schemeClr val="lt1"/>
+    </dgm:linClrLst>
+    <dgm:effectClrLst/>
+    <dgm:txLinClrLst/>
+    <dgm:txFillClrLst meth="repeat">
+      <a:schemeClr val="lt1"/>
+    </dgm:txFillClrLst>
+    <dgm:txEffectClrLst/>
+  </dgm:styleLbl>
+  <dgm:styleLbl name="bgImgPlace1">
+    <dgm:fillClrLst meth="repeat">
+      <a:schemeClr val="accent1">
+        <a:tint val="50000"/>
+      </a:schemeClr>
+    </dgm:fillClrLst>
+    <dgm:linClrLst meth="repeat">
+      <a:schemeClr val="lt1"/>
+    </dgm:linClrLst>
+    <dgm:effectClrLst/>
+    <dgm:txLinClrLst/>
+    <dgm:txFillClrLst meth="repeat">
+      <a:schemeClr val="lt1"/>
+    </dgm:txFillClrLst>
+    <dgm:txEffectClrLst/>
+  </dgm:styleLbl>
+  <dgm:styleLbl name="sibTrans2D1">
+    <dgm:fillClrLst meth="repeat">
+      <a:schemeClr val="accent1">
+        <a:tint val="60000"/>
+      </a:schemeClr>
+    </dgm:fillClrLst>
+    <dgm:linClrLst meth="repeat">
+      <a:schemeClr val="accent1">
+        <a:tint val="60000"/>
+      </a:schemeClr>
+    </dgm:linClrLst>
+    <dgm:effectClrLst/>
+    <dgm:txLinClrLst/>
+    <dgm:txFillClrLst/>
+    <dgm:txEffectClrLst/>
+  </dgm:styleLbl>
+  <dgm:styleLbl name="fgSibTrans2D1">
+    <dgm:fillClrLst meth="repeat">
+      <a:schemeClr val="accent1">
+        <a:tint val="60000"/>
+      </a:schemeClr>
+    </dgm:fillClrLst>
+    <dgm:linClrLst meth="repeat">
+      <a:schemeClr val="accent1">
+        <a:tint val="60000"/>
+      </a:schemeClr>
+    </dgm:linClrLst>
+    <dgm:effectClrLst/>
+    <dgm:txLinClrLst/>
+    <dgm:txFillClrLst/>
+    <dgm:txEffectClrLst/>
+  </dgm:styleLbl>
+  <dgm:styleLbl name="bgSibTrans2D1">
+    <dgm:fillClrLst meth="repeat">
+      <a:schemeClr val="accent1">
+        <a:tint val="60000"/>
+      </a:schemeClr>
+    </dgm:fillClrLst>
+    <dgm:linClrLst meth="repeat">
+      <a:schemeClr val="accent1">
+        <a:tint val="60000"/>
+      </a:schemeClr>
+    </dgm:linClrLst>
+    <dgm:effectClrLst/>
+    <dgm:txLinClrLst/>
+    <dgm:txFillClrLst/>
+    <dgm:txEffectClrLst/>
+  </dgm:styleLbl>
+  <dgm:styleLbl name="sibTrans1D1">
+    <dgm:fillClrLst meth="repeat">
+      <a:schemeClr val="accent1"/>
+    </dgm:fillClrLst>
+    <dgm:linClrLst meth="repeat">
+      <a:schemeClr val="accent1"/>
+    </dgm:linClrLst>
+    <dgm:effectClrLst/>
+    <dgm:txLinClrLst/>
+    <dgm:txFillClrLst meth="repeat">
+      <a:schemeClr val="tx1"/>
+    </dgm:txFillClrLst>
+    <dgm:txEffectClrLst/>
+  </dgm:styleLbl>
+  <dgm:styleLbl name="callout">
+    <dgm:fillClrLst meth="repeat">
+      <a:schemeClr val="accent1"/>
+    </dgm:fillClrLst>
+    <dgm:linClrLst meth="repeat">
+      <a:schemeClr val="accent1">
+        <a:tint val="50000"/>
+      </a:schemeClr>
+    </dgm:linClrLst>
+    <dgm:effectClrLst/>
+    <dgm:txLinClrLst/>
+    <dgm:txFillClrLst meth="repeat">
+      <a:schemeClr val="tx1"/>
+    </dgm:txFillClrLst>
+    <dgm:txEffectClrLst/>
+  </dgm:styleLbl>
+  <dgm:styleLbl name="asst0">
+    <dgm:fillClrLst meth="repeat">
+      <a:schemeClr val="accent1"/>
+    </dgm:fillClrLst>
+    <dgm:linClrLst meth="repeat">
+      <a:schemeClr val="lt1"/>
+    </dgm:linClrLst>
+    <dgm:effectClrLst/>
+    <dgm:txLinClrLst/>
+    <dgm:txFillClrLst/>
+    <dgm:txEffectClrLst/>
+  </dgm:styleLbl>
+  <dgm:styleLbl name="asst1">
+    <dgm:fillClrLst meth="repeat">
+      <a:schemeClr val="accent1"/>
+    </dgm:fillClrLst>
+    <dgm:linClrLst meth="repeat">
+      <a:schemeClr val="lt1"/>
+    </dgm:linClrLst>
+    <dgm:effectClrLst/>
+    <dgm:txLinClrLst/>
+    <dgm:txFillClrLst/>
+    <dgm:txEffectClrLst/>
+  </dgm:styleLbl>
+  <dgm:styleLbl name="asst2">
+    <dgm:fillClrLst meth="repeat">
+      <a:schemeClr val="accent1"/>
+    </dgm:fillClrLst>
+    <dgm:linClrLst meth="repeat">
+      <a:schemeClr val="lt1"/>
+    </dgm:linClrLst>
+    <dgm:effectClrLst/>
+    <dgm:txLinClrLst/>
+    <dgm:txFillClrLst/>
+    <dgm:txEffectClrLst/>
+  </dgm:styleLbl>
+  <dgm:styleLbl name="asst3">
+    <dgm:fillClrLst meth="repeat">
+      <a:schemeClr val="accent1"/>
+    </dgm:fillClrLst>
+    <dgm:linClrLst meth="repeat">
+      <a:schemeClr val="lt1"/>
+    </dgm:linClrLst>
+    <dgm:effectClrLst/>
+    <dgm:txLinClrLst/>
+    <dgm:txFillClrLst/>
+    <dgm:txEffectClrLst/>
+  </dgm:styleLbl>
+  <dgm:styleLbl name="asst4">
+    <dgm:fillClrLst meth="repeat">
+      <a:schemeClr val="accent1"/>
+    </dgm:fillClrLst>
+    <dgm:linClrLst meth="repeat">
+      <a:schemeClr val="lt1"/>
+    </dgm:linClrLst>
+    <dgm:effectClrLst/>
+    <dgm:txLinClrLst/>
+    <dgm:txFillClrLst/>
+    <dgm:txEffectClrLst/>
+  </dgm:styleLbl>
+  <dgm:styleLbl name="parChTrans2D1">
+    <dgm:fillClrLst meth="repeat">
+      <a:schemeClr val="accent1">
+        <a:tint val="60000"/>
+      </a:schemeClr>
+    </dgm:fillClrLst>
+    <dgm:linClrLst meth="repeat">
+      <a:schemeClr val="accent1">
+        <a:tint val="60000"/>
+      </a:schemeClr>
+    </dgm:linClrLst>
+    <dgm:effectClrLst/>
+    <dgm:txLinClrLst/>
+    <dgm:txFillClrLst meth="repeat">
+      <a:schemeClr val="lt1"/>
+    </dgm:txFillClrLst>
+    <dgm:txEffectClrLst/>
+  </dgm:styleLbl>
+  <dgm:styleLbl name="parChTrans2D2">
+    <dgm:fillClrLst meth="repeat">
+      <a:schemeClr val="accent1"/>
+    </dgm:fillClrLst>
+    <dgm:linClrLst meth="repeat">
+      <a:schemeClr val="accent1"/>
+    </dgm:linClrLst>
+    <dgm:effectClrLst/>
+    <dgm:txLinClrLst/>
+    <dgm:txFillClrLst meth="repeat">
+      <a:schemeClr val="lt1"/>
+    </dgm:txFillClrLst>
+    <dgm:txEffectClrLst/>
+  </dgm:styleLbl>
+  <dgm:styleLbl name="parChTrans2D3">
+    <dgm:fillClrLst meth="repeat">
+      <a:schemeClr val="accent1"/>
+    </dgm:fillClrLst>
+    <dgm:linClrLst meth="repeat">
+      <a:schemeClr val="accent1"/>
+    </dgm:linClrLst>
+    <dgm:effectClrLst/>
+    <dgm:txLinClrLst/>
+    <dgm:txFillClrLst meth="repeat">
+      <a:schemeClr val="lt1"/>
+    </dgm:txFillClrLst>
+    <dgm:txEffectClrLst/>
+  </dgm:styleLbl>
+  <dgm:styleLbl name="parChTrans2D4">
+    <dgm:fillClrLst meth="repeat">
+      <a:schemeClr val="accent1"/>
+    </dgm:fillClrLst>
+    <dgm:linClrLst meth="repeat">
+      <a:schemeClr val="accent1"/>
+    </dgm:linClrLst>
+    <dgm:effectClrLst/>
+    <dgm:txLinClrLst/>
+    <dgm:txFillClrLst meth="repeat">
+      <a:schemeClr val="lt1"/>
+    </dgm:txFillClrLst>
+    <dgm:txEffectClrLst/>
+  </dgm:styleLbl>
+  <dgm:styleLbl name="parChTrans1D1">
+    <dgm:fillClrLst meth="repeat">
+      <a:schemeClr val="accent1"/>
+    </dgm:fillClrLst>
+    <dgm:linClrLst meth="repeat">
+      <a:schemeClr val="accent1">
+        <a:shade val="60000"/>
+      </a:schemeClr>
+    </dgm:linClrLst>
+    <dgm:effectClrLst/>
+    <dgm:txLinClrLst/>
+    <dgm:txFillClrLst meth="repeat">
+      <a:schemeClr val="tx1"/>
+    </dgm:txFillClrLst>
+    <dgm:txEffectClrLst/>
+  </dgm:styleLbl>
+  <dgm:styleLbl name="parChTrans1D2">
+    <dgm:fillClrLst meth="repeat">
+      <a:schemeClr val="accent1"/>
+    </dgm:fillClrLst>
+    <dgm:linClrLst meth="repeat">
+      <a:schemeClr val="accent1">
+        <a:shade val="60000"/>
+      </a:schemeClr>
+    </dgm:linClrLst>
+    <dgm:effectClrLst/>
+    <dgm:txLinClrLst/>
+    <dgm:txFillClrLst meth="repeat">
+      <a:schemeClr val="tx1"/>
+    </dgm:txFillClrLst>
+    <dgm:txEffectClrLst/>
+  </dgm:styleLbl>
+  <dgm:styleLbl name="parChTrans1D3">
+    <dgm:fillClrLst meth="repeat">
+      <a:schemeClr val="accent1"/>
+    </dgm:fillClrLst>
+    <dgm:linClrLst meth="repeat">
+      <a:schemeClr val="accent1">
+        <a:shade val="80000"/>
+      </a:schemeClr>
+    </dgm:linClrLst>
+    <dgm:effectClrLst/>
+    <dgm:txLinClrLst/>
+    <dgm:txFillClrLst meth="repeat">
+      <a:schemeClr val="tx1"/>
+    </dgm:txFillClrLst>
+    <dgm:txEffectClrLst/>
+  </dgm:styleLbl>
+  <dgm:styleLbl name="parChTrans1D4">
+    <dgm:fillClrLst meth="repeat">
+      <a:schemeClr val="accent1"/>
+    </dgm:fillClrLst>
+    <dgm:linClrLst meth="repeat">
+      <a:schemeClr val="accent1">
+        <a:shade val="80000"/>
+      </a:schemeClr>
+    </dgm:linClrLst>
+    <dgm:effectClrLst/>
+    <dgm:txLinClrLst/>
+    <dgm:txFillClrLst meth="repeat">
+      <a:schemeClr val="tx1"/>
+    </dgm:txFillClrLst>
+    <dgm:txEffectClrLst/>
+  </dgm:styleLbl>
+  <dgm:styleLbl name="fgAcc1">
+    <dgm:fillClrLst meth="repeat">
+      <a:schemeClr val="lt1">
+        <a:alpha val="90000"/>
+      </a:schemeClr>
+    </dgm:fillClrLst>
+    <dgm:linClrLst meth="repeat">
+      <a:schemeClr val="accent1"/>
+    </dgm:linClrLst>
+    <dgm:effectClrLst/>
+    <dgm:txLinClrLst/>
+    <dgm:txFillClrLst meth="repeat">
+      <a:schemeClr val="dk1"/>
+    </dgm:txFillClrLst>
+    <dgm:txEffectClrLst/>
+  </dgm:styleLbl>
+  <dgm:styleLbl name="conFgAcc1">
+    <dgm:fillClrLst meth="repeat">
+      <a:schemeClr val="lt1">
+        <a:alpha val="90000"/>
+      </a:schemeClr>
+    </dgm:fillClrLst>
+    <dgm:linClrLst meth="repeat">
+      <a:schemeClr val="accent1"/>
+    </dgm:linClrLst>
+    <dgm:effectClrLst/>
+    <dgm:txLinClrLst/>
+    <dgm:txFillClrLst meth="repeat">
+      <a:schemeClr val="dk1"/>
+    </dgm:txFillClrLst>
+    <dgm:txEffectClrLst/>
+  </dgm:styleLbl>
+  <dgm:styleLbl name="alignAcc1">
+    <dgm:fillClrLst meth="repeat">
+      <a:schemeClr val="lt1">
+        <a:alpha val="90000"/>
+      </a:schemeClr>
+    </dgm:fillClrLst>
+    <dgm:linClrLst meth="repeat">
+      <a:schemeClr val="accent1"/>
+    </dgm:linClrLst>
+    <dgm:effectClrLst/>
+    <dgm:txLinClrLst/>
+    <dgm:txFillClrLst meth="repeat">
+      <a:schemeClr val="dk1"/>
+    </dgm:txFillClrLst>
+    <dgm:txEffectClrLst/>
+  </dgm:styleLbl>
+  <dgm:styleLbl name="trAlignAcc1">
+    <dgm:fillClrLst meth="repeat">
+      <a:schemeClr val="lt1">
+        <a:alpha val="40000"/>
+      </a:schemeClr>
+    </dgm:fillClrLst>
+    <dgm:linClrLst meth="repeat">
+      <a:schemeClr val="accent1"/>
+    </dgm:linClrLst>
+    <dgm:effectClrLst/>
+    <dgm:txLinClrLst/>
+    <dgm:txFillClrLst meth="repeat">
+      <a:schemeClr val="dk1"/>
+    </dgm:txFillClrLst>
+    <dgm:txEffectClrLst/>
+  </dgm:styleLbl>
+  <dgm:styleLbl name="bgAcc1">
+    <dgm:fillClrLst meth="repeat">
+      <a:schemeClr val="lt1">
+        <a:alpha val="90000"/>
+      </a:schemeClr>
+    </dgm:fillClrLst>
+    <dgm:linClrLst meth="repeat">
+      <a:schemeClr val="accent1"/>
+    </dgm:linClrLst>
+    <dgm:effectClrLst/>
+    <dgm:txLinClrLst/>
+    <dgm:txFillClrLst meth="repeat">
+      <a:schemeClr val="dk1"/>
+    </dgm:txFillClrLst>
+    <dgm:txEffectClrLst/>
+  </dgm:styleLbl>
+  <dgm:styleLbl name="solidFgAcc1">
+    <dgm:fillClrLst meth="repeat">
+      <a:schemeClr val="lt1"/>
+    </dgm:fillClrLst>
+    <dgm:linClrLst meth="repeat">
+      <a:schemeClr val="accent1"/>
+    </dgm:linClrLst>
+    <dgm:effectClrLst/>
+    <dgm:txLinClrLst/>
+    <dgm:txFillClrLst meth="repeat">
+      <a:schemeClr val="dk1"/>
+    </dgm:txFillClrLst>
+    <dgm:txEffectClrLst/>
+  </dgm:styleLbl>
+  <dgm:styleLbl name="solidAlignAcc1">
+    <dgm:fillClrLst meth="repeat">
+      <a:schemeClr val="lt1"/>
+    </dgm:fillClrLst>
+    <dgm:linClrLst meth="repeat">
+      <a:schemeClr val="accent1"/>
+    </dgm:linClrLst>
+    <dgm:effectClrLst/>
+    <dgm:txLinClrLst/>
+    <dgm:txFillClrLst meth="repeat">
+      <a:schemeClr val="dk1"/>
+    </dgm:txFillClrLst>
+    <dgm:txEffectClrLst/>
+  </dgm:styleLbl>
+  <dgm:styleLbl name="solidBgAcc1">
+    <dgm:fillClrLst meth="repeat">
+      <a:schemeClr val="lt1"/>
+    </dgm:fillClrLst>
+    <dgm:linClrLst meth="repeat">
+      <a:schemeClr val="accent1"/>
+    </dgm:linClrLst>
+    <dgm:effectClrLst/>
+    <dgm:txLinClrLst/>
+    <dgm:txFillClrLst meth="repeat">
+      <a:schemeClr val="dk1"/>
+    </dgm:txFillClrLst>
+    <dgm:txEffectClrLst/>
+  </dgm:styleLbl>
+  <dgm:styleLbl name="fgAccFollowNode1">
+    <dgm:fillClrLst meth="repeat">
+      <a:schemeClr val="accent1">
+        <a:alpha val="90000"/>
+        <a:tint val="40000"/>
+      </a:schemeClr>
+    </dgm:fillClrLst>
+    <dgm:linClrLst meth="repeat">
+      <a:schemeClr val="accent1">
+        <a:alpha val="90000"/>
+        <a:tint val="40000"/>
+      </a:schemeClr>
+    </dgm:linClrLst>
+    <dgm:effectClrLst/>
+    <dgm:txLinClrLst/>
+    <dgm:txFillClrLst meth="repeat">
+      <a:schemeClr val="dk1"/>
+    </dgm:txFillClrLst>
+    <dgm:txEffectClrLst/>
+  </dgm:styleLbl>
+  <dgm:styleLbl name="alignAccFollowNode1">
+    <dgm:fillClrLst meth="repeat">
+      <a:schemeClr val="accent1">
+        <a:alpha val="90000"/>
+        <a:tint val="40000"/>
+      </a:schemeClr>
+    </dgm:fillClrLst>
+    <dgm:linClrLst meth="repeat">
+      <a:schemeClr val="accent1">
+        <a:alpha val="90000"/>
+        <a:tint val="40000"/>
+      </a:schemeClr>
+    </dgm:linClrLst>
+    <dgm:effectClrLst/>
+    <dgm:txLinClrLst/>
+    <dgm:txFillClrLst meth="repeat">
+      <a:schemeClr val="dk1"/>
+    </dgm:txFillClrLst>
+    <dgm:txEffectClrLst/>
+  </dgm:styleLbl>
+  <dgm:styleLbl name="bgAccFollowNode1">
+    <dgm:fillClrLst meth="repeat">
+      <a:schemeClr val="accent1">
+        <a:alpha val="90000"/>
+        <a:tint val="40000"/>
+      </a:schemeClr>
+    </dgm:fillClrLst>
+    <dgm:linClrLst meth="repeat">
+      <a:schemeClr val="accent1">
+        <a:alpha val="90000"/>
+        <a:tint val="40000"/>
+      </a:schemeClr>
+    </dgm:linClrLst>
+    <dgm:effectClrLst/>
+    <dgm:txLinClrLst/>
+    <dgm:txFillClrLst meth="repeat">
+      <a:schemeClr val="dk1"/>
+    </dgm:txFillClrLst>
+    <dgm:txEffectClrLst/>
+  </dgm:styleLbl>
+  <dgm:styleLbl name="fgAcc0">
+    <dgm:fillClrLst meth="repeat">
+      <a:schemeClr val="lt1">
+        <a:alpha val="90000"/>
+      </a:schemeClr>
+    </dgm:fillClrLst>
+    <dgm:linClrLst meth="repeat">
+      <a:schemeClr val="accent1"/>
+    </dgm:linClrLst>
+    <dgm:effectClrLst/>
+    <dgm:txLinClrLst/>
+    <dgm:txFillClrLst meth="repeat">
+      <a:schemeClr val="dk1"/>
+    </dgm:txFillClrLst>
+    <dgm:txEffectClrLst/>
+  </dgm:styleLbl>
+  <dgm:styleLbl name="fgAcc2">
+    <dgm:fillClrLst meth="repeat">
+      <a:schemeClr val="lt1">
+        <a:alpha val="90000"/>
+      </a:schemeClr>
+    </dgm:fillClrLst>
+    <dgm:linClrLst meth="repeat">
+      <a:schemeClr val="accent1"/>
+    </dgm:linClrLst>
+    <dgm:effectClrLst/>
+    <dgm:txLinClrLst/>
+    <dgm:txFillClrLst meth="repeat">
+      <a:schemeClr val="dk1"/>
+    </dgm:txFillClrLst>
+    <dgm:txEffectClrLst/>
+  </dgm:styleLbl>
+  <dgm:styleLbl name="fgAcc3">
+    <dgm:fillClrLst meth="repeat">
+      <a:schemeClr val="lt1">
+        <a:alpha val="90000"/>
+      </a:schemeClr>
+    </dgm:fillClrLst>
+    <dgm:linClrLst meth="repeat">
+      <a:schemeClr val="accent1"/>
+    </dgm:linClrLst>
+    <dgm:effectClrLst/>
+    <dgm:txLinClrLst/>
+    <dgm:txFillClrLst meth="repeat">
+      <a:schemeClr val="dk1"/>
+    </dgm:txFillClrLst>
+    <dgm:txEffectClrLst/>
+  </dgm:styleLbl>
+  <dgm:styleLbl name="fgAcc4">
+    <dgm:fillClrLst meth="repeat">
+      <a:schemeClr val="lt1">
+        <a:alpha val="90000"/>
+      </a:schemeClr>
+    </dgm:fillClrLst>
+    <dgm:linClrLst meth="repeat">
+      <a:schemeClr val="accent1"/>
+    </dgm:linClrLst>
+    <dgm:effectClrLst/>
+    <dgm:txLinClrLst/>
+    <dgm:txFillClrLst meth="repeat">
+      <a:schemeClr val="dk1"/>
+    </dgm:txFillClrLst>
+    <dgm:txEffectClrLst/>
+  </dgm:styleLbl>
+  <dgm:styleLbl name="bgShp">
+    <dgm:fillClrLst meth="repeat">
+      <a:schemeClr val="accent1">
+        <a:tint val="40000"/>
+      </a:schemeClr>
+    </dgm:fillClrLst>
+    <dgm:linClrLst meth="repeat">
+      <a:schemeClr val="accent1"/>
+    </dgm:linClrLst>
+    <dgm:effectClrLst/>
+    <dgm:txLinClrLst/>
+    <dgm:txFillClrLst meth="repeat">
+      <a:schemeClr val="dk1"/>
+    </dgm:txFillClrLst>
+    <dgm:txEffectClrLst/>
+  </dgm:styleLbl>
+  <dgm:styleLbl name="dkBgShp">
+    <dgm:fillClrLst meth="repeat">
+      <a:schemeClr val="accent1">
+        <a:shade val="80000"/>
+      </a:schemeClr>
+    </dgm:fillClrLst>
+    <dgm:linClrLst meth="repeat">
+      <a:schemeClr val="accent1"/>
+    </dgm:linClrLst>
+    <dgm:effectClrLst/>
+    <dgm:txLinClrLst/>
+    <dgm:txFillClrLst meth="repeat">
+      <a:schemeClr val="lt1"/>
+    </dgm:txFillClrLst>
+    <dgm:txEffectClrLst/>
+  </dgm:styleLbl>
+  <dgm:styleLbl name="trBgShp">
+    <dgm:fillClrLst meth="repeat">
+      <a:schemeClr val="accent1">
+        <a:tint val="50000"/>
+        <a:alpha val="40000"/>
+      </a:schemeClr>
+    </dgm:fillClrLst>
+    <dgm:linClrLst meth="repeat">
+      <a:schemeClr val="accent1"/>
+    </dgm:linClrLst>
+    <dgm:effectClrLst/>
+    <dgm:txLinClrLst/>
+    <dgm:txFillClrLst meth="repeat">
+      <a:schemeClr val="lt1"/>
+    </dgm:txFillClrLst>
+    <dgm:txEffectClrLst/>
+  </dgm:styleLbl>
+  <dgm:styleLbl name="fgShp">
+    <dgm:fillClrLst meth="repeat">
+      <a:schemeClr val="accent1">
+        <a:tint val="60000"/>
+      </a:schemeClr>
+    </dgm:fillClrLst>
+    <dgm:linClrLst meth="repeat">
+      <a:schemeClr val="lt1"/>
+    </dgm:linClrLst>
+    <dgm:effectClrLst/>
+    <dgm:txLinClrLst/>
+    <dgm:txFillClrLst meth="repeat">
+      <a:schemeClr val="dk1"/>
+    </dgm:txFillClrLst>
+    <dgm:txEffectClrLst/>
+  </dgm:styleLbl>
+  <dgm:styleLbl name="revTx">
+    <dgm:fillClrLst meth="repeat">
+      <a:schemeClr val="lt1">
+        <a:alpha val="0"/>
+      </a:schemeClr>
+    </dgm:fillClrLst>
+    <dgm:linClrLst meth="repeat">
+      <a:schemeClr val="dk1">
+        <a:alpha val="0"/>
+      </a:schemeClr>
+    </dgm:linClrLst>
+    <dgm:effectClrLst/>
+    <dgm:txLinClrLst/>
+    <dgm:txFillClrLst meth="repeat">
+      <a:schemeClr val="tx1"/>
+    </dgm:txFillClrLst>
+    <dgm:txEffectClrLst/>
+  </dgm:styleLbl>
+</dgm:colorsDef>
+</file>
+
+<file path=ppt/diagrams/colors13.xml><?xml version="1.0" encoding="utf-8"?>
 <dgm:colorsDef xmlns:dgm="http://schemas.openxmlformats.org/drawingml/2006/diagram" xmlns:a="http://schemas.openxmlformats.org/drawingml/2006/main" uniqueId="urn:microsoft.com/office/officeart/2005/8/colors/accent1_2">
   <dgm:title val=""/>
   <dgm:desc val=""/>
@@ -9586,20 +10334,20 @@
         <a:p>
           <a:pPr algn="l"/>
           <a:r>
+            <a:rPr lang="en-US" sz="3200" dirty="0">
+              <a:solidFill>
+                <a:schemeClr val="bg1"/>
+              </a:solidFill>
+            </a:rPr>
+            <a:t> </a:t>
+          </a:r>
+          <a:r>
             <a:rPr lang="ru-RU" sz="3200" dirty="0">
               <a:solidFill>
                 <a:schemeClr val="bg1"/>
               </a:solidFill>
             </a:rPr>
-            <a:t>  </a:t>
-          </a:r>
-          <a:r>
-            <a:rPr lang="ru-RU" sz="5400" dirty="0">
-              <a:solidFill>
-                <a:schemeClr val="bg1"/>
-              </a:solidFill>
-            </a:rPr>
-            <a:t>Благодарю за внимание</a:t>
+            <a:t>Цели и задачи выпускной квалификационной работы</a:t>
           </a:r>
         </a:p>
       </dgm:t>
@@ -9679,7 +10427,7 @@
       <dgm:spPr/>
     </dgm:pt>
     <dgm:pt modelId="{75282B76-4A1B-4043-A722-B53657DB0DAA}" type="pres">
-      <dgm:prSet presAssocID="{24DA3925-63AE-407D-8E66-6C4C642F9F63}" presName="parTxOnly" presStyleLbl="node1" presStyleIdx="0" presStyleCnt="2" custScaleX="99839" custLinFactNeighborX="-51" custLinFactNeighborY="-2381">
+      <dgm:prSet presAssocID="{24DA3925-63AE-407D-8E66-6C4C642F9F63}" presName="parTxOnly" presStyleLbl="node1" presStyleIdx="0" presStyleCnt="2" custScaleX="99839">
         <dgm:presLayoutVars>
           <dgm:bulletEnabled val="1"/>
         </dgm:presLayoutVars>
@@ -9709,7 +10457,9 @@
     <dgm:cxn modelId="{93B0FF22-25BA-494C-8964-1770C03464FC}" type="presParOf" srcId="{AED4F812-677E-4E89-B8CE-F2C7F38AC0A6}" destId="{DB9EC306-56F5-4825-A41F-F9876FC9E125}" srcOrd="1" destOrd="0" presId="urn:microsoft.com/office/officeart/2005/8/layout/hChevron3"/>
     <dgm:cxn modelId="{94272AE6-D0B0-44C4-B190-114BD7DCDDC5}" type="presParOf" srcId="{AED4F812-677E-4E89-B8CE-F2C7F38AC0A6}" destId="{9F5C6265-53CB-4DCC-8DA2-23A6A2126ABB}" srcOrd="2" destOrd="0" presId="urn:microsoft.com/office/officeart/2005/8/layout/hChevron3"/>
   </dgm:cxnLst>
-  <dgm:bg/>
+  <dgm:bg>
+    <a:noFill/>
+  </dgm:bg>
   <dgm:whole/>
   <dgm:extLst>
     <a:ext uri="http://schemas.microsoft.com/office/drawing/2008/diagram">
@@ -9719,7 +10469,7 @@
 </dgm:dataModel>
 </file>
 
-<file path=ppt/diagrams/data2.xml><?xml version="1.0" encoding="utf-8"?>
+<file path=ppt/diagrams/data13.xml><?xml version="1.0" encoding="utf-8"?>
 <dgm:dataModel xmlns:dgm="http://schemas.openxmlformats.org/drawingml/2006/diagram" xmlns:a="http://schemas.openxmlformats.org/drawingml/2006/main">
   <dgm:ptLst>
     <dgm:pt modelId="{CDB5BEA3-373E-4D4F-AA39-79969E9444C2}" type="doc">
@@ -9877,12 +10627,55 @@
 </dgm:dataModel>
 </file>
 
-<file path=ppt/diagrams/data3.xml><?xml version="1.0" encoding="utf-8"?>
+<file path=ppt/diagrams/data2.xml><?xml version="1.0" encoding="utf-8"?>
 <dgm:dataModel xmlns:dgm="http://schemas.openxmlformats.org/drawingml/2006/diagram" xmlns:a="http://schemas.openxmlformats.org/drawingml/2006/main">
   <dgm:ptLst>
     <dgm:pt modelId="{CDB5BEA3-373E-4D4F-AA39-79969E9444C2}" type="doc">
       <dgm:prSet loTypeId="urn:microsoft.com/office/officeart/2005/8/layout/hChevron3" loCatId="process" qsTypeId="urn:microsoft.com/office/officeart/2005/8/quickstyle/simple1" qsCatId="simple" csTypeId="urn:microsoft.com/office/officeart/2005/8/colors/accent1_2" csCatId="accent1" phldr="1"/>
       <dgm:spPr/>
+    </dgm:pt>
+    <dgm:pt modelId="{4A8396AD-A936-460D-A7D5-1DEBA706005D}">
+      <dgm:prSet phldrT="[Текст]"/>
+      <dgm:spPr>
+        <a:solidFill>
+          <a:srgbClr val="0A5283"/>
+        </a:solidFill>
+        <a:ln>
+          <a:noFill/>
+        </a:ln>
+      </dgm:spPr>
+      <dgm:t>
+        <a:bodyPr/>
+        <a:lstStyle/>
+        <a:p>
+          <a:r>
+            <a:rPr lang="ru-RU" dirty="0"/>
+            <a:t> </a:t>
+          </a:r>
+        </a:p>
+      </dgm:t>
+    </dgm:pt>
+    <dgm:pt modelId="{E9EE92E9-D700-44D9-B60C-0C9C6EBFEB0E}" type="parTrans" cxnId="{760F2005-5D68-4B1E-BE3B-7ACE1545D565}">
+      <dgm:prSet/>
+      <dgm:spPr/>
+      <dgm:t>
+        <a:bodyPr/>
+        <a:lstStyle/>
+        <a:p>
+          <a:endParaRPr lang="ru-RU"/>
+        </a:p>
+      </dgm:t>
+    </dgm:pt>
+    <dgm:pt modelId="{3B2DCDAA-DBCC-4FEB-BCF4-ED247A1B7EB7}" type="sibTrans" cxnId="{760F2005-5D68-4B1E-BE3B-7ACE1545D565}">
+      <dgm:prSet/>
+      <dgm:spPr/>
+      <dgm:t>
+        <a:bodyPr/>
+        <a:lstStyle/>
+        <a:p>
+          <a:endParaRPr lang="ru-RU"/>
+        </a:p>
+      </dgm:t>
     </dgm:pt>
     <dgm:pt modelId="{24DA3925-63AE-407D-8E66-6C4C642F9F63}">
       <dgm:prSet phldrT="[Текст]" custT="1"/>
@@ -9913,7 +10706,114 @@
                 <a:schemeClr val="bg1"/>
               </a:solidFill>
             </a:rPr>
-            <a:t>Цели и задачи выпускной квалификационной работы</a:t>
+            <a:t>Реализуемый функционал</a:t>
+          </a:r>
+        </a:p>
+      </dgm:t>
+    </dgm:pt>
+    <dgm:pt modelId="{E0103FFF-3D73-4356-87EE-1E1A391833AA}" type="sibTrans" cxnId="{91853C7C-A62A-45E1-9276-D1D47CA2476F}">
+      <dgm:prSet/>
+      <dgm:spPr/>
+      <dgm:t>
+        <a:bodyPr/>
+        <a:lstStyle/>
+        <a:p>
+          <a:endParaRPr lang="ru-RU"/>
+        </a:p>
+      </dgm:t>
+    </dgm:pt>
+    <dgm:pt modelId="{DCC1E86C-1908-4B5E-B7C0-89BBBC92CE46}" type="parTrans" cxnId="{91853C7C-A62A-45E1-9276-D1D47CA2476F}">
+      <dgm:prSet/>
+      <dgm:spPr/>
+      <dgm:t>
+        <a:bodyPr/>
+        <a:lstStyle/>
+        <a:p>
+          <a:endParaRPr lang="ru-RU"/>
+        </a:p>
+      </dgm:t>
+    </dgm:pt>
+    <dgm:pt modelId="{AED4F812-677E-4E89-B8CE-F2C7F38AC0A6}" type="pres">
+      <dgm:prSet presAssocID="{CDB5BEA3-373E-4D4F-AA39-79969E9444C2}" presName="Name0" presStyleCnt="0">
+        <dgm:presLayoutVars>
+          <dgm:dir/>
+          <dgm:resizeHandles val="exact"/>
+        </dgm:presLayoutVars>
+      </dgm:prSet>
+      <dgm:spPr/>
+    </dgm:pt>
+    <dgm:pt modelId="{75282B76-4A1B-4043-A722-B53657DB0DAA}" type="pres">
+      <dgm:prSet presAssocID="{24DA3925-63AE-407D-8E66-6C4C642F9F63}" presName="parTxOnly" presStyleLbl="node1" presStyleIdx="0" presStyleCnt="2" custScaleX="99839" custLinFactX="-10652" custLinFactNeighborX="-100000" custLinFactNeighborY="20629">
+        <dgm:presLayoutVars>
+          <dgm:bulletEnabled val="1"/>
+        </dgm:presLayoutVars>
+      </dgm:prSet>
+      <dgm:spPr/>
+    </dgm:pt>
+    <dgm:pt modelId="{DB9EC306-56F5-4825-A41F-F9876FC9E125}" type="pres">
+      <dgm:prSet presAssocID="{E0103FFF-3D73-4356-87EE-1E1A391833AA}" presName="parSpace" presStyleCnt="0"/>
+      <dgm:spPr/>
+    </dgm:pt>
+    <dgm:pt modelId="{9F5C6265-53CB-4DCC-8DA2-23A6A2126ABB}" type="pres">
+      <dgm:prSet presAssocID="{4A8396AD-A936-460D-A7D5-1DEBA706005D}" presName="parTxOnly" presStyleLbl="node1" presStyleIdx="1" presStyleCnt="2" custScaleX="20336">
+        <dgm:presLayoutVars>
+          <dgm:bulletEnabled val="1"/>
+        </dgm:presLayoutVars>
+      </dgm:prSet>
+      <dgm:spPr/>
+    </dgm:pt>
+  </dgm:ptLst>
+  <dgm:cxnLst>
+    <dgm:cxn modelId="{760F2005-5D68-4B1E-BE3B-7ACE1545D565}" srcId="{CDB5BEA3-373E-4D4F-AA39-79969E9444C2}" destId="{4A8396AD-A936-460D-A7D5-1DEBA706005D}" srcOrd="1" destOrd="0" parTransId="{E9EE92E9-D700-44D9-B60C-0C9C6EBFEB0E}" sibTransId="{3B2DCDAA-DBCC-4FEB-BCF4-ED247A1B7EB7}"/>
+    <dgm:cxn modelId="{A684EF17-3113-4648-AA4B-06DE953701ED}" type="presOf" srcId="{CDB5BEA3-373E-4D4F-AA39-79969E9444C2}" destId="{AED4F812-677E-4E89-B8CE-F2C7F38AC0A6}" srcOrd="0" destOrd="0" presId="urn:microsoft.com/office/officeart/2005/8/layout/hChevron3"/>
+    <dgm:cxn modelId="{91853C7C-A62A-45E1-9276-D1D47CA2476F}" srcId="{CDB5BEA3-373E-4D4F-AA39-79969E9444C2}" destId="{24DA3925-63AE-407D-8E66-6C4C642F9F63}" srcOrd="0" destOrd="0" parTransId="{DCC1E86C-1908-4B5E-B7C0-89BBBC92CE46}" sibTransId="{E0103FFF-3D73-4356-87EE-1E1A391833AA}"/>
+    <dgm:cxn modelId="{7723608C-0975-4C5A-B633-4E60F8F8307F}" type="presOf" srcId="{4A8396AD-A936-460D-A7D5-1DEBA706005D}" destId="{9F5C6265-53CB-4DCC-8DA2-23A6A2126ABB}" srcOrd="0" destOrd="0" presId="urn:microsoft.com/office/officeart/2005/8/layout/hChevron3"/>
+    <dgm:cxn modelId="{1F2A9FB8-14A5-476F-994A-3E416120E522}" type="presOf" srcId="{24DA3925-63AE-407D-8E66-6C4C642F9F63}" destId="{75282B76-4A1B-4043-A722-B53657DB0DAA}" srcOrd="0" destOrd="0" presId="urn:microsoft.com/office/officeart/2005/8/layout/hChevron3"/>
+    <dgm:cxn modelId="{5C51FB35-6427-4922-BAE8-0588912CB2F9}" type="presParOf" srcId="{AED4F812-677E-4E89-B8CE-F2C7F38AC0A6}" destId="{75282B76-4A1B-4043-A722-B53657DB0DAA}" srcOrd="0" destOrd="0" presId="urn:microsoft.com/office/officeart/2005/8/layout/hChevron3"/>
+    <dgm:cxn modelId="{93B0FF22-25BA-494C-8964-1770C03464FC}" type="presParOf" srcId="{AED4F812-677E-4E89-B8CE-F2C7F38AC0A6}" destId="{DB9EC306-56F5-4825-A41F-F9876FC9E125}" srcOrd="1" destOrd="0" presId="urn:microsoft.com/office/officeart/2005/8/layout/hChevron3"/>
+    <dgm:cxn modelId="{94272AE6-D0B0-44C4-B190-114BD7DCDDC5}" type="presParOf" srcId="{AED4F812-677E-4E89-B8CE-F2C7F38AC0A6}" destId="{9F5C6265-53CB-4DCC-8DA2-23A6A2126ABB}" srcOrd="2" destOrd="0" presId="urn:microsoft.com/office/officeart/2005/8/layout/hChevron3"/>
+  </dgm:cxnLst>
+  <dgm:bg>
+    <a:noFill/>
+  </dgm:bg>
+  <dgm:whole/>
+  <dgm:extLst>
+    <a:ext uri="http://schemas.microsoft.com/office/drawing/2008/diagram">
+      <dsp:dataModelExt xmlns:dsp="http://schemas.microsoft.com/office/drawing/2008/diagram" relId="rId6" minVer="http://schemas.openxmlformats.org/drawingml/2006/diagram"/>
+    </a:ext>
+  </dgm:extLst>
+</dgm:dataModel>
+</file>
+
+<file path=ppt/diagrams/data3.xml><?xml version="1.0" encoding="utf-8"?>
+<dgm:dataModel xmlns:dgm="http://schemas.openxmlformats.org/drawingml/2006/diagram" xmlns:a="http://schemas.openxmlformats.org/drawingml/2006/main">
+  <dgm:ptLst>
+    <dgm:pt modelId="{CDB5BEA3-373E-4D4F-AA39-79969E9444C2}" type="doc">
+      <dgm:prSet loTypeId="urn:microsoft.com/office/officeart/2005/8/layout/hChevron3" loCatId="process" qsTypeId="urn:microsoft.com/office/officeart/2005/8/quickstyle/simple1" qsCatId="simple" csTypeId="urn:microsoft.com/office/officeart/2005/8/colors/accent1_2" csCatId="accent1" phldr="1"/>
+      <dgm:spPr/>
+    </dgm:pt>
+    <dgm:pt modelId="{24DA3925-63AE-407D-8E66-6C4C642F9F63}">
+      <dgm:prSet phldrT="[Текст]" custT="1"/>
+      <dgm:spPr>
+        <a:solidFill>
+          <a:srgbClr val="0A5283"/>
+        </a:solidFill>
+        <a:ln>
+          <a:noFill/>
+        </a:ln>
+      </dgm:spPr>
+      <dgm:t>
+        <a:bodyPr/>
+        <a:lstStyle/>
+        <a:p>
+          <a:pPr algn="l"/>
+          <a:r>
+            <a:rPr lang="ru-RU" sz="3200" dirty="0">
+              <a:solidFill>
+                <a:schemeClr val="bg1"/>
+              </a:solidFill>
+            </a:rPr>
+            <a:t>Бизнес-процесс ДО ввода программного средства</a:t>
           </a:r>
         </a:p>
       </dgm:t>
@@ -10058,20 +10958,12 @@
         <a:p>
           <a:pPr algn="l"/>
           <a:r>
-            <a:rPr lang="en-US" sz="3200" dirty="0">
-              <a:solidFill>
-                <a:schemeClr val="bg1"/>
-              </a:solidFill>
-            </a:rPr>
-            <a:t> </a:t>
-          </a:r>
-          <a:r>
             <a:rPr lang="ru-RU" sz="3200" dirty="0">
               <a:solidFill>
                 <a:schemeClr val="bg1"/>
               </a:solidFill>
             </a:rPr>
-            <a:t>Цели и задачи выпускной квалификационной работы</a:t>
+            <a:t>Выбор средств разработки</a:t>
           </a:r>
         </a:p>
       </dgm:t>
@@ -10216,21 +11108,26 @@
         <a:p>
           <a:pPr algn="l"/>
           <a:r>
-            <a:rPr lang="en-US" sz="3200" dirty="0">
-              <a:solidFill>
-                <a:schemeClr val="bg1"/>
-              </a:solidFill>
-            </a:rPr>
-            <a:t> </a:t>
-          </a:r>
-          <a:r>
             <a:rPr lang="ru-RU" sz="3200" dirty="0">
               <a:solidFill>
                 <a:schemeClr val="bg1"/>
               </a:solidFill>
             </a:rPr>
-            <a:t>Цели и задачи выпускной квалификационной работы</a:t>
+            <a:t>Схема таблиц и связей в разработанной</a:t>
           </a:r>
+          <a:r>
+            <a:rPr lang="ru-RU" sz="3200" baseline="0" dirty="0">
+              <a:solidFill>
+                <a:schemeClr val="bg1"/>
+              </a:solidFill>
+            </a:rPr>
+            <a:t> базе данных</a:t>
+          </a:r>
+          <a:endParaRPr lang="ru-RU" sz="3200" dirty="0">
+            <a:solidFill>
+              <a:schemeClr val="bg1"/>
+            </a:solidFill>
+          </a:endParaRPr>
         </a:p>
       </dgm:t>
     </dgm:pt>
@@ -10374,20 +11271,12 @@
         <a:p>
           <a:pPr algn="l"/>
           <a:r>
-            <a:rPr lang="en-US" sz="3200" dirty="0">
-              <a:solidFill>
-                <a:schemeClr val="bg1"/>
-              </a:solidFill>
-            </a:rPr>
-            <a:t> </a:t>
-          </a:r>
-          <a:r>
             <a:rPr lang="ru-RU" sz="3200" dirty="0">
               <a:solidFill>
                 <a:schemeClr val="bg1"/>
               </a:solidFill>
             </a:rPr>
-            <a:t>Цели и задачи выпускной квалификационной работы</a:t>
+            <a:t>Бизнес-процесс ПОСЛЕ ввода программного средства</a:t>
           </a:r>
         </a:p>
       </dgm:t>
@@ -10532,20 +11421,12 @@
         <a:p>
           <a:pPr algn="l"/>
           <a:r>
-            <a:rPr lang="en-US" sz="3200" dirty="0">
-              <a:solidFill>
-                <a:schemeClr val="bg1"/>
-              </a:solidFill>
-            </a:rPr>
-            <a:t> </a:t>
-          </a:r>
-          <a:r>
             <a:rPr lang="ru-RU" sz="3200" dirty="0">
               <a:solidFill>
                 <a:schemeClr val="bg1"/>
               </a:solidFill>
             </a:rPr>
-            <a:t>Цели и задачи выпускной квалификационной работы</a:t>
+            <a:t>Интерфейс бронирования заказа</a:t>
           </a:r>
         </a:p>
       </dgm:t>
@@ -10690,20 +11571,12 @@
         <a:p>
           <a:pPr algn="l"/>
           <a:r>
-            <a:rPr lang="en-US" sz="3200" dirty="0">
-              <a:solidFill>
-                <a:schemeClr val="bg1"/>
-              </a:solidFill>
-            </a:rPr>
-            <a:t> </a:t>
-          </a:r>
-          <a:r>
             <a:rPr lang="ru-RU" sz="3200" dirty="0">
               <a:solidFill>
                 <a:schemeClr val="bg1"/>
               </a:solidFill>
             </a:rPr>
-            <a:t>Цели и задачи выпускной квалификационной работы</a:t>
+            <a:t>Интерфейс страницы с статистикой</a:t>
           </a:r>
         </a:p>
       </dgm:t>
@@ -10783,7 +11656,7 @@
       <dgm:spPr/>
     </dgm:pt>
     <dgm:pt modelId="{75282B76-4A1B-4043-A722-B53657DB0DAA}" type="pres">
-      <dgm:prSet presAssocID="{24DA3925-63AE-407D-8E66-6C4C642F9F63}" presName="parTxOnly" presStyleLbl="node1" presStyleIdx="0" presStyleCnt="2" custScaleX="99839">
+      <dgm:prSet presAssocID="{24DA3925-63AE-407D-8E66-6C4C642F9F63}" presName="parTxOnly" presStyleLbl="node1" presStyleIdx="0" presStyleCnt="2" custScaleX="99839" custLinFactNeighborX="-52" custLinFactNeighborY="-1031">
         <dgm:presLayoutVars>
           <dgm:bulletEnabled val="1"/>
         </dgm:presLayoutVars>
@@ -10848,20 +11721,20 @@
         <a:p>
           <a:pPr algn="l"/>
           <a:r>
-            <a:rPr lang="en-US" sz="3200" dirty="0">
-              <a:solidFill>
-                <a:schemeClr val="bg1"/>
-              </a:solidFill>
-            </a:rPr>
-            <a:t> </a:t>
-          </a:r>
-          <a:r>
             <a:rPr lang="ru-RU" sz="3200" dirty="0">
               <a:solidFill>
                 <a:schemeClr val="bg1"/>
               </a:solidFill>
             </a:rPr>
-            <a:t>Цели и задачи выпускной квалификационной работы</a:t>
+            <a:t>  </a:t>
+          </a:r>
+          <a:r>
+            <a:rPr lang="ru-RU" sz="5400" dirty="0">
+              <a:solidFill>
+                <a:schemeClr val="bg1"/>
+              </a:solidFill>
+            </a:rPr>
+            <a:t>Благодарю за внимание</a:t>
           </a:r>
         </a:p>
       </dgm:t>
@@ -10941,7 +11814,7 @@
       <dgm:spPr/>
     </dgm:pt>
     <dgm:pt modelId="{75282B76-4A1B-4043-A722-B53657DB0DAA}" type="pres">
-      <dgm:prSet presAssocID="{24DA3925-63AE-407D-8E66-6C4C642F9F63}" presName="parTxOnly" presStyleLbl="node1" presStyleIdx="0" presStyleCnt="2" custScaleX="99839">
+      <dgm:prSet presAssocID="{24DA3925-63AE-407D-8E66-6C4C642F9F63}" presName="parTxOnly" presStyleLbl="node1" presStyleIdx="0" presStyleCnt="2" custScaleX="99839" custLinFactNeighborX="-51" custLinFactNeighborY="-2381">
         <dgm:presLayoutVars>
           <dgm:bulletEnabled val="1"/>
         </dgm:presLayoutVars>
@@ -10971,9 +11844,7 @@
     <dgm:cxn modelId="{93B0FF22-25BA-494C-8964-1770C03464FC}" type="presParOf" srcId="{AED4F812-677E-4E89-B8CE-F2C7F38AC0A6}" destId="{DB9EC306-56F5-4825-A41F-F9876FC9E125}" srcOrd="1" destOrd="0" presId="urn:microsoft.com/office/officeart/2005/8/layout/hChevron3"/>
     <dgm:cxn modelId="{94272AE6-D0B0-44C4-B190-114BD7DCDDC5}" type="presParOf" srcId="{AED4F812-677E-4E89-B8CE-F2C7F38AC0A6}" destId="{9F5C6265-53CB-4DCC-8DA2-23A6A2126ABB}" srcOrd="2" destOrd="0" presId="urn:microsoft.com/office/officeart/2005/8/layout/hChevron3"/>
   </dgm:cxnLst>
-  <dgm:bg>
-    <a:noFill/>
-  </dgm:bg>
+  <dgm:bg/>
   <dgm:whole/>
   <dgm:extLst>
     <a:ext uri="http://schemas.microsoft.com/office/drawing/2008/diagram">
@@ -11466,8 +12337,8 @@
       </dsp:nvSpPr>
       <dsp:spPr>
         <a:xfrm>
-          <a:off x="17" y="0"/>
-          <a:ext cx="11999313" cy="2133600"/>
+          <a:off x="1243" y="0"/>
+          <a:ext cx="11999313" cy="852406"/>
         </a:xfrm>
         <a:prstGeom prst="homePlate">
           <a:avLst/>
@@ -11515,26 +12386,26 @@
             <a:buNone/>
           </a:pPr>
           <a:r>
+            <a:rPr lang="en-US" sz="3200" kern="1200" dirty="0">
+              <a:solidFill>
+                <a:schemeClr val="bg1"/>
+              </a:solidFill>
+            </a:rPr>
+            <a:t> </a:t>
+          </a:r>
+          <a:r>
             <a:rPr lang="ru-RU" sz="3200" kern="1200" dirty="0">
               <a:solidFill>
                 <a:schemeClr val="bg1"/>
               </a:solidFill>
             </a:rPr>
-            <a:t>  </a:t>
-          </a:r>
-          <a:r>
-            <a:rPr lang="ru-RU" sz="5400" kern="1200" dirty="0">
-              <a:solidFill>
-                <a:schemeClr val="bg1"/>
-              </a:solidFill>
-            </a:rPr>
-            <a:t>Благодарю за внимание</a:t>
+            <a:t>Цели и задачи выпускной квалификационной работы</a:t>
           </a:r>
         </a:p>
       </dsp:txBody>
       <dsp:txXfrm>
-        <a:off x="17" y="0"/>
-        <a:ext cx="11465913" cy="2133600"/>
+        <a:off x="1243" y="0"/>
+        <a:ext cx="11786212" cy="852406"/>
       </dsp:txXfrm>
     </dsp:sp>
     <dsp:sp modelId="{9F5C6265-53CB-4DCC-8DA2-23A6A2126ABB}">
@@ -11545,7 +12416,7 @@
       <dsp:spPr>
         <a:xfrm>
           <a:off x="9596824" y="0"/>
-          <a:ext cx="2444115" cy="2133600"/>
+          <a:ext cx="2444115" cy="852406"/>
         </a:xfrm>
         <a:prstGeom prst="chevron">
           <a:avLst/>
@@ -11575,12 +12446,12 @@
         </a:fontRef>
       </dsp:style>
       <dsp:txBody>
-        <a:bodyPr spcFirstLastPara="0" vert="horz" wrap="square" lIns="256032" tIns="170688" rIns="85344" bIns="170688" numCol="1" spcCol="1270" anchor="ctr" anchorCtr="0">
+        <a:bodyPr spcFirstLastPara="0" vert="horz" wrap="square" lIns="176022" tIns="117348" rIns="58674" bIns="117348" numCol="1" spcCol="1270" anchor="ctr" anchorCtr="0">
           <a:noAutofit/>
         </a:bodyPr>
         <a:lstStyle/>
         <a:p>
-          <a:pPr marL="0" lvl="0" indent="0" algn="ctr" defTabSz="2844800">
+          <a:pPr marL="0" lvl="0" indent="0" algn="ctr" defTabSz="1955800">
             <a:lnSpc>
               <a:spcPct val="90000"/>
             </a:lnSpc>
@@ -11593,21 +12464,21 @@
             <a:buNone/>
           </a:pPr>
           <a:r>
-            <a:rPr lang="ru-RU" sz="6400" kern="1200" dirty="0"/>
+            <a:rPr lang="ru-RU" sz="4400" kern="1200" dirty="0"/>
             <a:t> </a:t>
           </a:r>
         </a:p>
       </dsp:txBody>
       <dsp:txXfrm>
-        <a:off x="10663624" y="0"/>
-        <a:ext cx="310515" cy="2133600"/>
+        <a:off x="10023027" y="0"/>
+        <a:ext cx="1591709" cy="852406"/>
       </dsp:txXfrm>
     </dsp:sp>
   </dsp:spTree>
 </dsp:drawing>
 </file>
 
-<file path=ppt/diagrams/drawing2.xml><?xml version="1.0" encoding="utf-8"?>
+<file path=ppt/diagrams/drawing13.xml><?xml version="1.0" encoding="utf-8"?>
 <dsp:drawing xmlns:dgm="http://schemas.openxmlformats.org/drawingml/2006/diagram" xmlns:dsp="http://schemas.microsoft.com/office/drawing/2008/diagram" xmlns:a="http://schemas.openxmlformats.org/drawingml/2006/main">
   <dsp:spTree>
     <dsp:nvGrpSpPr>
@@ -11763,6 +12634,162 @@
 </dsp:drawing>
 </file>
 
+<file path=ppt/diagrams/drawing2.xml><?xml version="1.0" encoding="utf-8"?>
+<dsp:drawing xmlns:dgm="http://schemas.openxmlformats.org/drawingml/2006/diagram" xmlns:dsp="http://schemas.microsoft.com/office/drawing/2008/diagram" xmlns:a="http://schemas.openxmlformats.org/drawingml/2006/main">
+  <dsp:spTree>
+    <dsp:nvGrpSpPr>
+      <dsp:cNvPr id="0" name=""/>
+      <dsp:cNvGrpSpPr/>
+    </dsp:nvGrpSpPr>
+    <dsp:grpSpPr/>
+    <dsp:sp modelId="{75282B76-4A1B-4043-A722-B53657DB0DAA}">
+      <dsp:nvSpPr>
+        <dsp:cNvPr id="0" name=""/>
+        <dsp:cNvSpPr/>
+      </dsp:nvSpPr>
+      <dsp:spPr>
+        <a:xfrm>
+          <a:off x="0" y="0"/>
+          <a:ext cx="11999313" cy="852406"/>
+        </a:xfrm>
+        <a:prstGeom prst="homePlate">
+          <a:avLst/>
+        </a:prstGeom>
+        <a:solidFill>
+          <a:srgbClr val="0A5283"/>
+        </a:solidFill>
+        <a:ln w="12700" cap="flat" cmpd="sng" algn="ctr">
+          <a:noFill/>
+          <a:prstDash val="solid"/>
+          <a:miter lim="800000"/>
+        </a:ln>
+        <a:effectLst/>
+      </dsp:spPr>
+      <dsp:style>
+        <a:lnRef idx="2">
+          <a:scrgbClr r="0" g="0" b="0"/>
+        </a:lnRef>
+        <a:fillRef idx="1">
+          <a:scrgbClr r="0" g="0" b="0"/>
+        </a:fillRef>
+        <a:effectRef idx="0">
+          <a:scrgbClr r="0" g="0" b="0"/>
+        </a:effectRef>
+        <a:fontRef idx="minor">
+          <a:schemeClr val="lt1"/>
+        </a:fontRef>
+      </dsp:style>
+      <dsp:txBody>
+        <a:bodyPr spcFirstLastPara="0" vert="horz" wrap="square" lIns="170688" tIns="85344" rIns="42672" bIns="85344" numCol="1" spcCol="1270" anchor="ctr" anchorCtr="0">
+          <a:noAutofit/>
+        </a:bodyPr>
+        <a:lstStyle/>
+        <a:p>
+          <a:pPr marL="0" lvl="0" indent="0" algn="l" defTabSz="1422400">
+            <a:lnSpc>
+              <a:spcPct val="90000"/>
+            </a:lnSpc>
+            <a:spcBef>
+              <a:spcPct val="0"/>
+            </a:spcBef>
+            <a:spcAft>
+              <a:spcPct val="35000"/>
+            </a:spcAft>
+            <a:buNone/>
+          </a:pPr>
+          <a:r>
+            <a:rPr lang="en-US" sz="3200" kern="1200" dirty="0">
+              <a:solidFill>
+                <a:schemeClr val="bg1"/>
+              </a:solidFill>
+            </a:rPr>
+            <a:t> </a:t>
+          </a:r>
+          <a:r>
+            <a:rPr lang="ru-RU" sz="3200" kern="1200" dirty="0">
+              <a:solidFill>
+                <a:schemeClr val="bg1"/>
+              </a:solidFill>
+            </a:rPr>
+            <a:t>Реализуемый функционал</a:t>
+          </a:r>
+        </a:p>
+      </dsp:txBody>
+      <dsp:txXfrm>
+        <a:off x="0" y="0"/>
+        <a:ext cx="11786212" cy="852406"/>
+      </dsp:txXfrm>
+    </dsp:sp>
+    <dsp:sp modelId="{9F5C6265-53CB-4DCC-8DA2-23A6A2126ABB}">
+      <dsp:nvSpPr>
+        <dsp:cNvPr id="0" name=""/>
+        <dsp:cNvSpPr/>
+      </dsp:nvSpPr>
+      <dsp:spPr>
+        <a:xfrm>
+          <a:off x="9596824" y="0"/>
+          <a:ext cx="2444115" cy="852406"/>
+        </a:xfrm>
+        <a:prstGeom prst="chevron">
+          <a:avLst/>
+        </a:prstGeom>
+        <a:solidFill>
+          <a:srgbClr val="0A5283"/>
+        </a:solidFill>
+        <a:ln w="12700" cap="flat" cmpd="sng" algn="ctr">
+          <a:noFill/>
+          <a:prstDash val="solid"/>
+          <a:miter lim="800000"/>
+        </a:ln>
+        <a:effectLst/>
+      </dsp:spPr>
+      <dsp:style>
+        <a:lnRef idx="2">
+          <a:scrgbClr r="0" g="0" b="0"/>
+        </a:lnRef>
+        <a:fillRef idx="1">
+          <a:scrgbClr r="0" g="0" b="0"/>
+        </a:fillRef>
+        <a:effectRef idx="0">
+          <a:scrgbClr r="0" g="0" b="0"/>
+        </a:effectRef>
+        <a:fontRef idx="minor">
+          <a:schemeClr val="lt1"/>
+        </a:fontRef>
+      </dsp:style>
+      <dsp:txBody>
+        <a:bodyPr spcFirstLastPara="0" vert="horz" wrap="square" lIns="176022" tIns="117348" rIns="58674" bIns="117348" numCol="1" spcCol="1270" anchor="ctr" anchorCtr="0">
+          <a:noAutofit/>
+        </a:bodyPr>
+        <a:lstStyle/>
+        <a:p>
+          <a:pPr marL="0" lvl="0" indent="0" algn="ctr" defTabSz="1955800">
+            <a:lnSpc>
+              <a:spcPct val="90000"/>
+            </a:lnSpc>
+            <a:spcBef>
+              <a:spcPct val="0"/>
+            </a:spcBef>
+            <a:spcAft>
+              <a:spcPct val="35000"/>
+            </a:spcAft>
+            <a:buNone/>
+          </a:pPr>
+          <a:r>
+            <a:rPr lang="ru-RU" sz="4400" kern="1200" dirty="0"/>
+            <a:t> </a:t>
+          </a:r>
+        </a:p>
+      </dsp:txBody>
+      <dsp:txXfrm>
+        <a:off x="10023027" y="0"/>
+        <a:ext cx="1591709" cy="852406"/>
+      </dsp:txXfrm>
+    </dsp:sp>
+  </dsp:spTree>
+</dsp:drawing>
+</file>
+
 <file path=ppt/diagrams/drawing3.xml><?xml version="1.0" encoding="utf-8"?>
 <dsp:drawing xmlns:dgm="http://schemas.openxmlformats.org/drawingml/2006/diagram" xmlns:dsp="http://schemas.microsoft.com/office/drawing/2008/diagram" xmlns:a="http://schemas.openxmlformats.org/drawingml/2006/main">
   <dsp:spTree>
@@ -11827,20 +12854,12 @@
             <a:buNone/>
           </a:pPr>
           <a:r>
-            <a:rPr lang="en-US" sz="3200" kern="1200" dirty="0">
-              <a:solidFill>
-                <a:schemeClr val="bg1"/>
-              </a:solidFill>
-            </a:rPr>
-            <a:t> </a:t>
-          </a:r>
-          <a:r>
             <a:rPr lang="ru-RU" sz="3200" kern="1200" dirty="0">
               <a:solidFill>
                 <a:schemeClr val="bg1"/>
               </a:solidFill>
             </a:rPr>
-            <a:t>Цели и задачи выпускной квалификационной работы</a:t>
+            <a:t>Бизнес-процесс ДО ввода программного средства</a:t>
           </a:r>
         </a:p>
       </dsp:txBody>
@@ -11983,20 +13002,12 @@
             <a:buNone/>
           </a:pPr>
           <a:r>
-            <a:rPr lang="en-US" sz="3200" kern="1200" dirty="0">
-              <a:solidFill>
-                <a:schemeClr val="bg1"/>
-              </a:solidFill>
-            </a:rPr>
-            <a:t> </a:t>
-          </a:r>
-          <a:r>
             <a:rPr lang="ru-RU" sz="3200" kern="1200" dirty="0">
               <a:solidFill>
                 <a:schemeClr val="bg1"/>
               </a:solidFill>
             </a:rPr>
-            <a:t>Цели и задачи выпускной квалификационной работы</a:t>
+            <a:t>Выбор средств разработки</a:t>
           </a:r>
         </a:p>
       </dsp:txBody>
@@ -12139,21 +13150,26 @@
             <a:buNone/>
           </a:pPr>
           <a:r>
-            <a:rPr lang="en-US" sz="3200" kern="1200" dirty="0">
-              <a:solidFill>
-                <a:schemeClr val="bg1"/>
-              </a:solidFill>
-            </a:rPr>
-            <a:t> </a:t>
-          </a:r>
-          <a:r>
             <a:rPr lang="ru-RU" sz="3200" kern="1200" dirty="0">
               <a:solidFill>
                 <a:schemeClr val="bg1"/>
               </a:solidFill>
             </a:rPr>
-            <a:t>Цели и задачи выпускной квалификационной работы</a:t>
+            <a:t>Схема таблиц и связей в разработанной</a:t>
           </a:r>
+          <a:r>
+            <a:rPr lang="ru-RU" sz="3200" kern="1200" baseline="0" dirty="0">
+              <a:solidFill>
+                <a:schemeClr val="bg1"/>
+              </a:solidFill>
+            </a:rPr>
+            <a:t> базе данных</a:t>
+          </a:r>
+          <a:endParaRPr lang="ru-RU" sz="3200" kern="1200" dirty="0">
+            <a:solidFill>
+              <a:schemeClr val="bg1"/>
+            </a:solidFill>
+          </a:endParaRPr>
         </a:p>
       </dsp:txBody>
       <dsp:txXfrm>
@@ -12295,20 +13311,12 @@
             <a:buNone/>
           </a:pPr>
           <a:r>
-            <a:rPr lang="en-US" sz="3200" kern="1200" dirty="0">
-              <a:solidFill>
-                <a:schemeClr val="bg1"/>
-              </a:solidFill>
-            </a:rPr>
-            <a:t> </a:t>
-          </a:r>
-          <a:r>
             <a:rPr lang="ru-RU" sz="3200" kern="1200" dirty="0">
               <a:solidFill>
                 <a:schemeClr val="bg1"/>
               </a:solidFill>
             </a:rPr>
-            <a:t>Цели и задачи выпускной квалификационной работы</a:t>
+            <a:t>Бизнес-процесс ПОСЛЕ ввода программного средства</a:t>
           </a:r>
         </a:p>
       </dsp:txBody>
@@ -12451,20 +13459,12 @@
             <a:buNone/>
           </a:pPr>
           <a:r>
-            <a:rPr lang="en-US" sz="3200" kern="1200" dirty="0">
-              <a:solidFill>
-                <a:schemeClr val="bg1"/>
-              </a:solidFill>
-            </a:rPr>
-            <a:t> </a:t>
-          </a:r>
-          <a:r>
             <a:rPr lang="ru-RU" sz="3200" kern="1200" dirty="0">
               <a:solidFill>
                 <a:schemeClr val="bg1"/>
               </a:solidFill>
             </a:rPr>
-            <a:t>Цели и задачи выпускной квалификационной работы</a:t>
+            <a:t>Интерфейс бронирования заказа</a:t>
           </a:r>
         </a:p>
       </dsp:txBody>
@@ -12558,7 +13558,7 @@
       </dsp:nvSpPr>
       <dsp:spPr>
         <a:xfrm>
-          <a:off x="1243" y="0"/>
+          <a:off x="0" y="0"/>
           <a:ext cx="11999313" cy="852406"/>
         </a:xfrm>
         <a:prstGeom prst="homePlate">
@@ -12607,25 +13607,17 @@
             <a:buNone/>
           </a:pPr>
           <a:r>
-            <a:rPr lang="en-US" sz="3200" kern="1200" dirty="0">
-              <a:solidFill>
-                <a:schemeClr val="bg1"/>
-              </a:solidFill>
-            </a:rPr>
-            <a:t> </a:t>
-          </a:r>
-          <a:r>
             <a:rPr lang="ru-RU" sz="3200" kern="1200" dirty="0">
               <a:solidFill>
                 <a:schemeClr val="bg1"/>
               </a:solidFill>
             </a:rPr>
-            <a:t>Цели и задачи выпускной квалификационной работы</a:t>
+            <a:t>Интерфейс страницы с статистикой</a:t>
           </a:r>
         </a:p>
       </dsp:txBody>
       <dsp:txXfrm>
-        <a:off x="1243" y="0"/>
+        <a:off x="0" y="0"/>
         <a:ext cx="11786212" cy="852406"/>
       </dsp:txXfrm>
     </dsp:sp>
@@ -12714,8 +13706,8 @@
       </dsp:nvSpPr>
       <dsp:spPr>
         <a:xfrm>
-          <a:off x="1243" y="0"/>
-          <a:ext cx="11999313" cy="852406"/>
+          <a:off x="17" y="0"/>
+          <a:ext cx="11999313" cy="2133600"/>
         </a:xfrm>
         <a:prstGeom prst="homePlate">
           <a:avLst/>
@@ -12763,26 +13755,26 @@
             <a:buNone/>
           </a:pPr>
           <a:r>
-            <a:rPr lang="en-US" sz="3200" kern="1200" dirty="0">
-              <a:solidFill>
-                <a:schemeClr val="bg1"/>
-              </a:solidFill>
-            </a:rPr>
-            <a:t> </a:t>
-          </a:r>
-          <a:r>
             <a:rPr lang="ru-RU" sz="3200" kern="1200" dirty="0">
               <a:solidFill>
                 <a:schemeClr val="bg1"/>
               </a:solidFill>
             </a:rPr>
-            <a:t>Цели и задачи выпускной квалификационной работы</a:t>
+            <a:t>  </a:t>
+          </a:r>
+          <a:r>
+            <a:rPr lang="ru-RU" sz="5400" kern="1200" dirty="0">
+              <a:solidFill>
+                <a:schemeClr val="bg1"/>
+              </a:solidFill>
+            </a:rPr>
+            <a:t>Благодарю за внимание</a:t>
           </a:r>
         </a:p>
       </dsp:txBody>
       <dsp:txXfrm>
-        <a:off x="1243" y="0"/>
-        <a:ext cx="11786212" cy="852406"/>
+        <a:off x="17" y="0"/>
+        <a:ext cx="11465913" cy="2133600"/>
       </dsp:txXfrm>
     </dsp:sp>
     <dsp:sp modelId="{9F5C6265-53CB-4DCC-8DA2-23A6A2126ABB}">
@@ -12793,7 +13785,7 @@
       <dsp:spPr>
         <a:xfrm>
           <a:off x="9596824" y="0"/>
-          <a:ext cx="2444115" cy="852406"/>
+          <a:ext cx="2444115" cy="2133600"/>
         </a:xfrm>
         <a:prstGeom prst="chevron">
           <a:avLst/>
@@ -12823,12 +13815,12 @@
         </a:fontRef>
       </dsp:style>
       <dsp:txBody>
-        <a:bodyPr spcFirstLastPara="0" vert="horz" wrap="square" lIns="176022" tIns="117348" rIns="58674" bIns="117348" numCol="1" spcCol="1270" anchor="ctr" anchorCtr="0">
+        <a:bodyPr spcFirstLastPara="0" vert="horz" wrap="square" lIns="256032" tIns="170688" rIns="85344" bIns="170688" numCol="1" spcCol="1270" anchor="ctr" anchorCtr="0">
           <a:noAutofit/>
         </a:bodyPr>
         <a:lstStyle/>
         <a:p>
-          <a:pPr marL="0" lvl="0" indent="0" algn="ctr" defTabSz="1955800">
+          <a:pPr marL="0" lvl="0" indent="0" algn="ctr" defTabSz="2844800">
             <a:lnSpc>
               <a:spcPct val="90000"/>
             </a:lnSpc>
@@ -12841,14 +13833,14 @@
             <a:buNone/>
           </a:pPr>
           <a:r>
-            <a:rPr lang="ru-RU" sz="4400" kern="1200" dirty="0"/>
+            <a:rPr lang="ru-RU" sz="6400" kern="1200" dirty="0"/>
             <a:t> </a:t>
           </a:r>
         </a:p>
       </dsp:txBody>
       <dsp:txXfrm>
-        <a:off x="10023027" y="0"/>
-        <a:ext cx="1591709" cy="852406"/>
+        <a:off x="10663624" y="0"/>
+        <a:ext cx="310515" cy="2133600"/>
       </dsp:txXfrm>
     </dsp:sp>
   </dsp:spTree>
@@ -13672,6 +14664,278 @@
 </file>
 
 <file path=ppt/diagrams/layout12.xml><?xml version="1.0" encoding="utf-8"?>
+<dgm:layoutDef xmlns:dgm="http://schemas.openxmlformats.org/drawingml/2006/diagram" xmlns:a="http://schemas.openxmlformats.org/drawingml/2006/main" uniqueId="urn:microsoft.com/office/officeart/2005/8/layout/hChevron3">
+  <dgm:title val=""/>
+  <dgm:desc val=""/>
+  <dgm:catLst>
+    <dgm:cat type="process" pri="10000"/>
+  </dgm:catLst>
+  <dgm:sampData useDef="1">
+    <dgm:dataModel>
+      <dgm:ptLst/>
+      <dgm:bg/>
+      <dgm:whole/>
+    </dgm:dataModel>
+  </dgm:sampData>
+  <dgm:styleData>
+    <dgm:dataModel>
+      <dgm:ptLst>
+        <dgm:pt modelId="0" type="doc"/>
+        <dgm:pt modelId="1"/>
+        <dgm:pt modelId="2"/>
+      </dgm:ptLst>
+      <dgm:cxnLst>
+        <dgm:cxn modelId="3" srcId="0" destId="1" srcOrd="0" destOrd="0"/>
+        <dgm:cxn modelId="4" srcId="0" destId="2" srcOrd="1" destOrd="0"/>
+      </dgm:cxnLst>
+      <dgm:bg/>
+      <dgm:whole/>
+    </dgm:dataModel>
+  </dgm:styleData>
+  <dgm:clrData>
+    <dgm:dataModel>
+      <dgm:ptLst>
+        <dgm:pt modelId="0" type="doc"/>
+        <dgm:pt modelId="1"/>
+        <dgm:pt modelId="2"/>
+        <dgm:pt modelId="3"/>
+        <dgm:pt modelId="4"/>
+      </dgm:ptLst>
+      <dgm:cxnLst>
+        <dgm:cxn modelId="5" srcId="0" destId="1" srcOrd="0" destOrd="0"/>
+        <dgm:cxn modelId="6" srcId="0" destId="2" srcOrd="1" destOrd="0"/>
+        <dgm:cxn modelId="7" srcId="0" destId="3" srcOrd="2" destOrd="0"/>
+        <dgm:cxn modelId="8" srcId="0" destId="4" srcOrd="3" destOrd="0"/>
+      </dgm:cxnLst>
+      <dgm:bg/>
+      <dgm:whole/>
+    </dgm:dataModel>
+  </dgm:clrData>
+  <dgm:layoutNode name="Name0">
+    <dgm:varLst>
+      <dgm:dir/>
+      <dgm:resizeHandles val="exact"/>
+    </dgm:varLst>
+    <dgm:choose name="Name1">
+      <dgm:if name="Name2" func="var" arg="dir" op="equ" val="norm">
+        <dgm:alg type="lin"/>
+      </dgm:if>
+      <dgm:else name="Name3">
+        <dgm:alg type="lin">
+          <dgm:param type="linDir" val="fromR"/>
+        </dgm:alg>
+      </dgm:else>
+    </dgm:choose>
+    <dgm:shape xmlns:r="http://schemas.openxmlformats.org/officeDocument/2006/relationships" r:blip="">
+      <dgm:adjLst/>
+    </dgm:shape>
+    <dgm:presOf/>
+    <dgm:choose name="Name4">
+      <dgm:if name="Name5" axis="root des" func="maxDepth" op="gte" val="2">
+        <dgm:constrLst>
+          <dgm:constr type="w" for="ch" forName="parAndChTx" refType="w"/>
+          <dgm:constr type="primFontSz" for="ch" ptType="node" op="equ"/>
+          <dgm:constr type="w" for="ch" forName="parAndChSpace" refType="w" refFor="ch" refForName="parAndChTx" fact="-0.2"/>
+          <dgm:constr type="w" for="ch" ptType="sibTrans" op="equ"/>
+        </dgm:constrLst>
+        <dgm:ruleLst/>
+        <dgm:forEach name="Name6" axis="ch" ptType="node">
+          <dgm:layoutNode name="parAndChTx">
+            <dgm:varLst>
+              <dgm:bulletEnabled val="1"/>
+            </dgm:varLst>
+            <dgm:alg type="tx"/>
+            <dgm:choose name="Name7">
+              <dgm:if name="Name8" func="var" arg="dir" op="equ" val="norm">
+                <dgm:choose name="Name9">
+                  <dgm:if name="Name10" axis="self" ptType="node" func="pos" op="equ" val="1">
+                    <dgm:shape xmlns:r="http://schemas.openxmlformats.org/officeDocument/2006/relationships" type="homePlate" r:blip="">
+                      <dgm:adjLst>
+                        <dgm:adj idx="1" val="0.25"/>
+                      </dgm:adjLst>
+                    </dgm:shape>
+                    <dgm:presOf axis="desOrSelf" ptType="node"/>
+                    <dgm:constrLst>
+                      <dgm:constr type="h" refType="w" op="equ" fact="0.8"/>
+                      <dgm:constr type="primFontSz" val="65"/>
+                      <dgm:constr type="tMarg" refType="primFontSz" fact="0.2"/>
+                      <dgm:constr type="bMarg" refType="primFontSz" fact="0.2"/>
+                      <dgm:constr type="lMarg" refType="w" fact="0.1"/>
+                      <dgm:constr type="rMarg" refType="w" fact="0.4"/>
+                    </dgm:constrLst>
+                  </dgm:if>
+                  <dgm:else name="Name11">
+                    <dgm:shape xmlns:r="http://schemas.openxmlformats.org/officeDocument/2006/relationships" type="chevron" r:blip="">
+                      <dgm:adjLst>
+                        <dgm:adj idx="1" val="0.25"/>
+                      </dgm:adjLst>
+                    </dgm:shape>
+                    <dgm:presOf axis="desOrSelf" ptType="node"/>
+                    <dgm:constrLst>
+                      <dgm:constr type="h" refType="w" op="equ" fact="0.8"/>
+                      <dgm:constr type="primFontSz" val="65"/>
+                      <dgm:constr type="tMarg" refType="primFontSz" fact="0.2"/>
+                      <dgm:constr type="bMarg" refType="primFontSz" fact="0.2"/>
+                      <dgm:constr type="lMarg" refType="w" fact="0.1"/>
+                      <dgm:constr type="rMarg" refType="w" fact="0.1"/>
+                    </dgm:constrLst>
+                  </dgm:else>
+                </dgm:choose>
+              </dgm:if>
+              <dgm:else name="Name12">
+                <dgm:choose name="Name13">
+                  <dgm:if name="Name14" axis="self" ptType="node" func="pos" op="equ" val="1">
+                    <dgm:shape xmlns:r="http://schemas.openxmlformats.org/officeDocument/2006/relationships" rot="180" type="homePlate" r:blip="">
+                      <dgm:adjLst>
+                        <dgm:adj idx="1" val="0.25"/>
+                      </dgm:adjLst>
+                    </dgm:shape>
+                    <dgm:presOf axis="desOrSelf" ptType="node"/>
+                    <dgm:constrLst>
+                      <dgm:constr type="h" refType="w" op="equ" fact="0.8"/>
+                      <dgm:constr type="primFontSz" val="65"/>
+                      <dgm:constr type="tMarg" refType="primFontSz" fact="0.2"/>
+                      <dgm:constr type="bMarg" refType="primFontSz" fact="0.2"/>
+                      <dgm:constr type="lMarg" refType="w" fact="0.4"/>
+                      <dgm:constr type="rMarg" refType="w" fact="0.1"/>
+                    </dgm:constrLst>
+                  </dgm:if>
+                  <dgm:else name="Name15">
+                    <dgm:shape xmlns:r="http://schemas.openxmlformats.org/officeDocument/2006/relationships" rot="180" type="chevron" r:blip="">
+                      <dgm:adjLst>
+                        <dgm:adj idx="1" val="0.25"/>
+                      </dgm:adjLst>
+                    </dgm:shape>
+                    <dgm:presOf axis="desOrSelf" ptType="node"/>
+                    <dgm:constrLst>
+                      <dgm:constr type="h" refType="w" op="equ" fact="0.8"/>
+                      <dgm:constr type="primFontSz" val="65"/>
+                      <dgm:constr type="tMarg" refType="primFontSz" fact="0.2"/>
+                      <dgm:constr type="bMarg" refType="primFontSz" fact="0.2"/>
+                      <dgm:constr type="lMarg" refType="w" fact="0.1"/>
+                      <dgm:constr type="rMarg" refType="w" fact="0.1"/>
+                    </dgm:constrLst>
+                  </dgm:else>
+                </dgm:choose>
+              </dgm:else>
+            </dgm:choose>
+            <dgm:ruleLst>
+              <dgm:rule type="primFontSz" val="5" fact="NaN" max="NaN"/>
+            </dgm:ruleLst>
+          </dgm:layoutNode>
+          <dgm:forEach name="Name16" axis="followSib" ptType="sibTrans" cnt="1">
+            <dgm:layoutNode name="parAndChSpace">
+              <dgm:alg type="sp"/>
+              <dgm:shape xmlns:r="http://schemas.openxmlformats.org/officeDocument/2006/relationships" r:blip="">
+                <dgm:adjLst/>
+              </dgm:shape>
+              <dgm:presOf/>
+              <dgm:constrLst/>
+              <dgm:ruleLst/>
+            </dgm:layoutNode>
+          </dgm:forEach>
+        </dgm:forEach>
+      </dgm:if>
+      <dgm:else name="Name17">
+        <dgm:constrLst>
+          <dgm:constr type="w" for="ch" forName="parTxOnly" refType="w"/>
+          <dgm:constr type="primFontSz" for="ch" ptType="node" op="equ"/>
+          <dgm:constr type="w" for="ch" forName="parSpace" refType="w" refFor="ch" refForName="parTxOnly" fact="-0.2"/>
+          <dgm:constr type="w" for="ch" ptType="sibTrans" op="equ"/>
+        </dgm:constrLst>
+        <dgm:ruleLst/>
+        <dgm:forEach name="Name18" axis="ch" ptType="node">
+          <dgm:layoutNode name="parTxOnly">
+            <dgm:varLst>
+              <dgm:bulletEnabled val="1"/>
+            </dgm:varLst>
+            <dgm:alg type="tx"/>
+            <dgm:presOf axis="desOrSelf" ptType="node"/>
+            <dgm:choose name="Name19">
+              <dgm:if name="Name20" func="var" arg="dir" op="equ" val="norm">
+                <dgm:choose name="Name21">
+                  <dgm:if name="Name22" axis="self" ptType="node" func="pos" op="equ" val="1">
+                    <dgm:shape xmlns:r="http://schemas.openxmlformats.org/officeDocument/2006/relationships" type="homePlate" r:blip="">
+                      <dgm:adjLst/>
+                    </dgm:shape>
+                    <dgm:constrLst>
+                      <dgm:constr type="h" refType="w" op="equ" fact="0.4"/>
+                      <dgm:constr type="primFontSz" val="65"/>
+                      <dgm:constr type="tMarg" refType="primFontSz" fact="0.21"/>
+                      <dgm:constr type="bMarg" refType="primFontSz" fact="0.21"/>
+                      <dgm:constr type="lMarg" refType="primFontSz" fact="0.42"/>
+                      <dgm:constr type="rMarg" refType="primFontSz" fact="0.105"/>
+                    </dgm:constrLst>
+                  </dgm:if>
+                  <dgm:else name="Name23">
+                    <dgm:shape xmlns:r="http://schemas.openxmlformats.org/officeDocument/2006/relationships" type="chevron" r:blip="">
+                      <dgm:adjLst/>
+                    </dgm:shape>
+                    <dgm:constrLst>
+                      <dgm:constr type="h" refType="w" op="equ" fact="0.4"/>
+                      <dgm:constr type="primFontSz" val="65"/>
+                      <dgm:constr type="tMarg" refType="primFontSz" fact="0.21"/>
+                      <dgm:constr type="bMarg" refType="primFontSz" fact="0.21"/>
+                      <dgm:constr type="lMarg" refType="primFontSz" fact="0.315"/>
+                      <dgm:constr type="rMarg" refType="primFontSz" fact="0.105"/>
+                    </dgm:constrLst>
+                  </dgm:else>
+                </dgm:choose>
+              </dgm:if>
+              <dgm:else name="Name24">
+                <dgm:choose name="Name25">
+                  <dgm:if name="Name26" axis="self" ptType="node" func="pos" op="equ" val="1">
+                    <dgm:shape xmlns:r="http://schemas.openxmlformats.org/officeDocument/2006/relationships" rot="180" type="homePlate" r:blip="">
+                      <dgm:adjLst/>
+                    </dgm:shape>
+                    <dgm:constrLst>
+                      <dgm:constr type="h" refType="w" op="equ" fact="0.4"/>
+                      <dgm:constr type="primFontSz" val="65"/>
+                      <dgm:constr type="tMarg" refType="primFontSz" fact="0.21"/>
+                      <dgm:constr type="bMarg" refType="primFontSz" fact="0.21"/>
+                      <dgm:constr type="lMarg" refType="primFontSz" fact="0.105"/>
+                      <dgm:constr type="rMarg" refType="primFontSz" fact="0.42"/>
+                    </dgm:constrLst>
+                  </dgm:if>
+                  <dgm:else name="Name27">
+                    <dgm:shape xmlns:r="http://schemas.openxmlformats.org/officeDocument/2006/relationships" rot="180" type="chevron" r:blip="">
+                      <dgm:adjLst/>
+                    </dgm:shape>
+                    <dgm:constrLst>
+                      <dgm:constr type="h" refType="w" op="equ" fact="0.4"/>
+                      <dgm:constr type="primFontSz" val="65"/>
+                      <dgm:constr type="tMarg" refType="primFontSz" fact="0.21"/>
+                      <dgm:constr type="bMarg" refType="primFontSz" fact="0.21"/>
+                      <dgm:constr type="lMarg" refType="primFontSz" fact="0.105"/>
+                      <dgm:constr type="rMarg" refType="primFontSz" fact="0.315"/>
+                    </dgm:constrLst>
+                  </dgm:else>
+                </dgm:choose>
+              </dgm:else>
+            </dgm:choose>
+            <dgm:ruleLst>
+              <dgm:rule type="primFontSz" val="5" fact="NaN" max="NaN"/>
+            </dgm:ruleLst>
+          </dgm:layoutNode>
+          <dgm:forEach name="Name28" axis="followSib" ptType="sibTrans" cnt="1">
+            <dgm:layoutNode name="parSpace">
+              <dgm:alg type="sp"/>
+              <dgm:shape xmlns:r="http://schemas.openxmlformats.org/officeDocument/2006/relationships" r:blip="">
+                <dgm:adjLst/>
+              </dgm:shape>
+              <dgm:presOf/>
+              <dgm:constrLst/>
+              <dgm:ruleLst/>
+            </dgm:layoutNode>
+          </dgm:forEach>
+        </dgm:forEach>
+      </dgm:else>
+    </dgm:choose>
+  </dgm:layoutNode>
+</dgm:layoutDef>
+</file>
+
+<file path=ppt/diagrams/layout13.xml><?xml version="1.0" encoding="utf-8"?>
 <dgm:layoutDef xmlns:dgm="http://schemas.openxmlformats.org/drawingml/2006/diagram" xmlns:a="http://schemas.openxmlformats.org/drawingml/2006/main" uniqueId="urn:microsoft.com/office/officeart/2005/8/layout/hChevron3">
   <dgm:title val=""/>
   <dgm:desc val=""/>
@@ -20255,6 +21519,1040 @@
 </dgm:styleDef>
 </file>
 
+<file path=ppt/diagrams/quickStyle13.xml><?xml version="1.0" encoding="utf-8"?>
+<dgm:styleDef xmlns:dgm="http://schemas.openxmlformats.org/drawingml/2006/diagram" xmlns:a="http://schemas.openxmlformats.org/drawingml/2006/main" uniqueId="urn:microsoft.com/office/officeart/2005/8/quickstyle/simple1">
+  <dgm:title val=""/>
+  <dgm:desc val=""/>
+  <dgm:catLst>
+    <dgm:cat type="simple" pri="10100"/>
+  </dgm:catLst>
+  <dgm:scene3d>
+    <a:camera prst="orthographicFront"/>
+    <a:lightRig rig="threePt" dir="t"/>
+  </dgm:scene3d>
+  <dgm:styleLbl name="node0">
+    <dgm:scene3d>
+      <a:camera prst="orthographicFront"/>
+      <a:lightRig rig="threePt" dir="t"/>
+    </dgm:scene3d>
+    <dgm:sp3d/>
+    <dgm:txPr/>
+    <dgm:style>
+      <a:lnRef idx="2">
+        <a:scrgbClr r="0" g="0" b="0"/>
+      </a:lnRef>
+      <a:fillRef idx="1">
+        <a:scrgbClr r="0" g="0" b="0"/>
+      </a:fillRef>
+      <a:effectRef idx="0">
+        <a:scrgbClr r="0" g="0" b="0"/>
+      </a:effectRef>
+      <a:fontRef idx="minor">
+        <a:schemeClr val="lt1"/>
+      </a:fontRef>
+    </dgm:style>
+  </dgm:styleLbl>
+  <dgm:styleLbl name="lnNode1">
+    <dgm:scene3d>
+      <a:camera prst="orthographicFront"/>
+      <a:lightRig rig="threePt" dir="t"/>
+    </dgm:scene3d>
+    <dgm:sp3d/>
+    <dgm:txPr/>
+    <dgm:style>
+      <a:lnRef idx="2">
+        <a:scrgbClr r="0" g="0" b="0"/>
+      </a:lnRef>
+      <a:fillRef idx="1">
+        <a:scrgbClr r="0" g="0" b="0"/>
+      </a:fillRef>
+      <a:effectRef idx="0">
+        <a:scrgbClr r="0" g="0" b="0"/>
+      </a:effectRef>
+      <a:fontRef idx="minor">
+        <a:schemeClr val="lt1"/>
+      </a:fontRef>
+    </dgm:style>
+  </dgm:styleLbl>
+  <dgm:styleLbl name="vennNode1">
+    <dgm:scene3d>
+      <a:camera prst="orthographicFront"/>
+      <a:lightRig rig="threePt" dir="t"/>
+    </dgm:scene3d>
+    <dgm:sp3d/>
+    <dgm:txPr/>
+    <dgm:style>
+      <a:lnRef idx="2">
+        <a:scrgbClr r="0" g="0" b="0"/>
+      </a:lnRef>
+      <a:fillRef idx="1">
+        <a:scrgbClr r="0" g="0" b="0"/>
+      </a:fillRef>
+      <a:effectRef idx="0">
+        <a:scrgbClr r="0" g="0" b="0"/>
+      </a:effectRef>
+      <a:fontRef idx="minor">
+        <a:schemeClr val="tx1"/>
+      </a:fontRef>
+    </dgm:style>
+  </dgm:styleLbl>
+  <dgm:styleLbl name="alignNode1">
+    <dgm:scene3d>
+      <a:camera prst="orthographicFront"/>
+      <a:lightRig rig="threePt" dir="t"/>
+    </dgm:scene3d>
+    <dgm:sp3d/>
+    <dgm:txPr/>
+    <dgm:style>
+      <a:lnRef idx="2">
+        <a:scrgbClr r="0" g="0" b="0"/>
+      </a:lnRef>
+      <a:fillRef idx="1">
+        <a:scrgbClr r="0" g="0" b="0"/>
+      </a:fillRef>
+      <a:effectRef idx="0">
+        <a:scrgbClr r="0" g="0" b="0"/>
+      </a:effectRef>
+      <a:fontRef idx="minor">
+        <a:schemeClr val="lt1"/>
+      </a:fontRef>
+    </dgm:style>
+  </dgm:styleLbl>
+  <dgm:styleLbl name="node1">
+    <dgm:scene3d>
+      <a:camera prst="orthographicFront"/>
+      <a:lightRig rig="threePt" dir="t"/>
+    </dgm:scene3d>
+    <dgm:sp3d/>
+    <dgm:txPr/>
+    <dgm:style>
+      <a:lnRef idx="2">
+        <a:scrgbClr r="0" g="0" b="0"/>
+      </a:lnRef>
+      <a:fillRef idx="1">
+        <a:scrgbClr r="0" g="0" b="0"/>
+      </a:fillRef>
+      <a:effectRef idx="0">
+        <a:scrgbClr r="0" g="0" b="0"/>
+      </a:effectRef>
+      <a:fontRef idx="minor">
+        <a:schemeClr val="lt1"/>
+      </a:fontRef>
+    </dgm:style>
+  </dgm:styleLbl>
+  <dgm:styleLbl name="node2">
+    <dgm:scene3d>
+      <a:camera prst="orthographicFront"/>
+      <a:lightRig rig="threePt" dir="t"/>
+    </dgm:scene3d>
+    <dgm:sp3d/>
+    <dgm:txPr/>
+    <dgm:style>
+      <a:lnRef idx="2">
+        <a:scrgbClr r="0" g="0" b="0"/>
+      </a:lnRef>
+      <a:fillRef idx="1">
+        <a:scrgbClr r="0" g="0" b="0"/>
+      </a:fillRef>
+      <a:effectRef idx="0">
+        <a:scrgbClr r="0" g="0" b="0"/>
+      </a:effectRef>
+      <a:fontRef idx="minor">
+        <a:schemeClr val="lt1"/>
+      </a:fontRef>
+    </dgm:style>
+  </dgm:styleLbl>
+  <dgm:styleLbl name="node3">
+    <dgm:scene3d>
+      <a:camera prst="orthographicFront"/>
+      <a:lightRig rig="threePt" dir="t"/>
+    </dgm:scene3d>
+    <dgm:sp3d/>
+    <dgm:txPr/>
+    <dgm:style>
+      <a:lnRef idx="2">
+        <a:scrgbClr r="0" g="0" b="0"/>
+      </a:lnRef>
+      <a:fillRef idx="1">
+        <a:scrgbClr r="0" g="0" b="0"/>
+      </a:fillRef>
+      <a:effectRef idx="0">
+        <a:scrgbClr r="0" g="0" b="0"/>
+      </a:effectRef>
+      <a:fontRef idx="minor">
+        <a:schemeClr val="lt1"/>
+      </a:fontRef>
+    </dgm:style>
+  </dgm:styleLbl>
+  <dgm:styleLbl name="node4">
+    <dgm:scene3d>
+      <a:camera prst="orthographicFront"/>
+      <a:lightRig rig="threePt" dir="t"/>
+    </dgm:scene3d>
+    <dgm:sp3d/>
+    <dgm:txPr/>
+    <dgm:style>
+      <a:lnRef idx="2">
+        <a:scrgbClr r="0" g="0" b="0"/>
+      </a:lnRef>
+      <a:fillRef idx="1">
+        <a:scrgbClr r="0" g="0" b="0"/>
+      </a:fillRef>
+      <a:effectRef idx="0">
+        <a:scrgbClr r="0" g="0" b="0"/>
+      </a:effectRef>
+      <a:fontRef idx="minor">
+        <a:schemeClr val="lt1"/>
+      </a:fontRef>
+    </dgm:style>
+  </dgm:styleLbl>
+  <dgm:styleLbl name="fgImgPlace1">
+    <dgm:scene3d>
+      <a:camera prst="orthographicFront"/>
+      <a:lightRig rig="threePt" dir="t"/>
+    </dgm:scene3d>
+    <dgm:sp3d/>
+    <dgm:txPr/>
+    <dgm:style>
+      <a:lnRef idx="2">
+        <a:scrgbClr r="0" g="0" b="0"/>
+      </a:lnRef>
+      <a:fillRef idx="1">
+        <a:scrgbClr r="0" g="0" b="0"/>
+      </a:fillRef>
+      <a:effectRef idx="0">
+        <a:scrgbClr r="0" g="0" b="0"/>
+      </a:effectRef>
+      <a:fontRef idx="minor"/>
+    </dgm:style>
+  </dgm:styleLbl>
+  <dgm:styleLbl name="alignImgPlace1">
+    <dgm:scene3d>
+      <a:camera prst="orthographicFront"/>
+      <a:lightRig rig="threePt" dir="t"/>
+    </dgm:scene3d>
+    <dgm:sp3d/>
+    <dgm:txPr/>
+    <dgm:style>
+      <a:lnRef idx="2">
+        <a:scrgbClr r="0" g="0" b="0"/>
+      </a:lnRef>
+      <a:fillRef idx="1">
+        <a:scrgbClr r="0" g="0" b="0"/>
+      </a:fillRef>
+      <a:effectRef idx="0">
+        <a:scrgbClr r="0" g="0" b="0"/>
+      </a:effectRef>
+      <a:fontRef idx="minor"/>
+    </dgm:style>
+  </dgm:styleLbl>
+  <dgm:styleLbl name="bgImgPlace1">
+    <dgm:scene3d>
+      <a:camera prst="orthographicFront"/>
+      <a:lightRig rig="threePt" dir="t"/>
+    </dgm:scene3d>
+    <dgm:sp3d/>
+    <dgm:txPr/>
+    <dgm:style>
+      <a:lnRef idx="2">
+        <a:scrgbClr r="0" g="0" b="0"/>
+      </a:lnRef>
+      <a:fillRef idx="1">
+        <a:scrgbClr r="0" g="0" b="0"/>
+      </a:fillRef>
+      <a:effectRef idx="0">
+        <a:scrgbClr r="0" g="0" b="0"/>
+      </a:effectRef>
+      <a:fontRef idx="minor"/>
+    </dgm:style>
+  </dgm:styleLbl>
+  <dgm:styleLbl name="sibTrans2D1">
+    <dgm:scene3d>
+      <a:camera prst="orthographicFront"/>
+      <a:lightRig rig="threePt" dir="t"/>
+    </dgm:scene3d>
+    <dgm:sp3d/>
+    <dgm:txPr/>
+    <dgm:style>
+      <a:lnRef idx="0">
+        <a:scrgbClr r="0" g="0" b="0"/>
+      </a:lnRef>
+      <a:fillRef idx="1">
+        <a:scrgbClr r="0" g="0" b="0"/>
+      </a:fillRef>
+      <a:effectRef idx="0">
+        <a:scrgbClr r="0" g="0" b="0"/>
+      </a:effectRef>
+      <a:fontRef idx="minor">
+        <a:schemeClr val="lt1"/>
+      </a:fontRef>
+    </dgm:style>
+  </dgm:styleLbl>
+  <dgm:styleLbl name="fgSibTrans2D1">
+    <dgm:scene3d>
+      <a:camera prst="orthographicFront"/>
+      <a:lightRig rig="threePt" dir="t"/>
+    </dgm:scene3d>
+    <dgm:sp3d/>
+    <dgm:txPr/>
+    <dgm:style>
+      <a:lnRef idx="0">
+        <a:scrgbClr r="0" g="0" b="0"/>
+      </a:lnRef>
+      <a:fillRef idx="1">
+        <a:scrgbClr r="0" g="0" b="0"/>
+      </a:fillRef>
+      <a:effectRef idx="0">
+        <a:scrgbClr r="0" g="0" b="0"/>
+      </a:effectRef>
+      <a:fontRef idx="minor">
+        <a:schemeClr val="lt1"/>
+      </a:fontRef>
+    </dgm:style>
+  </dgm:styleLbl>
+  <dgm:styleLbl name="bgSibTrans2D1">
+    <dgm:scene3d>
+      <a:camera prst="orthographicFront"/>
+      <a:lightRig rig="threePt" dir="t"/>
+    </dgm:scene3d>
+    <dgm:sp3d/>
+    <dgm:txPr/>
+    <dgm:style>
+      <a:lnRef idx="0">
+        <a:scrgbClr r="0" g="0" b="0"/>
+      </a:lnRef>
+      <a:fillRef idx="1">
+        <a:scrgbClr r="0" g="0" b="0"/>
+      </a:fillRef>
+      <a:effectRef idx="0">
+        <a:scrgbClr r="0" g="0" b="0"/>
+      </a:effectRef>
+      <a:fontRef idx="minor">
+        <a:schemeClr val="lt1"/>
+      </a:fontRef>
+    </dgm:style>
+  </dgm:styleLbl>
+  <dgm:styleLbl name="sibTrans1D1">
+    <dgm:scene3d>
+      <a:camera prst="orthographicFront"/>
+      <a:lightRig rig="threePt" dir="t"/>
+    </dgm:scene3d>
+    <dgm:sp3d/>
+    <dgm:txPr/>
+    <dgm:style>
+      <a:lnRef idx="1">
+        <a:scrgbClr r="0" g="0" b="0"/>
+      </a:lnRef>
+      <a:fillRef idx="0">
+        <a:scrgbClr r="0" g="0" b="0"/>
+      </a:fillRef>
+      <a:effectRef idx="0">
+        <a:scrgbClr r="0" g="0" b="0"/>
+      </a:effectRef>
+      <a:fontRef idx="minor"/>
+    </dgm:style>
+  </dgm:styleLbl>
+  <dgm:styleLbl name="callout">
+    <dgm:scene3d>
+      <a:camera prst="orthographicFront"/>
+      <a:lightRig rig="threePt" dir="t"/>
+    </dgm:scene3d>
+    <dgm:sp3d/>
+    <dgm:txPr/>
+    <dgm:style>
+      <a:lnRef idx="2">
+        <a:scrgbClr r="0" g="0" b="0"/>
+      </a:lnRef>
+      <a:fillRef idx="1">
+        <a:scrgbClr r="0" g="0" b="0"/>
+      </a:fillRef>
+      <a:effectRef idx="0">
+        <a:scrgbClr r="0" g="0" b="0"/>
+      </a:effectRef>
+      <a:fontRef idx="minor"/>
+    </dgm:style>
+  </dgm:styleLbl>
+  <dgm:styleLbl name="asst0">
+    <dgm:scene3d>
+      <a:camera prst="orthographicFront"/>
+      <a:lightRig rig="threePt" dir="t"/>
+    </dgm:scene3d>
+    <dgm:sp3d/>
+    <dgm:txPr/>
+    <dgm:style>
+      <a:lnRef idx="2">
+        <a:scrgbClr r="0" g="0" b="0"/>
+      </a:lnRef>
+      <a:fillRef idx="1">
+        <a:scrgbClr r="0" g="0" b="0"/>
+      </a:fillRef>
+      <a:effectRef idx="0">
+        <a:scrgbClr r="0" g="0" b="0"/>
+      </a:effectRef>
+      <a:fontRef idx="minor">
+        <a:schemeClr val="lt1"/>
+      </a:fontRef>
+    </dgm:style>
+  </dgm:styleLbl>
+  <dgm:styleLbl name="asst1">
+    <dgm:scene3d>
+      <a:camera prst="orthographicFront"/>
+      <a:lightRig rig="threePt" dir="t"/>
+    </dgm:scene3d>
+    <dgm:sp3d/>
+    <dgm:txPr/>
+    <dgm:style>
+      <a:lnRef idx="2">
+        <a:scrgbClr r="0" g="0" b="0"/>
+      </a:lnRef>
+      <a:fillRef idx="1">
+        <a:scrgbClr r="0" g="0" b="0"/>
+      </a:fillRef>
+      <a:effectRef idx="0">
+        <a:scrgbClr r="0" g="0" b="0"/>
+      </a:effectRef>
+      <a:fontRef idx="minor">
+        <a:schemeClr val="lt1"/>
+      </a:fontRef>
+    </dgm:style>
+  </dgm:styleLbl>
+  <dgm:styleLbl name="asst2">
+    <dgm:scene3d>
+      <a:camera prst="orthographicFront"/>
+      <a:lightRig rig="threePt" dir="t"/>
+    </dgm:scene3d>
+    <dgm:sp3d/>
+    <dgm:txPr/>
+    <dgm:style>
+      <a:lnRef idx="2">
+        <a:scrgbClr r="0" g="0" b="0"/>
+      </a:lnRef>
+      <a:fillRef idx="1">
+        <a:scrgbClr r="0" g="0" b="0"/>
+      </a:fillRef>
+      <a:effectRef idx="0">
+        <a:scrgbClr r="0" g="0" b="0"/>
+      </a:effectRef>
+      <a:fontRef idx="minor">
+        <a:schemeClr val="lt1"/>
+      </a:fontRef>
+    </dgm:style>
+  </dgm:styleLbl>
+  <dgm:styleLbl name="asst3">
+    <dgm:scene3d>
+      <a:camera prst="orthographicFront"/>
+      <a:lightRig rig="threePt" dir="t"/>
+    </dgm:scene3d>
+    <dgm:sp3d/>
+    <dgm:txPr/>
+    <dgm:style>
+      <a:lnRef idx="2">
+        <a:scrgbClr r="0" g="0" b="0"/>
+      </a:lnRef>
+      <a:fillRef idx="1">
+        <a:scrgbClr r="0" g="0" b="0"/>
+      </a:fillRef>
+      <a:effectRef idx="0">
+        <a:scrgbClr r="0" g="0" b="0"/>
+      </a:effectRef>
+      <a:fontRef idx="minor">
+        <a:schemeClr val="lt1"/>
+      </a:fontRef>
+    </dgm:style>
+  </dgm:styleLbl>
+  <dgm:styleLbl name="asst4">
+    <dgm:scene3d>
+      <a:camera prst="orthographicFront"/>
+      <a:lightRig rig="threePt" dir="t"/>
+    </dgm:scene3d>
+    <dgm:sp3d/>
+    <dgm:txPr/>
+    <dgm:style>
+      <a:lnRef idx="2">
+        <a:scrgbClr r="0" g="0" b="0"/>
+      </a:lnRef>
+      <a:fillRef idx="1">
+        <a:scrgbClr r="0" g="0" b="0"/>
+      </a:fillRef>
+      <a:effectRef idx="0">
+        <a:scrgbClr r="0" g="0" b="0"/>
+      </a:effectRef>
+      <a:fontRef idx="minor">
+        <a:schemeClr val="lt1"/>
+      </a:fontRef>
+    </dgm:style>
+  </dgm:styleLbl>
+  <dgm:styleLbl name="parChTrans2D1">
+    <dgm:scene3d>
+      <a:camera prst="orthographicFront"/>
+      <a:lightRig rig="threePt" dir="t"/>
+    </dgm:scene3d>
+    <dgm:sp3d/>
+    <dgm:txPr/>
+    <dgm:style>
+      <a:lnRef idx="2">
+        <a:scrgbClr r="0" g="0" b="0"/>
+      </a:lnRef>
+      <a:fillRef idx="1">
+        <a:scrgbClr r="0" g="0" b="0"/>
+      </a:fillRef>
+      <a:effectRef idx="0">
+        <a:scrgbClr r="0" g="0" b="0"/>
+      </a:effectRef>
+      <a:fontRef idx="minor">
+        <a:schemeClr val="lt1"/>
+      </a:fontRef>
+    </dgm:style>
+  </dgm:styleLbl>
+  <dgm:styleLbl name="parChTrans2D2">
+    <dgm:scene3d>
+      <a:camera prst="orthographicFront"/>
+      <a:lightRig rig="threePt" dir="t"/>
+    </dgm:scene3d>
+    <dgm:sp3d/>
+    <dgm:txPr/>
+    <dgm:style>
+      <a:lnRef idx="2">
+        <a:scrgbClr r="0" g="0" b="0"/>
+      </a:lnRef>
+      <a:fillRef idx="1">
+        <a:scrgbClr r="0" g="0" b="0"/>
+      </a:fillRef>
+      <a:effectRef idx="0">
+        <a:scrgbClr r="0" g="0" b="0"/>
+      </a:effectRef>
+      <a:fontRef idx="minor">
+        <a:schemeClr val="lt1"/>
+      </a:fontRef>
+    </dgm:style>
+  </dgm:styleLbl>
+  <dgm:styleLbl name="parChTrans2D3">
+    <dgm:scene3d>
+      <a:camera prst="orthographicFront"/>
+      <a:lightRig rig="threePt" dir="t"/>
+    </dgm:scene3d>
+    <dgm:sp3d/>
+    <dgm:txPr/>
+    <dgm:style>
+      <a:lnRef idx="2">
+        <a:scrgbClr r="0" g="0" b="0"/>
+      </a:lnRef>
+      <a:fillRef idx="1">
+        <a:scrgbClr r="0" g="0" b="0"/>
+      </a:fillRef>
+      <a:effectRef idx="0">
+        <a:scrgbClr r="0" g="0" b="0"/>
+      </a:effectRef>
+      <a:fontRef idx="minor">
+        <a:schemeClr val="lt1"/>
+      </a:fontRef>
+    </dgm:style>
+  </dgm:styleLbl>
+  <dgm:styleLbl name="parChTrans2D4">
+    <dgm:scene3d>
+      <a:camera prst="orthographicFront"/>
+      <a:lightRig rig="threePt" dir="t"/>
+    </dgm:scene3d>
+    <dgm:sp3d/>
+    <dgm:txPr/>
+    <dgm:style>
+      <a:lnRef idx="2">
+        <a:scrgbClr r="0" g="0" b="0"/>
+      </a:lnRef>
+      <a:fillRef idx="1">
+        <a:scrgbClr r="0" g="0" b="0"/>
+      </a:fillRef>
+      <a:effectRef idx="0">
+        <a:scrgbClr r="0" g="0" b="0"/>
+      </a:effectRef>
+      <a:fontRef idx="minor">
+        <a:schemeClr val="lt1"/>
+      </a:fontRef>
+    </dgm:style>
+  </dgm:styleLbl>
+  <dgm:styleLbl name="parChTrans1D1">
+    <dgm:scene3d>
+      <a:camera prst="orthographicFront"/>
+      <a:lightRig rig="threePt" dir="t"/>
+    </dgm:scene3d>
+    <dgm:sp3d/>
+    <dgm:txPr/>
+    <dgm:style>
+      <a:lnRef idx="2">
+        <a:scrgbClr r="0" g="0" b="0"/>
+      </a:lnRef>
+      <a:fillRef idx="0">
+        <a:scrgbClr r="0" g="0" b="0"/>
+      </a:fillRef>
+      <a:effectRef idx="0">
+        <a:scrgbClr r="0" g="0" b="0"/>
+      </a:effectRef>
+      <a:fontRef idx="minor"/>
+    </dgm:style>
+  </dgm:styleLbl>
+  <dgm:styleLbl name="parChTrans1D2">
+    <dgm:scene3d>
+      <a:camera prst="orthographicFront"/>
+      <a:lightRig rig="threePt" dir="t"/>
+    </dgm:scene3d>
+    <dgm:sp3d/>
+    <dgm:txPr/>
+    <dgm:style>
+      <a:lnRef idx="2">
+        <a:scrgbClr r="0" g="0" b="0"/>
+      </a:lnRef>
+      <a:fillRef idx="0">
+        <a:scrgbClr r="0" g="0" b="0"/>
+      </a:fillRef>
+      <a:effectRef idx="0">
+        <a:scrgbClr r="0" g="0" b="0"/>
+      </a:effectRef>
+      <a:fontRef idx="minor"/>
+    </dgm:style>
+  </dgm:styleLbl>
+  <dgm:styleLbl name="parChTrans1D3">
+    <dgm:scene3d>
+      <a:camera prst="orthographicFront"/>
+      <a:lightRig rig="threePt" dir="t"/>
+    </dgm:scene3d>
+    <dgm:sp3d/>
+    <dgm:txPr/>
+    <dgm:style>
+      <a:lnRef idx="2">
+        <a:scrgbClr r="0" g="0" b="0"/>
+      </a:lnRef>
+      <a:fillRef idx="0">
+        <a:scrgbClr r="0" g="0" b="0"/>
+      </a:fillRef>
+      <a:effectRef idx="0">
+        <a:scrgbClr r="0" g="0" b="0"/>
+      </a:effectRef>
+      <a:fontRef idx="minor"/>
+    </dgm:style>
+  </dgm:styleLbl>
+  <dgm:styleLbl name="parChTrans1D4">
+    <dgm:scene3d>
+      <a:camera prst="orthographicFront"/>
+      <a:lightRig rig="threePt" dir="t"/>
+    </dgm:scene3d>
+    <dgm:sp3d/>
+    <dgm:txPr/>
+    <dgm:style>
+      <a:lnRef idx="2">
+        <a:scrgbClr r="0" g="0" b="0"/>
+      </a:lnRef>
+      <a:fillRef idx="0">
+        <a:scrgbClr r="0" g="0" b="0"/>
+      </a:fillRef>
+      <a:effectRef idx="0">
+        <a:scrgbClr r="0" g="0" b="0"/>
+      </a:effectRef>
+      <a:fontRef idx="minor"/>
+    </dgm:style>
+  </dgm:styleLbl>
+  <dgm:styleLbl name="fgAcc1">
+    <dgm:scene3d>
+      <a:camera prst="orthographicFront"/>
+      <a:lightRig rig="threePt" dir="t"/>
+    </dgm:scene3d>
+    <dgm:sp3d/>
+    <dgm:txPr/>
+    <dgm:style>
+      <a:lnRef idx="2">
+        <a:scrgbClr r="0" g="0" b="0"/>
+      </a:lnRef>
+      <a:fillRef idx="1">
+        <a:scrgbClr r="0" g="0" b="0"/>
+      </a:fillRef>
+      <a:effectRef idx="0">
+        <a:scrgbClr r="0" g="0" b="0"/>
+      </a:effectRef>
+      <a:fontRef idx="minor"/>
+    </dgm:style>
+  </dgm:styleLbl>
+  <dgm:styleLbl name="conFgAcc1">
+    <dgm:scene3d>
+      <a:camera prst="orthographicFront"/>
+      <a:lightRig rig="threePt" dir="t"/>
+    </dgm:scene3d>
+    <dgm:sp3d/>
+    <dgm:txPr/>
+    <dgm:style>
+      <a:lnRef idx="2">
+        <a:scrgbClr r="0" g="0" b="0"/>
+      </a:lnRef>
+      <a:fillRef idx="1">
+        <a:scrgbClr r="0" g="0" b="0"/>
+      </a:fillRef>
+      <a:effectRef idx="0">
+        <a:scrgbClr r="0" g="0" b="0"/>
+      </a:effectRef>
+      <a:fontRef idx="minor"/>
+    </dgm:style>
+  </dgm:styleLbl>
+  <dgm:styleLbl name="alignAcc1">
+    <dgm:scene3d>
+      <a:camera prst="orthographicFront"/>
+      <a:lightRig rig="threePt" dir="t"/>
+    </dgm:scene3d>
+    <dgm:sp3d/>
+    <dgm:txPr/>
+    <dgm:style>
+      <a:lnRef idx="2">
+        <a:scrgbClr r="0" g="0" b="0"/>
+      </a:lnRef>
+      <a:fillRef idx="1">
+        <a:scrgbClr r="0" g="0" b="0"/>
+      </a:fillRef>
+      <a:effectRef idx="0">
+        <a:scrgbClr r="0" g="0" b="0"/>
+      </a:effectRef>
+      <a:fontRef idx="minor"/>
+    </dgm:style>
+  </dgm:styleLbl>
+  <dgm:styleLbl name="trAlignAcc1">
+    <dgm:scene3d>
+      <a:camera prst="orthographicFront"/>
+      <a:lightRig rig="threePt" dir="t"/>
+    </dgm:scene3d>
+    <dgm:sp3d/>
+    <dgm:txPr/>
+    <dgm:style>
+      <a:lnRef idx="1">
+        <a:scrgbClr r="0" g="0" b="0"/>
+      </a:lnRef>
+      <a:fillRef idx="1">
+        <a:scrgbClr r="0" g="0" b="0"/>
+      </a:fillRef>
+      <a:effectRef idx="0">
+        <a:scrgbClr r="0" g="0" b="0"/>
+      </a:effectRef>
+      <a:fontRef idx="minor"/>
+    </dgm:style>
+  </dgm:styleLbl>
+  <dgm:styleLbl name="bgAcc1">
+    <dgm:scene3d>
+      <a:camera prst="orthographicFront"/>
+      <a:lightRig rig="threePt" dir="t"/>
+    </dgm:scene3d>
+    <dgm:sp3d/>
+    <dgm:txPr/>
+    <dgm:style>
+      <a:lnRef idx="2">
+        <a:scrgbClr r="0" g="0" b="0"/>
+      </a:lnRef>
+      <a:fillRef idx="1">
+        <a:scrgbClr r="0" g="0" b="0"/>
+      </a:fillRef>
+      <a:effectRef idx="0">
+        <a:scrgbClr r="0" g="0" b="0"/>
+      </a:effectRef>
+      <a:fontRef idx="minor"/>
+    </dgm:style>
+  </dgm:styleLbl>
+  <dgm:styleLbl name="solidFgAcc1">
+    <dgm:scene3d>
+      <a:camera prst="orthographicFront"/>
+      <a:lightRig rig="threePt" dir="t"/>
+    </dgm:scene3d>
+    <dgm:sp3d/>
+    <dgm:txPr/>
+    <dgm:style>
+      <a:lnRef idx="2">
+        <a:scrgbClr r="0" g="0" b="0"/>
+      </a:lnRef>
+      <a:fillRef idx="1">
+        <a:scrgbClr r="0" g="0" b="0"/>
+      </a:fillRef>
+      <a:effectRef idx="0">
+        <a:scrgbClr r="0" g="0" b="0"/>
+      </a:effectRef>
+      <a:fontRef idx="minor"/>
+    </dgm:style>
+  </dgm:styleLbl>
+  <dgm:styleLbl name="solidAlignAcc1">
+    <dgm:scene3d>
+      <a:camera prst="orthographicFront"/>
+      <a:lightRig rig="threePt" dir="t"/>
+    </dgm:scene3d>
+    <dgm:sp3d/>
+    <dgm:txPr/>
+    <dgm:style>
+      <a:lnRef idx="2">
+        <a:scrgbClr r="0" g="0" b="0"/>
+      </a:lnRef>
+      <a:fillRef idx="1">
+        <a:scrgbClr r="0" g="0" b="0"/>
+      </a:fillRef>
+      <a:effectRef idx="0">
+        <a:scrgbClr r="0" g="0" b="0"/>
+      </a:effectRef>
+      <a:fontRef idx="minor"/>
+    </dgm:style>
+  </dgm:styleLbl>
+  <dgm:styleLbl name="solidBgAcc1">
+    <dgm:scene3d>
+      <a:camera prst="orthographicFront"/>
+      <a:lightRig rig="threePt" dir="t"/>
+    </dgm:scene3d>
+    <dgm:sp3d/>
+    <dgm:txPr/>
+    <dgm:style>
+      <a:lnRef idx="2">
+        <a:scrgbClr r="0" g="0" b="0"/>
+      </a:lnRef>
+      <a:fillRef idx="1">
+        <a:scrgbClr r="0" g="0" b="0"/>
+      </a:fillRef>
+      <a:effectRef idx="0">
+        <a:scrgbClr r="0" g="0" b="0"/>
+      </a:effectRef>
+      <a:fontRef idx="minor"/>
+    </dgm:style>
+  </dgm:styleLbl>
+  <dgm:styleLbl name="fgAccFollowNode1">
+    <dgm:scene3d>
+      <a:camera prst="orthographicFront"/>
+      <a:lightRig rig="threePt" dir="t"/>
+    </dgm:scene3d>
+    <dgm:sp3d/>
+    <dgm:txPr/>
+    <dgm:style>
+      <a:lnRef idx="2">
+        <a:scrgbClr r="0" g="0" b="0"/>
+      </a:lnRef>
+      <a:fillRef idx="1">
+        <a:scrgbClr r="0" g="0" b="0"/>
+      </a:fillRef>
+      <a:effectRef idx="0">
+        <a:scrgbClr r="0" g="0" b="0"/>
+      </a:effectRef>
+      <a:fontRef idx="minor"/>
+    </dgm:style>
+  </dgm:styleLbl>
+  <dgm:styleLbl name="alignAccFollowNode1">
+    <dgm:scene3d>
+      <a:camera prst="orthographicFront"/>
+      <a:lightRig rig="threePt" dir="t"/>
+    </dgm:scene3d>
+    <dgm:sp3d/>
+    <dgm:txPr/>
+    <dgm:style>
+      <a:lnRef idx="2">
+        <a:scrgbClr r="0" g="0" b="0"/>
+      </a:lnRef>
+      <a:fillRef idx="1">
+        <a:scrgbClr r="0" g="0" b="0"/>
+      </a:fillRef>
+      <a:effectRef idx="0">
+        <a:scrgbClr r="0" g="0" b="0"/>
+      </a:effectRef>
+      <a:fontRef idx="minor"/>
+    </dgm:style>
+  </dgm:styleLbl>
+  <dgm:styleLbl name="bgAccFollowNode1">
+    <dgm:scene3d>
+      <a:camera prst="orthographicFront"/>
+      <a:lightRig rig="threePt" dir="t"/>
+    </dgm:scene3d>
+    <dgm:sp3d/>
+    <dgm:txPr/>
+    <dgm:style>
+      <a:lnRef idx="2">
+        <a:scrgbClr r="0" g="0" b="0"/>
+      </a:lnRef>
+      <a:fillRef idx="1">
+        <a:scrgbClr r="0" g="0" b="0"/>
+      </a:fillRef>
+      <a:effectRef idx="0">
+        <a:scrgbClr r="0" g="0" b="0"/>
+      </a:effectRef>
+      <a:fontRef idx="minor"/>
+    </dgm:style>
+  </dgm:styleLbl>
+  <dgm:styleLbl name="fgAcc0">
+    <dgm:scene3d>
+      <a:camera prst="orthographicFront"/>
+      <a:lightRig rig="threePt" dir="t"/>
+    </dgm:scene3d>
+    <dgm:sp3d/>
+    <dgm:txPr/>
+    <dgm:style>
+      <a:lnRef idx="2">
+        <a:scrgbClr r="0" g="0" b="0"/>
+      </a:lnRef>
+      <a:fillRef idx="1">
+        <a:scrgbClr r="0" g="0" b="0"/>
+      </a:fillRef>
+      <a:effectRef idx="0">
+        <a:scrgbClr r="0" g="0" b="0"/>
+      </a:effectRef>
+      <a:fontRef idx="minor"/>
+    </dgm:style>
+  </dgm:styleLbl>
+  <dgm:styleLbl name="fgAcc2">
+    <dgm:scene3d>
+      <a:camera prst="orthographicFront"/>
+      <a:lightRig rig="threePt" dir="t"/>
+    </dgm:scene3d>
+    <dgm:sp3d/>
+    <dgm:txPr/>
+    <dgm:style>
+      <a:lnRef idx="2">
+        <a:scrgbClr r="0" g="0" b="0"/>
+      </a:lnRef>
+      <a:fillRef idx="1">
+        <a:scrgbClr r="0" g="0" b="0"/>
+      </a:fillRef>
+      <a:effectRef idx="0">
+        <a:scrgbClr r="0" g="0" b="0"/>
+      </a:effectRef>
+      <a:fontRef idx="minor"/>
+    </dgm:style>
+  </dgm:styleLbl>
+  <dgm:styleLbl name="fgAcc3">
+    <dgm:scene3d>
+      <a:camera prst="orthographicFront"/>
+      <a:lightRig rig="threePt" dir="t"/>
+    </dgm:scene3d>
+    <dgm:sp3d/>
+    <dgm:txPr/>
+    <dgm:style>
+      <a:lnRef idx="2">
+        <a:scrgbClr r="0" g="0" b="0"/>
+      </a:lnRef>
+      <a:fillRef idx="1">
+        <a:scrgbClr r="0" g="0" b="0"/>
+      </a:fillRef>
+      <a:effectRef idx="0">
+        <a:scrgbClr r="0" g="0" b="0"/>
+      </a:effectRef>
+      <a:fontRef idx="minor"/>
+    </dgm:style>
+  </dgm:styleLbl>
+  <dgm:styleLbl name="fgAcc4">
+    <dgm:scene3d>
+      <a:camera prst="orthographicFront"/>
+      <a:lightRig rig="threePt" dir="t"/>
+    </dgm:scene3d>
+    <dgm:sp3d/>
+    <dgm:txPr/>
+    <dgm:style>
+      <a:lnRef idx="2">
+        <a:scrgbClr r="0" g="0" b="0"/>
+      </a:lnRef>
+      <a:fillRef idx="1">
+        <a:scrgbClr r="0" g="0" b="0"/>
+      </a:fillRef>
+      <a:effectRef idx="0">
+        <a:scrgbClr r="0" g="0" b="0"/>
+      </a:effectRef>
+      <a:fontRef idx="minor"/>
+    </dgm:style>
+  </dgm:styleLbl>
+  <dgm:styleLbl name="bgShp">
+    <dgm:scene3d>
+      <a:camera prst="orthographicFront"/>
+      <a:lightRig rig="threePt" dir="t"/>
+    </dgm:scene3d>
+    <dgm:sp3d/>
+    <dgm:txPr/>
+    <dgm:style>
+      <a:lnRef idx="0">
+        <a:scrgbClr r="0" g="0" b="0"/>
+      </a:lnRef>
+      <a:fillRef idx="1">
+        <a:scrgbClr r="0" g="0" b="0"/>
+      </a:fillRef>
+      <a:effectRef idx="0">
+        <a:scrgbClr r="0" g="0" b="0"/>
+      </a:effectRef>
+      <a:fontRef idx="minor"/>
+    </dgm:style>
+  </dgm:styleLbl>
+  <dgm:styleLbl name="dkBgShp">
+    <dgm:scene3d>
+      <a:camera prst="orthographicFront"/>
+      <a:lightRig rig="threePt" dir="t"/>
+    </dgm:scene3d>
+    <dgm:sp3d/>
+    <dgm:txPr/>
+    <dgm:style>
+      <a:lnRef idx="0">
+        <a:scrgbClr r="0" g="0" b="0"/>
+      </a:lnRef>
+      <a:fillRef idx="1">
+        <a:scrgbClr r="0" g="0" b="0"/>
+      </a:fillRef>
+      <a:effectRef idx="0">
+        <a:scrgbClr r="0" g="0" b="0"/>
+      </a:effectRef>
+      <a:fontRef idx="minor"/>
+    </dgm:style>
+  </dgm:styleLbl>
+  <dgm:styleLbl name="trBgShp">
+    <dgm:scene3d>
+      <a:camera prst="orthographicFront"/>
+      <a:lightRig rig="threePt" dir="t"/>
+    </dgm:scene3d>
+    <dgm:sp3d/>
+    <dgm:txPr/>
+    <dgm:style>
+      <a:lnRef idx="0">
+        <a:scrgbClr r="0" g="0" b="0"/>
+      </a:lnRef>
+      <a:fillRef idx="1">
+        <a:scrgbClr r="0" g="0" b="0"/>
+      </a:fillRef>
+      <a:effectRef idx="0">
+        <a:scrgbClr r="0" g="0" b="0"/>
+      </a:effectRef>
+      <a:fontRef idx="minor"/>
+    </dgm:style>
+  </dgm:styleLbl>
+  <dgm:styleLbl name="fgShp">
+    <dgm:scene3d>
+      <a:camera prst="orthographicFront"/>
+      <a:lightRig rig="threePt" dir="t"/>
+    </dgm:scene3d>
+    <dgm:sp3d/>
+    <dgm:txPr/>
+    <dgm:style>
+      <a:lnRef idx="2">
+        <a:scrgbClr r="0" g="0" b="0"/>
+      </a:lnRef>
+      <a:fillRef idx="1">
+        <a:scrgbClr r="0" g="0" b="0"/>
+      </a:fillRef>
+      <a:effectRef idx="0">
+        <a:scrgbClr r="0" g="0" b="0"/>
+      </a:effectRef>
+      <a:fontRef idx="minor"/>
+    </dgm:style>
+  </dgm:styleLbl>
+  <dgm:styleLbl name="revTx">
+    <dgm:scene3d>
+      <a:camera prst="orthographicFront"/>
+      <a:lightRig rig="threePt" dir="t"/>
+    </dgm:scene3d>
+    <dgm:sp3d/>
+    <dgm:txPr/>
+    <dgm:style>
+      <a:lnRef idx="0">
+        <a:scrgbClr r="0" g="0" b="0"/>
+      </a:lnRef>
+      <a:fillRef idx="0">
+        <a:scrgbClr r="0" g="0" b="0"/>
+      </a:fillRef>
+      <a:effectRef idx="0">
+        <a:scrgbClr r="0" g="0" b="0"/>
+      </a:effectRef>
+      <a:fontRef idx="minor"/>
+    </dgm:style>
+  </dgm:styleLbl>
+</dgm:styleDef>
+</file>
+
 <file path=ppt/diagrams/quickStyle2.xml><?xml version="1.0" encoding="utf-8"?>
 <dgm:styleDef xmlns:dgm="http://schemas.openxmlformats.org/drawingml/2006/diagram" xmlns:a="http://schemas.openxmlformats.org/drawingml/2006/main" uniqueId="urn:microsoft.com/office/officeart/2005/8/quickstyle/simple1">
   <dgm:title val=""/>
@@ -28656,7 +30954,7 @@
           <a:p>
             <a:fld id="{52056610-B2B8-4C80-B377-E3C2418411DD}" type="datetimeFigureOut">
               <a:rPr lang="ru-RU" smtClean="0"/>
-              <a:t>30.05.2022</a:t>
+              <a:t>01.06.2022</a:t>
             </a:fld>
             <a:endParaRPr lang="ru-RU"/>
           </a:p>
@@ -28824,7 +31122,7 @@
           <a:p>
             <a:fld id="{52056610-B2B8-4C80-B377-E3C2418411DD}" type="datetimeFigureOut">
               <a:rPr lang="ru-RU" smtClean="0"/>
-              <a:t>30.05.2022</a:t>
+              <a:t>01.06.2022</a:t>
             </a:fld>
             <a:endParaRPr lang="ru-RU"/>
           </a:p>
@@ -29002,7 +31300,7 @@
           <a:p>
             <a:fld id="{52056610-B2B8-4C80-B377-E3C2418411DD}" type="datetimeFigureOut">
               <a:rPr lang="ru-RU" smtClean="0"/>
-              <a:t>30.05.2022</a:t>
+              <a:t>01.06.2022</a:t>
             </a:fld>
             <a:endParaRPr lang="ru-RU"/>
           </a:p>
@@ -29170,7 +31468,7 @@
           <a:p>
             <a:fld id="{52056610-B2B8-4C80-B377-E3C2418411DD}" type="datetimeFigureOut">
               <a:rPr lang="ru-RU" smtClean="0"/>
-              <a:t>30.05.2022</a:t>
+              <a:t>01.06.2022</a:t>
             </a:fld>
             <a:endParaRPr lang="ru-RU"/>
           </a:p>
@@ -29415,7 +31713,7 @@
           <a:p>
             <a:fld id="{52056610-B2B8-4C80-B377-E3C2418411DD}" type="datetimeFigureOut">
               <a:rPr lang="ru-RU" smtClean="0"/>
-              <a:t>30.05.2022</a:t>
+              <a:t>01.06.2022</a:t>
             </a:fld>
             <a:endParaRPr lang="ru-RU"/>
           </a:p>
@@ -29644,7 +31942,7 @@
           <a:p>
             <a:fld id="{52056610-B2B8-4C80-B377-E3C2418411DD}" type="datetimeFigureOut">
               <a:rPr lang="ru-RU" smtClean="0"/>
-              <a:t>30.05.2022</a:t>
+              <a:t>01.06.2022</a:t>
             </a:fld>
             <a:endParaRPr lang="ru-RU"/>
           </a:p>
@@ -30008,7 +32306,7 @@
           <a:p>
             <a:fld id="{52056610-B2B8-4C80-B377-E3C2418411DD}" type="datetimeFigureOut">
               <a:rPr lang="ru-RU" smtClean="0"/>
-              <a:t>30.05.2022</a:t>
+              <a:t>01.06.2022</a:t>
             </a:fld>
             <a:endParaRPr lang="ru-RU"/>
           </a:p>
@@ -30125,7 +32423,7 @@
           <a:p>
             <a:fld id="{52056610-B2B8-4C80-B377-E3C2418411DD}" type="datetimeFigureOut">
               <a:rPr lang="ru-RU" smtClean="0"/>
-              <a:t>30.05.2022</a:t>
+              <a:t>01.06.2022</a:t>
             </a:fld>
             <a:endParaRPr lang="ru-RU"/>
           </a:p>
@@ -30220,7 +32518,7 @@
           <a:p>
             <a:fld id="{52056610-B2B8-4C80-B377-E3C2418411DD}" type="datetimeFigureOut">
               <a:rPr lang="ru-RU" smtClean="0"/>
-              <a:t>30.05.2022</a:t>
+              <a:t>01.06.2022</a:t>
             </a:fld>
             <a:endParaRPr lang="ru-RU"/>
           </a:p>
@@ -30495,7 +32793,7 @@
           <a:p>
             <a:fld id="{52056610-B2B8-4C80-B377-E3C2418411DD}" type="datetimeFigureOut">
               <a:rPr lang="ru-RU" smtClean="0"/>
-              <a:t>30.05.2022</a:t>
+              <a:t>01.06.2022</a:t>
             </a:fld>
             <a:endParaRPr lang="ru-RU"/>
           </a:p>
@@ -30747,7 +33045,7 @@
           <a:p>
             <a:fld id="{52056610-B2B8-4C80-B377-E3C2418411DD}" type="datetimeFigureOut">
               <a:rPr lang="ru-RU" smtClean="0"/>
-              <a:t>30.05.2022</a:t>
+              <a:t>01.06.2022</a:t>
             </a:fld>
             <a:endParaRPr lang="ru-RU"/>
           </a:p>
@@ -30961,7 +33259,7 @@
           <a:p>
             <a:fld id="{52056610-B2B8-4C80-B377-E3C2418411DD}" type="datetimeFigureOut">
               <a:rPr lang="ru-RU" smtClean="0"/>
-              <a:t>30.05.2022</a:t>
+              <a:t>01.06.2022</a:t>
             </a:fld>
             <a:endParaRPr lang="ru-RU"/>
           </a:p>
@@ -31535,8 +33833,8 @@
         </p:nvSpPr>
         <p:spPr>
           <a:xfrm>
-            <a:off x="1796658" y="3017123"/>
-            <a:ext cx="9605963" cy="1138773"/>
+            <a:off x="941007" y="3017123"/>
+            <a:ext cx="11250993" cy="1692771"/>
           </a:xfrm>
           <a:prstGeom prst="rect">
             <a:avLst/>
@@ -31544,7 +33842,7 @@
           <a:noFill/>
         </p:spPr>
         <p:txBody>
-          <a:bodyPr wrap="none" rtlCol="0">
+          <a:bodyPr wrap="square" rtlCol="0">
             <a:spAutoFit/>
           </a:bodyPr>
           <a:lstStyle/>
@@ -31566,7 +33864,19 @@
                 </a:solidFill>
                 <a:cs typeface="Times New Roman" panose="02020603050405020304" pitchFamily="18" charset="0"/>
               </a:rPr>
-              <a:t>«Тема выпускной квалификационной работы»</a:t>
+              <a:t>«Веб-сервис определения местонахождения звукового</a:t>
+            </a:r>
+          </a:p>
+          <a:p>
+            <a:pPr algn="ctr"/>
+            <a:r>
+              <a:rPr lang="ru-RU" sz="3600" b="1" dirty="0">
+                <a:solidFill>
+                  <a:srgbClr val="0A5283"/>
+                </a:solidFill>
+                <a:cs typeface="Times New Roman" panose="02020603050405020304" pitchFamily="18" charset="0"/>
+              </a:rPr>
+              <a:t> оборудования для сетевой арендной организации»</a:t>
             </a:r>
           </a:p>
         </p:txBody>
@@ -31643,7 +33953,7 @@
               <a:rPr lang="ru-RU" sz="2800" b="1" dirty="0">
                 <a:cs typeface="Times New Roman" panose="02020603050405020304" pitchFamily="18" charset="0"/>
               </a:rPr>
-              <a:t> П.П.</a:t>
+              <a:t> И.В.</a:t>
             </a:r>
           </a:p>
           <a:p>
@@ -31724,11 +34034,17 @@
         <p:nvGraphicFramePr>
           <p:cNvPr id="3" name="Схема 2"/>
           <p:cNvGraphicFramePr/>
-          <p:nvPr/>
+          <p:nvPr>
+            <p:extLst>
+              <p:ext uri="{D42A27DB-BD31-4B8C-83A1-F6EECF244321}">
+                <p14:modId xmlns:p14="http://schemas.microsoft.com/office/powerpoint/2010/main" val="2976356286"/>
+              </p:ext>
+            </p:extLst>
+          </p:nvPr>
         </p:nvGraphicFramePr>
         <p:xfrm>
-          <a:off x="0" y="278971"/>
-          <a:ext cx="12042183" cy="852406"/>
+          <a:off x="0" y="1998133"/>
+          <a:ext cx="12042183" cy="2133600"/>
         </p:xfrm>
         <a:graphic>
           <a:graphicData uri="http://schemas.openxmlformats.org/drawingml/2006/diagram">
@@ -31736,80 +34052,10 @@
           </a:graphicData>
         </a:graphic>
       </p:graphicFrame>
-      <p:sp>
-        <p:nvSpPr>
-          <p:cNvPr id="6" name="Ромб 5">
-            <a:extLst>
-              <a:ext uri="{FF2B5EF4-FFF2-40B4-BE49-F238E27FC236}">
-                <a16:creationId xmlns:a16="http://schemas.microsoft.com/office/drawing/2014/main" id="{AFA48F3F-E9C2-4CED-8ED0-C1C13197BA94}"/>
-              </a:ext>
-            </a:extLst>
-          </p:cNvPr>
-          <p:cNvSpPr/>
-          <p:nvPr/>
-        </p:nvSpPr>
-        <p:spPr>
-          <a:xfrm>
-            <a:off x="227892" y="5542187"/>
-            <a:ext cx="1193368" cy="1134463"/>
-          </a:xfrm>
-          <a:prstGeom prst="diamond">
-            <a:avLst/>
-          </a:prstGeom>
-          <a:solidFill>
-            <a:srgbClr val="0A5283"/>
-          </a:solidFill>
-          <a:ln>
-            <a:solidFill>
-              <a:srgbClr val="5D0286"/>
-            </a:solidFill>
-          </a:ln>
-        </p:spPr>
-        <p:style>
-          <a:lnRef idx="2">
-            <a:schemeClr val="accent1">
-              <a:shade val="50000"/>
-            </a:schemeClr>
-          </a:lnRef>
-          <a:fillRef idx="1">
-            <a:schemeClr val="accent1"/>
-          </a:fillRef>
-          <a:effectRef idx="0">
-            <a:schemeClr val="accent1"/>
-          </a:effectRef>
-          <a:fontRef idx="minor">
-            <a:schemeClr val="lt1"/>
-          </a:fontRef>
-        </p:style>
-        <p:txBody>
-          <a:bodyPr rtlCol="0" anchor="ctr"/>
-          <a:lstStyle/>
-          <a:p>
-            <a:pPr algn="ctr"/>
-            <a:r>
-              <a:rPr lang="ru-RU" sz="3200" b="1" dirty="0">
-                <a:solidFill>
-                  <a:schemeClr val="bg1"/>
-                </a:solidFill>
-                <a:effectLst>
-                  <a:outerShdw blurRad="38100" dist="38100" dir="2700000" algn="tl">
-                    <a:srgbClr val="000000">
-                      <a:alpha val="43137"/>
-                    </a:srgbClr>
-                  </a:outerShdw>
-                </a:effectLst>
-                <a:latin typeface="Times New Roman" panose="02020603050405020304" pitchFamily="18" charset="0"/>
-                <a:cs typeface="Times New Roman" panose="02020603050405020304" pitchFamily="18" charset="0"/>
-              </a:rPr>
-              <a:t>2</a:t>
-            </a:r>
-          </a:p>
-        </p:txBody>
-      </p:sp>
     </p:spTree>
     <p:extLst>
       <p:ext uri="{BB962C8B-B14F-4D97-AF65-F5344CB8AC3E}">
-        <p14:creationId xmlns:p14="http://schemas.microsoft.com/office/powerpoint/2010/main" val="2365656601"/>
+        <p14:creationId xmlns:p14="http://schemas.microsoft.com/office/powerpoint/2010/main" val="1927179598"/>
       </p:ext>
     </p:extLst>
   </p:cSld>
@@ -31902,7 +34148,7 @@
           <a:lstStyle/>
           <a:p>
             <a:pPr algn="ctr"/>
-            <a:r>
+            <a:fld id="{4CA81A90-6A60-466E-9097-5C38437CF175}" type="slidenum">
               <a:rPr lang="ru-RU" sz="3200" b="1" dirty="0">
                 <a:solidFill>
                   <a:schemeClr val="bg1"/>
@@ -31917,15 +34163,29 @@
                 <a:latin typeface="Times New Roman" panose="02020603050405020304" pitchFamily="18" charset="0"/>
                 <a:cs typeface="Times New Roman" panose="02020603050405020304" pitchFamily="18" charset="0"/>
               </a:rPr>
-              <a:t>2</a:t>
-            </a:r>
+              <a:t>11</a:t>
+            </a:fld>
+            <a:endParaRPr lang="ru-RU" sz="3200" b="1" dirty="0">
+              <a:solidFill>
+                <a:schemeClr val="bg1"/>
+              </a:solidFill>
+              <a:effectLst>
+                <a:outerShdw blurRad="38100" dist="38100" dir="2700000" algn="tl">
+                  <a:srgbClr val="000000">
+                    <a:alpha val="43137"/>
+                  </a:srgbClr>
+                </a:outerShdw>
+              </a:effectLst>
+              <a:latin typeface="Times New Roman" panose="02020603050405020304" pitchFamily="18" charset="0"/>
+              <a:cs typeface="Times New Roman" panose="02020603050405020304" pitchFamily="18" charset="0"/>
+            </a:endParaRPr>
           </a:p>
         </p:txBody>
       </p:sp>
     </p:spTree>
     <p:extLst>
       <p:ext uri="{BB962C8B-B14F-4D97-AF65-F5344CB8AC3E}">
-        <p14:creationId xmlns:p14="http://schemas.microsoft.com/office/powerpoint/2010/main" val="3313026852"/>
+        <p14:creationId xmlns:p14="http://schemas.microsoft.com/office/powerpoint/2010/main" val="3258511759"/>
       </p:ext>
     </p:extLst>
   </p:cSld>
@@ -32018,7 +34278,7 @@
           <a:lstStyle/>
           <a:p>
             <a:pPr algn="ctr"/>
-            <a:r>
+            <a:fld id="{49B1FDF3-5911-4F81-93E0-89705F5667EF}" type="slidenum">
               <a:rPr lang="ru-RU" sz="3200" b="1" dirty="0">
                 <a:solidFill>
                   <a:schemeClr val="bg1"/>
@@ -32033,8 +34293,152 @@
                 <a:latin typeface="Times New Roman" panose="02020603050405020304" pitchFamily="18" charset="0"/>
                 <a:cs typeface="Times New Roman" panose="02020603050405020304" pitchFamily="18" charset="0"/>
               </a:rPr>
-              <a:t>2</a:t>
-            </a:r>
+              <a:t>12</a:t>
+            </a:fld>
+            <a:endParaRPr lang="ru-RU" sz="3200" b="1" dirty="0">
+              <a:solidFill>
+                <a:schemeClr val="bg1"/>
+              </a:solidFill>
+              <a:effectLst>
+                <a:outerShdw blurRad="38100" dist="38100" dir="2700000" algn="tl">
+                  <a:srgbClr val="000000">
+                    <a:alpha val="43137"/>
+                  </a:srgbClr>
+                </a:outerShdw>
+              </a:effectLst>
+              <a:latin typeface="Times New Roman" panose="02020603050405020304" pitchFamily="18" charset="0"/>
+              <a:cs typeface="Times New Roman" panose="02020603050405020304" pitchFamily="18" charset="0"/>
+            </a:endParaRPr>
+          </a:p>
+        </p:txBody>
+      </p:sp>
+    </p:spTree>
+    <p:extLst>
+      <p:ext uri="{BB962C8B-B14F-4D97-AF65-F5344CB8AC3E}">
+        <p14:creationId xmlns:p14="http://schemas.microsoft.com/office/powerpoint/2010/main" val="2365656601"/>
+      </p:ext>
+    </p:extLst>
+  </p:cSld>
+  <p:clrMapOvr>
+    <a:masterClrMapping/>
+  </p:clrMapOvr>
+</p:sld>
+</file>
+
+<file path=ppt/slides/slide13.xml><?xml version="1.0" encoding="utf-8"?>
+<p:sld xmlns:a="http://schemas.openxmlformats.org/drawingml/2006/main" xmlns:r="http://schemas.openxmlformats.org/officeDocument/2006/relationships" xmlns:p="http://schemas.openxmlformats.org/presentationml/2006/main">
+  <p:cSld>
+    <p:spTree>
+      <p:nvGrpSpPr>
+        <p:cNvPr id="1" name=""/>
+        <p:cNvGrpSpPr/>
+        <p:nvPr/>
+      </p:nvGrpSpPr>
+      <p:grpSpPr>
+        <a:xfrm>
+          <a:off x="0" y="0"/>
+          <a:ext cx="0" cy="0"/>
+          <a:chOff x="0" y="0"/>
+          <a:chExt cx="0" cy="0"/>
+        </a:xfrm>
+      </p:grpSpPr>
+      <p:graphicFrame>
+        <p:nvGraphicFramePr>
+          <p:cNvPr id="3" name="Схема 2"/>
+          <p:cNvGraphicFramePr/>
+          <p:nvPr/>
+        </p:nvGraphicFramePr>
+        <p:xfrm>
+          <a:off x="0" y="278971"/>
+          <a:ext cx="12042183" cy="852406"/>
+        </p:xfrm>
+        <a:graphic>
+          <a:graphicData uri="http://schemas.openxmlformats.org/drawingml/2006/diagram">
+            <dgm:relIds xmlns:dgm="http://schemas.openxmlformats.org/drawingml/2006/diagram" xmlns:r="http://schemas.openxmlformats.org/officeDocument/2006/relationships" r:dm="rId2" r:lo="rId3" r:qs="rId4" r:cs="rId5"/>
+          </a:graphicData>
+        </a:graphic>
+      </p:graphicFrame>
+      <p:sp>
+        <p:nvSpPr>
+          <p:cNvPr id="6" name="Ромб 5">
+            <a:extLst>
+              <a:ext uri="{FF2B5EF4-FFF2-40B4-BE49-F238E27FC236}">
+                <a16:creationId xmlns:a16="http://schemas.microsoft.com/office/drawing/2014/main" id="{AFA48F3F-E9C2-4CED-8ED0-C1C13197BA94}"/>
+              </a:ext>
+            </a:extLst>
+          </p:cNvPr>
+          <p:cNvSpPr/>
+          <p:nvPr/>
+        </p:nvSpPr>
+        <p:spPr>
+          <a:xfrm>
+            <a:off x="227892" y="5542187"/>
+            <a:ext cx="1193368" cy="1134463"/>
+          </a:xfrm>
+          <a:prstGeom prst="diamond">
+            <a:avLst/>
+          </a:prstGeom>
+          <a:solidFill>
+            <a:srgbClr val="0A5283"/>
+          </a:solidFill>
+          <a:ln>
+            <a:solidFill>
+              <a:srgbClr val="5D0286"/>
+            </a:solidFill>
+          </a:ln>
+        </p:spPr>
+        <p:style>
+          <a:lnRef idx="2">
+            <a:schemeClr val="accent1">
+              <a:shade val="50000"/>
+            </a:schemeClr>
+          </a:lnRef>
+          <a:fillRef idx="1">
+            <a:schemeClr val="accent1"/>
+          </a:fillRef>
+          <a:effectRef idx="0">
+            <a:schemeClr val="accent1"/>
+          </a:effectRef>
+          <a:fontRef idx="minor">
+            <a:schemeClr val="lt1"/>
+          </a:fontRef>
+        </p:style>
+        <p:txBody>
+          <a:bodyPr rtlCol="0" anchor="ctr"/>
+          <a:lstStyle/>
+          <a:p>
+            <a:pPr algn="ctr"/>
+            <a:fld id="{06086AC7-6945-4E9D-A95E-4DC204797C07}" type="slidenum">
+              <a:rPr lang="ru-RU" sz="3200" b="1" dirty="0">
+                <a:solidFill>
+                  <a:schemeClr val="bg1"/>
+                </a:solidFill>
+                <a:effectLst>
+                  <a:outerShdw blurRad="38100" dist="38100" dir="2700000" algn="tl">
+                    <a:srgbClr val="000000">
+                      <a:alpha val="43137"/>
+                    </a:srgbClr>
+                  </a:outerShdw>
+                </a:effectLst>
+                <a:latin typeface="Times New Roman" panose="02020603050405020304" pitchFamily="18" charset="0"/>
+                <a:cs typeface="Times New Roman" panose="02020603050405020304" pitchFamily="18" charset="0"/>
+              </a:rPr>
+              <a:t>13</a:t>
+            </a:fld>
+            <a:endParaRPr lang="ru-RU" sz="3200" b="1" dirty="0">
+              <a:solidFill>
+                <a:schemeClr val="bg1"/>
+              </a:solidFill>
+              <a:effectLst>
+                <a:outerShdw blurRad="38100" dist="38100" dir="2700000" algn="tl">
+                  <a:srgbClr val="000000">
+                    <a:alpha val="43137"/>
+                  </a:srgbClr>
+                </a:outerShdw>
+              </a:effectLst>
+              <a:latin typeface="Times New Roman" panose="02020603050405020304" pitchFamily="18" charset="0"/>
+              <a:cs typeface="Times New Roman" panose="02020603050405020304" pitchFamily="18" charset="0"/>
+            </a:endParaRPr>
           </a:p>
         </p:txBody>
       </p:sp>
@@ -32051,7 +34455,137 @@
 </p:sld>
 </file>
 
-<file path=ppt/slides/slide13.xml><?xml version="1.0" encoding="utf-8"?>
+<file path=ppt/slides/slide14.xml><?xml version="1.0" encoding="utf-8"?>
+<p:sld xmlns:a="http://schemas.openxmlformats.org/drawingml/2006/main" xmlns:r="http://schemas.openxmlformats.org/officeDocument/2006/relationships" xmlns:p="http://schemas.openxmlformats.org/presentationml/2006/main">
+  <p:cSld>
+    <p:spTree>
+      <p:nvGrpSpPr>
+        <p:cNvPr id="1" name=""/>
+        <p:cNvGrpSpPr/>
+        <p:nvPr/>
+      </p:nvGrpSpPr>
+      <p:grpSpPr>
+        <a:xfrm>
+          <a:off x="0" y="0"/>
+          <a:ext cx="0" cy="0"/>
+          <a:chOff x="0" y="0"/>
+          <a:chExt cx="0" cy="0"/>
+        </a:xfrm>
+      </p:grpSpPr>
+      <p:graphicFrame>
+        <p:nvGraphicFramePr>
+          <p:cNvPr id="3" name="Схема 2"/>
+          <p:cNvGraphicFramePr/>
+          <p:nvPr/>
+        </p:nvGraphicFramePr>
+        <p:xfrm>
+          <a:off x="0" y="278971"/>
+          <a:ext cx="12042183" cy="852406"/>
+        </p:xfrm>
+        <a:graphic>
+          <a:graphicData uri="http://schemas.openxmlformats.org/drawingml/2006/diagram">
+            <dgm:relIds xmlns:dgm="http://schemas.openxmlformats.org/drawingml/2006/diagram" xmlns:r="http://schemas.openxmlformats.org/officeDocument/2006/relationships" r:dm="rId2" r:lo="rId3" r:qs="rId4" r:cs="rId5"/>
+          </a:graphicData>
+        </a:graphic>
+      </p:graphicFrame>
+      <p:sp>
+        <p:nvSpPr>
+          <p:cNvPr id="6" name="Ромб 5">
+            <a:extLst>
+              <a:ext uri="{FF2B5EF4-FFF2-40B4-BE49-F238E27FC236}">
+                <a16:creationId xmlns:a16="http://schemas.microsoft.com/office/drawing/2014/main" id="{AFA48F3F-E9C2-4CED-8ED0-C1C13197BA94}"/>
+              </a:ext>
+            </a:extLst>
+          </p:cNvPr>
+          <p:cNvSpPr/>
+          <p:nvPr/>
+        </p:nvSpPr>
+        <p:spPr>
+          <a:xfrm>
+            <a:off x="227892" y="5542187"/>
+            <a:ext cx="1193368" cy="1134463"/>
+          </a:xfrm>
+          <a:prstGeom prst="diamond">
+            <a:avLst/>
+          </a:prstGeom>
+          <a:solidFill>
+            <a:srgbClr val="0A5283"/>
+          </a:solidFill>
+          <a:ln>
+            <a:solidFill>
+              <a:srgbClr val="5D0286"/>
+            </a:solidFill>
+          </a:ln>
+        </p:spPr>
+        <p:style>
+          <a:lnRef idx="2">
+            <a:schemeClr val="accent1">
+              <a:shade val="50000"/>
+            </a:schemeClr>
+          </a:lnRef>
+          <a:fillRef idx="1">
+            <a:schemeClr val="accent1"/>
+          </a:fillRef>
+          <a:effectRef idx="0">
+            <a:schemeClr val="accent1"/>
+          </a:effectRef>
+          <a:fontRef idx="minor">
+            <a:schemeClr val="lt1"/>
+          </a:fontRef>
+        </p:style>
+        <p:txBody>
+          <a:bodyPr rtlCol="0" anchor="ctr"/>
+          <a:lstStyle/>
+          <a:p>
+            <a:pPr algn="ctr"/>
+            <a:fld id="{C1DCE5CC-4FEB-4723-817A-3A9AFBC8CFDE}" type="slidenum">
+              <a:rPr lang="ru-RU" sz="3200" b="1" dirty="0">
+                <a:solidFill>
+                  <a:schemeClr val="bg1"/>
+                </a:solidFill>
+                <a:effectLst>
+                  <a:outerShdw blurRad="38100" dist="38100" dir="2700000" algn="tl">
+                    <a:srgbClr val="000000">
+                      <a:alpha val="43137"/>
+                    </a:srgbClr>
+                  </a:outerShdw>
+                </a:effectLst>
+                <a:latin typeface="Times New Roman" panose="02020603050405020304" pitchFamily="18" charset="0"/>
+                <a:cs typeface="Times New Roman" panose="02020603050405020304" pitchFamily="18" charset="0"/>
+              </a:rPr>
+              <a:t>14</a:t>
+            </a:fld>
+            <a:endParaRPr lang="ru-RU" sz="3200" b="1" dirty="0">
+              <a:solidFill>
+                <a:schemeClr val="bg1"/>
+              </a:solidFill>
+              <a:effectLst>
+                <a:outerShdw blurRad="38100" dist="38100" dir="2700000" algn="tl">
+                  <a:srgbClr val="000000">
+                    <a:alpha val="43137"/>
+                  </a:srgbClr>
+                </a:outerShdw>
+              </a:effectLst>
+              <a:latin typeface="Times New Roman" panose="02020603050405020304" pitchFamily="18" charset="0"/>
+              <a:cs typeface="Times New Roman" panose="02020603050405020304" pitchFamily="18" charset="0"/>
+            </a:endParaRPr>
+          </a:p>
+        </p:txBody>
+      </p:sp>
+    </p:spTree>
+    <p:extLst>
+      <p:ext uri="{BB962C8B-B14F-4D97-AF65-F5344CB8AC3E}">
+        <p14:creationId xmlns:p14="http://schemas.microsoft.com/office/powerpoint/2010/main" val="3313026852"/>
+      </p:ext>
+    </p:extLst>
+  </p:cSld>
+  <p:clrMapOvr>
+    <a:masterClrMapping/>
+  </p:clrMapOvr>
+</p:sld>
+</file>
+
+<file path=ppt/slides/slide15.xml><?xml version="1.0" encoding="utf-8"?>
 <p:sld xmlns:a="http://schemas.openxmlformats.org/drawingml/2006/main" xmlns:r="http://schemas.openxmlformats.org/officeDocument/2006/relationships" xmlns:p="http://schemas.openxmlformats.org/presentationml/2006/main">
   <p:cSld>
     <p:spTree>
@@ -32179,58 +34713,6 @@
 </p:sld>
 </file>
 
-<file path=ppt/slides/slide14.xml><?xml version="1.0" encoding="utf-8"?>
-<p:sld xmlns:a="http://schemas.openxmlformats.org/drawingml/2006/main" xmlns:r="http://schemas.openxmlformats.org/officeDocument/2006/relationships" xmlns:p="http://schemas.openxmlformats.org/presentationml/2006/main">
-  <p:cSld>
-    <p:spTree>
-      <p:nvGrpSpPr>
-        <p:cNvPr id="1" name=""/>
-        <p:cNvGrpSpPr/>
-        <p:nvPr/>
-      </p:nvGrpSpPr>
-      <p:grpSpPr>
-        <a:xfrm>
-          <a:off x="0" y="0"/>
-          <a:ext cx="0" cy="0"/>
-          <a:chOff x="0" y="0"/>
-          <a:chExt cx="0" cy="0"/>
-        </a:xfrm>
-      </p:grpSpPr>
-      <p:graphicFrame>
-        <p:nvGraphicFramePr>
-          <p:cNvPr id="3" name="Схема 2"/>
-          <p:cNvGraphicFramePr/>
-          <p:nvPr>
-            <p:extLst>
-              <p:ext uri="{D42A27DB-BD31-4B8C-83A1-F6EECF244321}">
-                <p14:modId xmlns:p14="http://schemas.microsoft.com/office/powerpoint/2010/main" val="2976356286"/>
-              </p:ext>
-            </p:extLst>
-          </p:nvPr>
-        </p:nvGraphicFramePr>
-        <p:xfrm>
-          <a:off x="0" y="1998133"/>
-          <a:ext cx="12042183" cy="2133600"/>
-        </p:xfrm>
-        <a:graphic>
-          <a:graphicData uri="http://schemas.openxmlformats.org/drawingml/2006/diagram">
-            <dgm:relIds xmlns:dgm="http://schemas.openxmlformats.org/drawingml/2006/diagram" xmlns:r="http://schemas.openxmlformats.org/officeDocument/2006/relationships" r:dm="rId2" r:lo="rId3" r:qs="rId4" r:cs="rId5"/>
-          </a:graphicData>
-        </a:graphic>
-      </p:graphicFrame>
-    </p:spTree>
-    <p:extLst>
-      <p:ext uri="{BB962C8B-B14F-4D97-AF65-F5344CB8AC3E}">
-        <p14:creationId xmlns:p14="http://schemas.microsoft.com/office/powerpoint/2010/main" val="1927179598"/>
-      </p:ext>
-    </p:extLst>
-  </p:cSld>
-  <p:clrMapOvr>
-    <a:masterClrMapping/>
-  </p:clrMapOvr>
-</p:sld>
-</file>
-
 <file path=ppt/slides/slide2.xml><?xml version="1.0" encoding="utf-8"?>
 <p:sld xmlns:a="http://schemas.openxmlformats.org/drawingml/2006/main" xmlns:r="http://schemas.openxmlformats.org/officeDocument/2006/relationships" xmlns:p="http://schemas.openxmlformats.org/presentationml/2006/main">
   <p:cSld>
@@ -32320,7 +34802,7 @@
           <a:lstStyle/>
           <a:p>
             <a:pPr algn="ctr"/>
-            <a:r>
+            <a:fld id="{F9211929-8FC6-49AC-9378-E939BA10C28F}" type="slidenum">
               <a:rPr lang="ru-RU" sz="3200" b="1" dirty="0">
                 <a:solidFill>
                   <a:schemeClr val="bg1"/>
@@ -32336,7 +34818,21 @@
                 <a:cs typeface="Times New Roman" panose="02020603050405020304" pitchFamily="18" charset="0"/>
               </a:rPr>
               <a:t>2</a:t>
-            </a:r>
+            </a:fld>
+            <a:endParaRPr lang="ru-RU" sz="3200" b="1" dirty="0">
+              <a:solidFill>
+                <a:schemeClr val="bg1"/>
+              </a:solidFill>
+              <a:effectLst>
+                <a:outerShdw blurRad="38100" dist="38100" dir="2700000" algn="tl">
+                  <a:srgbClr val="000000">
+                    <a:alpha val="43137"/>
+                  </a:srgbClr>
+                </a:outerShdw>
+              </a:effectLst>
+              <a:latin typeface="Times New Roman" panose="02020603050405020304" pitchFamily="18" charset="0"/>
+              <a:cs typeface="Times New Roman" panose="02020603050405020304" pitchFamily="18" charset="0"/>
+            </a:endParaRPr>
           </a:p>
         </p:txBody>
       </p:sp>
@@ -32354,8 +34850,8 @@
         </p:nvSpPr>
         <p:spPr>
           <a:xfrm>
-            <a:off x="824576" y="1327874"/>
-            <a:ext cx="10794176" cy="2254848"/>
+            <a:off x="800100" y="1327874"/>
+            <a:ext cx="10818652" cy="4321376"/>
           </a:xfrm>
           <a:prstGeom prst="rect">
             <a:avLst/>
@@ -32377,7 +34873,7 @@
               </a:spcAft>
             </a:pPr>
             <a:r>
-              <a:rPr lang="ru-RU" sz="1800" b="1" dirty="0">
+              <a:rPr lang="ru-RU" sz="2800" b="1" i="1" u="sng" dirty="0">
                 <a:effectLst/>
                 <a:latin typeface="Times New Roman" panose="02020603050405020304" pitchFamily="18" charset="0"/>
                 <a:ea typeface="Times New Roman" panose="02020603050405020304" pitchFamily="18" charset="0"/>
@@ -32386,15 +34882,24 @@
               <a:t>Цель работы:</a:t>
             </a:r>
             <a:r>
-              <a:rPr lang="ru-RU" sz="1800" dirty="0">
+              <a:rPr lang="ru-RU" sz="2800" i="1" dirty="0">
                 <a:effectLst/>
                 <a:latin typeface="Times New Roman" panose="02020603050405020304" pitchFamily="18" charset="0"/>
                 <a:ea typeface="Times New Roman" panose="02020603050405020304" pitchFamily="18" charset="0"/>
                 <a:cs typeface="Times New Roman" panose="02020603050405020304" pitchFamily="18" charset="0"/>
               </a:rPr>
-              <a:t> разработка веб-сервиса определения местонахождения звукового оборудования для сетевой арендной организации</a:t>
+              <a:t> </a:t>
             </a:r>
-            <a:endParaRPr lang="ru-RU" sz="1600" dirty="0">
+            <a:r>
+              <a:rPr lang="ru-RU" sz="2800" dirty="0">
+                <a:effectLst/>
+                <a:latin typeface="Times New Roman" panose="02020603050405020304" pitchFamily="18" charset="0"/>
+                <a:ea typeface="Times New Roman" panose="02020603050405020304" pitchFamily="18" charset="0"/>
+                <a:cs typeface="Times New Roman" panose="02020603050405020304" pitchFamily="18" charset="0"/>
+              </a:rPr>
+              <a:t>разработка веб-сервиса определения местонахождения звукового оборудования для сетевой арендной организации.</a:t>
+            </a:r>
+            <a:endParaRPr lang="ru-RU" sz="2400" dirty="0">
               <a:effectLst/>
               <a:latin typeface="Calibri" panose="020F0502020204030204" pitchFamily="34" charset="0"/>
               <a:ea typeface="Calibri" panose="020F0502020204030204" pitchFamily="34" charset="0"/>
@@ -32411,7 +34916,7 @@
               </a:spcAft>
             </a:pPr>
             <a:r>
-              <a:rPr lang="ru-RU" sz="1800" b="1" dirty="0">
+              <a:rPr lang="ru-RU" sz="2800" b="1" i="1" u="sng" dirty="0">
                 <a:effectLst/>
                 <a:latin typeface="Times New Roman" panose="02020603050405020304" pitchFamily="18" charset="0"/>
                 <a:ea typeface="Times New Roman" panose="02020603050405020304" pitchFamily="18" charset="0"/>
@@ -32420,15 +34925,24 @@
               <a:t>Задачи работы:</a:t>
             </a:r>
             <a:r>
-              <a:rPr lang="ru-RU" sz="1800" dirty="0">
+              <a:rPr lang="ru-RU" sz="2800" b="1" dirty="0">
                 <a:effectLst/>
                 <a:latin typeface="Times New Roman" panose="02020603050405020304" pitchFamily="18" charset="0"/>
                 <a:ea typeface="Times New Roman" panose="02020603050405020304" pitchFamily="18" charset="0"/>
                 <a:cs typeface="Times New Roman" panose="02020603050405020304" pitchFamily="18" charset="0"/>
               </a:rPr>
-              <a:t> анализ бизнеса по аренде движимого оборудования с точки зрения учета его местонахождения; анализ и сравнение имеющихся на рынке средств автоматизации системы хранения; выявление основных требований к функционалу разрабатываемого решения; проектирование алгоритмов работы; проектирование бизнес-процессов; экономические параметры разработки и внедрения разрабатываемого решения; разработка программного продукта </a:t>
+              <a:t> </a:t>
             </a:r>
-            <a:endParaRPr lang="ru-RU" sz="1600" dirty="0">
+            <a:r>
+              <a:rPr lang="ru-RU" sz="2800" dirty="0">
+                <a:effectLst/>
+                <a:latin typeface="Times New Roman" panose="02020603050405020304" pitchFamily="18" charset="0"/>
+                <a:ea typeface="Times New Roman" panose="02020603050405020304" pitchFamily="18" charset="0"/>
+                <a:cs typeface="Times New Roman" panose="02020603050405020304" pitchFamily="18" charset="0"/>
+              </a:rPr>
+              <a:t>анализ бизнеса по аренде движимого оборудования с точки зрения учета его местонахождения; анализ и сравнение имеющихся на рынке средств автоматизации системы хранения; выявление основных требований к функционалу разрабатываемого решения; проектирование алгоритмов работы; проектирование бизнес-процессов; экономические параметры разработки и внедрения разрабатываемого решения; разработка программного продукта.</a:t>
+            </a:r>
+            <a:endParaRPr lang="ru-RU" sz="2400" dirty="0">
               <a:effectLst/>
               <a:latin typeface="Calibri" panose="020F0502020204030204" pitchFamily="34" charset="0"/>
               <a:ea typeface="Calibri" panose="020F0502020204030204" pitchFamily="34" charset="0"/>
@@ -32471,7 +34985,179 @@
         <p:nvGraphicFramePr>
           <p:cNvPr id="3" name="Схема 2"/>
           <p:cNvGraphicFramePr/>
+          <p:nvPr>
+            <p:extLst>
+              <p:ext uri="{D42A27DB-BD31-4B8C-83A1-F6EECF244321}">
+                <p14:modId xmlns:p14="http://schemas.microsoft.com/office/powerpoint/2010/main" val="3864572374"/>
+              </p:ext>
+            </p:extLst>
+          </p:nvPr>
+        </p:nvGraphicFramePr>
+        <p:xfrm>
+          <a:off x="0" y="278971"/>
+          <a:ext cx="12042183" cy="852406"/>
+        </p:xfrm>
+        <a:graphic>
+          <a:graphicData uri="http://schemas.openxmlformats.org/drawingml/2006/diagram">
+            <dgm:relIds xmlns:dgm="http://schemas.openxmlformats.org/drawingml/2006/diagram" xmlns:r="http://schemas.openxmlformats.org/officeDocument/2006/relationships" r:dm="rId2" r:lo="rId3" r:qs="rId4" r:cs="rId5"/>
+          </a:graphicData>
+        </a:graphic>
+      </p:graphicFrame>
+      <p:pic>
+        <p:nvPicPr>
+          <p:cNvPr id="4" name="Рисунок 3">
+            <a:extLst>
+              <a:ext uri="{FF2B5EF4-FFF2-40B4-BE49-F238E27FC236}">
+                <a16:creationId xmlns:a16="http://schemas.microsoft.com/office/drawing/2014/main" id="{C548DA6F-52E2-4D39-B7AD-FB1772C61C6C}"/>
+              </a:ext>
+            </a:extLst>
+          </p:cNvPr>
+          <p:cNvPicPr>
+            <a:picLocks noChangeAspect="1"/>
+          </p:cNvPicPr>
           <p:nvPr/>
+        </p:nvPicPr>
+        <p:blipFill>
+          <a:blip r:embed="rId7"/>
+          <a:stretch>
+            <a:fillRect/>
+          </a:stretch>
+        </p:blipFill>
+        <p:spPr>
+          <a:xfrm>
+            <a:off x="911391" y="1131378"/>
+            <a:ext cx="11130791" cy="4891354"/>
+          </a:xfrm>
+          <a:prstGeom prst="rect">
+            <a:avLst/>
+          </a:prstGeom>
+        </p:spPr>
+      </p:pic>
+      <p:sp>
+        <p:nvSpPr>
+          <p:cNvPr id="6" name="Ромб 5">
+            <a:extLst>
+              <a:ext uri="{FF2B5EF4-FFF2-40B4-BE49-F238E27FC236}">
+                <a16:creationId xmlns:a16="http://schemas.microsoft.com/office/drawing/2014/main" id="{AFA48F3F-E9C2-4CED-8ED0-C1C13197BA94}"/>
+              </a:ext>
+            </a:extLst>
+          </p:cNvPr>
+          <p:cNvSpPr/>
+          <p:nvPr/>
+        </p:nvSpPr>
+        <p:spPr>
+          <a:xfrm>
+            <a:off x="149817" y="5542187"/>
+            <a:ext cx="1193368" cy="1134463"/>
+          </a:xfrm>
+          <a:prstGeom prst="diamond">
+            <a:avLst/>
+          </a:prstGeom>
+          <a:solidFill>
+            <a:srgbClr val="0A5283"/>
+          </a:solidFill>
+          <a:ln>
+            <a:solidFill>
+              <a:srgbClr val="5D0286"/>
+            </a:solidFill>
+          </a:ln>
+        </p:spPr>
+        <p:style>
+          <a:lnRef idx="2">
+            <a:schemeClr val="accent1">
+              <a:shade val="50000"/>
+            </a:schemeClr>
+          </a:lnRef>
+          <a:fillRef idx="1">
+            <a:schemeClr val="accent1"/>
+          </a:fillRef>
+          <a:effectRef idx="0">
+            <a:schemeClr val="accent1"/>
+          </a:effectRef>
+          <a:fontRef idx="minor">
+            <a:schemeClr val="lt1"/>
+          </a:fontRef>
+        </p:style>
+        <p:txBody>
+          <a:bodyPr rtlCol="0" anchor="ctr"/>
+          <a:lstStyle/>
+          <a:p>
+            <a:pPr algn="ctr"/>
+            <a:fld id="{5D8659A8-AA88-4040-BBD4-20FC9D71D0AB}" type="slidenum">
+              <a:rPr lang="ru-RU" sz="3200" b="1" dirty="0">
+                <a:solidFill>
+                  <a:schemeClr val="bg1"/>
+                </a:solidFill>
+                <a:effectLst>
+                  <a:outerShdw blurRad="38100" dist="38100" dir="2700000" algn="tl">
+                    <a:srgbClr val="000000">
+                      <a:alpha val="43137"/>
+                    </a:srgbClr>
+                  </a:outerShdw>
+                </a:effectLst>
+                <a:latin typeface="Times New Roman" panose="02020603050405020304" pitchFamily="18" charset="0"/>
+                <a:cs typeface="Times New Roman" panose="02020603050405020304" pitchFamily="18" charset="0"/>
+              </a:rPr>
+              <a:t>3</a:t>
+            </a:fld>
+            <a:endParaRPr lang="ru-RU" sz="3200" b="1" dirty="0">
+              <a:solidFill>
+                <a:schemeClr val="bg1"/>
+              </a:solidFill>
+              <a:effectLst>
+                <a:outerShdw blurRad="38100" dist="38100" dir="2700000" algn="tl">
+                  <a:srgbClr val="000000">
+                    <a:alpha val="43137"/>
+                  </a:srgbClr>
+                </a:outerShdw>
+              </a:effectLst>
+              <a:latin typeface="Times New Roman" panose="02020603050405020304" pitchFamily="18" charset="0"/>
+              <a:cs typeface="Times New Roman" panose="02020603050405020304" pitchFamily="18" charset="0"/>
+            </a:endParaRPr>
+          </a:p>
+        </p:txBody>
+      </p:sp>
+    </p:spTree>
+    <p:extLst>
+      <p:ext uri="{BB962C8B-B14F-4D97-AF65-F5344CB8AC3E}">
+        <p14:creationId xmlns:p14="http://schemas.microsoft.com/office/powerpoint/2010/main" val="4223055602"/>
+      </p:ext>
+    </p:extLst>
+  </p:cSld>
+  <p:clrMapOvr>
+    <a:masterClrMapping/>
+  </p:clrMapOvr>
+</p:sld>
+</file>
+
+<file path=ppt/slides/slide4.xml><?xml version="1.0" encoding="utf-8"?>
+<p:sld xmlns:a="http://schemas.openxmlformats.org/drawingml/2006/main" xmlns:r="http://schemas.openxmlformats.org/officeDocument/2006/relationships" xmlns:p="http://schemas.openxmlformats.org/presentationml/2006/main">
+  <p:cSld>
+    <p:spTree>
+      <p:nvGrpSpPr>
+        <p:cNvPr id="1" name=""/>
+        <p:cNvGrpSpPr/>
+        <p:nvPr/>
+      </p:nvGrpSpPr>
+      <p:grpSpPr>
+        <a:xfrm>
+          <a:off x="0" y="0"/>
+          <a:ext cx="0" cy="0"/>
+          <a:chOff x="0" y="0"/>
+          <a:chExt cx="0" cy="0"/>
+        </a:xfrm>
+      </p:grpSpPr>
+      <p:graphicFrame>
+        <p:nvGraphicFramePr>
+          <p:cNvPr id="3" name="Схема 2"/>
+          <p:cNvGraphicFramePr/>
+          <p:nvPr>
+            <p:extLst>
+              <p:ext uri="{D42A27DB-BD31-4B8C-83A1-F6EECF244321}">
+                <p14:modId xmlns:p14="http://schemas.microsoft.com/office/powerpoint/2010/main" val="1164620172"/>
+              </p:ext>
+            </p:extLst>
+          </p:nvPr>
         </p:nvGraphicFramePr>
         <p:xfrm>
           <a:off x="0" y="278971"/>
@@ -32533,7 +35219,7 @@
           <a:lstStyle/>
           <a:p>
             <a:pPr algn="ctr"/>
-            <a:r>
+            <a:fld id="{6C4F04C8-4654-4CC2-A78E-4DE6B3EED7B8}" type="slidenum">
               <a:rPr lang="ru-RU" sz="3200" b="1" dirty="0">
                 <a:solidFill>
                   <a:schemeClr val="bg1"/>
@@ -32548,317 +35234,59 @@
                 <a:latin typeface="Times New Roman" panose="02020603050405020304" pitchFamily="18" charset="0"/>
                 <a:cs typeface="Times New Roman" panose="02020603050405020304" pitchFamily="18" charset="0"/>
               </a:rPr>
-              <a:t>2</a:t>
-            </a:r>
-          </a:p>
-        </p:txBody>
-      </p:sp>
-      <p:sp>
-        <p:nvSpPr>
-          <p:cNvPr id="5" name="TextBox 4">
-            <a:extLst>
-              <a:ext uri="{FF2B5EF4-FFF2-40B4-BE49-F238E27FC236}">
-                <a16:creationId xmlns:a16="http://schemas.microsoft.com/office/drawing/2014/main" id="{9C3C996C-D2DB-6BC9-0A64-A174D359107E}"/>
-              </a:ext>
-            </a:extLst>
-          </p:cNvPr>
-          <p:cNvSpPr txBox="1"/>
-          <p:nvPr/>
-        </p:nvSpPr>
-        <p:spPr>
-          <a:xfrm>
-            <a:off x="1266737" y="1131377"/>
-            <a:ext cx="8328171" cy="4960332"/>
-          </a:xfrm>
-          <a:prstGeom prst="rect">
-            <a:avLst/>
-          </a:prstGeom>
-          <a:noFill/>
-        </p:spPr>
-        <p:txBody>
-          <a:bodyPr wrap="square">
-            <a:spAutoFit/>
-          </a:bodyPr>
-          <a:lstStyle/>
-          <a:p>
-            <a:pPr indent="450215" algn="just">
-              <a:lnSpc>
-                <a:spcPct val="150000"/>
-              </a:lnSpc>
-              <a:spcAft>
-                <a:spcPts val="800"/>
-              </a:spcAft>
-            </a:pPr>
-            <a:r>
-              <a:rPr lang="ru-RU" sz="1800" dirty="0">
-                <a:effectLst/>
-                <a:latin typeface="Times New Roman" panose="02020603050405020304" pitchFamily="18" charset="0"/>
-                <a:ea typeface="Times New Roman" panose="02020603050405020304" pitchFamily="18" charset="0"/>
-                <a:cs typeface="Times New Roman" panose="02020603050405020304" pitchFamily="18" charset="0"/>
-              </a:rPr>
-              <a:t>Функции незарегистрированных пользователей:</a:t>
-            </a:r>
-            <a:endParaRPr lang="ru-RU" sz="1400" dirty="0">
-              <a:effectLst/>
-              <a:latin typeface="Calibri" panose="020F0502020204030204" pitchFamily="34" charset="0"/>
-              <a:ea typeface="Calibri" panose="020F0502020204030204" pitchFamily="34" charset="0"/>
-              <a:cs typeface="Times New Roman" panose="02020603050405020304" pitchFamily="18" charset="0"/>
-            </a:endParaRPr>
-          </a:p>
-          <a:p>
-            <a:pPr indent="450215" algn="just">
-              <a:spcAft>
-                <a:spcPts val="800"/>
-              </a:spcAft>
-            </a:pPr>
-            <a:r>
-              <a:rPr lang="ru-RU" sz="1800" dirty="0">
-                <a:effectLst/>
-                <a:latin typeface="Times New Roman" panose="02020603050405020304" pitchFamily="18" charset="0"/>
-                <a:ea typeface="Times New Roman" panose="02020603050405020304" pitchFamily="18" charset="0"/>
-                <a:cs typeface="Times New Roman" panose="02020603050405020304" pitchFamily="18" charset="0"/>
-              </a:rPr>
-              <a:t>– просмотр спецоборудования; – поиск спецоборудования;</a:t>
-            </a:r>
-            <a:endParaRPr lang="ru-RU" sz="1400" dirty="0">
-              <a:effectLst/>
-              <a:latin typeface="Calibri" panose="020F0502020204030204" pitchFamily="34" charset="0"/>
-              <a:ea typeface="Calibri" panose="020F0502020204030204" pitchFamily="34" charset="0"/>
-              <a:cs typeface="Times New Roman" panose="02020603050405020304" pitchFamily="18" charset="0"/>
-            </a:endParaRPr>
-          </a:p>
-          <a:p>
-            <a:pPr indent="450215" algn="just">
-              <a:spcAft>
-                <a:spcPts val="800"/>
-              </a:spcAft>
-            </a:pPr>
-            <a:r>
-              <a:rPr lang="ru-RU" sz="1800" dirty="0">
-                <a:effectLst/>
-                <a:latin typeface="Times New Roman" panose="02020603050405020304" pitchFamily="18" charset="0"/>
-                <a:ea typeface="Times New Roman" panose="02020603050405020304" pitchFamily="18" charset="0"/>
-                <a:cs typeface="Times New Roman" panose="02020603050405020304" pitchFamily="18" charset="0"/>
-              </a:rPr>
-              <a:t>– формирование заявки; – отправка заявки;</a:t>
-            </a:r>
-            <a:endParaRPr lang="ru-RU" sz="1400" dirty="0">
-              <a:effectLst/>
-              <a:latin typeface="Calibri" panose="020F0502020204030204" pitchFamily="34" charset="0"/>
-              <a:ea typeface="Calibri" panose="020F0502020204030204" pitchFamily="34" charset="0"/>
-              <a:cs typeface="Times New Roman" panose="02020603050405020304" pitchFamily="18" charset="0"/>
-            </a:endParaRPr>
-          </a:p>
-          <a:p>
-            <a:pPr indent="450215" algn="just">
-              <a:spcAft>
-                <a:spcPts val="800"/>
-              </a:spcAft>
-            </a:pPr>
-            <a:r>
-              <a:rPr lang="ru-RU" sz="1800" dirty="0">
-                <a:effectLst/>
-                <a:latin typeface="Times New Roman" panose="02020603050405020304" pitchFamily="18" charset="0"/>
-                <a:ea typeface="Times New Roman" panose="02020603050405020304" pitchFamily="18" charset="0"/>
-                <a:cs typeface="Times New Roman" panose="02020603050405020304" pitchFamily="18" charset="0"/>
-              </a:rPr>
-              <a:t>– возможность регистрации;</a:t>
-            </a:r>
-            <a:endParaRPr lang="ru-RU" sz="1400" dirty="0">
-              <a:effectLst/>
-              <a:latin typeface="Calibri" panose="020F0502020204030204" pitchFamily="34" charset="0"/>
-              <a:ea typeface="Calibri" panose="020F0502020204030204" pitchFamily="34" charset="0"/>
-              <a:cs typeface="Times New Roman" panose="02020603050405020304" pitchFamily="18" charset="0"/>
-            </a:endParaRPr>
-          </a:p>
-          <a:p>
-            <a:pPr indent="450215" algn="just">
-              <a:lnSpc>
-                <a:spcPct val="150000"/>
-              </a:lnSpc>
-              <a:spcAft>
-                <a:spcPts val="800"/>
-              </a:spcAft>
-            </a:pPr>
-            <a:r>
-              <a:rPr lang="ru-RU" sz="1800" dirty="0">
-                <a:effectLst/>
-                <a:latin typeface="Times New Roman" panose="02020603050405020304" pitchFamily="18" charset="0"/>
-                <a:ea typeface="Times New Roman" panose="02020603050405020304" pitchFamily="18" charset="0"/>
-                <a:cs typeface="Times New Roman" panose="02020603050405020304" pitchFamily="18" charset="0"/>
-              </a:rPr>
-              <a:t>Функционал зарегистрированных пользователей:</a:t>
-            </a:r>
-            <a:endParaRPr lang="ru-RU" sz="1400" dirty="0">
-              <a:effectLst/>
-              <a:latin typeface="Calibri" panose="020F0502020204030204" pitchFamily="34" charset="0"/>
-              <a:ea typeface="Calibri" panose="020F0502020204030204" pitchFamily="34" charset="0"/>
-              <a:cs typeface="Times New Roman" panose="02020603050405020304" pitchFamily="18" charset="0"/>
-            </a:endParaRPr>
-          </a:p>
-          <a:p>
-            <a:pPr indent="450215" algn="just">
-              <a:spcAft>
-                <a:spcPts val="800"/>
-              </a:spcAft>
-            </a:pPr>
-            <a:r>
-              <a:rPr lang="ru-RU" sz="1800" dirty="0">
-                <a:effectLst/>
-                <a:latin typeface="Times New Roman" panose="02020603050405020304" pitchFamily="18" charset="0"/>
-                <a:ea typeface="Times New Roman" panose="02020603050405020304" pitchFamily="18" charset="0"/>
-                <a:cs typeface="Times New Roman" panose="02020603050405020304" pitchFamily="18" charset="0"/>
-              </a:rPr>
-              <a:t>– просмотр спецоборудования; – поиск спецоборудования;</a:t>
-            </a:r>
-            <a:endParaRPr lang="ru-RU" sz="1400" dirty="0">
-              <a:effectLst/>
-              <a:latin typeface="Calibri" panose="020F0502020204030204" pitchFamily="34" charset="0"/>
-              <a:ea typeface="Calibri" panose="020F0502020204030204" pitchFamily="34" charset="0"/>
-              <a:cs typeface="Times New Roman" panose="02020603050405020304" pitchFamily="18" charset="0"/>
-            </a:endParaRPr>
-          </a:p>
-          <a:p>
-            <a:pPr indent="450215" algn="just">
-              <a:spcAft>
-                <a:spcPts val="800"/>
-              </a:spcAft>
-            </a:pPr>
-            <a:r>
-              <a:rPr lang="ru-RU" sz="1800" dirty="0">
-                <a:effectLst/>
-                <a:latin typeface="Times New Roman" panose="02020603050405020304" pitchFamily="18" charset="0"/>
-                <a:ea typeface="Times New Roman" panose="02020603050405020304" pitchFamily="18" charset="0"/>
-                <a:cs typeface="Times New Roman" panose="02020603050405020304" pitchFamily="18" charset="0"/>
-              </a:rPr>
-              <a:t>– формирование заявки; – отправка заявки;</a:t>
-            </a:r>
-            <a:endParaRPr lang="ru-RU" sz="1400" dirty="0">
-              <a:effectLst/>
-              <a:latin typeface="Calibri" panose="020F0502020204030204" pitchFamily="34" charset="0"/>
-              <a:ea typeface="Calibri" panose="020F0502020204030204" pitchFamily="34" charset="0"/>
-              <a:cs typeface="Times New Roman" panose="02020603050405020304" pitchFamily="18" charset="0"/>
-            </a:endParaRPr>
-          </a:p>
-          <a:p>
-            <a:pPr indent="450215" algn="just">
-              <a:spcAft>
-                <a:spcPts val="800"/>
-              </a:spcAft>
-            </a:pPr>
-            <a:r>
-              <a:rPr lang="ru-RU" sz="1800" dirty="0">
-                <a:effectLst/>
-                <a:latin typeface="Times New Roman" panose="02020603050405020304" pitchFamily="18" charset="0"/>
-                <a:ea typeface="Times New Roman" panose="02020603050405020304" pitchFamily="18" charset="0"/>
-                <a:cs typeface="Times New Roman" panose="02020603050405020304" pitchFamily="18" charset="0"/>
-              </a:rPr>
-              <a:t>– авторизация;</a:t>
-            </a:r>
-            <a:endParaRPr lang="ru-RU" sz="1400" dirty="0">
-              <a:effectLst/>
-              <a:latin typeface="Calibri" panose="020F0502020204030204" pitchFamily="34" charset="0"/>
-              <a:ea typeface="Calibri" panose="020F0502020204030204" pitchFamily="34" charset="0"/>
-              <a:cs typeface="Times New Roman" panose="02020603050405020304" pitchFamily="18" charset="0"/>
-            </a:endParaRPr>
-          </a:p>
-          <a:p>
-            <a:pPr indent="450215" algn="just">
-              <a:lnSpc>
-                <a:spcPct val="150000"/>
-              </a:lnSpc>
-              <a:spcAft>
-                <a:spcPts val="800"/>
-              </a:spcAft>
-            </a:pPr>
-            <a:r>
-              <a:rPr lang="ru-RU" sz="1800" dirty="0">
-                <a:effectLst/>
-                <a:latin typeface="Times New Roman" panose="02020603050405020304" pitchFamily="18" charset="0"/>
-                <a:ea typeface="Times New Roman" panose="02020603050405020304" pitchFamily="18" charset="0"/>
-                <a:cs typeface="Times New Roman" panose="02020603050405020304" pitchFamily="18" charset="0"/>
-              </a:rPr>
-              <a:t>Функции администратора:</a:t>
-            </a:r>
-            <a:endParaRPr lang="ru-RU" sz="1400" dirty="0">
-              <a:effectLst/>
-              <a:latin typeface="Calibri" panose="020F0502020204030204" pitchFamily="34" charset="0"/>
-              <a:ea typeface="Calibri" panose="020F0502020204030204" pitchFamily="34" charset="0"/>
-              <a:cs typeface="Times New Roman" panose="02020603050405020304" pitchFamily="18" charset="0"/>
-            </a:endParaRPr>
-          </a:p>
-          <a:p>
-            <a:pPr indent="450215" algn="just">
-              <a:spcAft>
-                <a:spcPts val="800"/>
-              </a:spcAft>
-            </a:pPr>
-            <a:r>
-              <a:rPr lang="ru-RU" sz="1800" dirty="0">
-                <a:effectLst/>
-                <a:latin typeface="Times New Roman" panose="02020603050405020304" pitchFamily="18" charset="0"/>
-                <a:ea typeface="Times New Roman" panose="02020603050405020304" pitchFamily="18" charset="0"/>
-                <a:cs typeface="Times New Roman" panose="02020603050405020304" pitchFamily="18" charset="0"/>
-              </a:rPr>
-              <a:t>– просмотр заявок; – добавление нового спецоборудования;</a:t>
-            </a:r>
-            <a:endParaRPr lang="ru-RU" sz="1400" dirty="0">
-              <a:effectLst/>
-              <a:latin typeface="Calibri" panose="020F0502020204030204" pitchFamily="34" charset="0"/>
-              <a:ea typeface="Calibri" panose="020F0502020204030204" pitchFamily="34" charset="0"/>
-              <a:cs typeface="Times New Roman" panose="02020603050405020304" pitchFamily="18" charset="0"/>
-            </a:endParaRPr>
-          </a:p>
-          <a:p>
-            <a:pPr indent="450215" algn="just">
-              <a:spcAft>
-                <a:spcPts val="800"/>
-              </a:spcAft>
-            </a:pPr>
-            <a:r>
-              <a:rPr lang="ru-RU" sz="1800" dirty="0">
-                <a:effectLst/>
-                <a:latin typeface="Times New Roman" panose="02020603050405020304" pitchFamily="18" charset="0"/>
-                <a:ea typeface="Times New Roman" panose="02020603050405020304" pitchFamily="18" charset="0"/>
-                <a:cs typeface="Times New Roman" panose="02020603050405020304" pitchFamily="18" charset="0"/>
-              </a:rPr>
-              <a:t>– добавление технических характеристик спецоборудования;</a:t>
-            </a:r>
-            <a:endParaRPr lang="ru-RU" sz="1400" dirty="0">
-              <a:effectLst/>
-              <a:latin typeface="Calibri" panose="020F0502020204030204" pitchFamily="34" charset="0"/>
-              <a:ea typeface="Calibri" panose="020F0502020204030204" pitchFamily="34" charset="0"/>
-              <a:cs typeface="Times New Roman" panose="02020603050405020304" pitchFamily="18" charset="0"/>
-            </a:endParaRPr>
-          </a:p>
-          <a:p>
-            <a:pPr indent="450215" algn="just">
-              <a:spcAft>
-                <a:spcPts val="800"/>
-              </a:spcAft>
-            </a:pPr>
-            <a:r>
-              <a:rPr lang="ru-RU" sz="1800" dirty="0">
-                <a:effectLst/>
-                <a:latin typeface="Times New Roman" panose="02020603050405020304" pitchFamily="18" charset="0"/>
-                <a:ea typeface="Times New Roman" panose="02020603050405020304" pitchFamily="18" charset="0"/>
-                <a:cs typeface="Times New Roman" panose="02020603050405020304" pitchFamily="18" charset="0"/>
-              </a:rPr>
-              <a:t>– составление отчетов о прибыли и количестве продаж;</a:t>
-            </a:r>
-            <a:endParaRPr lang="ru-RU" sz="1400" dirty="0">
-              <a:effectLst/>
-              <a:latin typeface="Calibri" panose="020F0502020204030204" pitchFamily="34" charset="0"/>
-              <a:ea typeface="Calibri" panose="020F0502020204030204" pitchFamily="34" charset="0"/>
+              <a:t>4</a:t>
+            </a:fld>
+            <a:endParaRPr lang="ru-RU" sz="3200" b="1" dirty="0">
+              <a:solidFill>
+                <a:schemeClr val="bg1"/>
+              </a:solidFill>
+              <a:effectLst>
+                <a:outerShdw blurRad="38100" dist="38100" dir="2700000" algn="tl">
+                  <a:srgbClr val="000000">
+                    <a:alpha val="43137"/>
+                  </a:srgbClr>
+                </a:outerShdw>
+              </a:effectLst>
+              <a:latin typeface="Times New Roman" panose="02020603050405020304" pitchFamily="18" charset="0"/>
               <a:cs typeface="Times New Roman" panose="02020603050405020304" pitchFamily="18" charset="0"/>
             </a:endParaRPr>
           </a:p>
         </p:txBody>
       </p:sp>
+      <p:pic>
+        <p:nvPicPr>
+          <p:cNvPr id="7" name="Рисунок 6">
+            <a:extLst>
+              <a:ext uri="{FF2B5EF4-FFF2-40B4-BE49-F238E27FC236}">
+                <a16:creationId xmlns:a16="http://schemas.microsoft.com/office/drawing/2014/main" id="{BD7E7AB4-A1EA-4981-B6AD-6ABF75A9FCC8}"/>
+              </a:ext>
+            </a:extLst>
+          </p:cNvPr>
+          <p:cNvPicPr>
+            <a:picLocks noChangeAspect="1"/>
+          </p:cNvPicPr>
+          <p:nvPr/>
+        </p:nvPicPr>
+        <p:blipFill>
+          <a:blip r:embed="rId7"/>
+          <a:stretch>
+            <a:fillRect/>
+          </a:stretch>
+        </p:blipFill>
+        <p:spPr>
+          <a:xfrm>
+            <a:off x="2144785" y="1190152"/>
+            <a:ext cx="7902430" cy="5517957"/>
+          </a:xfrm>
+          <a:prstGeom prst="rect">
+            <a:avLst/>
+          </a:prstGeom>
+        </p:spPr>
+      </p:pic>
     </p:spTree>
     <p:extLst>
       <p:ext uri="{BB962C8B-B14F-4D97-AF65-F5344CB8AC3E}">
-        <p14:creationId xmlns:p14="http://schemas.microsoft.com/office/powerpoint/2010/main" val="4223055602"/>
+        <p14:creationId xmlns:p14="http://schemas.microsoft.com/office/powerpoint/2010/main" val="1366818532"/>
       </p:ext>
     </p:extLst>
   </p:cSld>
@@ -32868,7 +35296,7 @@
 </p:sld>
 </file>
 
-<file path=ppt/slides/slide4.xml><?xml version="1.0" encoding="utf-8"?>
+<file path=ppt/slides/slide5.xml><?xml version="1.0" encoding="utf-8"?>
 <p:sld xmlns:a="http://schemas.openxmlformats.org/drawingml/2006/main" xmlns:r="http://schemas.openxmlformats.org/officeDocument/2006/relationships" xmlns:p="http://schemas.openxmlformats.org/presentationml/2006/main">
   <p:cSld>
     <p:spTree>
@@ -32889,7 +35317,13 @@
         <p:nvGraphicFramePr>
           <p:cNvPr id="3" name="Схема 2"/>
           <p:cNvGraphicFramePr/>
-          <p:nvPr/>
+          <p:nvPr>
+            <p:extLst>
+              <p:ext uri="{D42A27DB-BD31-4B8C-83A1-F6EECF244321}">
+                <p14:modId xmlns:p14="http://schemas.microsoft.com/office/powerpoint/2010/main" val="2643784831"/>
+              </p:ext>
+            </p:extLst>
+          </p:nvPr>
         </p:nvGraphicFramePr>
         <p:xfrm>
           <a:off x="0" y="278971"/>
@@ -32951,8 +35385,8 @@
           <a:lstStyle/>
           <a:p>
             <a:pPr algn="ctr"/>
-            <a:r>
-              <a:rPr lang="ru-RU" sz="3200" b="1" dirty="0">
+            <a:fld id="{1B5565CC-DC89-4875-893A-BD643A7FF1E3}" type="slidenum">
+              <a:rPr lang="ru-RU" sz="3200" b="1" smtClean="0">
                 <a:solidFill>
                   <a:schemeClr val="bg1"/>
                 </a:solidFill>
@@ -32966,17 +35400,78 @@
                 <a:latin typeface="Times New Roman" panose="02020603050405020304" pitchFamily="18" charset="0"/>
                 <a:cs typeface="Times New Roman" panose="02020603050405020304" pitchFamily="18" charset="0"/>
               </a:rPr>
-              <a:t>2</a:t>
-            </a:r>
+              <a:t>5</a:t>
+            </a:fld>
+            <a:endParaRPr lang="ru-RU" sz="3200" b="1" dirty="0">
+              <a:solidFill>
+                <a:schemeClr val="bg1"/>
+              </a:solidFill>
+              <a:effectLst>
+                <a:outerShdw blurRad="38100" dist="38100" dir="2700000" algn="tl">
+                  <a:srgbClr val="000000">
+                    <a:alpha val="43137"/>
+                  </a:srgbClr>
+                </a:outerShdw>
+              </a:effectLst>
+              <a:latin typeface="Times New Roman" panose="02020603050405020304" pitchFamily="18" charset="0"/>
+              <a:cs typeface="Times New Roman" panose="02020603050405020304" pitchFamily="18" charset="0"/>
+            </a:endParaRPr>
           </a:p>
         </p:txBody>
       </p:sp>
       <p:pic>
         <p:nvPicPr>
+          <p:cNvPr id="1026" name="Picture 2" descr="JavaScript — Википедия">
+            <a:extLst>
+              <a:ext uri="{FF2B5EF4-FFF2-40B4-BE49-F238E27FC236}">
+                <a16:creationId xmlns:a16="http://schemas.microsoft.com/office/drawing/2014/main" id="{3C8F2EC6-8727-483C-90F4-3C177519CF15}"/>
+              </a:ext>
+            </a:extLst>
+          </p:cNvPr>
+          <p:cNvPicPr>
+            <a:picLocks noChangeAspect="1" noChangeArrowheads="1"/>
+          </p:cNvPicPr>
+          <p:nvPr/>
+        </p:nvPicPr>
+        <p:blipFill>
+          <a:blip r:embed="rId7">
+            <a:extLst>
+              <a:ext uri="{28A0092B-C50C-407E-A947-70E740481C1C}">
+                <a14:useLocalDpi xmlns:a14="http://schemas.microsoft.com/office/drawing/2010/main" val="0"/>
+              </a:ext>
+            </a:extLst>
+          </a:blip>
+          <a:srcRect/>
+          <a:stretch>
+            <a:fillRect/>
+          </a:stretch>
+        </p:blipFill>
+        <p:spPr bwMode="auto">
+          <a:xfrm>
+            <a:off x="254948" y="1312700"/>
+            <a:ext cx="1387638" cy="1387638"/>
+          </a:xfrm>
+          <a:prstGeom prst="rect">
+            <a:avLst/>
+          </a:prstGeom>
+          <a:noFill/>
+          <a:extLst>
+            <a:ext uri="{909E8E84-426E-40DD-AFC4-6F175D3DCCD1}">
+              <a14:hiddenFill xmlns:a14="http://schemas.microsoft.com/office/drawing/2010/main">
+                <a:solidFill>
+                  <a:srgbClr val="FFFFFF"/>
+                </a:solidFill>
+              </a14:hiddenFill>
+            </a:ext>
+          </a:extLst>
+        </p:spPr>
+      </p:pic>
+      <p:pic>
+        <p:nvPicPr>
           <p:cNvPr id="4" name="Рисунок 3">
             <a:extLst>
               <a:ext uri="{FF2B5EF4-FFF2-40B4-BE49-F238E27FC236}">
-                <a16:creationId xmlns:a16="http://schemas.microsoft.com/office/drawing/2014/main" id="{8F542177-C38E-C568-A1E2-D841817789C7}"/>
+                <a16:creationId xmlns:a16="http://schemas.microsoft.com/office/drawing/2014/main" id="{ED5A1AB4-7D45-449D-AB1C-30191799F3BC}"/>
               </a:ext>
             </a:extLst>
           </p:cNvPr>
@@ -32986,25 +35481,220 @@
           <p:nvPr/>
         </p:nvPicPr>
         <p:blipFill>
-          <a:blip r:embed="rId7"/>
+          <a:blip r:embed="rId8" cstate="print">
+            <a:extLst>
+              <a:ext uri="{28A0092B-C50C-407E-A947-70E740481C1C}">
+                <a14:useLocalDpi xmlns:a14="http://schemas.microsoft.com/office/drawing/2010/main" val="0"/>
+              </a:ext>
+            </a:extLst>
+          </a:blip>
           <a:stretch>
             <a:fillRect/>
           </a:stretch>
         </p:blipFill>
         <p:spPr>
           <a:xfrm>
-            <a:off x="2656003" y="1243464"/>
-            <a:ext cx="6641462" cy="4905666"/>
+            <a:off x="485802" y="2906938"/>
+            <a:ext cx="1694690" cy="1474910"/>
           </a:xfrm>
           <a:prstGeom prst="rect">
             <a:avLst/>
           </a:prstGeom>
         </p:spPr>
       </p:pic>
+      <p:pic>
+        <p:nvPicPr>
+          <p:cNvPr id="7" name="Рисунок 6">
+            <a:extLst>
+              <a:ext uri="{FF2B5EF4-FFF2-40B4-BE49-F238E27FC236}">
+                <a16:creationId xmlns:a16="http://schemas.microsoft.com/office/drawing/2014/main" id="{6BBBE167-7A3F-4D45-ACBB-C231F40E3902}"/>
+              </a:ext>
+            </a:extLst>
+          </p:cNvPr>
+          <p:cNvPicPr>
+            <a:picLocks noChangeAspect="1"/>
+          </p:cNvPicPr>
+          <p:nvPr/>
+        </p:nvPicPr>
+        <p:blipFill>
+          <a:blip r:embed="rId9" cstate="print">
+            <a:extLst>
+              <a:ext uri="{28A0092B-C50C-407E-A947-70E740481C1C}">
+                <a14:useLocalDpi xmlns:a14="http://schemas.microsoft.com/office/drawing/2010/main" val="0"/>
+              </a:ext>
+            </a:extLst>
+          </a:blip>
+          <a:stretch>
+            <a:fillRect/>
+          </a:stretch>
+        </p:blipFill>
+        <p:spPr>
+          <a:xfrm>
+            <a:off x="9765117" y="1262354"/>
+            <a:ext cx="2277065" cy="1392923"/>
+          </a:xfrm>
+          <a:prstGeom prst="rect">
+            <a:avLst/>
+          </a:prstGeom>
+        </p:spPr>
+      </p:pic>
+      <p:pic>
+        <p:nvPicPr>
+          <p:cNvPr id="9" name="Рисунок 8">
+            <a:extLst>
+              <a:ext uri="{FF2B5EF4-FFF2-40B4-BE49-F238E27FC236}">
+                <a16:creationId xmlns:a16="http://schemas.microsoft.com/office/drawing/2014/main" id="{18970321-E460-4389-82CE-1B17BE723D09}"/>
+              </a:ext>
+            </a:extLst>
+          </p:cNvPr>
+          <p:cNvPicPr>
+            <a:picLocks noChangeAspect="1"/>
+          </p:cNvPicPr>
+          <p:nvPr/>
+        </p:nvPicPr>
+        <p:blipFill>
+          <a:blip r:embed="rId10" cstate="print">
+            <a:extLst>
+              <a:ext uri="{28A0092B-C50C-407E-A947-70E740481C1C}">
+                <a14:useLocalDpi xmlns:a14="http://schemas.microsoft.com/office/drawing/2010/main" val="0"/>
+              </a:ext>
+            </a:extLst>
+          </a:blip>
+          <a:stretch>
+            <a:fillRect/>
+          </a:stretch>
+        </p:blipFill>
+        <p:spPr>
+          <a:xfrm>
+            <a:off x="10541977" y="3155344"/>
+            <a:ext cx="1399034" cy="1555323"/>
+          </a:xfrm>
+          <a:prstGeom prst="rect">
+            <a:avLst/>
+          </a:prstGeom>
+        </p:spPr>
+      </p:pic>
+      <p:sp>
+        <p:nvSpPr>
+          <p:cNvPr id="10" name="TextBox 9">
+            <a:extLst>
+              <a:ext uri="{FF2B5EF4-FFF2-40B4-BE49-F238E27FC236}">
+                <a16:creationId xmlns:a16="http://schemas.microsoft.com/office/drawing/2014/main" id="{BB54510D-FC32-4BE4-867A-604ED3BC1D07}"/>
+              </a:ext>
+            </a:extLst>
+          </p:cNvPr>
+          <p:cNvSpPr txBox="1"/>
+          <p:nvPr/>
+        </p:nvSpPr>
+        <p:spPr>
+          <a:xfrm>
+            <a:off x="2180492" y="1337977"/>
+            <a:ext cx="7552593" cy="4862870"/>
+          </a:xfrm>
+          <a:prstGeom prst="rect">
+            <a:avLst/>
+          </a:prstGeom>
+          <a:noFill/>
+        </p:spPr>
+        <p:txBody>
+          <a:bodyPr wrap="square" rtlCol="0">
+            <a:spAutoFit/>
+          </a:bodyPr>
+          <a:lstStyle/>
+          <a:p>
+            <a:r>
+              <a:rPr lang="ru-RU" sz="2600" dirty="0"/>
+              <a:t>Для серверной и клиентской части веб-приложения были выбраны </a:t>
+            </a:r>
+            <a:r>
+              <a:rPr lang="en-US" sz="2600" dirty="0"/>
+              <a:t>Node.JS </a:t>
+            </a:r>
+            <a:r>
+              <a:rPr lang="ru-RU" sz="2600" dirty="0"/>
+              <a:t>и </a:t>
+            </a:r>
+            <a:r>
+              <a:rPr lang="en-US" sz="2600" dirty="0"/>
+              <a:t>React </a:t>
+            </a:r>
+            <a:r>
+              <a:rPr lang="ru-RU" sz="2600" dirty="0"/>
+              <a:t>фреймворки построенные на языке программирования </a:t>
+            </a:r>
+            <a:r>
+              <a:rPr lang="en-US" sz="2600" dirty="0"/>
+              <a:t>JavaScript, </a:t>
+            </a:r>
+            <a:r>
+              <a:rPr lang="ru-RU" sz="2600" dirty="0"/>
+              <a:t>а для базы данных была выбрана СУБД </a:t>
+            </a:r>
+            <a:r>
+              <a:rPr lang="en-US" sz="2600" dirty="0"/>
+              <a:t>PostgreSQL.</a:t>
+            </a:r>
+            <a:endParaRPr lang="ru-RU" sz="2600" dirty="0"/>
+          </a:p>
+          <a:p>
+            <a:r>
+              <a:rPr lang="ru-RU" sz="2600" dirty="0"/>
+              <a:t>Их преимущества:</a:t>
+            </a:r>
+          </a:p>
+          <a:p>
+            <a:pPr marL="342900" indent="-342900">
+              <a:buFont typeface="Wingdings" panose="05000000000000000000" pitchFamily="2" charset="2"/>
+              <a:buChar char="ü"/>
+            </a:pPr>
+            <a:r>
+              <a:rPr lang="ru-RU" sz="2600" dirty="0"/>
+              <a:t>оптимальная скорость работы приложений;</a:t>
+            </a:r>
+          </a:p>
+          <a:p>
+            <a:pPr marL="342900" indent="-342900">
+              <a:buFont typeface="Wingdings" panose="05000000000000000000" pitchFamily="2" charset="2"/>
+              <a:buChar char="ü"/>
+            </a:pPr>
+            <a:r>
+              <a:rPr lang="ru-RU" sz="2600" dirty="0"/>
+              <a:t>возможность совместного и повторного использования;</a:t>
+            </a:r>
+          </a:p>
+          <a:p>
+            <a:pPr marL="342900" indent="-342900">
+              <a:buFont typeface="Wingdings" panose="05000000000000000000" pitchFamily="2" charset="2"/>
+              <a:buChar char="ü"/>
+            </a:pPr>
+            <a:r>
+              <a:rPr lang="ru-RU" sz="2600" dirty="0"/>
+              <a:t>огромное количество бесплатных инструментов;</a:t>
+            </a:r>
+          </a:p>
+          <a:p>
+            <a:pPr marL="342900" indent="-342900">
+              <a:buFont typeface="Wingdings" panose="05000000000000000000" pitchFamily="2" charset="2"/>
+              <a:buChar char="ü"/>
+            </a:pPr>
+            <a:r>
+              <a:rPr lang="ru-RU" sz="2600" dirty="0"/>
+              <a:t>кроссплатформенность.</a:t>
+            </a:r>
+          </a:p>
+          <a:p>
+            <a:pPr marL="342900" indent="-342900">
+              <a:buFont typeface="Wingdings" panose="05000000000000000000" pitchFamily="2" charset="2"/>
+              <a:buChar char="ü"/>
+            </a:pPr>
+            <a:endParaRPr lang="ru-RU" sz="2400" dirty="0"/>
+          </a:p>
+        </p:txBody>
+      </p:sp>
     </p:spTree>
     <p:extLst>
       <p:ext uri="{BB962C8B-B14F-4D97-AF65-F5344CB8AC3E}">
-        <p14:creationId xmlns:p14="http://schemas.microsoft.com/office/powerpoint/2010/main" val="1655826871"/>
+        <p14:creationId xmlns:p14="http://schemas.microsoft.com/office/powerpoint/2010/main" val="1717845409"/>
       </p:ext>
     </p:extLst>
   </p:cSld>
@@ -33014,7 +35704,7 @@
 </p:sld>
 </file>
 
-<file path=ppt/slides/slide5.xml><?xml version="1.0" encoding="utf-8"?>
+<file path=ppt/slides/slide6.xml><?xml version="1.0" encoding="utf-8"?>
 <p:sld xmlns:a="http://schemas.openxmlformats.org/drawingml/2006/main" xmlns:r="http://schemas.openxmlformats.org/officeDocument/2006/relationships" xmlns:p="http://schemas.openxmlformats.org/presentationml/2006/main">
   <p:cSld>
     <p:spTree>
@@ -33035,7 +35725,13 @@
         <p:nvGraphicFramePr>
           <p:cNvPr id="3" name="Схема 2"/>
           <p:cNvGraphicFramePr/>
-          <p:nvPr/>
+          <p:nvPr>
+            <p:extLst>
+              <p:ext uri="{D42A27DB-BD31-4B8C-83A1-F6EECF244321}">
+                <p14:modId xmlns:p14="http://schemas.microsoft.com/office/powerpoint/2010/main" val="2870844928"/>
+              </p:ext>
+            </p:extLst>
+          </p:nvPr>
         </p:nvGraphicFramePr>
         <p:xfrm>
           <a:off x="0" y="278971"/>
@@ -33097,7 +35793,7 @@
           <a:lstStyle/>
           <a:p>
             <a:pPr algn="ctr"/>
-            <a:r>
+            <a:fld id="{A5885B1D-C045-43AC-AE75-6CBCCF8EBBB5}" type="slidenum">
               <a:rPr lang="ru-RU" sz="3200" b="1" dirty="0">
                 <a:solidFill>
                   <a:schemeClr val="bg1"/>
@@ -33112,15 +35808,59 @@
                 <a:latin typeface="Times New Roman" panose="02020603050405020304" pitchFamily="18" charset="0"/>
                 <a:cs typeface="Times New Roman" panose="02020603050405020304" pitchFamily="18" charset="0"/>
               </a:rPr>
-              <a:t>2</a:t>
-            </a:r>
+              <a:t>6</a:t>
+            </a:fld>
+            <a:endParaRPr lang="ru-RU" sz="3200" b="1" dirty="0">
+              <a:solidFill>
+                <a:schemeClr val="bg1"/>
+              </a:solidFill>
+              <a:effectLst>
+                <a:outerShdw blurRad="38100" dist="38100" dir="2700000" algn="tl">
+                  <a:srgbClr val="000000">
+                    <a:alpha val="43137"/>
+                  </a:srgbClr>
+                </a:outerShdw>
+              </a:effectLst>
+              <a:latin typeface="Times New Roman" panose="02020603050405020304" pitchFamily="18" charset="0"/>
+              <a:cs typeface="Times New Roman" panose="02020603050405020304" pitchFamily="18" charset="0"/>
+            </a:endParaRPr>
           </a:p>
         </p:txBody>
       </p:sp>
+      <p:pic>
+        <p:nvPicPr>
+          <p:cNvPr id="4" name="Рисунок 3">
+            <a:extLst>
+              <a:ext uri="{FF2B5EF4-FFF2-40B4-BE49-F238E27FC236}">
+                <a16:creationId xmlns:a16="http://schemas.microsoft.com/office/drawing/2014/main" id="{8F542177-C38E-C568-A1E2-D841817789C7}"/>
+              </a:ext>
+            </a:extLst>
+          </p:cNvPr>
+          <p:cNvPicPr>
+            <a:picLocks noChangeAspect="1"/>
+          </p:cNvPicPr>
+          <p:nvPr/>
+        </p:nvPicPr>
+        <p:blipFill>
+          <a:blip r:embed="rId7"/>
+          <a:stretch>
+            <a:fillRect/>
+          </a:stretch>
+        </p:blipFill>
+        <p:spPr>
+          <a:xfrm>
+            <a:off x="2102087" y="1131377"/>
+            <a:ext cx="7516697" cy="5552152"/>
+          </a:xfrm>
+          <a:prstGeom prst="rect">
+            <a:avLst/>
+          </a:prstGeom>
+        </p:spPr>
+      </p:pic>
     </p:spTree>
     <p:extLst>
       <p:ext uri="{BB962C8B-B14F-4D97-AF65-F5344CB8AC3E}">
-        <p14:creationId xmlns:p14="http://schemas.microsoft.com/office/powerpoint/2010/main" val="1717845409"/>
+        <p14:creationId xmlns:p14="http://schemas.microsoft.com/office/powerpoint/2010/main" val="1655826871"/>
       </p:ext>
     </p:extLst>
   </p:cSld>
@@ -33130,7 +35870,7 @@
 </p:sld>
 </file>
 
-<file path=ppt/slides/slide6.xml><?xml version="1.0" encoding="utf-8"?>
+<file path=ppt/slides/slide7.xml><?xml version="1.0" encoding="utf-8"?>
 <p:sld xmlns:a="http://schemas.openxmlformats.org/drawingml/2006/main" xmlns:r="http://schemas.openxmlformats.org/officeDocument/2006/relationships" xmlns:p="http://schemas.openxmlformats.org/presentationml/2006/main">
   <p:cSld>
     <p:spTree>
@@ -33151,7 +35891,13 @@
         <p:nvGraphicFramePr>
           <p:cNvPr id="3" name="Схема 2"/>
           <p:cNvGraphicFramePr/>
-          <p:nvPr/>
+          <p:nvPr>
+            <p:extLst>
+              <p:ext uri="{D42A27DB-BD31-4B8C-83A1-F6EECF244321}">
+                <p14:modId xmlns:p14="http://schemas.microsoft.com/office/powerpoint/2010/main" val="3362086168"/>
+              </p:ext>
+            </p:extLst>
+          </p:nvPr>
         </p:nvGraphicFramePr>
         <p:xfrm>
           <a:off x="0" y="278971"/>
@@ -33213,7 +35959,7 @@
           <a:lstStyle/>
           <a:p>
             <a:pPr algn="ctr"/>
-            <a:r>
+            <a:fld id="{6C4F04C8-4654-4CC2-A78E-4DE6B3EED7B8}" type="slidenum">
               <a:rPr lang="ru-RU" sz="3200" b="1" dirty="0">
                 <a:solidFill>
                   <a:schemeClr val="bg1"/>
@@ -33228,15 +35974,59 @@
                 <a:latin typeface="Times New Roman" panose="02020603050405020304" pitchFamily="18" charset="0"/>
                 <a:cs typeface="Times New Roman" panose="02020603050405020304" pitchFamily="18" charset="0"/>
               </a:rPr>
-              <a:t>2</a:t>
-            </a:r>
+              <a:t>7</a:t>
+            </a:fld>
+            <a:endParaRPr lang="ru-RU" sz="3200" b="1" dirty="0">
+              <a:solidFill>
+                <a:schemeClr val="bg1"/>
+              </a:solidFill>
+              <a:effectLst>
+                <a:outerShdw blurRad="38100" dist="38100" dir="2700000" algn="tl">
+                  <a:srgbClr val="000000">
+                    <a:alpha val="43137"/>
+                  </a:srgbClr>
+                </a:outerShdw>
+              </a:effectLst>
+              <a:latin typeface="Times New Roman" panose="02020603050405020304" pitchFamily="18" charset="0"/>
+              <a:cs typeface="Times New Roman" panose="02020603050405020304" pitchFamily="18" charset="0"/>
+            </a:endParaRPr>
           </a:p>
         </p:txBody>
       </p:sp>
+      <p:pic>
+        <p:nvPicPr>
+          <p:cNvPr id="4" name="Рисунок 3">
+            <a:extLst>
+              <a:ext uri="{FF2B5EF4-FFF2-40B4-BE49-F238E27FC236}">
+                <a16:creationId xmlns:a16="http://schemas.microsoft.com/office/drawing/2014/main" id="{C342F197-9438-4188-87CC-2E4577228384}"/>
+              </a:ext>
+            </a:extLst>
+          </p:cNvPr>
+          <p:cNvPicPr>
+            <a:picLocks noChangeAspect="1"/>
+          </p:cNvPicPr>
+          <p:nvPr/>
+        </p:nvPicPr>
+        <p:blipFill>
+          <a:blip r:embed="rId7"/>
+          <a:stretch>
+            <a:fillRect/>
+          </a:stretch>
+        </p:blipFill>
+        <p:spPr>
+          <a:xfrm>
+            <a:off x="1876933" y="1131377"/>
+            <a:ext cx="8288316" cy="5719506"/>
+          </a:xfrm>
+          <a:prstGeom prst="rect">
+            <a:avLst/>
+          </a:prstGeom>
+        </p:spPr>
+      </p:pic>
     </p:spTree>
     <p:extLst>
       <p:ext uri="{BB962C8B-B14F-4D97-AF65-F5344CB8AC3E}">
-        <p14:creationId xmlns:p14="http://schemas.microsoft.com/office/powerpoint/2010/main" val="1366818532"/>
+        <p14:creationId xmlns:p14="http://schemas.microsoft.com/office/powerpoint/2010/main" val="1515715905"/>
       </p:ext>
     </p:extLst>
   </p:cSld>
@@ -33246,7 +36036,7 @@
 </p:sld>
 </file>
 
-<file path=ppt/slides/slide7.xml><?xml version="1.0" encoding="utf-8"?>
+<file path=ppt/slides/slide8.xml><?xml version="1.0" encoding="utf-8"?>
 <p:sld xmlns:a="http://schemas.openxmlformats.org/drawingml/2006/main" xmlns:r="http://schemas.openxmlformats.org/officeDocument/2006/relationships" xmlns:p="http://schemas.openxmlformats.org/presentationml/2006/main">
   <p:cSld>
     <p:spTree>
@@ -33267,7 +36057,13 @@
         <p:nvGraphicFramePr>
           <p:cNvPr id="3" name="Схема 2"/>
           <p:cNvGraphicFramePr/>
-          <p:nvPr/>
+          <p:nvPr>
+            <p:extLst>
+              <p:ext uri="{D42A27DB-BD31-4B8C-83A1-F6EECF244321}">
+                <p14:modId xmlns:p14="http://schemas.microsoft.com/office/powerpoint/2010/main" val="3468306937"/>
+              </p:ext>
+            </p:extLst>
+          </p:nvPr>
         </p:nvGraphicFramePr>
         <p:xfrm>
           <a:off x="0" y="278971"/>
@@ -33329,7 +36125,7 @@
           <a:lstStyle/>
           <a:p>
             <a:pPr algn="ctr"/>
-            <a:r>
+            <a:fld id="{EABE0A49-5B6E-4B62-8BF5-2D7EBF5DF496}" type="slidenum">
               <a:rPr lang="ru-RU" sz="3200" b="1" dirty="0">
                 <a:solidFill>
                   <a:schemeClr val="bg1"/>
@@ -33344,17 +36140,31 @@
                 <a:latin typeface="Times New Roman" panose="02020603050405020304" pitchFamily="18" charset="0"/>
                 <a:cs typeface="Times New Roman" panose="02020603050405020304" pitchFamily="18" charset="0"/>
               </a:rPr>
-              <a:t>2</a:t>
-            </a:r>
+              <a:t>8</a:t>
+            </a:fld>
+            <a:endParaRPr lang="ru-RU" sz="3200" b="1" dirty="0">
+              <a:solidFill>
+                <a:schemeClr val="bg1"/>
+              </a:solidFill>
+              <a:effectLst>
+                <a:outerShdw blurRad="38100" dist="38100" dir="2700000" algn="tl">
+                  <a:srgbClr val="000000">
+                    <a:alpha val="43137"/>
+                  </a:srgbClr>
+                </a:outerShdw>
+              </a:effectLst>
+              <a:latin typeface="Times New Roman" panose="02020603050405020304" pitchFamily="18" charset="0"/>
+              <a:cs typeface="Times New Roman" panose="02020603050405020304" pitchFamily="18" charset="0"/>
+            </a:endParaRPr>
           </a:p>
         </p:txBody>
       </p:sp>
       <p:pic>
         <p:nvPicPr>
-          <p:cNvPr id="4" name="Рисунок 3">
+          <p:cNvPr id="5" name="Рисунок 4">
             <a:extLst>
               <a:ext uri="{FF2B5EF4-FFF2-40B4-BE49-F238E27FC236}">
-                <a16:creationId xmlns:a16="http://schemas.microsoft.com/office/drawing/2014/main" id="{1314C7AE-8592-EB31-B88B-D929CA7D05D3}"/>
+                <a16:creationId xmlns:a16="http://schemas.microsoft.com/office/drawing/2014/main" id="{8957F672-4B84-4B50-908A-2525DDC85386}"/>
               </a:ext>
             </a:extLst>
           </p:cNvPr>
@@ -33364,77 +36174,25 @@
           <p:nvPr/>
         </p:nvPicPr>
         <p:blipFill>
-          <a:blip r:embed="rId7">
-            <a:extLst>
-              <a:ext uri="{28A0092B-C50C-407E-A947-70E740481C1C}">
-                <a14:useLocalDpi xmlns:a14="http://schemas.microsoft.com/office/drawing/2010/main" val="0"/>
-              </a:ext>
-            </a:extLst>
-          </a:blip>
-          <a:srcRect/>
+          <a:blip r:embed="rId7"/>
           <a:stretch>
             <a:fillRect/>
           </a:stretch>
         </p:blipFill>
-        <p:spPr bwMode="auto">
+        <p:spPr>
           <a:xfrm>
-            <a:off x="824576" y="1536382"/>
-            <a:ext cx="5932805" cy="3785235"/>
+            <a:off x="1529515" y="1230923"/>
+            <a:ext cx="10320274" cy="5339762"/>
           </a:xfrm>
           <a:prstGeom prst="rect">
             <a:avLst/>
           </a:prstGeom>
-          <a:noFill/>
-          <a:ln>
-            <a:noFill/>
-          </a:ln>
-        </p:spPr>
-      </p:pic>
-      <p:pic>
-        <p:nvPicPr>
-          <p:cNvPr id="5" name="Рисунок 4">
-            <a:extLst>
-              <a:ext uri="{FF2B5EF4-FFF2-40B4-BE49-F238E27FC236}">
-                <a16:creationId xmlns:a16="http://schemas.microsoft.com/office/drawing/2014/main" id="{454167C5-BD38-A7A8-8FA7-7B24A4FCC16C}"/>
-              </a:ext>
-            </a:extLst>
-          </p:cNvPr>
-          <p:cNvPicPr>
-            <a:picLocks noChangeAspect="1"/>
-          </p:cNvPicPr>
-          <p:nvPr/>
-        </p:nvPicPr>
-        <p:blipFill>
-          <a:blip r:embed="rId8">
-            <a:extLst>
-              <a:ext uri="{28A0092B-C50C-407E-A947-70E740481C1C}">
-                <a14:useLocalDpi xmlns:a14="http://schemas.microsoft.com/office/drawing/2010/main" val="0"/>
-              </a:ext>
-            </a:extLst>
-          </a:blip>
-          <a:srcRect/>
-          <a:stretch>
-            <a:fillRect/>
-          </a:stretch>
-        </p:blipFill>
-        <p:spPr bwMode="auto">
-          <a:xfrm>
-            <a:off x="6021091" y="1451291"/>
-            <a:ext cx="5932805" cy="3955415"/>
-          </a:xfrm>
-          <a:prstGeom prst="rect">
-            <a:avLst/>
-          </a:prstGeom>
-          <a:noFill/>
-          <a:ln>
-            <a:noFill/>
-          </a:ln>
         </p:spPr>
       </p:pic>
     </p:spTree>
     <p:extLst>
       <p:ext uri="{BB962C8B-B14F-4D97-AF65-F5344CB8AC3E}">
-        <p14:creationId xmlns:p14="http://schemas.microsoft.com/office/powerpoint/2010/main" val="2158044742"/>
+        <p14:creationId xmlns:p14="http://schemas.microsoft.com/office/powerpoint/2010/main" val="1577698423"/>
       </p:ext>
     </p:extLst>
   </p:cSld>
@@ -33444,7 +36202,7 @@
 </p:sld>
 </file>
 
-<file path=ppt/slides/slide8.xml><?xml version="1.0" encoding="utf-8"?>
+<file path=ppt/slides/slide9.xml><?xml version="1.0" encoding="utf-8"?>
 <p:sld xmlns:a="http://schemas.openxmlformats.org/drawingml/2006/main" xmlns:r="http://schemas.openxmlformats.org/officeDocument/2006/relationships" xmlns:p="http://schemas.openxmlformats.org/presentationml/2006/main">
   <p:cSld>
     <p:spTree>
@@ -33465,7 +36223,13 @@
         <p:nvGraphicFramePr>
           <p:cNvPr id="3" name="Схема 2"/>
           <p:cNvGraphicFramePr/>
-          <p:nvPr/>
+          <p:nvPr>
+            <p:extLst>
+              <p:ext uri="{D42A27DB-BD31-4B8C-83A1-F6EECF244321}">
+                <p14:modId xmlns:p14="http://schemas.microsoft.com/office/powerpoint/2010/main" val="473505943"/>
+              </p:ext>
+            </p:extLst>
+          </p:nvPr>
         </p:nvGraphicFramePr>
         <p:xfrm>
           <a:off x="0" y="278971"/>
@@ -33477,6 +36241,36 @@
           </a:graphicData>
         </a:graphic>
       </p:graphicFrame>
+      <p:pic>
+        <p:nvPicPr>
+          <p:cNvPr id="7" name="Рисунок 6">
+            <a:extLst>
+              <a:ext uri="{FF2B5EF4-FFF2-40B4-BE49-F238E27FC236}">
+                <a16:creationId xmlns:a16="http://schemas.microsoft.com/office/drawing/2014/main" id="{4F7893A6-CEED-444A-BA27-94C8B2C893E7}"/>
+              </a:ext>
+            </a:extLst>
+          </p:cNvPr>
+          <p:cNvPicPr>
+            <a:picLocks noChangeAspect="1"/>
+          </p:cNvPicPr>
+          <p:nvPr/>
+        </p:nvPicPr>
+        <p:blipFill>
+          <a:blip r:embed="rId7"/>
+          <a:stretch>
+            <a:fillRect/>
+          </a:stretch>
+        </p:blipFill>
+        <p:spPr>
+          <a:xfrm>
+            <a:off x="1301021" y="1195754"/>
+            <a:ext cx="9730629" cy="5169877"/>
+          </a:xfrm>
+          <a:prstGeom prst="rect">
+            <a:avLst/>
+          </a:prstGeom>
+        </p:spPr>
+      </p:pic>
       <p:sp>
         <p:nvSpPr>
           <p:cNvPr id="6" name="Ромб 5">
@@ -33527,7 +36321,7 @@
           <a:lstStyle/>
           <a:p>
             <a:pPr algn="ctr"/>
-            <a:r>
+            <a:fld id="{A6D1B3F1-17AF-4102-9E04-22120E208F39}" type="slidenum">
               <a:rPr lang="ru-RU" sz="3200" b="1" dirty="0">
                 <a:solidFill>
                   <a:schemeClr val="bg1"/>
@@ -33542,131 +36336,29 @@
                 <a:latin typeface="Times New Roman" panose="02020603050405020304" pitchFamily="18" charset="0"/>
                 <a:cs typeface="Times New Roman" panose="02020603050405020304" pitchFamily="18" charset="0"/>
               </a:rPr>
-              <a:t>2</a:t>
-            </a:r>
+              <a:t>9</a:t>
+            </a:fld>
+            <a:endParaRPr lang="ru-RU" sz="3200" b="1" dirty="0">
+              <a:solidFill>
+                <a:schemeClr val="bg1"/>
+              </a:solidFill>
+              <a:effectLst>
+                <a:outerShdw blurRad="38100" dist="38100" dir="2700000" algn="tl">
+                  <a:srgbClr val="000000">
+                    <a:alpha val="43137"/>
+                  </a:srgbClr>
+                </a:outerShdw>
+              </a:effectLst>
+              <a:latin typeface="Times New Roman" panose="02020603050405020304" pitchFamily="18" charset="0"/>
+              <a:cs typeface="Times New Roman" panose="02020603050405020304" pitchFamily="18" charset="0"/>
+            </a:endParaRPr>
           </a:p>
         </p:txBody>
       </p:sp>
     </p:spTree>
     <p:extLst>
       <p:ext uri="{BB962C8B-B14F-4D97-AF65-F5344CB8AC3E}">
-        <p14:creationId xmlns:p14="http://schemas.microsoft.com/office/powerpoint/2010/main" val="2743098801"/>
-      </p:ext>
-    </p:extLst>
-  </p:cSld>
-  <p:clrMapOvr>
-    <a:masterClrMapping/>
-  </p:clrMapOvr>
-</p:sld>
-</file>
-
-<file path=ppt/slides/slide9.xml><?xml version="1.0" encoding="utf-8"?>
-<p:sld xmlns:a="http://schemas.openxmlformats.org/drawingml/2006/main" xmlns:r="http://schemas.openxmlformats.org/officeDocument/2006/relationships" xmlns:p="http://schemas.openxmlformats.org/presentationml/2006/main">
-  <p:cSld>
-    <p:spTree>
-      <p:nvGrpSpPr>
-        <p:cNvPr id="1" name=""/>
-        <p:cNvGrpSpPr/>
-        <p:nvPr/>
-      </p:nvGrpSpPr>
-      <p:grpSpPr>
-        <a:xfrm>
-          <a:off x="0" y="0"/>
-          <a:ext cx="0" cy="0"/>
-          <a:chOff x="0" y="0"/>
-          <a:chExt cx="0" cy="0"/>
-        </a:xfrm>
-      </p:grpSpPr>
-      <p:graphicFrame>
-        <p:nvGraphicFramePr>
-          <p:cNvPr id="3" name="Схема 2"/>
-          <p:cNvGraphicFramePr/>
-          <p:nvPr/>
-        </p:nvGraphicFramePr>
-        <p:xfrm>
-          <a:off x="0" y="278971"/>
-          <a:ext cx="12042183" cy="852406"/>
-        </p:xfrm>
-        <a:graphic>
-          <a:graphicData uri="http://schemas.openxmlformats.org/drawingml/2006/diagram">
-            <dgm:relIds xmlns:dgm="http://schemas.openxmlformats.org/drawingml/2006/diagram" xmlns:r="http://schemas.openxmlformats.org/officeDocument/2006/relationships" r:dm="rId2" r:lo="rId3" r:qs="rId4" r:cs="rId5"/>
-          </a:graphicData>
-        </a:graphic>
-      </p:graphicFrame>
-      <p:sp>
-        <p:nvSpPr>
-          <p:cNvPr id="6" name="Ромб 5">
-            <a:extLst>
-              <a:ext uri="{FF2B5EF4-FFF2-40B4-BE49-F238E27FC236}">
-                <a16:creationId xmlns:a16="http://schemas.microsoft.com/office/drawing/2014/main" id="{AFA48F3F-E9C2-4CED-8ED0-C1C13197BA94}"/>
-              </a:ext>
-            </a:extLst>
-          </p:cNvPr>
-          <p:cNvSpPr/>
-          <p:nvPr/>
-        </p:nvSpPr>
-        <p:spPr>
-          <a:xfrm>
-            <a:off x="227892" y="5542187"/>
-            <a:ext cx="1193368" cy="1134463"/>
-          </a:xfrm>
-          <a:prstGeom prst="diamond">
-            <a:avLst/>
-          </a:prstGeom>
-          <a:solidFill>
-            <a:srgbClr val="0A5283"/>
-          </a:solidFill>
-          <a:ln>
-            <a:solidFill>
-              <a:srgbClr val="5D0286"/>
-            </a:solidFill>
-          </a:ln>
-        </p:spPr>
-        <p:style>
-          <a:lnRef idx="2">
-            <a:schemeClr val="accent1">
-              <a:shade val="50000"/>
-            </a:schemeClr>
-          </a:lnRef>
-          <a:fillRef idx="1">
-            <a:schemeClr val="accent1"/>
-          </a:fillRef>
-          <a:effectRef idx="0">
-            <a:schemeClr val="accent1"/>
-          </a:effectRef>
-          <a:fontRef idx="minor">
-            <a:schemeClr val="lt1"/>
-          </a:fontRef>
-        </p:style>
-        <p:txBody>
-          <a:bodyPr rtlCol="0" anchor="ctr"/>
-          <a:lstStyle/>
-          <a:p>
-            <a:pPr algn="ctr"/>
-            <a:r>
-              <a:rPr lang="ru-RU" sz="3200" b="1" dirty="0">
-                <a:solidFill>
-                  <a:schemeClr val="bg1"/>
-                </a:solidFill>
-                <a:effectLst>
-                  <a:outerShdw blurRad="38100" dist="38100" dir="2700000" algn="tl">
-                    <a:srgbClr val="000000">
-                      <a:alpha val="43137"/>
-                    </a:srgbClr>
-                  </a:outerShdw>
-                </a:effectLst>
-                <a:latin typeface="Times New Roman" panose="02020603050405020304" pitchFamily="18" charset="0"/>
-                <a:cs typeface="Times New Roman" panose="02020603050405020304" pitchFamily="18" charset="0"/>
-              </a:rPr>
-              <a:t>2</a:t>
-            </a:r>
-          </a:p>
-        </p:txBody>
-      </p:sp>
-    </p:spTree>
-    <p:extLst>
-      <p:ext uri="{BB962C8B-B14F-4D97-AF65-F5344CB8AC3E}">
-        <p14:creationId xmlns:p14="http://schemas.microsoft.com/office/powerpoint/2010/main" val="3258511759"/>
+        <p14:creationId xmlns:p14="http://schemas.microsoft.com/office/powerpoint/2010/main" val="2158044742"/>
       </p:ext>
     </p:extLst>
   </p:cSld>

--- a/Prezentatsia_VKR_2022.pptx
+++ b/Prezentatsia_VKR_2022.pptx
@@ -30954,7 +30954,7 @@
           <a:p>
             <a:fld id="{52056610-B2B8-4C80-B377-E3C2418411DD}" type="datetimeFigureOut">
               <a:rPr lang="ru-RU" smtClean="0"/>
-              <a:t>01.06.2022</a:t>
+              <a:t>02.06.2022</a:t>
             </a:fld>
             <a:endParaRPr lang="ru-RU"/>
           </a:p>
@@ -31122,7 +31122,7 @@
           <a:p>
             <a:fld id="{52056610-B2B8-4C80-B377-E3C2418411DD}" type="datetimeFigureOut">
               <a:rPr lang="ru-RU" smtClean="0"/>
-              <a:t>01.06.2022</a:t>
+              <a:t>02.06.2022</a:t>
             </a:fld>
             <a:endParaRPr lang="ru-RU"/>
           </a:p>
@@ -31300,7 +31300,7 @@
           <a:p>
             <a:fld id="{52056610-B2B8-4C80-B377-E3C2418411DD}" type="datetimeFigureOut">
               <a:rPr lang="ru-RU" smtClean="0"/>
-              <a:t>01.06.2022</a:t>
+              <a:t>02.06.2022</a:t>
             </a:fld>
             <a:endParaRPr lang="ru-RU"/>
           </a:p>
@@ -31468,7 +31468,7 @@
           <a:p>
             <a:fld id="{52056610-B2B8-4C80-B377-E3C2418411DD}" type="datetimeFigureOut">
               <a:rPr lang="ru-RU" smtClean="0"/>
-              <a:t>01.06.2022</a:t>
+              <a:t>02.06.2022</a:t>
             </a:fld>
             <a:endParaRPr lang="ru-RU"/>
           </a:p>
@@ -31713,7 +31713,7 @@
           <a:p>
             <a:fld id="{52056610-B2B8-4C80-B377-E3C2418411DD}" type="datetimeFigureOut">
               <a:rPr lang="ru-RU" smtClean="0"/>
-              <a:t>01.06.2022</a:t>
+              <a:t>02.06.2022</a:t>
             </a:fld>
             <a:endParaRPr lang="ru-RU"/>
           </a:p>
@@ -31942,7 +31942,7 @@
           <a:p>
             <a:fld id="{52056610-B2B8-4C80-B377-E3C2418411DD}" type="datetimeFigureOut">
               <a:rPr lang="ru-RU" smtClean="0"/>
-              <a:t>01.06.2022</a:t>
+              <a:t>02.06.2022</a:t>
             </a:fld>
             <a:endParaRPr lang="ru-RU"/>
           </a:p>
@@ -32306,7 +32306,7 @@
           <a:p>
             <a:fld id="{52056610-B2B8-4C80-B377-E3C2418411DD}" type="datetimeFigureOut">
               <a:rPr lang="ru-RU" smtClean="0"/>
-              <a:t>01.06.2022</a:t>
+              <a:t>02.06.2022</a:t>
             </a:fld>
             <a:endParaRPr lang="ru-RU"/>
           </a:p>
@@ -32423,7 +32423,7 @@
           <a:p>
             <a:fld id="{52056610-B2B8-4C80-B377-E3C2418411DD}" type="datetimeFigureOut">
               <a:rPr lang="ru-RU" smtClean="0"/>
-              <a:t>01.06.2022</a:t>
+              <a:t>02.06.2022</a:t>
             </a:fld>
             <a:endParaRPr lang="ru-RU"/>
           </a:p>
@@ -32518,7 +32518,7 @@
           <a:p>
             <a:fld id="{52056610-B2B8-4C80-B377-E3C2418411DD}" type="datetimeFigureOut">
               <a:rPr lang="ru-RU" smtClean="0"/>
-              <a:t>01.06.2022</a:t>
+              <a:t>02.06.2022</a:t>
             </a:fld>
             <a:endParaRPr lang="ru-RU"/>
           </a:p>
@@ -32793,7 +32793,7 @@
           <a:p>
             <a:fld id="{52056610-B2B8-4C80-B377-E3C2418411DD}" type="datetimeFigureOut">
               <a:rPr lang="ru-RU" smtClean="0"/>
-              <a:t>01.06.2022</a:t>
+              <a:t>02.06.2022</a:t>
             </a:fld>
             <a:endParaRPr lang="ru-RU"/>
           </a:p>
@@ -33045,7 +33045,7 @@
           <a:p>
             <a:fld id="{52056610-B2B8-4C80-B377-E3C2418411DD}" type="datetimeFigureOut">
               <a:rPr lang="ru-RU" smtClean="0"/>
-              <a:t>01.06.2022</a:t>
+              <a:t>02.06.2022</a:t>
             </a:fld>
             <a:endParaRPr lang="ru-RU"/>
           </a:p>
@@ -33259,7 +33259,7 @@
           <a:p>
             <a:fld id="{52056610-B2B8-4C80-B377-E3C2418411DD}" type="datetimeFigureOut">
               <a:rPr lang="ru-RU" smtClean="0"/>
-              <a:t>01.06.2022</a:t>
+              <a:t>02.06.2022</a:t>
             </a:fld>
             <a:endParaRPr lang="ru-RU"/>
           </a:p>

--- a/Prezentatsia_VKR_2022.pptx
+++ b/Prezentatsia_VKR_2022.pptx
@@ -7,15 +7,15 @@
   <p:sldIdLst>
     <p:sldId id="256" r:id="rId2"/>
     <p:sldId id="257" r:id="rId3"/>
-    <p:sldId id="268" r:id="rId4"/>
-    <p:sldId id="271" r:id="rId5"/>
-    <p:sldId id="270" r:id="rId6"/>
-    <p:sldId id="269" r:id="rId7"/>
-    <p:sldId id="279" r:id="rId8"/>
-    <p:sldId id="278" r:id="rId9"/>
-    <p:sldId id="272" r:id="rId10"/>
-    <p:sldId id="267" r:id="rId11"/>
-    <p:sldId id="274" r:id="rId12"/>
+    <p:sldId id="274" r:id="rId4"/>
+    <p:sldId id="268" r:id="rId5"/>
+    <p:sldId id="271" r:id="rId6"/>
+    <p:sldId id="270" r:id="rId7"/>
+    <p:sldId id="269" r:id="rId8"/>
+    <p:sldId id="279" r:id="rId9"/>
+    <p:sldId id="278" r:id="rId10"/>
+    <p:sldId id="272" r:id="rId11"/>
+    <p:sldId id="267" r:id="rId12"/>
     <p:sldId id="275" r:id="rId13"/>
     <p:sldId id="277" r:id="rId14"/>
     <p:sldId id="276" r:id="rId15"/>
@@ -10018,20 +10018,20 @@
         <a:p>
           <a:pPr algn="l"/>
           <a:r>
-            <a:rPr lang="en-US" sz="3200" dirty="0">
-              <a:solidFill>
-                <a:schemeClr val="bg1"/>
-              </a:solidFill>
-            </a:rPr>
-            <a:t> </a:t>
-          </a:r>
-          <a:r>
             <a:rPr lang="ru-RU" sz="3200" dirty="0">
               <a:solidFill>
                 <a:schemeClr val="bg1"/>
               </a:solidFill>
             </a:rPr>
-            <a:t>Цели и задачи выпускной квалификационной работы</a:t>
+            <a:t>  </a:t>
+          </a:r>
+          <a:r>
+            <a:rPr lang="ru-RU" sz="5400" dirty="0">
+              <a:solidFill>
+                <a:schemeClr val="bg1"/>
+              </a:solidFill>
+            </a:rPr>
+            <a:t>Благодарю за внимание</a:t>
           </a:r>
         </a:p>
       </dgm:t>
@@ -10111,7 +10111,7 @@
       <dgm:spPr/>
     </dgm:pt>
     <dgm:pt modelId="{75282B76-4A1B-4043-A722-B53657DB0DAA}" type="pres">
-      <dgm:prSet presAssocID="{24DA3925-63AE-407D-8E66-6C4C642F9F63}" presName="parTxOnly" presStyleLbl="node1" presStyleIdx="0" presStyleCnt="2" custScaleX="99839">
+      <dgm:prSet presAssocID="{24DA3925-63AE-407D-8E66-6C4C642F9F63}" presName="parTxOnly" presStyleLbl="node1" presStyleIdx="0" presStyleCnt="2" custScaleX="99839" custLinFactNeighborX="-51" custLinFactNeighborY="-2381">
         <dgm:presLayoutVars>
           <dgm:bulletEnabled val="1"/>
         </dgm:presLayoutVars>
@@ -10141,9 +10141,7 @@
     <dgm:cxn modelId="{93B0FF22-25BA-494C-8964-1770C03464FC}" type="presParOf" srcId="{AED4F812-677E-4E89-B8CE-F2C7F38AC0A6}" destId="{DB9EC306-56F5-4825-A41F-F9876FC9E125}" srcOrd="1" destOrd="0" presId="urn:microsoft.com/office/officeart/2005/8/layout/hChevron3"/>
     <dgm:cxn modelId="{94272AE6-D0B0-44C4-B190-114BD7DCDDC5}" type="presParOf" srcId="{AED4F812-677E-4E89-B8CE-F2C7F38AC0A6}" destId="{9F5C6265-53CB-4DCC-8DA2-23A6A2126ABB}" srcOrd="2" destOrd="0" presId="urn:microsoft.com/office/officeart/2005/8/layout/hChevron3"/>
   </dgm:cxnLst>
-  <dgm:bg>
-    <a:noFill/>
-  </dgm:bg>
+  <dgm:bg/>
   <dgm:whole/>
   <dgm:extLst>
     <a:ext uri="http://schemas.microsoft.com/office/drawing/2008/diagram">
@@ -10634,6 +10632,164 @@
       <dgm:prSet loTypeId="urn:microsoft.com/office/officeart/2005/8/layout/hChevron3" loCatId="process" qsTypeId="urn:microsoft.com/office/officeart/2005/8/quickstyle/simple1" qsCatId="simple" csTypeId="urn:microsoft.com/office/officeart/2005/8/colors/accent1_2" csCatId="accent1" phldr="1"/>
       <dgm:spPr/>
     </dgm:pt>
+    <dgm:pt modelId="{24DA3925-63AE-407D-8E66-6C4C642F9F63}">
+      <dgm:prSet phldrT="[Текст]" custT="1"/>
+      <dgm:spPr>
+        <a:solidFill>
+          <a:srgbClr val="0A5283"/>
+        </a:solidFill>
+        <a:ln>
+          <a:noFill/>
+        </a:ln>
+      </dgm:spPr>
+      <dgm:t>
+        <a:bodyPr/>
+        <a:lstStyle/>
+        <a:p>
+          <a:pPr algn="l"/>
+          <a:r>
+            <a:rPr lang="en-US" sz="3200" dirty="0">
+              <a:solidFill>
+                <a:schemeClr val="bg1"/>
+              </a:solidFill>
+            </a:rPr>
+            <a:t> </a:t>
+          </a:r>
+          <a:r>
+            <a:rPr lang="ru-RU" sz="3200" dirty="0">
+              <a:solidFill>
+                <a:schemeClr val="bg1"/>
+              </a:solidFill>
+            </a:rPr>
+            <a:t>Актуальность</a:t>
+          </a:r>
+        </a:p>
+      </dgm:t>
+    </dgm:pt>
+    <dgm:pt modelId="{DCC1E86C-1908-4B5E-B7C0-89BBBC92CE46}" type="parTrans" cxnId="{91853C7C-A62A-45E1-9276-D1D47CA2476F}">
+      <dgm:prSet/>
+      <dgm:spPr/>
+      <dgm:t>
+        <a:bodyPr/>
+        <a:lstStyle/>
+        <a:p>
+          <a:endParaRPr lang="ru-RU"/>
+        </a:p>
+      </dgm:t>
+    </dgm:pt>
+    <dgm:pt modelId="{E0103FFF-3D73-4356-87EE-1E1A391833AA}" type="sibTrans" cxnId="{91853C7C-A62A-45E1-9276-D1D47CA2476F}">
+      <dgm:prSet/>
+      <dgm:spPr/>
+      <dgm:t>
+        <a:bodyPr/>
+        <a:lstStyle/>
+        <a:p>
+          <a:endParaRPr lang="ru-RU"/>
+        </a:p>
+      </dgm:t>
+    </dgm:pt>
+    <dgm:pt modelId="{4A8396AD-A936-460D-A7D5-1DEBA706005D}">
+      <dgm:prSet phldrT="[Текст]"/>
+      <dgm:spPr>
+        <a:solidFill>
+          <a:srgbClr val="0A5283"/>
+        </a:solidFill>
+        <a:ln>
+          <a:noFill/>
+        </a:ln>
+      </dgm:spPr>
+      <dgm:t>
+        <a:bodyPr/>
+        <a:lstStyle/>
+        <a:p>
+          <a:r>
+            <a:rPr lang="ru-RU" dirty="0"/>
+            <a:t> </a:t>
+          </a:r>
+        </a:p>
+      </dgm:t>
+    </dgm:pt>
+    <dgm:pt modelId="{E9EE92E9-D700-44D9-B60C-0C9C6EBFEB0E}" type="parTrans" cxnId="{760F2005-5D68-4B1E-BE3B-7ACE1545D565}">
+      <dgm:prSet/>
+      <dgm:spPr/>
+      <dgm:t>
+        <a:bodyPr/>
+        <a:lstStyle/>
+        <a:p>
+          <a:endParaRPr lang="ru-RU"/>
+        </a:p>
+      </dgm:t>
+    </dgm:pt>
+    <dgm:pt modelId="{3B2DCDAA-DBCC-4FEB-BCF4-ED247A1B7EB7}" type="sibTrans" cxnId="{760F2005-5D68-4B1E-BE3B-7ACE1545D565}">
+      <dgm:prSet/>
+      <dgm:spPr/>
+      <dgm:t>
+        <a:bodyPr/>
+        <a:lstStyle/>
+        <a:p>
+          <a:endParaRPr lang="ru-RU"/>
+        </a:p>
+      </dgm:t>
+    </dgm:pt>
+    <dgm:pt modelId="{AED4F812-677E-4E89-B8CE-F2C7F38AC0A6}" type="pres">
+      <dgm:prSet presAssocID="{CDB5BEA3-373E-4D4F-AA39-79969E9444C2}" presName="Name0" presStyleCnt="0">
+        <dgm:presLayoutVars>
+          <dgm:dir/>
+          <dgm:resizeHandles val="exact"/>
+        </dgm:presLayoutVars>
+      </dgm:prSet>
+      <dgm:spPr/>
+    </dgm:pt>
+    <dgm:pt modelId="{75282B76-4A1B-4043-A722-B53657DB0DAA}" type="pres">
+      <dgm:prSet presAssocID="{24DA3925-63AE-407D-8E66-6C4C642F9F63}" presName="parTxOnly" presStyleLbl="node1" presStyleIdx="0" presStyleCnt="2" custScaleX="99839">
+        <dgm:presLayoutVars>
+          <dgm:bulletEnabled val="1"/>
+        </dgm:presLayoutVars>
+      </dgm:prSet>
+      <dgm:spPr/>
+    </dgm:pt>
+    <dgm:pt modelId="{DB9EC306-56F5-4825-A41F-F9876FC9E125}" type="pres">
+      <dgm:prSet presAssocID="{E0103FFF-3D73-4356-87EE-1E1A391833AA}" presName="parSpace" presStyleCnt="0"/>
+      <dgm:spPr/>
+    </dgm:pt>
+    <dgm:pt modelId="{9F5C6265-53CB-4DCC-8DA2-23A6A2126ABB}" type="pres">
+      <dgm:prSet presAssocID="{4A8396AD-A936-460D-A7D5-1DEBA706005D}" presName="parTxOnly" presStyleLbl="node1" presStyleIdx="1" presStyleCnt="2" custScaleX="20336">
+        <dgm:presLayoutVars>
+          <dgm:bulletEnabled val="1"/>
+        </dgm:presLayoutVars>
+      </dgm:prSet>
+      <dgm:spPr/>
+    </dgm:pt>
+  </dgm:ptLst>
+  <dgm:cxnLst>
+    <dgm:cxn modelId="{760F2005-5D68-4B1E-BE3B-7ACE1545D565}" srcId="{CDB5BEA3-373E-4D4F-AA39-79969E9444C2}" destId="{4A8396AD-A936-460D-A7D5-1DEBA706005D}" srcOrd="1" destOrd="0" parTransId="{E9EE92E9-D700-44D9-B60C-0C9C6EBFEB0E}" sibTransId="{3B2DCDAA-DBCC-4FEB-BCF4-ED247A1B7EB7}"/>
+    <dgm:cxn modelId="{A684EF17-3113-4648-AA4B-06DE953701ED}" type="presOf" srcId="{CDB5BEA3-373E-4D4F-AA39-79969E9444C2}" destId="{AED4F812-677E-4E89-B8CE-F2C7F38AC0A6}" srcOrd="0" destOrd="0" presId="urn:microsoft.com/office/officeart/2005/8/layout/hChevron3"/>
+    <dgm:cxn modelId="{91853C7C-A62A-45E1-9276-D1D47CA2476F}" srcId="{CDB5BEA3-373E-4D4F-AA39-79969E9444C2}" destId="{24DA3925-63AE-407D-8E66-6C4C642F9F63}" srcOrd="0" destOrd="0" parTransId="{DCC1E86C-1908-4B5E-B7C0-89BBBC92CE46}" sibTransId="{E0103FFF-3D73-4356-87EE-1E1A391833AA}"/>
+    <dgm:cxn modelId="{7723608C-0975-4C5A-B633-4E60F8F8307F}" type="presOf" srcId="{4A8396AD-A936-460D-A7D5-1DEBA706005D}" destId="{9F5C6265-53CB-4DCC-8DA2-23A6A2126ABB}" srcOrd="0" destOrd="0" presId="urn:microsoft.com/office/officeart/2005/8/layout/hChevron3"/>
+    <dgm:cxn modelId="{1F2A9FB8-14A5-476F-994A-3E416120E522}" type="presOf" srcId="{24DA3925-63AE-407D-8E66-6C4C642F9F63}" destId="{75282B76-4A1B-4043-A722-B53657DB0DAA}" srcOrd="0" destOrd="0" presId="urn:microsoft.com/office/officeart/2005/8/layout/hChevron3"/>
+    <dgm:cxn modelId="{5C51FB35-6427-4922-BAE8-0588912CB2F9}" type="presParOf" srcId="{AED4F812-677E-4E89-B8CE-F2C7F38AC0A6}" destId="{75282B76-4A1B-4043-A722-B53657DB0DAA}" srcOrd="0" destOrd="0" presId="urn:microsoft.com/office/officeart/2005/8/layout/hChevron3"/>
+    <dgm:cxn modelId="{93B0FF22-25BA-494C-8964-1770C03464FC}" type="presParOf" srcId="{AED4F812-677E-4E89-B8CE-F2C7F38AC0A6}" destId="{DB9EC306-56F5-4825-A41F-F9876FC9E125}" srcOrd="1" destOrd="0" presId="urn:microsoft.com/office/officeart/2005/8/layout/hChevron3"/>
+    <dgm:cxn modelId="{94272AE6-D0B0-44C4-B190-114BD7DCDDC5}" type="presParOf" srcId="{AED4F812-677E-4E89-B8CE-F2C7F38AC0A6}" destId="{9F5C6265-53CB-4DCC-8DA2-23A6A2126ABB}" srcOrd="2" destOrd="0" presId="urn:microsoft.com/office/officeart/2005/8/layout/hChevron3"/>
+  </dgm:cxnLst>
+  <dgm:bg>
+    <a:noFill/>
+  </dgm:bg>
+  <dgm:whole/>
+  <dgm:extLst>
+    <a:ext uri="http://schemas.microsoft.com/office/drawing/2008/diagram">
+      <dsp:dataModelExt xmlns:dsp="http://schemas.microsoft.com/office/drawing/2008/diagram" relId="rId6" minVer="http://schemas.openxmlformats.org/drawingml/2006/diagram"/>
+    </a:ext>
+  </dgm:extLst>
+</dgm:dataModel>
+</file>
+
+<file path=ppt/diagrams/data3.xml><?xml version="1.0" encoding="utf-8"?>
+<dgm:dataModel xmlns:dgm="http://schemas.openxmlformats.org/drawingml/2006/diagram" xmlns:a="http://schemas.openxmlformats.org/drawingml/2006/main">
+  <dgm:ptLst>
+    <dgm:pt modelId="{CDB5BEA3-373E-4D4F-AA39-79969E9444C2}" type="doc">
+      <dgm:prSet loTypeId="urn:microsoft.com/office/officeart/2005/8/layout/hChevron3" loCatId="process" qsTypeId="urn:microsoft.com/office/officeart/2005/8/quickstyle/simple1" qsCatId="simple" csTypeId="urn:microsoft.com/office/officeart/2005/8/colors/accent1_2" csCatId="accent1" phldr="1"/>
+      <dgm:spPr/>
+    </dgm:pt>
     <dgm:pt modelId="{4A8396AD-A936-460D-A7D5-1DEBA706005D}">
       <dgm:prSet phldrT="[Текст]"/>
       <dgm:spPr>
@@ -10706,7 +10862,7 @@
                 <a:schemeClr val="bg1"/>
               </a:solidFill>
             </a:rPr>
-            <a:t>Реализуемый функционал</a:t>
+            <a:t>Реализованный функционал</a:t>
           </a:r>
         </a:p>
       </dgm:t>
@@ -10785,7 +10941,7 @@
 </dgm:dataModel>
 </file>
 
-<file path=ppt/diagrams/data3.xml><?xml version="1.0" encoding="utf-8"?>
+<file path=ppt/diagrams/data4.xml><?xml version="1.0" encoding="utf-8"?>
 <dgm:dataModel xmlns:dgm="http://schemas.openxmlformats.org/drawingml/2006/diagram" xmlns:a="http://schemas.openxmlformats.org/drawingml/2006/main">
   <dgm:ptLst>
     <dgm:pt modelId="{CDB5BEA3-373E-4D4F-AA39-79969E9444C2}" type="doc">
@@ -10935,7 +11091,7 @@
 </dgm:dataModel>
 </file>
 
-<file path=ppt/diagrams/data4.xml><?xml version="1.0" encoding="utf-8"?>
+<file path=ppt/diagrams/data5.xml><?xml version="1.0" encoding="utf-8"?>
 <dgm:dataModel xmlns:dgm="http://schemas.openxmlformats.org/drawingml/2006/diagram" xmlns:a="http://schemas.openxmlformats.org/drawingml/2006/main">
   <dgm:ptLst>
     <dgm:pt modelId="{CDB5BEA3-373E-4D4F-AA39-79969E9444C2}" type="doc">
@@ -11085,7 +11241,7 @@
 </dgm:dataModel>
 </file>
 
-<file path=ppt/diagrams/data5.xml><?xml version="1.0" encoding="utf-8"?>
+<file path=ppt/diagrams/data6.xml><?xml version="1.0" encoding="utf-8"?>
 <dgm:dataModel xmlns:dgm="http://schemas.openxmlformats.org/drawingml/2006/diagram" xmlns:a="http://schemas.openxmlformats.org/drawingml/2006/main">
   <dgm:ptLst>
     <dgm:pt modelId="{CDB5BEA3-373E-4D4F-AA39-79969E9444C2}" type="doc">
@@ -11248,7 +11404,7 @@
 </dgm:dataModel>
 </file>
 
-<file path=ppt/diagrams/data6.xml><?xml version="1.0" encoding="utf-8"?>
+<file path=ppt/diagrams/data7.xml><?xml version="1.0" encoding="utf-8"?>
 <dgm:dataModel xmlns:dgm="http://schemas.openxmlformats.org/drawingml/2006/diagram" xmlns:a="http://schemas.openxmlformats.org/drawingml/2006/main">
   <dgm:ptLst>
     <dgm:pt modelId="{CDB5BEA3-373E-4D4F-AA39-79969E9444C2}" type="doc">
@@ -11398,7 +11554,7 @@
 </dgm:dataModel>
 </file>
 
-<file path=ppt/diagrams/data7.xml><?xml version="1.0" encoding="utf-8"?>
+<file path=ppt/diagrams/data8.xml><?xml version="1.0" encoding="utf-8"?>
 <dgm:dataModel xmlns:dgm="http://schemas.openxmlformats.org/drawingml/2006/diagram" xmlns:a="http://schemas.openxmlformats.org/drawingml/2006/main">
   <dgm:ptLst>
     <dgm:pt modelId="{CDB5BEA3-373E-4D4F-AA39-79969E9444C2}" type="doc">
@@ -11548,7 +11704,7 @@
 </dgm:dataModel>
 </file>
 
-<file path=ppt/diagrams/data8.xml><?xml version="1.0" encoding="utf-8"?>
+<file path=ppt/diagrams/data9.xml><?xml version="1.0" encoding="utf-8"?>
 <dgm:dataModel xmlns:dgm="http://schemas.openxmlformats.org/drawingml/2006/diagram" xmlns:a="http://schemas.openxmlformats.org/drawingml/2006/main">
   <dgm:ptLst>
     <dgm:pt modelId="{CDB5BEA3-373E-4D4F-AA39-79969E9444C2}" type="doc">
@@ -11576,7 +11732,7 @@
                 <a:schemeClr val="bg1"/>
               </a:solidFill>
             </a:rPr>
-            <a:t>Интерфейс страницы с статистикой</a:t>
+            <a:t>Интерфейс страницы со статистикой</a:t>
           </a:r>
         </a:p>
       </dgm:t>
@@ -11689,162 +11845,6 @@
   <dgm:bg>
     <a:noFill/>
   </dgm:bg>
-  <dgm:whole/>
-  <dgm:extLst>
-    <a:ext uri="http://schemas.microsoft.com/office/drawing/2008/diagram">
-      <dsp:dataModelExt xmlns:dsp="http://schemas.microsoft.com/office/drawing/2008/diagram" relId="rId6" minVer="http://schemas.openxmlformats.org/drawingml/2006/diagram"/>
-    </a:ext>
-  </dgm:extLst>
-</dgm:dataModel>
-</file>
-
-<file path=ppt/diagrams/data9.xml><?xml version="1.0" encoding="utf-8"?>
-<dgm:dataModel xmlns:dgm="http://schemas.openxmlformats.org/drawingml/2006/diagram" xmlns:a="http://schemas.openxmlformats.org/drawingml/2006/main">
-  <dgm:ptLst>
-    <dgm:pt modelId="{CDB5BEA3-373E-4D4F-AA39-79969E9444C2}" type="doc">
-      <dgm:prSet loTypeId="urn:microsoft.com/office/officeart/2005/8/layout/hChevron3" loCatId="process" qsTypeId="urn:microsoft.com/office/officeart/2005/8/quickstyle/simple1" qsCatId="simple" csTypeId="urn:microsoft.com/office/officeart/2005/8/colors/accent1_2" csCatId="accent1" phldr="1"/>
-      <dgm:spPr/>
-    </dgm:pt>
-    <dgm:pt modelId="{24DA3925-63AE-407D-8E66-6C4C642F9F63}">
-      <dgm:prSet phldrT="[Текст]" custT="1"/>
-      <dgm:spPr>
-        <a:solidFill>
-          <a:srgbClr val="0A5283"/>
-        </a:solidFill>
-        <a:ln>
-          <a:noFill/>
-        </a:ln>
-      </dgm:spPr>
-      <dgm:t>
-        <a:bodyPr/>
-        <a:lstStyle/>
-        <a:p>
-          <a:pPr algn="l"/>
-          <a:r>
-            <a:rPr lang="ru-RU" sz="3200" dirty="0">
-              <a:solidFill>
-                <a:schemeClr val="bg1"/>
-              </a:solidFill>
-            </a:rPr>
-            <a:t>  </a:t>
-          </a:r>
-          <a:r>
-            <a:rPr lang="ru-RU" sz="5400" dirty="0">
-              <a:solidFill>
-                <a:schemeClr val="bg1"/>
-              </a:solidFill>
-            </a:rPr>
-            <a:t>Благодарю за внимание</a:t>
-          </a:r>
-        </a:p>
-      </dgm:t>
-    </dgm:pt>
-    <dgm:pt modelId="{DCC1E86C-1908-4B5E-B7C0-89BBBC92CE46}" type="parTrans" cxnId="{91853C7C-A62A-45E1-9276-D1D47CA2476F}">
-      <dgm:prSet/>
-      <dgm:spPr/>
-      <dgm:t>
-        <a:bodyPr/>
-        <a:lstStyle/>
-        <a:p>
-          <a:endParaRPr lang="ru-RU"/>
-        </a:p>
-      </dgm:t>
-    </dgm:pt>
-    <dgm:pt modelId="{E0103FFF-3D73-4356-87EE-1E1A391833AA}" type="sibTrans" cxnId="{91853C7C-A62A-45E1-9276-D1D47CA2476F}">
-      <dgm:prSet/>
-      <dgm:spPr/>
-      <dgm:t>
-        <a:bodyPr/>
-        <a:lstStyle/>
-        <a:p>
-          <a:endParaRPr lang="ru-RU"/>
-        </a:p>
-      </dgm:t>
-    </dgm:pt>
-    <dgm:pt modelId="{4A8396AD-A936-460D-A7D5-1DEBA706005D}">
-      <dgm:prSet phldrT="[Текст]"/>
-      <dgm:spPr>
-        <a:solidFill>
-          <a:srgbClr val="0A5283"/>
-        </a:solidFill>
-        <a:ln>
-          <a:noFill/>
-        </a:ln>
-      </dgm:spPr>
-      <dgm:t>
-        <a:bodyPr/>
-        <a:lstStyle/>
-        <a:p>
-          <a:r>
-            <a:rPr lang="ru-RU" dirty="0"/>
-            <a:t> </a:t>
-          </a:r>
-        </a:p>
-      </dgm:t>
-    </dgm:pt>
-    <dgm:pt modelId="{E9EE92E9-D700-44D9-B60C-0C9C6EBFEB0E}" type="parTrans" cxnId="{760F2005-5D68-4B1E-BE3B-7ACE1545D565}">
-      <dgm:prSet/>
-      <dgm:spPr/>
-      <dgm:t>
-        <a:bodyPr/>
-        <a:lstStyle/>
-        <a:p>
-          <a:endParaRPr lang="ru-RU"/>
-        </a:p>
-      </dgm:t>
-    </dgm:pt>
-    <dgm:pt modelId="{3B2DCDAA-DBCC-4FEB-BCF4-ED247A1B7EB7}" type="sibTrans" cxnId="{760F2005-5D68-4B1E-BE3B-7ACE1545D565}">
-      <dgm:prSet/>
-      <dgm:spPr/>
-      <dgm:t>
-        <a:bodyPr/>
-        <a:lstStyle/>
-        <a:p>
-          <a:endParaRPr lang="ru-RU"/>
-        </a:p>
-      </dgm:t>
-    </dgm:pt>
-    <dgm:pt modelId="{AED4F812-677E-4E89-B8CE-F2C7F38AC0A6}" type="pres">
-      <dgm:prSet presAssocID="{CDB5BEA3-373E-4D4F-AA39-79969E9444C2}" presName="Name0" presStyleCnt="0">
-        <dgm:presLayoutVars>
-          <dgm:dir/>
-          <dgm:resizeHandles val="exact"/>
-        </dgm:presLayoutVars>
-      </dgm:prSet>
-      <dgm:spPr/>
-    </dgm:pt>
-    <dgm:pt modelId="{75282B76-4A1B-4043-A722-B53657DB0DAA}" type="pres">
-      <dgm:prSet presAssocID="{24DA3925-63AE-407D-8E66-6C4C642F9F63}" presName="parTxOnly" presStyleLbl="node1" presStyleIdx="0" presStyleCnt="2" custScaleX="99839" custLinFactNeighborX="-51" custLinFactNeighborY="-2381">
-        <dgm:presLayoutVars>
-          <dgm:bulletEnabled val="1"/>
-        </dgm:presLayoutVars>
-      </dgm:prSet>
-      <dgm:spPr/>
-    </dgm:pt>
-    <dgm:pt modelId="{DB9EC306-56F5-4825-A41F-F9876FC9E125}" type="pres">
-      <dgm:prSet presAssocID="{E0103FFF-3D73-4356-87EE-1E1A391833AA}" presName="parSpace" presStyleCnt="0"/>
-      <dgm:spPr/>
-    </dgm:pt>
-    <dgm:pt modelId="{9F5C6265-53CB-4DCC-8DA2-23A6A2126ABB}" type="pres">
-      <dgm:prSet presAssocID="{4A8396AD-A936-460D-A7D5-1DEBA706005D}" presName="parTxOnly" presStyleLbl="node1" presStyleIdx="1" presStyleCnt="2" custScaleX="20336">
-        <dgm:presLayoutVars>
-          <dgm:bulletEnabled val="1"/>
-        </dgm:presLayoutVars>
-      </dgm:prSet>
-      <dgm:spPr/>
-    </dgm:pt>
-  </dgm:ptLst>
-  <dgm:cxnLst>
-    <dgm:cxn modelId="{760F2005-5D68-4B1E-BE3B-7ACE1545D565}" srcId="{CDB5BEA3-373E-4D4F-AA39-79969E9444C2}" destId="{4A8396AD-A936-460D-A7D5-1DEBA706005D}" srcOrd="1" destOrd="0" parTransId="{E9EE92E9-D700-44D9-B60C-0C9C6EBFEB0E}" sibTransId="{3B2DCDAA-DBCC-4FEB-BCF4-ED247A1B7EB7}"/>
-    <dgm:cxn modelId="{A684EF17-3113-4648-AA4B-06DE953701ED}" type="presOf" srcId="{CDB5BEA3-373E-4D4F-AA39-79969E9444C2}" destId="{AED4F812-677E-4E89-B8CE-F2C7F38AC0A6}" srcOrd="0" destOrd="0" presId="urn:microsoft.com/office/officeart/2005/8/layout/hChevron3"/>
-    <dgm:cxn modelId="{91853C7C-A62A-45E1-9276-D1D47CA2476F}" srcId="{CDB5BEA3-373E-4D4F-AA39-79969E9444C2}" destId="{24DA3925-63AE-407D-8E66-6C4C642F9F63}" srcOrd="0" destOrd="0" parTransId="{DCC1E86C-1908-4B5E-B7C0-89BBBC92CE46}" sibTransId="{E0103FFF-3D73-4356-87EE-1E1A391833AA}"/>
-    <dgm:cxn modelId="{7723608C-0975-4C5A-B633-4E60F8F8307F}" type="presOf" srcId="{4A8396AD-A936-460D-A7D5-1DEBA706005D}" destId="{9F5C6265-53CB-4DCC-8DA2-23A6A2126ABB}" srcOrd="0" destOrd="0" presId="urn:microsoft.com/office/officeart/2005/8/layout/hChevron3"/>
-    <dgm:cxn modelId="{1F2A9FB8-14A5-476F-994A-3E416120E522}" type="presOf" srcId="{24DA3925-63AE-407D-8E66-6C4C642F9F63}" destId="{75282B76-4A1B-4043-A722-B53657DB0DAA}" srcOrd="0" destOrd="0" presId="urn:microsoft.com/office/officeart/2005/8/layout/hChevron3"/>
-    <dgm:cxn modelId="{5C51FB35-6427-4922-BAE8-0588912CB2F9}" type="presParOf" srcId="{AED4F812-677E-4E89-B8CE-F2C7F38AC0A6}" destId="{75282B76-4A1B-4043-A722-B53657DB0DAA}" srcOrd="0" destOrd="0" presId="urn:microsoft.com/office/officeart/2005/8/layout/hChevron3"/>
-    <dgm:cxn modelId="{93B0FF22-25BA-494C-8964-1770C03464FC}" type="presParOf" srcId="{AED4F812-677E-4E89-B8CE-F2C7F38AC0A6}" destId="{DB9EC306-56F5-4825-A41F-F9876FC9E125}" srcOrd="1" destOrd="0" presId="urn:microsoft.com/office/officeart/2005/8/layout/hChevron3"/>
-    <dgm:cxn modelId="{94272AE6-D0B0-44C4-B190-114BD7DCDDC5}" type="presParOf" srcId="{AED4F812-677E-4E89-B8CE-F2C7F38AC0A6}" destId="{9F5C6265-53CB-4DCC-8DA2-23A6A2126ABB}" srcOrd="2" destOrd="0" presId="urn:microsoft.com/office/officeart/2005/8/layout/hChevron3"/>
-  </dgm:cxnLst>
-  <dgm:bg/>
   <dgm:whole/>
   <dgm:extLst>
     <a:ext uri="http://schemas.microsoft.com/office/drawing/2008/diagram">
@@ -12025,8 +12025,8 @@
       </dsp:nvSpPr>
       <dsp:spPr>
         <a:xfrm>
-          <a:off x="1243" y="0"/>
-          <a:ext cx="11999313" cy="852406"/>
+          <a:off x="17" y="0"/>
+          <a:ext cx="11999313" cy="2133600"/>
         </a:xfrm>
         <a:prstGeom prst="homePlate">
           <a:avLst/>
@@ -12074,26 +12074,26 @@
             <a:buNone/>
           </a:pPr>
           <a:r>
-            <a:rPr lang="en-US" sz="3200" kern="1200" dirty="0">
-              <a:solidFill>
-                <a:schemeClr val="bg1"/>
-              </a:solidFill>
-            </a:rPr>
-            <a:t> </a:t>
-          </a:r>
-          <a:r>
             <a:rPr lang="ru-RU" sz="3200" kern="1200" dirty="0">
               <a:solidFill>
                 <a:schemeClr val="bg1"/>
               </a:solidFill>
             </a:rPr>
-            <a:t>Цели и задачи выпускной квалификационной работы</a:t>
+            <a:t>  </a:t>
+          </a:r>
+          <a:r>
+            <a:rPr lang="ru-RU" sz="5400" kern="1200" dirty="0">
+              <a:solidFill>
+                <a:schemeClr val="bg1"/>
+              </a:solidFill>
+            </a:rPr>
+            <a:t>Благодарю за внимание</a:t>
           </a:r>
         </a:p>
       </dsp:txBody>
       <dsp:txXfrm>
-        <a:off x="1243" y="0"/>
-        <a:ext cx="11786212" cy="852406"/>
+        <a:off x="17" y="0"/>
+        <a:ext cx="11465913" cy="2133600"/>
       </dsp:txXfrm>
     </dsp:sp>
     <dsp:sp modelId="{9F5C6265-53CB-4DCC-8DA2-23A6A2126ABB}">
@@ -12104,7 +12104,7 @@
       <dsp:spPr>
         <a:xfrm>
           <a:off x="9596824" y="0"/>
-          <a:ext cx="2444115" cy="852406"/>
+          <a:ext cx="2444115" cy="2133600"/>
         </a:xfrm>
         <a:prstGeom prst="chevron">
           <a:avLst/>
@@ -12134,12 +12134,12 @@
         </a:fontRef>
       </dsp:style>
       <dsp:txBody>
-        <a:bodyPr spcFirstLastPara="0" vert="horz" wrap="square" lIns="176022" tIns="117348" rIns="58674" bIns="117348" numCol="1" spcCol="1270" anchor="ctr" anchorCtr="0">
+        <a:bodyPr spcFirstLastPara="0" vert="horz" wrap="square" lIns="256032" tIns="170688" rIns="85344" bIns="170688" numCol="1" spcCol="1270" anchor="ctr" anchorCtr="0">
           <a:noAutofit/>
         </a:bodyPr>
         <a:lstStyle/>
         <a:p>
-          <a:pPr marL="0" lvl="0" indent="0" algn="ctr" defTabSz="1955800">
+          <a:pPr marL="0" lvl="0" indent="0" algn="ctr" defTabSz="2844800">
             <a:lnSpc>
               <a:spcPct val="90000"/>
             </a:lnSpc>
@@ -12152,14 +12152,14 @@
             <a:buNone/>
           </a:pPr>
           <a:r>
-            <a:rPr lang="ru-RU" sz="4400" kern="1200" dirty="0"/>
+            <a:rPr lang="ru-RU" sz="6400" kern="1200" dirty="0"/>
             <a:t> </a:t>
           </a:r>
         </a:p>
       </dsp:txBody>
       <dsp:txXfrm>
-        <a:off x="10023027" y="0"/>
-        <a:ext cx="1591709" cy="852406"/>
+        <a:off x="10663624" y="0"/>
+        <a:ext cx="310515" cy="2133600"/>
       </dsp:txXfrm>
     </dsp:sp>
   </dsp:spTree>
@@ -12649,6 +12649,162 @@
       </dsp:nvSpPr>
       <dsp:spPr>
         <a:xfrm>
+          <a:off x="1243" y="0"/>
+          <a:ext cx="11999313" cy="852406"/>
+        </a:xfrm>
+        <a:prstGeom prst="homePlate">
+          <a:avLst/>
+        </a:prstGeom>
+        <a:solidFill>
+          <a:srgbClr val="0A5283"/>
+        </a:solidFill>
+        <a:ln w="12700" cap="flat" cmpd="sng" algn="ctr">
+          <a:noFill/>
+          <a:prstDash val="solid"/>
+          <a:miter lim="800000"/>
+        </a:ln>
+        <a:effectLst/>
+      </dsp:spPr>
+      <dsp:style>
+        <a:lnRef idx="2">
+          <a:scrgbClr r="0" g="0" b="0"/>
+        </a:lnRef>
+        <a:fillRef idx="1">
+          <a:scrgbClr r="0" g="0" b="0"/>
+        </a:fillRef>
+        <a:effectRef idx="0">
+          <a:scrgbClr r="0" g="0" b="0"/>
+        </a:effectRef>
+        <a:fontRef idx="minor">
+          <a:schemeClr val="lt1"/>
+        </a:fontRef>
+      </dsp:style>
+      <dsp:txBody>
+        <a:bodyPr spcFirstLastPara="0" vert="horz" wrap="square" lIns="170688" tIns="85344" rIns="42672" bIns="85344" numCol="1" spcCol="1270" anchor="ctr" anchorCtr="0">
+          <a:noAutofit/>
+        </a:bodyPr>
+        <a:lstStyle/>
+        <a:p>
+          <a:pPr marL="0" lvl="0" indent="0" algn="l" defTabSz="1422400">
+            <a:lnSpc>
+              <a:spcPct val="90000"/>
+            </a:lnSpc>
+            <a:spcBef>
+              <a:spcPct val="0"/>
+            </a:spcBef>
+            <a:spcAft>
+              <a:spcPct val="35000"/>
+            </a:spcAft>
+            <a:buNone/>
+          </a:pPr>
+          <a:r>
+            <a:rPr lang="en-US" sz="3200" kern="1200" dirty="0">
+              <a:solidFill>
+                <a:schemeClr val="bg1"/>
+              </a:solidFill>
+            </a:rPr>
+            <a:t> </a:t>
+          </a:r>
+          <a:r>
+            <a:rPr lang="ru-RU" sz="3200" kern="1200" dirty="0">
+              <a:solidFill>
+                <a:schemeClr val="bg1"/>
+              </a:solidFill>
+            </a:rPr>
+            <a:t>Актуальность</a:t>
+          </a:r>
+        </a:p>
+      </dsp:txBody>
+      <dsp:txXfrm>
+        <a:off x="1243" y="0"/>
+        <a:ext cx="11786212" cy="852406"/>
+      </dsp:txXfrm>
+    </dsp:sp>
+    <dsp:sp modelId="{9F5C6265-53CB-4DCC-8DA2-23A6A2126ABB}">
+      <dsp:nvSpPr>
+        <dsp:cNvPr id="0" name=""/>
+        <dsp:cNvSpPr/>
+      </dsp:nvSpPr>
+      <dsp:spPr>
+        <a:xfrm>
+          <a:off x="9596824" y="0"/>
+          <a:ext cx="2444115" cy="852406"/>
+        </a:xfrm>
+        <a:prstGeom prst="chevron">
+          <a:avLst/>
+        </a:prstGeom>
+        <a:solidFill>
+          <a:srgbClr val="0A5283"/>
+        </a:solidFill>
+        <a:ln w="12700" cap="flat" cmpd="sng" algn="ctr">
+          <a:noFill/>
+          <a:prstDash val="solid"/>
+          <a:miter lim="800000"/>
+        </a:ln>
+        <a:effectLst/>
+      </dsp:spPr>
+      <dsp:style>
+        <a:lnRef idx="2">
+          <a:scrgbClr r="0" g="0" b="0"/>
+        </a:lnRef>
+        <a:fillRef idx="1">
+          <a:scrgbClr r="0" g="0" b="0"/>
+        </a:fillRef>
+        <a:effectRef idx="0">
+          <a:scrgbClr r="0" g="0" b="0"/>
+        </a:effectRef>
+        <a:fontRef idx="minor">
+          <a:schemeClr val="lt1"/>
+        </a:fontRef>
+      </dsp:style>
+      <dsp:txBody>
+        <a:bodyPr spcFirstLastPara="0" vert="horz" wrap="square" lIns="176022" tIns="117348" rIns="58674" bIns="117348" numCol="1" spcCol="1270" anchor="ctr" anchorCtr="0">
+          <a:noAutofit/>
+        </a:bodyPr>
+        <a:lstStyle/>
+        <a:p>
+          <a:pPr marL="0" lvl="0" indent="0" algn="ctr" defTabSz="1955800">
+            <a:lnSpc>
+              <a:spcPct val="90000"/>
+            </a:lnSpc>
+            <a:spcBef>
+              <a:spcPct val="0"/>
+            </a:spcBef>
+            <a:spcAft>
+              <a:spcPct val="35000"/>
+            </a:spcAft>
+            <a:buNone/>
+          </a:pPr>
+          <a:r>
+            <a:rPr lang="ru-RU" sz="4400" kern="1200" dirty="0"/>
+            <a:t> </a:t>
+          </a:r>
+        </a:p>
+      </dsp:txBody>
+      <dsp:txXfrm>
+        <a:off x="10023027" y="0"/>
+        <a:ext cx="1591709" cy="852406"/>
+      </dsp:txXfrm>
+    </dsp:sp>
+  </dsp:spTree>
+</dsp:drawing>
+</file>
+
+<file path=ppt/diagrams/drawing3.xml><?xml version="1.0" encoding="utf-8"?>
+<dsp:drawing xmlns:dgm="http://schemas.openxmlformats.org/drawingml/2006/diagram" xmlns:dsp="http://schemas.microsoft.com/office/drawing/2008/diagram" xmlns:a="http://schemas.openxmlformats.org/drawingml/2006/main">
+  <dsp:spTree>
+    <dsp:nvGrpSpPr>
+      <dsp:cNvPr id="0" name=""/>
+      <dsp:cNvGrpSpPr/>
+    </dsp:nvGrpSpPr>
+    <dsp:grpSpPr/>
+    <dsp:sp modelId="{75282B76-4A1B-4043-A722-B53657DB0DAA}">
+      <dsp:nvSpPr>
+        <dsp:cNvPr id="0" name=""/>
+        <dsp:cNvSpPr/>
+      </dsp:nvSpPr>
+      <dsp:spPr>
+        <a:xfrm>
           <a:off x="0" y="0"/>
           <a:ext cx="11999313" cy="852406"/>
         </a:xfrm>
@@ -12711,7 +12867,7 @@
                 <a:schemeClr val="bg1"/>
               </a:solidFill>
             </a:rPr>
-            <a:t>Реализуемый функционал</a:t>
+            <a:t>Реализованный функционал</a:t>
           </a:r>
         </a:p>
       </dsp:txBody>
@@ -12790,7 +12946,7 @@
 </dsp:drawing>
 </file>
 
-<file path=ppt/diagrams/drawing3.xml><?xml version="1.0" encoding="utf-8"?>
+<file path=ppt/diagrams/drawing4.xml><?xml version="1.0" encoding="utf-8"?>
 <dsp:drawing xmlns:dgm="http://schemas.openxmlformats.org/drawingml/2006/diagram" xmlns:dsp="http://schemas.microsoft.com/office/drawing/2008/diagram" xmlns:a="http://schemas.openxmlformats.org/drawingml/2006/main">
   <dsp:spTree>
     <dsp:nvGrpSpPr>
@@ -12938,7 +13094,7 @@
 </dsp:drawing>
 </file>
 
-<file path=ppt/diagrams/drawing4.xml><?xml version="1.0" encoding="utf-8"?>
+<file path=ppt/diagrams/drawing5.xml><?xml version="1.0" encoding="utf-8"?>
 <dsp:drawing xmlns:dgm="http://schemas.openxmlformats.org/drawingml/2006/diagram" xmlns:dsp="http://schemas.microsoft.com/office/drawing/2008/diagram" xmlns:a="http://schemas.openxmlformats.org/drawingml/2006/main">
   <dsp:spTree>
     <dsp:nvGrpSpPr>
@@ -13086,7 +13242,7 @@
 </dsp:drawing>
 </file>
 
-<file path=ppt/diagrams/drawing5.xml><?xml version="1.0" encoding="utf-8"?>
+<file path=ppt/diagrams/drawing6.xml><?xml version="1.0" encoding="utf-8"?>
 <dsp:drawing xmlns:dgm="http://schemas.openxmlformats.org/drawingml/2006/diagram" xmlns:dsp="http://schemas.microsoft.com/office/drawing/2008/diagram" xmlns:a="http://schemas.openxmlformats.org/drawingml/2006/main">
   <dsp:spTree>
     <dsp:nvGrpSpPr>
@@ -13247,7 +13403,7 @@
 </dsp:drawing>
 </file>
 
-<file path=ppt/diagrams/drawing6.xml><?xml version="1.0" encoding="utf-8"?>
+<file path=ppt/diagrams/drawing7.xml><?xml version="1.0" encoding="utf-8"?>
 <dsp:drawing xmlns:dgm="http://schemas.openxmlformats.org/drawingml/2006/diagram" xmlns:dsp="http://schemas.microsoft.com/office/drawing/2008/diagram" xmlns:a="http://schemas.openxmlformats.org/drawingml/2006/main">
   <dsp:spTree>
     <dsp:nvGrpSpPr>
@@ -13395,7 +13551,7 @@
 </dsp:drawing>
 </file>
 
-<file path=ppt/diagrams/drawing7.xml><?xml version="1.0" encoding="utf-8"?>
+<file path=ppt/diagrams/drawing8.xml><?xml version="1.0" encoding="utf-8"?>
 <dsp:drawing xmlns:dgm="http://schemas.openxmlformats.org/drawingml/2006/diagram" xmlns:dsp="http://schemas.microsoft.com/office/drawing/2008/diagram" xmlns:a="http://schemas.openxmlformats.org/drawingml/2006/main">
   <dsp:spTree>
     <dsp:nvGrpSpPr>
@@ -13543,7 +13699,7 @@
 </dsp:drawing>
 </file>
 
-<file path=ppt/diagrams/drawing8.xml><?xml version="1.0" encoding="utf-8"?>
+<file path=ppt/diagrams/drawing9.xml><?xml version="1.0" encoding="utf-8"?>
 <dsp:drawing xmlns:dgm="http://schemas.openxmlformats.org/drawingml/2006/diagram" xmlns:dsp="http://schemas.microsoft.com/office/drawing/2008/diagram" xmlns:a="http://schemas.openxmlformats.org/drawingml/2006/main">
   <dsp:spTree>
     <dsp:nvGrpSpPr>
@@ -13612,7 +13768,7 @@
                 <a:schemeClr val="bg1"/>
               </a:solidFill>
             </a:rPr>
-            <a:t>Интерфейс страницы с статистикой</a:t>
+            <a:t>Интерфейс страницы со статистикой</a:t>
           </a:r>
         </a:p>
       </dsp:txBody>
@@ -13685,162 +13841,6 @@
       <dsp:txXfrm>
         <a:off x="10023027" y="0"/>
         <a:ext cx="1591709" cy="852406"/>
-      </dsp:txXfrm>
-    </dsp:sp>
-  </dsp:spTree>
-</dsp:drawing>
-</file>
-
-<file path=ppt/diagrams/drawing9.xml><?xml version="1.0" encoding="utf-8"?>
-<dsp:drawing xmlns:dgm="http://schemas.openxmlformats.org/drawingml/2006/diagram" xmlns:dsp="http://schemas.microsoft.com/office/drawing/2008/diagram" xmlns:a="http://schemas.openxmlformats.org/drawingml/2006/main">
-  <dsp:spTree>
-    <dsp:nvGrpSpPr>
-      <dsp:cNvPr id="0" name=""/>
-      <dsp:cNvGrpSpPr/>
-    </dsp:nvGrpSpPr>
-    <dsp:grpSpPr/>
-    <dsp:sp modelId="{75282B76-4A1B-4043-A722-B53657DB0DAA}">
-      <dsp:nvSpPr>
-        <dsp:cNvPr id="0" name=""/>
-        <dsp:cNvSpPr/>
-      </dsp:nvSpPr>
-      <dsp:spPr>
-        <a:xfrm>
-          <a:off x="17" y="0"/>
-          <a:ext cx="11999313" cy="2133600"/>
-        </a:xfrm>
-        <a:prstGeom prst="homePlate">
-          <a:avLst/>
-        </a:prstGeom>
-        <a:solidFill>
-          <a:srgbClr val="0A5283"/>
-        </a:solidFill>
-        <a:ln w="12700" cap="flat" cmpd="sng" algn="ctr">
-          <a:noFill/>
-          <a:prstDash val="solid"/>
-          <a:miter lim="800000"/>
-        </a:ln>
-        <a:effectLst/>
-      </dsp:spPr>
-      <dsp:style>
-        <a:lnRef idx="2">
-          <a:scrgbClr r="0" g="0" b="0"/>
-        </a:lnRef>
-        <a:fillRef idx="1">
-          <a:scrgbClr r="0" g="0" b="0"/>
-        </a:fillRef>
-        <a:effectRef idx="0">
-          <a:scrgbClr r="0" g="0" b="0"/>
-        </a:effectRef>
-        <a:fontRef idx="minor">
-          <a:schemeClr val="lt1"/>
-        </a:fontRef>
-      </dsp:style>
-      <dsp:txBody>
-        <a:bodyPr spcFirstLastPara="0" vert="horz" wrap="square" lIns="170688" tIns="85344" rIns="42672" bIns="85344" numCol="1" spcCol="1270" anchor="ctr" anchorCtr="0">
-          <a:noAutofit/>
-        </a:bodyPr>
-        <a:lstStyle/>
-        <a:p>
-          <a:pPr marL="0" lvl="0" indent="0" algn="l" defTabSz="1422400">
-            <a:lnSpc>
-              <a:spcPct val="90000"/>
-            </a:lnSpc>
-            <a:spcBef>
-              <a:spcPct val="0"/>
-            </a:spcBef>
-            <a:spcAft>
-              <a:spcPct val="35000"/>
-            </a:spcAft>
-            <a:buNone/>
-          </a:pPr>
-          <a:r>
-            <a:rPr lang="ru-RU" sz="3200" kern="1200" dirty="0">
-              <a:solidFill>
-                <a:schemeClr val="bg1"/>
-              </a:solidFill>
-            </a:rPr>
-            <a:t>  </a:t>
-          </a:r>
-          <a:r>
-            <a:rPr lang="ru-RU" sz="5400" kern="1200" dirty="0">
-              <a:solidFill>
-                <a:schemeClr val="bg1"/>
-              </a:solidFill>
-            </a:rPr>
-            <a:t>Благодарю за внимание</a:t>
-          </a:r>
-        </a:p>
-      </dsp:txBody>
-      <dsp:txXfrm>
-        <a:off x="17" y="0"/>
-        <a:ext cx="11465913" cy="2133600"/>
-      </dsp:txXfrm>
-    </dsp:sp>
-    <dsp:sp modelId="{9F5C6265-53CB-4DCC-8DA2-23A6A2126ABB}">
-      <dsp:nvSpPr>
-        <dsp:cNvPr id="0" name=""/>
-        <dsp:cNvSpPr/>
-      </dsp:nvSpPr>
-      <dsp:spPr>
-        <a:xfrm>
-          <a:off x="9596824" y="0"/>
-          <a:ext cx="2444115" cy="2133600"/>
-        </a:xfrm>
-        <a:prstGeom prst="chevron">
-          <a:avLst/>
-        </a:prstGeom>
-        <a:solidFill>
-          <a:srgbClr val="0A5283"/>
-        </a:solidFill>
-        <a:ln w="12700" cap="flat" cmpd="sng" algn="ctr">
-          <a:noFill/>
-          <a:prstDash val="solid"/>
-          <a:miter lim="800000"/>
-        </a:ln>
-        <a:effectLst/>
-      </dsp:spPr>
-      <dsp:style>
-        <a:lnRef idx="2">
-          <a:scrgbClr r="0" g="0" b="0"/>
-        </a:lnRef>
-        <a:fillRef idx="1">
-          <a:scrgbClr r="0" g="0" b="0"/>
-        </a:fillRef>
-        <a:effectRef idx="0">
-          <a:scrgbClr r="0" g="0" b="0"/>
-        </a:effectRef>
-        <a:fontRef idx="minor">
-          <a:schemeClr val="lt1"/>
-        </a:fontRef>
-      </dsp:style>
-      <dsp:txBody>
-        <a:bodyPr spcFirstLastPara="0" vert="horz" wrap="square" lIns="256032" tIns="170688" rIns="85344" bIns="170688" numCol="1" spcCol="1270" anchor="ctr" anchorCtr="0">
-          <a:noAutofit/>
-        </a:bodyPr>
-        <a:lstStyle/>
-        <a:p>
-          <a:pPr marL="0" lvl="0" indent="0" algn="ctr" defTabSz="2844800">
-            <a:lnSpc>
-              <a:spcPct val="90000"/>
-            </a:lnSpc>
-            <a:spcBef>
-              <a:spcPct val="0"/>
-            </a:spcBef>
-            <a:spcAft>
-              <a:spcPct val="35000"/>
-            </a:spcAft>
-            <a:buNone/>
-          </a:pPr>
-          <a:r>
-            <a:rPr lang="ru-RU" sz="6400" kern="1200" dirty="0"/>
-            <a:t> </a:t>
-          </a:r>
-        </a:p>
-      </dsp:txBody>
-      <dsp:txXfrm>
-        <a:off x="10663624" y="0"/>
-        <a:ext cx="310515" cy="2133600"/>
       </dsp:txXfrm>
     </dsp:sp>
   </dsp:spTree>
@@ -30954,7 +30954,7 @@
           <a:p>
             <a:fld id="{52056610-B2B8-4C80-B377-E3C2418411DD}" type="datetimeFigureOut">
               <a:rPr lang="ru-RU" smtClean="0"/>
-              <a:t>02.06.2022</a:t>
+              <a:t>03.06.2022</a:t>
             </a:fld>
             <a:endParaRPr lang="ru-RU"/>
           </a:p>
@@ -31122,7 +31122,7 @@
           <a:p>
             <a:fld id="{52056610-B2B8-4C80-B377-E3C2418411DD}" type="datetimeFigureOut">
               <a:rPr lang="ru-RU" smtClean="0"/>
-              <a:t>02.06.2022</a:t>
+              <a:t>03.06.2022</a:t>
             </a:fld>
             <a:endParaRPr lang="ru-RU"/>
           </a:p>
@@ -31300,7 +31300,7 @@
           <a:p>
             <a:fld id="{52056610-B2B8-4C80-B377-E3C2418411DD}" type="datetimeFigureOut">
               <a:rPr lang="ru-RU" smtClean="0"/>
-              <a:t>02.06.2022</a:t>
+              <a:t>03.06.2022</a:t>
             </a:fld>
             <a:endParaRPr lang="ru-RU"/>
           </a:p>
@@ -31468,7 +31468,7 @@
           <a:p>
             <a:fld id="{52056610-B2B8-4C80-B377-E3C2418411DD}" type="datetimeFigureOut">
               <a:rPr lang="ru-RU" smtClean="0"/>
-              <a:t>02.06.2022</a:t>
+              <a:t>03.06.2022</a:t>
             </a:fld>
             <a:endParaRPr lang="ru-RU"/>
           </a:p>
@@ -31713,7 +31713,7 @@
           <a:p>
             <a:fld id="{52056610-B2B8-4C80-B377-E3C2418411DD}" type="datetimeFigureOut">
               <a:rPr lang="ru-RU" smtClean="0"/>
-              <a:t>02.06.2022</a:t>
+              <a:t>03.06.2022</a:t>
             </a:fld>
             <a:endParaRPr lang="ru-RU"/>
           </a:p>
@@ -31942,7 +31942,7 @@
           <a:p>
             <a:fld id="{52056610-B2B8-4C80-B377-E3C2418411DD}" type="datetimeFigureOut">
               <a:rPr lang="ru-RU" smtClean="0"/>
-              <a:t>02.06.2022</a:t>
+              <a:t>03.06.2022</a:t>
             </a:fld>
             <a:endParaRPr lang="ru-RU"/>
           </a:p>
@@ -32306,7 +32306,7 @@
           <a:p>
             <a:fld id="{52056610-B2B8-4C80-B377-E3C2418411DD}" type="datetimeFigureOut">
               <a:rPr lang="ru-RU" smtClean="0"/>
-              <a:t>02.06.2022</a:t>
+              <a:t>03.06.2022</a:t>
             </a:fld>
             <a:endParaRPr lang="ru-RU"/>
           </a:p>
@@ -32423,7 +32423,7 @@
           <a:p>
             <a:fld id="{52056610-B2B8-4C80-B377-E3C2418411DD}" type="datetimeFigureOut">
               <a:rPr lang="ru-RU" smtClean="0"/>
-              <a:t>02.06.2022</a:t>
+              <a:t>03.06.2022</a:t>
             </a:fld>
             <a:endParaRPr lang="ru-RU"/>
           </a:p>
@@ -32518,7 +32518,7 @@
           <a:p>
             <a:fld id="{52056610-B2B8-4C80-B377-E3C2418411DD}" type="datetimeFigureOut">
               <a:rPr lang="ru-RU" smtClean="0"/>
-              <a:t>02.06.2022</a:t>
+              <a:t>03.06.2022</a:t>
             </a:fld>
             <a:endParaRPr lang="ru-RU"/>
           </a:p>
@@ -32793,7 +32793,7 @@
           <a:p>
             <a:fld id="{52056610-B2B8-4C80-B377-E3C2418411DD}" type="datetimeFigureOut">
               <a:rPr lang="ru-RU" smtClean="0"/>
-              <a:t>02.06.2022</a:t>
+              <a:t>03.06.2022</a:t>
             </a:fld>
             <a:endParaRPr lang="ru-RU"/>
           </a:p>
@@ -33045,7 +33045,7 @@
           <a:p>
             <a:fld id="{52056610-B2B8-4C80-B377-E3C2418411DD}" type="datetimeFigureOut">
               <a:rPr lang="ru-RU" smtClean="0"/>
-              <a:t>02.06.2022</a:t>
+              <a:t>03.06.2022</a:t>
             </a:fld>
             <a:endParaRPr lang="ru-RU"/>
           </a:p>
@@ -33259,7 +33259,7 @@
           <a:p>
             <a:fld id="{52056610-B2B8-4C80-B377-E3C2418411DD}" type="datetimeFigureOut">
               <a:rPr lang="ru-RU" smtClean="0"/>
-              <a:t>02.06.2022</a:t>
+              <a:t>03.06.2022</a:t>
             </a:fld>
             <a:endParaRPr lang="ru-RU"/>
           </a:p>
@@ -34037,56 +34037,10 @@
           <p:nvPr>
             <p:extLst>
               <p:ext uri="{D42A27DB-BD31-4B8C-83A1-F6EECF244321}">
-                <p14:modId xmlns:p14="http://schemas.microsoft.com/office/powerpoint/2010/main" val="2976356286"/>
+                <p14:modId xmlns:p14="http://schemas.microsoft.com/office/powerpoint/2010/main" val="1288513709"/>
               </p:ext>
             </p:extLst>
           </p:nvPr>
-        </p:nvGraphicFramePr>
-        <p:xfrm>
-          <a:off x="0" y="1998133"/>
-          <a:ext cx="12042183" cy="2133600"/>
-        </p:xfrm>
-        <a:graphic>
-          <a:graphicData uri="http://schemas.openxmlformats.org/drawingml/2006/diagram">
-            <dgm:relIds xmlns:dgm="http://schemas.openxmlformats.org/drawingml/2006/diagram" xmlns:r="http://schemas.openxmlformats.org/officeDocument/2006/relationships" r:dm="rId2" r:lo="rId3" r:qs="rId4" r:cs="rId5"/>
-          </a:graphicData>
-        </a:graphic>
-      </p:graphicFrame>
-    </p:spTree>
-    <p:extLst>
-      <p:ext uri="{BB962C8B-B14F-4D97-AF65-F5344CB8AC3E}">
-        <p14:creationId xmlns:p14="http://schemas.microsoft.com/office/powerpoint/2010/main" val="1927179598"/>
-      </p:ext>
-    </p:extLst>
-  </p:cSld>
-  <p:clrMapOvr>
-    <a:masterClrMapping/>
-  </p:clrMapOvr>
-</p:sld>
-</file>
-
-<file path=ppt/slides/slide11.xml><?xml version="1.0" encoding="utf-8"?>
-<p:sld xmlns:a="http://schemas.openxmlformats.org/drawingml/2006/main" xmlns:r="http://schemas.openxmlformats.org/officeDocument/2006/relationships" xmlns:p="http://schemas.openxmlformats.org/presentationml/2006/main">
-  <p:cSld>
-    <p:spTree>
-      <p:nvGrpSpPr>
-        <p:cNvPr id="1" name=""/>
-        <p:cNvGrpSpPr/>
-        <p:nvPr/>
-      </p:nvGrpSpPr>
-      <p:grpSpPr>
-        <a:xfrm>
-          <a:off x="0" y="0"/>
-          <a:ext cx="0" cy="0"/>
-          <a:chOff x="0" y="0"/>
-          <a:chExt cx="0" cy="0"/>
-        </a:xfrm>
-      </p:grpSpPr>
-      <p:graphicFrame>
-        <p:nvGraphicFramePr>
-          <p:cNvPr id="3" name="Схема 2"/>
-          <p:cNvGraphicFramePr/>
-          <p:nvPr/>
         </p:nvGraphicFramePr>
         <p:xfrm>
           <a:off x="0" y="278971"/>
@@ -34098,6 +34052,36 @@
           </a:graphicData>
         </a:graphic>
       </p:graphicFrame>
+      <p:pic>
+        <p:nvPicPr>
+          <p:cNvPr id="7" name="Рисунок 6">
+            <a:extLst>
+              <a:ext uri="{FF2B5EF4-FFF2-40B4-BE49-F238E27FC236}">
+                <a16:creationId xmlns:a16="http://schemas.microsoft.com/office/drawing/2014/main" id="{4F7893A6-CEED-444A-BA27-94C8B2C893E7}"/>
+              </a:ext>
+            </a:extLst>
+          </p:cNvPr>
+          <p:cNvPicPr>
+            <a:picLocks noChangeAspect="1"/>
+          </p:cNvPicPr>
+          <p:nvPr/>
+        </p:nvPicPr>
+        <p:blipFill>
+          <a:blip r:embed="rId7"/>
+          <a:stretch>
+            <a:fillRect/>
+          </a:stretch>
+        </p:blipFill>
+        <p:spPr>
+          <a:xfrm>
+            <a:off x="1301021" y="1195754"/>
+            <a:ext cx="9730629" cy="5169877"/>
+          </a:xfrm>
+          <a:prstGeom prst="rect">
+            <a:avLst/>
+          </a:prstGeom>
+        </p:spPr>
+      </p:pic>
       <p:sp>
         <p:nvSpPr>
           <p:cNvPr id="6" name="Ромб 5">
@@ -34148,7 +34132,7 @@
           <a:lstStyle/>
           <a:p>
             <a:pPr algn="ctr"/>
-            <a:fld id="{4CA81A90-6A60-466E-9097-5C38437CF175}" type="slidenum">
+            <a:fld id="{A6D1B3F1-17AF-4102-9E04-22120E208F39}" type="slidenum">
               <a:rPr lang="ru-RU" sz="3200" b="1" dirty="0">
                 <a:solidFill>
                   <a:schemeClr val="bg1"/>
@@ -34163,7 +34147,7 @@
                 <a:latin typeface="Times New Roman" panose="02020603050405020304" pitchFamily="18" charset="0"/>
                 <a:cs typeface="Times New Roman" panose="02020603050405020304" pitchFamily="18" charset="0"/>
               </a:rPr>
-              <a:t>11</a:t>
+              <a:t>10</a:t>
             </a:fld>
             <a:endParaRPr lang="ru-RU" sz="3200" b="1" dirty="0">
               <a:solidFill>
@@ -34185,7 +34169,59 @@
     </p:spTree>
     <p:extLst>
       <p:ext uri="{BB962C8B-B14F-4D97-AF65-F5344CB8AC3E}">
-        <p14:creationId xmlns:p14="http://schemas.microsoft.com/office/powerpoint/2010/main" val="3258511759"/>
+        <p14:creationId xmlns:p14="http://schemas.microsoft.com/office/powerpoint/2010/main" val="2158044742"/>
+      </p:ext>
+    </p:extLst>
+  </p:cSld>
+  <p:clrMapOvr>
+    <a:masterClrMapping/>
+  </p:clrMapOvr>
+</p:sld>
+</file>
+
+<file path=ppt/slides/slide11.xml><?xml version="1.0" encoding="utf-8"?>
+<p:sld xmlns:a="http://schemas.openxmlformats.org/drawingml/2006/main" xmlns:r="http://schemas.openxmlformats.org/officeDocument/2006/relationships" xmlns:p="http://schemas.openxmlformats.org/presentationml/2006/main">
+  <p:cSld>
+    <p:spTree>
+      <p:nvGrpSpPr>
+        <p:cNvPr id="1" name=""/>
+        <p:cNvGrpSpPr/>
+        <p:nvPr/>
+      </p:nvGrpSpPr>
+      <p:grpSpPr>
+        <a:xfrm>
+          <a:off x="0" y="0"/>
+          <a:ext cx="0" cy="0"/>
+          <a:chOff x="0" y="0"/>
+          <a:chExt cx="0" cy="0"/>
+        </a:xfrm>
+      </p:grpSpPr>
+      <p:graphicFrame>
+        <p:nvGraphicFramePr>
+          <p:cNvPr id="3" name="Схема 2"/>
+          <p:cNvGraphicFramePr/>
+          <p:nvPr>
+            <p:extLst>
+              <p:ext uri="{D42A27DB-BD31-4B8C-83A1-F6EECF244321}">
+                <p14:modId xmlns:p14="http://schemas.microsoft.com/office/powerpoint/2010/main" val="2976356286"/>
+              </p:ext>
+            </p:extLst>
+          </p:nvPr>
+        </p:nvGraphicFramePr>
+        <p:xfrm>
+          <a:off x="0" y="1998133"/>
+          <a:ext cx="12042183" cy="2133600"/>
+        </p:xfrm>
+        <a:graphic>
+          <a:graphicData uri="http://schemas.openxmlformats.org/drawingml/2006/diagram">
+            <dgm:relIds xmlns:dgm="http://schemas.openxmlformats.org/drawingml/2006/diagram" xmlns:r="http://schemas.openxmlformats.org/officeDocument/2006/relationships" r:dm="rId2" r:lo="rId3" r:qs="rId4" r:cs="rId5"/>
+          </a:graphicData>
+        </a:graphic>
+      </p:graphicFrame>
+    </p:spTree>
+    <p:extLst>
+      <p:ext uri="{BB962C8B-B14F-4D97-AF65-F5344CB8AC3E}">
+        <p14:creationId xmlns:p14="http://schemas.microsoft.com/office/powerpoint/2010/main" val="1927179598"/>
       </p:ext>
     </p:extLst>
   </p:cSld>
@@ -34988,7 +35024,143 @@
           <p:nvPr>
             <p:extLst>
               <p:ext uri="{D42A27DB-BD31-4B8C-83A1-F6EECF244321}">
-                <p14:modId xmlns:p14="http://schemas.microsoft.com/office/powerpoint/2010/main" val="3864572374"/>
+                <p14:modId xmlns:p14="http://schemas.microsoft.com/office/powerpoint/2010/main" val="1636538255"/>
+              </p:ext>
+            </p:extLst>
+          </p:nvPr>
+        </p:nvGraphicFramePr>
+        <p:xfrm>
+          <a:off x="0" y="278971"/>
+          <a:ext cx="12042183" cy="852406"/>
+        </p:xfrm>
+        <a:graphic>
+          <a:graphicData uri="http://schemas.openxmlformats.org/drawingml/2006/diagram">
+            <dgm:relIds xmlns:dgm="http://schemas.openxmlformats.org/drawingml/2006/diagram" xmlns:r="http://schemas.openxmlformats.org/officeDocument/2006/relationships" r:dm="rId2" r:lo="rId3" r:qs="rId4" r:cs="rId5"/>
+          </a:graphicData>
+        </a:graphic>
+      </p:graphicFrame>
+      <p:sp>
+        <p:nvSpPr>
+          <p:cNvPr id="6" name="Ромб 5">
+            <a:extLst>
+              <a:ext uri="{FF2B5EF4-FFF2-40B4-BE49-F238E27FC236}">
+                <a16:creationId xmlns:a16="http://schemas.microsoft.com/office/drawing/2014/main" id="{AFA48F3F-E9C2-4CED-8ED0-C1C13197BA94}"/>
+              </a:ext>
+            </a:extLst>
+          </p:cNvPr>
+          <p:cNvSpPr/>
+          <p:nvPr/>
+        </p:nvSpPr>
+        <p:spPr>
+          <a:xfrm>
+            <a:off x="227892" y="5542187"/>
+            <a:ext cx="1193368" cy="1134463"/>
+          </a:xfrm>
+          <a:prstGeom prst="diamond">
+            <a:avLst/>
+          </a:prstGeom>
+          <a:solidFill>
+            <a:srgbClr val="0A5283"/>
+          </a:solidFill>
+          <a:ln>
+            <a:solidFill>
+              <a:srgbClr val="5D0286"/>
+            </a:solidFill>
+          </a:ln>
+        </p:spPr>
+        <p:style>
+          <a:lnRef idx="2">
+            <a:schemeClr val="accent1">
+              <a:shade val="50000"/>
+            </a:schemeClr>
+          </a:lnRef>
+          <a:fillRef idx="1">
+            <a:schemeClr val="accent1"/>
+          </a:fillRef>
+          <a:effectRef idx="0">
+            <a:schemeClr val="accent1"/>
+          </a:effectRef>
+          <a:fontRef idx="minor">
+            <a:schemeClr val="lt1"/>
+          </a:fontRef>
+        </p:style>
+        <p:txBody>
+          <a:bodyPr rtlCol="0" anchor="ctr"/>
+          <a:lstStyle/>
+          <a:p>
+            <a:pPr algn="ctr"/>
+            <a:fld id="{4CA81A90-6A60-466E-9097-5C38437CF175}" type="slidenum">
+              <a:rPr lang="ru-RU" sz="3200" b="1" dirty="0">
+                <a:solidFill>
+                  <a:schemeClr val="bg1"/>
+                </a:solidFill>
+                <a:effectLst>
+                  <a:outerShdw blurRad="38100" dist="38100" dir="2700000" algn="tl">
+                    <a:srgbClr val="000000">
+                      <a:alpha val="43137"/>
+                    </a:srgbClr>
+                  </a:outerShdw>
+                </a:effectLst>
+                <a:latin typeface="Times New Roman" panose="02020603050405020304" pitchFamily="18" charset="0"/>
+                <a:cs typeface="Times New Roman" panose="02020603050405020304" pitchFamily="18" charset="0"/>
+              </a:rPr>
+              <a:t>3</a:t>
+            </a:fld>
+            <a:endParaRPr lang="ru-RU" sz="3200" b="1" dirty="0">
+              <a:solidFill>
+                <a:schemeClr val="bg1"/>
+              </a:solidFill>
+              <a:effectLst>
+                <a:outerShdw blurRad="38100" dist="38100" dir="2700000" algn="tl">
+                  <a:srgbClr val="000000">
+                    <a:alpha val="43137"/>
+                  </a:srgbClr>
+                </a:outerShdw>
+              </a:effectLst>
+              <a:latin typeface="Times New Roman" panose="02020603050405020304" pitchFamily="18" charset="0"/>
+              <a:cs typeface="Times New Roman" panose="02020603050405020304" pitchFamily="18" charset="0"/>
+            </a:endParaRPr>
+          </a:p>
+        </p:txBody>
+      </p:sp>
+    </p:spTree>
+    <p:extLst>
+      <p:ext uri="{BB962C8B-B14F-4D97-AF65-F5344CB8AC3E}">
+        <p14:creationId xmlns:p14="http://schemas.microsoft.com/office/powerpoint/2010/main" val="3258511759"/>
+      </p:ext>
+    </p:extLst>
+  </p:cSld>
+  <p:clrMapOvr>
+    <a:masterClrMapping/>
+  </p:clrMapOvr>
+</p:sld>
+</file>
+
+<file path=ppt/slides/slide4.xml><?xml version="1.0" encoding="utf-8"?>
+<p:sld xmlns:a="http://schemas.openxmlformats.org/drawingml/2006/main" xmlns:r="http://schemas.openxmlformats.org/officeDocument/2006/relationships" xmlns:p="http://schemas.openxmlformats.org/presentationml/2006/main">
+  <p:cSld>
+    <p:spTree>
+      <p:nvGrpSpPr>
+        <p:cNvPr id="1" name=""/>
+        <p:cNvGrpSpPr/>
+        <p:nvPr/>
+      </p:nvGrpSpPr>
+      <p:grpSpPr>
+        <a:xfrm>
+          <a:off x="0" y="0"/>
+          <a:ext cx="0" cy="0"/>
+          <a:chOff x="0" y="0"/>
+          <a:chExt cx="0" cy="0"/>
+        </a:xfrm>
+      </p:grpSpPr>
+      <p:graphicFrame>
+        <p:nvGraphicFramePr>
+          <p:cNvPr id="3" name="Схема 2"/>
+          <p:cNvGraphicFramePr/>
+          <p:nvPr>
+            <p:extLst>
+              <p:ext uri="{D42A27DB-BD31-4B8C-83A1-F6EECF244321}">
+                <p14:modId xmlns:p14="http://schemas.microsoft.com/office/powerpoint/2010/main" val="1833760787"/>
               </p:ext>
             </p:extLst>
           </p:nvPr>
@@ -35098,7 +35270,7 @@
                 <a:latin typeface="Times New Roman" panose="02020603050405020304" pitchFamily="18" charset="0"/>
                 <a:cs typeface="Times New Roman" panose="02020603050405020304" pitchFamily="18" charset="0"/>
               </a:rPr>
-              <a:t>3</a:t>
+              <a:t>4</a:t>
             </a:fld>
             <a:endParaRPr lang="ru-RU" sz="3200" b="1" dirty="0">
               <a:solidFill>
@@ -35130,7 +35302,7 @@
 </p:sld>
 </file>
 
-<file path=ppt/slides/slide4.xml><?xml version="1.0" encoding="utf-8"?>
+<file path=ppt/slides/slide5.xml><?xml version="1.0" encoding="utf-8"?>
 <p:sld xmlns:a="http://schemas.openxmlformats.org/drawingml/2006/main" xmlns:r="http://schemas.openxmlformats.org/officeDocument/2006/relationships" xmlns:p="http://schemas.openxmlformats.org/presentationml/2006/main">
   <p:cSld>
     <p:spTree>
@@ -35234,7 +35406,7 @@
                 <a:latin typeface="Times New Roman" panose="02020603050405020304" pitchFamily="18" charset="0"/>
                 <a:cs typeface="Times New Roman" panose="02020603050405020304" pitchFamily="18" charset="0"/>
               </a:rPr>
-              <a:t>4</a:t>
+              <a:t>5</a:t>
             </a:fld>
             <a:endParaRPr lang="ru-RU" sz="3200" b="1" dirty="0">
               <a:solidFill>
@@ -35296,7 +35468,7 @@
 </p:sld>
 </file>
 
-<file path=ppt/slides/slide5.xml><?xml version="1.0" encoding="utf-8"?>
+<file path=ppt/slides/slide6.xml><?xml version="1.0" encoding="utf-8"?>
 <p:sld xmlns:a="http://schemas.openxmlformats.org/drawingml/2006/main" xmlns:r="http://schemas.openxmlformats.org/officeDocument/2006/relationships" xmlns:p="http://schemas.openxmlformats.org/presentationml/2006/main">
   <p:cSld>
     <p:spTree>
@@ -35400,7 +35572,7 @@
                 <a:latin typeface="Times New Roman" panose="02020603050405020304" pitchFamily="18" charset="0"/>
                 <a:cs typeface="Times New Roman" panose="02020603050405020304" pitchFamily="18" charset="0"/>
               </a:rPr>
-              <a:t>5</a:t>
+              <a:t>6</a:t>
             </a:fld>
             <a:endParaRPr lang="ru-RU" sz="3200" b="1" dirty="0">
               <a:solidFill>
@@ -35448,7 +35620,7 @@
         </p:blipFill>
         <p:spPr bwMode="auto">
           <a:xfrm>
-            <a:off x="254948" y="1312700"/>
+            <a:off x="10209830" y="3257214"/>
             <a:ext cx="1387638" cy="1387638"/>
           </a:xfrm>
           <a:prstGeom prst="rect">
@@ -35494,7 +35666,7 @@
         </p:blipFill>
         <p:spPr>
           <a:xfrm>
-            <a:off x="485802" y="2906938"/>
+            <a:off x="7707826" y="4895129"/>
             <a:ext cx="1694690" cy="1474910"/>
           </a:xfrm>
           <a:prstGeom prst="rect">
@@ -35566,7 +35738,7 @@
         </p:blipFill>
         <p:spPr>
           <a:xfrm>
-            <a:off x="10541977" y="3155344"/>
+            <a:off x="10080582" y="5121327"/>
             <a:ext cx="1399034" cy="1555323"/>
           </a:xfrm>
           <a:prstGeom prst="rect">
@@ -35588,8 +35760,8 @@
         </p:nvSpPr>
         <p:spPr>
           <a:xfrm>
-            <a:off x="2180492" y="1337977"/>
-            <a:ext cx="7552593" cy="4862870"/>
+            <a:off x="1295426" y="1958815"/>
+            <a:ext cx="7552593" cy="2462213"/>
           </a:xfrm>
           <a:prstGeom prst="rect">
             <a:avLst/>
@@ -35637,52 +35809,6 @@
             <a:endParaRPr lang="ru-RU" sz="2600" dirty="0"/>
           </a:p>
           <a:p>
-            <a:r>
-              <a:rPr lang="ru-RU" sz="2600" dirty="0"/>
-              <a:t>Их преимущества:</a:t>
-            </a:r>
-          </a:p>
-          <a:p>
-            <a:pPr marL="342900" indent="-342900">
-              <a:buFont typeface="Wingdings" panose="05000000000000000000" pitchFamily="2" charset="2"/>
-              <a:buChar char="ü"/>
-            </a:pPr>
-            <a:r>
-              <a:rPr lang="ru-RU" sz="2600" dirty="0"/>
-              <a:t>оптимальная скорость работы приложений;</a:t>
-            </a:r>
-          </a:p>
-          <a:p>
-            <a:pPr marL="342900" indent="-342900">
-              <a:buFont typeface="Wingdings" panose="05000000000000000000" pitchFamily="2" charset="2"/>
-              <a:buChar char="ü"/>
-            </a:pPr>
-            <a:r>
-              <a:rPr lang="ru-RU" sz="2600" dirty="0"/>
-              <a:t>возможность совместного и повторного использования;</a:t>
-            </a:r>
-          </a:p>
-          <a:p>
-            <a:pPr marL="342900" indent="-342900">
-              <a:buFont typeface="Wingdings" panose="05000000000000000000" pitchFamily="2" charset="2"/>
-              <a:buChar char="ü"/>
-            </a:pPr>
-            <a:r>
-              <a:rPr lang="ru-RU" sz="2600" dirty="0"/>
-              <a:t>огромное количество бесплатных инструментов;</a:t>
-            </a:r>
-          </a:p>
-          <a:p>
-            <a:pPr marL="342900" indent="-342900">
-              <a:buFont typeface="Wingdings" panose="05000000000000000000" pitchFamily="2" charset="2"/>
-              <a:buChar char="ü"/>
-            </a:pPr>
-            <a:r>
-              <a:rPr lang="ru-RU" sz="2600" dirty="0"/>
-              <a:t>кроссплатформенность.</a:t>
-            </a:r>
-          </a:p>
-          <a:p>
             <a:pPr marL="342900" indent="-342900">
               <a:buFont typeface="Wingdings" panose="05000000000000000000" pitchFamily="2" charset="2"/>
               <a:buChar char="ü"/>
@@ -35704,7 +35830,7 @@
 </p:sld>
 </file>
 
-<file path=ppt/slides/slide6.xml><?xml version="1.0" encoding="utf-8"?>
+<file path=ppt/slides/slide7.xml><?xml version="1.0" encoding="utf-8"?>
 <p:sld xmlns:a="http://schemas.openxmlformats.org/drawingml/2006/main" xmlns:r="http://schemas.openxmlformats.org/officeDocument/2006/relationships" xmlns:p="http://schemas.openxmlformats.org/presentationml/2006/main">
   <p:cSld>
     <p:spTree>
@@ -35808,7 +35934,7 @@
                 <a:latin typeface="Times New Roman" panose="02020603050405020304" pitchFamily="18" charset="0"/>
                 <a:cs typeface="Times New Roman" panose="02020603050405020304" pitchFamily="18" charset="0"/>
               </a:rPr>
-              <a:t>6</a:t>
+              <a:t>7</a:t>
             </a:fld>
             <a:endParaRPr lang="ru-RU" sz="3200" b="1" dirty="0">
               <a:solidFill>
@@ -35870,7 +35996,7 @@
 </p:sld>
 </file>
 
-<file path=ppt/slides/slide7.xml><?xml version="1.0" encoding="utf-8"?>
+<file path=ppt/slides/slide8.xml><?xml version="1.0" encoding="utf-8"?>
 <p:sld xmlns:a="http://schemas.openxmlformats.org/drawingml/2006/main" xmlns:r="http://schemas.openxmlformats.org/officeDocument/2006/relationships" xmlns:p="http://schemas.openxmlformats.org/presentationml/2006/main">
   <p:cSld>
     <p:spTree>
@@ -35974,7 +36100,7 @@
                 <a:latin typeface="Times New Roman" panose="02020603050405020304" pitchFamily="18" charset="0"/>
                 <a:cs typeface="Times New Roman" panose="02020603050405020304" pitchFamily="18" charset="0"/>
               </a:rPr>
-              <a:t>7</a:t>
+              <a:t>8</a:t>
             </a:fld>
             <a:endParaRPr lang="ru-RU" sz="3200" b="1" dirty="0">
               <a:solidFill>
@@ -36036,7 +36162,7 @@
 </p:sld>
 </file>
 
-<file path=ppt/slides/slide8.xml><?xml version="1.0" encoding="utf-8"?>
+<file path=ppt/slides/slide9.xml><?xml version="1.0" encoding="utf-8"?>
 <p:sld xmlns:a="http://schemas.openxmlformats.org/drawingml/2006/main" xmlns:r="http://schemas.openxmlformats.org/officeDocument/2006/relationships" xmlns:p="http://schemas.openxmlformats.org/presentationml/2006/main">
   <p:cSld>
     <p:spTree>
@@ -36140,7 +36266,7 @@
                 <a:latin typeface="Times New Roman" panose="02020603050405020304" pitchFamily="18" charset="0"/>
                 <a:cs typeface="Times New Roman" panose="02020603050405020304" pitchFamily="18" charset="0"/>
               </a:rPr>
-              <a:t>8</a:t>
+              <a:t>9</a:t>
             </a:fld>
             <a:endParaRPr lang="ru-RU" sz="3200" b="1" dirty="0">
               <a:solidFill>
@@ -36193,172 +36319,6 @@
     <p:extLst>
       <p:ext uri="{BB962C8B-B14F-4D97-AF65-F5344CB8AC3E}">
         <p14:creationId xmlns:p14="http://schemas.microsoft.com/office/powerpoint/2010/main" val="1577698423"/>
-      </p:ext>
-    </p:extLst>
-  </p:cSld>
-  <p:clrMapOvr>
-    <a:masterClrMapping/>
-  </p:clrMapOvr>
-</p:sld>
-</file>
-
-<file path=ppt/slides/slide9.xml><?xml version="1.0" encoding="utf-8"?>
-<p:sld xmlns:a="http://schemas.openxmlformats.org/drawingml/2006/main" xmlns:r="http://schemas.openxmlformats.org/officeDocument/2006/relationships" xmlns:p="http://schemas.openxmlformats.org/presentationml/2006/main">
-  <p:cSld>
-    <p:spTree>
-      <p:nvGrpSpPr>
-        <p:cNvPr id="1" name=""/>
-        <p:cNvGrpSpPr/>
-        <p:nvPr/>
-      </p:nvGrpSpPr>
-      <p:grpSpPr>
-        <a:xfrm>
-          <a:off x="0" y="0"/>
-          <a:ext cx="0" cy="0"/>
-          <a:chOff x="0" y="0"/>
-          <a:chExt cx="0" cy="0"/>
-        </a:xfrm>
-      </p:grpSpPr>
-      <p:graphicFrame>
-        <p:nvGraphicFramePr>
-          <p:cNvPr id="3" name="Схема 2"/>
-          <p:cNvGraphicFramePr/>
-          <p:nvPr>
-            <p:extLst>
-              <p:ext uri="{D42A27DB-BD31-4B8C-83A1-F6EECF244321}">
-                <p14:modId xmlns:p14="http://schemas.microsoft.com/office/powerpoint/2010/main" val="473505943"/>
-              </p:ext>
-            </p:extLst>
-          </p:nvPr>
-        </p:nvGraphicFramePr>
-        <p:xfrm>
-          <a:off x="0" y="278971"/>
-          <a:ext cx="12042183" cy="852406"/>
-        </p:xfrm>
-        <a:graphic>
-          <a:graphicData uri="http://schemas.openxmlformats.org/drawingml/2006/diagram">
-            <dgm:relIds xmlns:dgm="http://schemas.openxmlformats.org/drawingml/2006/diagram" xmlns:r="http://schemas.openxmlformats.org/officeDocument/2006/relationships" r:dm="rId2" r:lo="rId3" r:qs="rId4" r:cs="rId5"/>
-          </a:graphicData>
-        </a:graphic>
-      </p:graphicFrame>
-      <p:pic>
-        <p:nvPicPr>
-          <p:cNvPr id="7" name="Рисунок 6">
-            <a:extLst>
-              <a:ext uri="{FF2B5EF4-FFF2-40B4-BE49-F238E27FC236}">
-                <a16:creationId xmlns:a16="http://schemas.microsoft.com/office/drawing/2014/main" id="{4F7893A6-CEED-444A-BA27-94C8B2C893E7}"/>
-              </a:ext>
-            </a:extLst>
-          </p:cNvPr>
-          <p:cNvPicPr>
-            <a:picLocks noChangeAspect="1"/>
-          </p:cNvPicPr>
-          <p:nvPr/>
-        </p:nvPicPr>
-        <p:blipFill>
-          <a:blip r:embed="rId7"/>
-          <a:stretch>
-            <a:fillRect/>
-          </a:stretch>
-        </p:blipFill>
-        <p:spPr>
-          <a:xfrm>
-            <a:off x="1301021" y="1195754"/>
-            <a:ext cx="9730629" cy="5169877"/>
-          </a:xfrm>
-          <a:prstGeom prst="rect">
-            <a:avLst/>
-          </a:prstGeom>
-        </p:spPr>
-      </p:pic>
-      <p:sp>
-        <p:nvSpPr>
-          <p:cNvPr id="6" name="Ромб 5">
-            <a:extLst>
-              <a:ext uri="{FF2B5EF4-FFF2-40B4-BE49-F238E27FC236}">
-                <a16:creationId xmlns:a16="http://schemas.microsoft.com/office/drawing/2014/main" id="{AFA48F3F-E9C2-4CED-8ED0-C1C13197BA94}"/>
-              </a:ext>
-            </a:extLst>
-          </p:cNvPr>
-          <p:cNvSpPr/>
-          <p:nvPr/>
-        </p:nvSpPr>
-        <p:spPr>
-          <a:xfrm>
-            <a:off x="227892" y="5542187"/>
-            <a:ext cx="1193368" cy="1134463"/>
-          </a:xfrm>
-          <a:prstGeom prst="diamond">
-            <a:avLst/>
-          </a:prstGeom>
-          <a:solidFill>
-            <a:srgbClr val="0A5283"/>
-          </a:solidFill>
-          <a:ln>
-            <a:solidFill>
-              <a:srgbClr val="5D0286"/>
-            </a:solidFill>
-          </a:ln>
-        </p:spPr>
-        <p:style>
-          <a:lnRef idx="2">
-            <a:schemeClr val="accent1">
-              <a:shade val="50000"/>
-            </a:schemeClr>
-          </a:lnRef>
-          <a:fillRef idx="1">
-            <a:schemeClr val="accent1"/>
-          </a:fillRef>
-          <a:effectRef idx="0">
-            <a:schemeClr val="accent1"/>
-          </a:effectRef>
-          <a:fontRef idx="minor">
-            <a:schemeClr val="lt1"/>
-          </a:fontRef>
-        </p:style>
-        <p:txBody>
-          <a:bodyPr rtlCol="0" anchor="ctr"/>
-          <a:lstStyle/>
-          <a:p>
-            <a:pPr algn="ctr"/>
-            <a:fld id="{A6D1B3F1-17AF-4102-9E04-22120E208F39}" type="slidenum">
-              <a:rPr lang="ru-RU" sz="3200" b="1" dirty="0">
-                <a:solidFill>
-                  <a:schemeClr val="bg1"/>
-                </a:solidFill>
-                <a:effectLst>
-                  <a:outerShdw blurRad="38100" dist="38100" dir="2700000" algn="tl">
-                    <a:srgbClr val="000000">
-                      <a:alpha val="43137"/>
-                    </a:srgbClr>
-                  </a:outerShdw>
-                </a:effectLst>
-                <a:latin typeface="Times New Roman" panose="02020603050405020304" pitchFamily="18" charset="0"/>
-                <a:cs typeface="Times New Roman" panose="02020603050405020304" pitchFamily="18" charset="0"/>
-              </a:rPr>
-              <a:t>9</a:t>
-            </a:fld>
-            <a:endParaRPr lang="ru-RU" sz="3200" b="1" dirty="0">
-              <a:solidFill>
-                <a:schemeClr val="bg1"/>
-              </a:solidFill>
-              <a:effectLst>
-                <a:outerShdw blurRad="38100" dist="38100" dir="2700000" algn="tl">
-                  <a:srgbClr val="000000">
-                    <a:alpha val="43137"/>
-                  </a:srgbClr>
-                </a:outerShdw>
-              </a:effectLst>
-              <a:latin typeface="Times New Roman" panose="02020603050405020304" pitchFamily="18" charset="0"/>
-              <a:cs typeface="Times New Roman" panose="02020603050405020304" pitchFamily="18" charset="0"/>
-            </a:endParaRPr>
-          </a:p>
-        </p:txBody>
-      </p:sp>
-    </p:spTree>
-    <p:extLst>
-      <p:ext uri="{BB962C8B-B14F-4D97-AF65-F5344CB8AC3E}">
-        <p14:creationId xmlns:p14="http://schemas.microsoft.com/office/powerpoint/2010/main" val="2158044742"/>
       </p:ext>
     </p:extLst>
   </p:cSld>

--- a/Prezentatsia_VKR_2022.pptx
+++ b/Prezentatsia_VKR_2022.pptx
@@ -14,12 +14,9 @@
     <p:sldId id="269" r:id="rId8"/>
     <p:sldId id="279" r:id="rId9"/>
     <p:sldId id="278" r:id="rId10"/>
-    <p:sldId id="272" r:id="rId11"/>
-    <p:sldId id="267" r:id="rId12"/>
-    <p:sldId id="275" r:id="rId13"/>
-    <p:sldId id="277" r:id="rId14"/>
-    <p:sldId id="276" r:id="rId15"/>
-    <p:sldId id="258" r:id="rId16"/>
+    <p:sldId id="275" r:id="rId11"/>
+    <p:sldId id="272" r:id="rId12"/>
+    <p:sldId id="267" r:id="rId13"/>
   </p:sldIdLst>
   <p:sldSz cx="12192000" cy="6858000"/>
   <p:notesSz cx="6797675" cy="9926638"/>
@@ -1621,1500 +1618,6 @@
 </file>
 
 <file path=ppt/diagrams/colors11.xml><?xml version="1.0" encoding="utf-8"?>
-<dgm:colorsDef xmlns:dgm="http://schemas.openxmlformats.org/drawingml/2006/diagram" xmlns:a="http://schemas.openxmlformats.org/drawingml/2006/main" uniqueId="urn:microsoft.com/office/officeart/2005/8/colors/accent1_2">
-  <dgm:title val=""/>
-  <dgm:desc val=""/>
-  <dgm:catLst>
-    <dgm:cat type="accent1" pri="11200"/>
-  </dgm:catLst>
-  <dgm:styleLbl name="node0">
-    <dgm:fillClrLst meth="repeat">
-      <a:schemeClr val="accent1"/>
-    </dgm:fillClrLst>
-    <dgm:linClrLst meth="repeat">
-      <a:schemeClr val="lt1"/>
-    </dgm:linClrLst>
-    <dgm:effectClrLst/>
-    <dgm:txLinClrLst/>
-    <dgm:txFillClrLst/>
-    <dgm:txEffectClrLst/>
-  </dgm:styleLbl>
-  <dgm:styleLbl name="alignNode1">
-    <dgm:fillClrLst meth="repeat">
-      <a:schemeClr val="accent1"/>
-    </dgm:fillClrLst>
-    <dgm:linClrLst meth="repeat">
-      <a:schemeClr val="accent1"/>
-    </dgm:linClrLst>
-    <dgm:effectClrLst/>
-    <dgm:txLinClrLst/>
-    <dgm:txFillClrLst/>
-    <dgm:txEffectClrLst/>
-  </dgm:styleLbl>
-  <dgm:styleLbl name="node1">
-    <dgm:fillClrLst meth="repeat">
-      <a:schemeClr val="accent1"/>
-    </dgm:fillClrLst>
-    <dgm:linClrLst meth="repeat">
-      <a:schemeClr val="lt1"/>
-    </dgm:linClrLst>
-    <dgm:effectClrLst/>
-    <dgm:txLinClrLst/>
-    <dgm:txFillClrLst/>
-    <dgm:txEffectClrLst/>
-  </dgm:styleLbl>
-  <dgm:styleLbl name="lnNode1">
-    <dgm:fillClrLst meth="repeat">
-      <a:schemeClr val="accent1"/>
-    </dgm:fillClrLst>
-    <dgm:linClrLst meth="repeat">
-      <a:schemeClr val="lt1"/>
-    </dgm:linClrLst>
-    <dgm:effectClrLst/>
-    <dgm:txLinClrLst/>
-    <dgm:txFillClrLst/>
-    <dgm:txEffectClrLst/>
-  </dgm:styleLbl>
-  <dgm:styleLbl name="vennNode1">
-    <dgm:fillClrLst meth="repeat">
-      <a:schemeClr val="accent1">
-        <a:alpha val="50000"/>
-      </a:schemeClr>
-    </dgm:fillClrLst>
-    <dgm:linClrLst meth="repeat">
-      <a:schemeClr val="lt1"/>
-    </dgm:linClrLst>
-    <dgm:effectClrLst/>
-    <dgm:txLinClrLst/>
-    <dgm:txFillClrLst/>
-    <dgm:txEffectClrLst/>
-  </dgm:styleLbl>
-  <dgm:styleLbl name="node2">
-    <dgm:fillClrLst meth="repeat">
-      <a:schemeClr val="accent1"/>
-    </dgm:fillClrLst>
-    <dgm:linClrLst meth="repeat">
-      <a:schemeClr val="lt1"/>
-    </dgm:linClrLst>
-    <dgm:effectClrLst/>
-    <dgm:txLinClrLst/>
-    <dgm:txFillClrLst/>
-    <dgm:txEffectClrLst/>
-  </dgm:styleLbl>
-  <dgm:styleLbl name="node3">
-    <dgm:fillClrLst meth="repeat">
-      <a:schemeClr val="accent1"/>
-    </dgm:fillClrLst>
-    <dgm:linClrLst meth="repeat">
-      <a:schemeClr val="lt1"/>
-    </dgm:linClrLst>
-    <dgm:effectClrLst/>
-    <dgm:txLinClrLst/>
-    <dgm:txFillClrLst/>
-    <dgm:txEffectClrLst/>
-  </dgm:styleLbl>
-  <dgm:styleLbl name="node4">
-    <dgm:fillClrLst meth="repeat">
-      <a:schemeClr val="accent1"/>
-    </dgm:fillClrLst>
-    <dgm:linClrLst meth="repeat">
-      <a:schemeClr val="lt1"/>
-    </dgm:linClrLst>
-    <dgm:effectClrLst/>
-    <dgm:txLinClrLst/>
-    <dgm:txFillClrLst/>
-    <dgm:txEffectClrLst/>
-  </dgm:styleLbl>
-  <dgm:styleLbl name="fgImgPlace1">
-    <dgm:fillClrLst meth="repeat">
-      <a:schemeClr val="accent1">
-        <a:tint val="50000"/>
-      </a:schemeClr>
-    </dgm:fillClrLst>
-    <dgm:linClrLst meth="repeat">
-      <a:schemeClr val="lt1"/>
-    </dgm:linClrLst>
-    <dgm:effectClrLst/>
-    <dgm:txLinClrLst/>
-    <dgm:txFillClrLst meth="repeat">
-      <a:schemeClr val="lt1"/>
-    </dgm:txFillClrLst>
-    <dgm:txEffectClrLst/>
-  </dgm:styleLbl>
-  <dgm:styleLbl name="alignImgPlace1">
-    <dgm:fillClrLst meth="repeat">
-      <a:schemeClr val="accent1">
-        <a:tint val="50000"/>
-      </a:schemeClr>
-    </dgm:fillClrLst>
-    <dgm:linClrLst meth="repeat">
-      <a:schemeClr val="lt1"/>
-    </dgm:linClrLst>
-    <dgm:effectClrLst/>
-    <dgm:txLinClrLst/>
-    <dgm:txFillClrLst meth="repeat">
-      <a:schemeClr val="lt1"/>
-    </dgm:txFillClrLst>
-    <dgm:txEffectClrLst/>
-  </dgm:styleLbl>
-  <dgm:styleLbl name="bgImgPlace1">
-    <dgm:fillClrLst meth="repeat">
-      <a:schemeClr val="accent1">
-        <a:tint val="50000"/>
-      </a:schemeClr>
-    </dgm:fillClrLst>
-    <dgm:linClrLst meth="repeat">
-      <a:schemeClr val="lt1"/>
-    </dgm:linClrLst>
-    <dgm:effectClrLst/>
-    <dgm:txLinClrLst/>
-    <dgm:txFillClrLst meth="repeat">
-      <a:schemeClr val="lt1"/>
-    </dgm:txFillClrLst>
-    <dgm:txEffectClrLst/>
-  </dgm:styleLbl>
-  <dgm:styleLbl name="sibTrans2D1">
-    <dgm:fillClrLst meth="repeat">
-      <a:schemeClr val="accent1">
-        <a:tint val="60000"/>
-      </a:schemeClr>
-    </dgm:fillClrLst>
-    <dgm:linClrLst meth="repeat">
-      <a:schemeClr val="accent1">
-        <a:tint val="60000"/>
-      </a:schemeClr>
-    </dgm:linClrLst>
-    <dgm:effectClrLst/>
-    <dgm:txLinClrLst/>
-    <dgm:txFillClrLst/>
-    <dgm:txEffectClrLst/>
-  </dgm:styleLbl>
-  <dgm:styleLbl name="fgSibTrans2D1">
-    <dgm:fillClrLst meth="repeat">
-      <a:schemeClr val="accent1">
-        <a:tint val="60000"/>
-      </a:schemeClr>
-    </dgm:fillClrLst>
-    <dgm:linClrLst meth="repeat">
-      <a:schemeClr val="accent1">
-        <a:tint val="60000"/>
-      </a:schemeClr>
-    </dgm:linClrLst>
-    <dgm:effectClrLst/>
-    <dgm:txLinClrLst/>
-    <dgm:txFillClrLst/>
-    <dgm:txEffectClrLst/>
-  </dgm:styleLbl>
-  <dgm:styleLbl name="bgSibTrans2D1">
-    <dgm:fillClrLst meth="repeat">
-      <a:schemeClr val="accent1">
-        <a:tint val="60000"/>
-      </a:schemeClr>
-    </dgm:fillClrLst>
-    <dgm:linClrLst meth="repeat">
-      <a:schemeClr val="accent1">
-        <a:tint val="60000"/>
-      </a:schemeClr>
-    </dgm:linClrLst>
-    <dgm:effectClrLst/>
-    <dgm:txLinClrLst/>
-    <dgm:txFillClrLst/>
-    <dgm:txEffectClrLst/>
-  </dgm:styleLbl>
-  <dgm:styleLbl name="sibTrans1D1">
-    <dgm:fillClrLst meth="repeat">
-      <a:schemeClr val="accent1"/>
-    </dgm:fillClrLst>
-    <dgm:linClrLst meth="repeat">
-      <a:schemeClr val="accent1"/>
-    </dgm:linClrLst>
-    <dgm:effectClrLst/>
-    <dgm:txLinClrLst/>
-    <dgm:txFillClrLst meth="repeat">
-      <a:schemeClr val="tx1"/>
-    </dgm:txFillClrLst>
-    <dgm:txEffectClrLst/>
-  </dgm:styleLbl>
-  <dgm:styleLbl name="callout">
-    <dgm:fillClrLst meth="repeat">
-      <a:schemeClr val="accent1"/>
-    </dgm:fillClrLst>
-    <dgm:linClrLst meth="repeat">
-      <a:schemeClr val="accent1">
-        <a:tint val="50000"/>
-      </a:schemeClr>
-    </dgm:linClrLst>
-    <dgm:effectClrLst/>
-    <dgm:txLinClrLst/>
-    <dgm:txFillClrLst meth="repeat">
-      <a:schemeClr val="tx1"/>
-    </dgm:txFillClrLst>
-    <dgm:txEffectClrLst/>
-  </dgm:styleLbl>
-  <dgm:styleLbl name="asst0">
-    <dgm:fillClrLst meth="repeat">
-      <a:schemeClr val="accent1"/>
-    </dgm:fillClrLst>
-    <dgm:linClrLst meth="repeat">
-      <a:schemeClr val="lt1"/>
-    </dgm:linClrLst>
-    <dgm:effectClrLst/>
-    <dgm:txLinClrLst/>
-    <dgm:txFillClrLst/>
-    <dgm:txEffectClrLst/>
-  </dgm:styleLbl>
-  <dgm:styleLbl name="asst1">
-    <dgm:fillClrLst meth="repeat">
-      <a:schemeClr val="accent1"/>
-    </dgm:fillClrLst>
-    <dgm:linClrLst meth="repeat">
-      <a:schemeClr val="lt1"/>
-    </dgm:linClrLst>
-    <dgm:effectClrLst/>
-    <dgm:txLinClrLst/>
-    <dgm:txFillClrLst/>
-    <dgm:txEffectClrLst/>
-  </dgm:styleLbl>
-  <dgm:styleLbl name="asst2">
-    <dgm:fillClrLst meth="repeat">
-      <a:schemeClr val="accent1"/>
-    </dgm:fillClrLst>
-    <dgm:linClrLst meth="repeat">
-      <a:schemeClr val="lt1"/>
-    </dgm:linClrLst>
-    <dgm:effectClrLst/>
-    <dgm:txLinClrLst/>
-    <dgm:txFillClrLst/>
-    <dgm:txEffectClrLst/>
-  </dgm:styleLbl>
-  <dgm:styleLbl name="asst3">
-    <dgm:fillClrLst meth="repeat">
-      <a:schemeClr val="accent1"/>
-    </dgm:fillClrLst>
-    <dgm:linClrLst meth="repeat">
-      <a:schemeClr val="lt1"/>
-    </dgm:linClrLst>
-    <dgm:effectClrLst/>
-    <dgm:txLinClrLst/>
-    <dgm:txFillClrLst/>
-    <dgm:txEffectClrLst/>
-  </dgm:styleLbl>
-  <dgm:styleLbl name="asst4">
-    <dgm:fillClrLst meth="repeat">
-      <a:schemeClr val="accent1"/>
-    </dgm:fillClrLst>
-    <dgm:linClrLst meth="repeat">
-      <a:schemeClr val="lt1"/>
-    </dgm:linClrLst>
-    <dgm:effectClrLst/>
-    <dgm:txLinClrLst/>
-    <dgm:txFillClrLst/>
-    <dgm:txEffectClrLst/>
-  </dgm:styleLbl>
-  <dgm:styleLbl name="parChTrans2D1">
-    <dgm:fillClrLst meth="repeat">
-      <a:schemeClr val="accent1">
-        <a:tint val="60000"/>
-      </a:schemeClr>
-    </dgm:fillClrLst>
-    <dgm:linClrLst meth="repeat">
-      <a:schemeClr val="accent1">
-        <a:tint val="60000"/>
-      </a:schemeClr>
-    </dgm:linClrLst>
-    <dgm:effectClrLst/>
-    <dgm:txLinClrLst/>
-    <dgm:txFillClrLst meth="repeat">
-      <a:schemeClr val="lt1"/>
-    </dgm:txFillClrLst>
-    <dgm:txEffectClrLst/>
-  </dgm:styleLbl>
-  <dgm:styleLbl name="parChTrans2D2">
-    <dgm:fillClrLst meth="repeat">
-      <a:schemeClr val="accent1"/>
-    </dgm:fillClrLst>
-    <dgm:linClrLst meth="repeat">
-      <a:schemeClr val="accent1"/>
-    </dgm:linClrLst>
-    <dgm:effectClrLst/>
-    <dgm:txLinClrLst/>
-    <dgm:txFillClrLst meth="repeat">
-      <a:schemeClr val="lt1"/>
-    </dgm:txFillClrLst>
-    <dgm:txEffectClrLst/>
-  </dgm:styleLbl>
-  <dgm:styleLbl name="parChTrans2D3">
-    <dgm:fillClrLst meth="repeat">
-      <a:schemeClr val="accent1"/>
-    </dgm:fillClrLst>
-    <dgm:linClrLst meth="repeat">
-      <a:schemeClr val="accent1"/>
-    </dgm:linClrLst>
-    <dgm:effectClrLst/>
-    <dgm:txLinClrLst/>
-    <dgm:txFillClrLst meth="repeat">
-      <a:schemeClr val="lt1"/>
-    </dgm:txFillClrLst>
-    <dgm:txEffectClrLst/>
-  </dgm:styleLbl>
-  <dgm:styleLbl name="parChTrans2D4">
-    <dgm:fillClrLst meth="repeat">
-      <a:schemeClr val="accent1"/>
-    </dgm:fillClrLst>
-    <dgm:linClrLst meth="repeat">
-      <a:schemeClr val="accent1"/>
-    </dgm:linClrLst>
-    <dgm:effectClrLst/>
-    <dgm:txLinClrLst/>
-    <dgm:txFillClrLst meth="repeat">
-      <a:schemeClr val="lt1"/>
-    </dgm:txFillClrLst>
-    <dgm:txEffectClrLst/>
-  </dgm:styleLbl>
-  <dgm:styleLbl name="parChTrans1D1">
-    <dgm:fillClrLst meth="repeat">
-      <a:schemeClr val="accent1"/>
-    </dgm:fillClrLst>
-    <dgm:linClrLst meth="repeat">
-      <a:schemeClr val="accent1">
-        <a:shade val="60000"/>
-      </a:schemeClr>
-    </dgm:linClrLst>
-    <dgm:effectClrLst/>
-    <dgm:txLinClrLst/>
-    <dgm:txFillClrLst meth="repeat">
-      <a:schemeClr val="tx1"/>
-    </dgm:txFillClrLst>
-    <dgm:txEffectClrLst/>
-  </dgm:styleLbl>
-  <dgm:styleLbl name="parChTrans1D2">
-    <dgm:fillClrLst meth="repeat">
-      <a:schemeClr val="accent1"/>
-    </dgm:fillClrLst>
-    <dgm:linClrLst meth="repeat">
-      <a:schemeClr val="accent1">
-        <a:shade val="60000"/>
-      </a:schemeClr>
-    </dgm:linClrLst>
-    <dgm:effectClrLst/>
-    <dgm:txLinClrLst/>
-    <dgm:txFillClrLst meth="repeat">
-      <a:schemeClr val="tx1"/>
-    </dgm:txFillClrLst>
-    <dgm:txEffectClrLst/>
-  </dgm:styleLbl>
-  <dgm:styleLbl name="parChTrans1D3">
-    <dgm:fillClrLst meth="repeat">
-      <a:schemeClr val="accent1"/>
-    </dgm:fillClrLst>
-    <dgm:linClrLst meth="repeat">
-      <a:schemeClr val="accent1">
-        <a:shade val="80000"/>
-      </a:schemeClr>
-    </dgm:linClrLst>
-    <dgm:effectClrLst/>
-    <dgm:txLinClrLst/>
-    <dgm:txFillClrLst meth="repeat">
-      <a:schemeClr val="tx1"/>
-    </dgm:txFillClrLst>
-    <dgm:txEffectClrLst/>
-  </dgm:styleLbl>
-  <dgm:styleLbl name="parChTrans1D4">
-    <dgm:fillClrLst meth="repeat">
-      <a:schemeClr val="accent1"/>
-    </dgm:fillClrLst>
-    <dgm:linClrLst meth="repeat">
-      <a:schemeClr val="accent1">
-        <a:shade val="80000"/>
-      </a:schemeClr>
-    </dgm:linClrLst>
-    <dgm:effectClrLst/>
-    <dgm:txLinClrLst/>
-    <dgm:txFillClrLst meth="repeat">
-      <a:schemeClr val="tx1"/>
-    </dgm:txFillClrLst>
-    <dgm:txEffectClrLst/>
-  </dgm:styleLbl>
-  <dgm:styleLbl name="fgAcc1">
-    <dgm:fillClrLst meth="repeat">
-      <a:schemeClr val="lt1">
-        <a:alpha val="90000"/>
-      </a:schemeClr>
-    </dgm:fillClrLst>
-    <dgm:linClrLst meth="repeat">
-      <a:schemeClr val="accent1"/>
-    </dgm:linClrLst>
-    <dgm:effectClrLst/>
-    <dgm:txLinClrLst/>
-    <dgm:txFillClrLst meth="repeat">
-      <a:schemeClr val="dk1"/>
-    </dgm:txFillClrLst>
-    <dgm:txEffectClrLst/>
-  </dgm:styleLbl>
-  <dgm:styleLbl name="conFgAcc1">
-    <dgm:fillClrLst meth="repeat">
-      <a:schemeClr val="lt1">
-        <a:alpha val="90000"/>
-      </a:schemeClr>
-    </dgm:fillClrLst>
-    <dgm:linClrLst meth="repeat">
-      <a:schemeClr val="accent1"/>
-    </dgm:linClrLst>
-    <dgm:effectClrLst/>
-    <dgm:txLinClrLst/>
-    <dgm:txFillClrLst meth="repeat">
-      <a:schemeClr val="dk1"/>
-    </dgm:txFillClrLst>
-    <dgm:txEffectClrLst/>
-  </dgm:styleLbl>
-  <dgm:styleLbl name="alignAcc1">
-    <dgm:fillClrLst meth="repeat">
-      <a:schemeClr val="lt1">
-        <a:alpha val="90000"/>
-      </a:schemeClr>
-    </dgm:fillClrLst>
-    <dgm:linClrLst meth="repeat">
-      <a:schemeClr val="accent1"/>
-    </dgm:linClrLst>
-    <dgm:effectClrLst/>
-    <dgm:txLinClrLst/>
-    <dgm:txFillClrLst meth="repeat">
-      <a:schemeClr val="dk1"/>
-    </dgm:txFillClrLst>
-    <dgm:txEffectClrLst/>
-  </dgm:styleLbl>
-  <dgm:styleLbl name="trAlignAcc1">
-    <dgm:fillClrLst meth="repeat">
-      <a:schemeClr val="lt1">
-        <a:alpha val="40000"/>
-      </a:schemeClr>
-    </dgm:fillClrLst>
-    <dgm:linClrLst meth="repeat">
-      <a:schemeClr val="accent1"/>
-    </dgm:linClrLst>
-    <dgm:effectClrLst/>
-    <dgm:txLinClrLst/>
-    <dgm:txFillClrLst meth="repeat">
-      <a:schemeClr val="dk1"/>
-    </dgm:txFillClrLst>
-    <dgm:txEffectClrLst/>
-  </dgm:styleLbl>
-  <dgm:styleLbl name="bgAcc1">
-    <dgm:fillClrLst meth="repeat">
-      <a:schemeClr val="lt1">
-        <a:alpha val="90000"/>
-      </a:schemeClr>
-    </dgm:fillClrLst>
-    <dgm:linClrLst meth="repeat">
-      <a:schemeClr val="accent1"/>
-    </dgm:linClrLst>
-    <dgm:effectClrLst/>
-    <dgm:txLinClrLst/>
-    <dgm:txFillClrLst meth="repeat">
-      <a:schemeClr val="dk1"/>
-    </dgm:txFillClrLst>
-    <dgm:txEffectClrLst/>
-  </dgm:styleLbl>
-  <dgm:styleLbl name="solidFgAcc1">
-    <dgm:fillClrLst meth="repeat">
-      <a:schemeClr val="lt1"/>
-    </dgm:fillClrLst>
-    <dgm:linClrLst meth="repeat">
-      <a:schemeClr val="accent1"/>
-    </dgm:linClrLst>
-    <dgm:effectClrLst/>
-    <dgm:txLinClrLst/>
-    <dgm:txFillClrLst meth="repeat">
-      <a:schemeClr val="dk1"/>
-    </dgm:txFillClrLst>
-    <dgm:txEffectClrLst/>
-  </dgm:styleLbl>
-  <dgm:styleLbl name="solidAlignAcc1">
-    <dgm:fillClrLst meth="repeat">
-      <a:schemeClr val="lt1"/>
-    </dgm:fillClrLst>
-    <dgm:linClrLst meth="repeat">
-      <a:schemeClr val="accent1"/>
-    </dgm:linClrLst>
-    <dgm:effectClrLst/>
-    <dgm:txLinClrLst/>
-    <dgm:txFillClrLst meth="repeat">
-      <a:schemeClr val="dk1"/>
-    </dgm:txFillClrLst>
-    <dgm:txEffectClrLst/>
-  </dgm:styleLbl>
-  <dgm:styleLbl name="solidBgAcc1">
-    <dgm:fillClrLst meth="repeat">
-      <a:schemeClr val="lt1"/>
-    </dgm:fillClrLst>
-    <dgm:linClrLst meth="repeat">
-      <a:schemeClr val="accent1"/>
-    </dgm:linClrLst>
-    <dgm:effectClrLst/>
-    <dgm:txLinClrLst/>
-    <dgm:txFillClrLst meth="repeat">
-      <a:schemeClr val="dk1"/>
-    </dgm:txFillClrLst>
-    <dgm:txEffectClrLst/>
-  </dgm:styleLbl>
-  <dgm:styleLbl name="fgAccFollowNode1">
-    <dgm:fillClrLst meth="repeat">
-      <a:schemeClr val="accent1">
-        <a:alpha val="90000"/>
-        <a:tint val="40000"/>
-      </a:schemeClr>
-    </dgm:fillClrLst>
-    <dgm:linClrLst meth="repeat">
-      <a:schemeClr val="accent1">
-        <a:alpha val="90000"/>
-        <a:tint val="40000"/>
-      </a:schemeClr>
-    </dgm:linClrLst>
-    <dgm:effectClrLst/>
-    <dgm:txLinClrLst/>
-    <dgm:txFillClrLst meth="repeat">
-      <a:schemeClr val="dk1"/>
-    </dgm:txFillClrLst>
-    <dgm:txEffectClrLst/>
-  </dgm:styleLbl>
-  <dgm:styleLbl name="alignAccFollowNode1">
-    <dgm:fillClrLst meth="repeat">
-      <a:schemeClr val="accent1">
-        <a:alpha val="90000"/>
-        <a:tint val="40000"/>
-      </a:schemeClr>
-    </dgm:fillClrLst>
-    <dgm:linClrLst meth="repeat">
-      <a:schemeClr val="accent1">
-        <a:alpha val="90000"/>
-        <a:tint val="40000"/>
-      </a:schemeClr>
-    </dgm:linClrLst>
-    <dgm:effectClrLst/>
-    <dgm:txLinClrLst/>
-    <dgm:txFillClrLst meth="repeat">
-      <a:schemeClr val="dk1"/>
-    </dgm:txFillClrLst>
-    <dgm:txEffectClrLst/>
-  </dgm:styleLbl>
-  <dgm:styleLbl name="bgAccFollowNode1">
-    <dgm:fillClrLst meth="repeat">
-      <a:schemeClr val="accent1">
-        <a:alpha val="90000"/>
-        <a:tint val="40000"/>
-      </a:schemeClr>
-    </dgm:fillClrLst>
-    <dgm:linClrLst meth="repeat">
-      <a:schemeClr val="accent1">
-        <a:alpha val="90000"/>
-        <a:tint val="40000"/>
-      </a:schemeClr>
-    </dgm:linClrLst>
-    <dgm:effectClrLst/>
-    <dgm:txLinClrLst/>
-    <dgm:txFillClrLst meth="repeat">
-      <a:schemeClr val="dk1"/>
-    </dgm:txFillClrLst>
-    <dgm:txEffectClrLst/>
-  </dgm:styleLbl>
-  <dgm:styleLbl name="fgAcc0">
-    <dgm:fillClrLst meth="repeat">
-      <a:schemeClr val="lt1">
-        <a:alpha val="90000"/>
-      </a:schemeClr>
-    </dgm:fillClrLst>
-    <dgm:linClrLst meth="repeat">
-      <a:schemeClr val="accent1"/>
-    </dgm:linClrLst>
-    <dgm:effectClrLst/>
-    <dgm:txLinClrLst/>
-    <dgm:txFillClrLst meth="repeat">
-      <a:schemeClr val="dk1"/>
-    </dgm:txFillClrLst>
-    <dgm:txEffectClrLst/>
-  </dgm:styleLbl>
-  <dgm:styleLbl name="fgAcc2">
-    <dgm:fillClrLst meth="repeat">
-      <a:schemeClr val="lt1">
-        <a:alpha val="90000"/>
-      </a:schemeClr>
-    </dgm:fillClrLst>
-    <dgm:linClrLst meth="repeat">
-      <a:schemeClr val="accent1"/>
-    </dgm:linClrLst>
-    <dgm:effectClrLst/>
-    <dgm:txLinClrLst/>
-    <dgm:txFillClrLst meth="repeat">
-      <a:schemeClr val="dk1"/>
-    </dgm:txFillClrLst>
-    <dgm:txEffectClrLst/>
-  </dgm:styleLbl>
-  <dgm:styleLbl name="fgAcc3">
-    <dgm:fillClrLst meth="repeat">
-      <a:schemeClr val="lt1">
-        <a:alpha val="90000"/>
-      </a:schemeClr>
-    </dgm:fillClrLst>
-    <dgm:linClrLst meth="repeat">
-      <a:schemeClr val="accent1"/>
-    </dgm:linClrLst>
-    <dgm:effectClrLst/>
-    <dgm:txLinClrLst/>
-    <dgm:txFillClrLst meth="repeat">
-      <a:schemeClr val="dk1"/>
-    </dgm:txFillClrLst>
-    <dgm:txEffectClrLst/>
-  </dgm:styleLbl>
-  <dgm:styleLbl name="fgAcc4">
-    <dgm:fillClrLst meth="repeat">
-      <a:schemeClr val="lt1">
-        <a:alpha val="90000"/>
-      </a:schemeClr>
-    </dgm:fillClrLst>
-    <dgm:linClrLst meth="repeat">
-      <a:schemeClr val="accent1"/>
-    </dgm:linClrLst>
-    <dgm:effectClrLst/>
-    <dgm:txLinClrLst/>
-    <dgm:txFillClrLst meth="repeat">
-      <a:schemeClr val="dk1"/>
-    </dgm:txFillClrLst>
-    <dgm:txEffectClrLst/>
-  </dgm:styleLbl>
-  <dgm:styleLbl name="bgShp">
-    <dgm:fillClrLst meth="repeat">
-      <a:schemeClr val="accent1">
-        <a:tint val="40000"/>
-      </a:schemeClr>
-    </dgm:fillClrLst>
-    <dgm:linClrLst meth="repeat">
-      <a:schemeClr val="accent1"/>
-    </dgm:linClrLst>
-    <dgm:effectClrLst/>
-    <dgm:txLinClrLst/>
-    <dgm:txFillClrLst meth="repeat">
-      <a:schemeClr val="dk1"/>
-    </dgm:txFillClrLst>
-    <dgm:txEffectClrLst/>
-  </dgm:styleLbl>
-  <dgm:styleLbl name="dkBgShp">
-    <dgm:fillClrLst meth="repeat">
-      <a:schemeClr val="accent1">
-        <a:shade val="80000"/>
-      </a:schemeClr>
-    </dgm:fillClrLst>
-    <dgm:linClrLst meth="repeat">
-      <a:schemeClr val="accent1"/>
-    </dgm:linClrLst>
-    <dgm:effectClrLst/>
-    <dgm:txLinClrLst/>
-    <dgm:txFillClrLst meth="repeat">
-      <a:schemeClr val="lt1"/>
-    </dgm:txFillClrLst>
-    <dgm:txEffectClrLst/>
-  </dgm:styleLbl>
-  <dgm:styleLbl name="trBgShp">
-    <dgm:fillClrLst meth="repeat">
-      <a:schemeClr val="accent1">
-        <a:tint val="50000"/>
-        <a:alpha val="40000"/>
-      </a:schemeClr>
-    </dgm:fillClrLst>
-    <dgm:linClrLst meth="repeat">
-      <a:schemeClr val="accent1"/>
-    </dgm:linClrLst>
-    <dgm:effectClrLst/>
-    <dgm:txLinClrLst/>
-    <dgm:txFillClrLst meth="repeat">
-      <a:schemeClr val="lt1"/>
-    </dgm:txFillClrLst>
-    <dgm:txEffectClrLst/>
-  </dgm:styleLbl>
-  <dgm:styleLbl name="fgShp">
-    <dgm:fillClrLst meth="repeat">
-      <a:schemeClr val="accent1">
-        <a:tint val="60000"/>
-      </a:schemeClr>
-    </dgm:fillClrLst>
-    <dgm:linClrLst meth="repeat">
-      <a:schemeClr val="lt1"/>
-    </dgm:linClrLst>
-    <dgm:effectClrLst/>
-    <dgm:txLinClrLst/>
-    <dgm:txFillClrLst meth="repeat">
-      <a:schemeClr val="dk1"/>
-    </dgm:txFillClrLst>
-    <dgm:txEffectClrLst/>
-  </dgm:styleLbl>
-  <dgm:styleLbl name="revTx">
-    <dgm:fillClrLst meth="repeat">
-      <a:schemeClr val="lt1">
-        <a:alpha val="0"/>
-      </a:schemeClr>
-    </dgm:fillClrLst>
-    <dgm:linClrLst meth="repeat">
-      <a:schemeClr val="dk1">
-        <a:alpha val="0"/>
-      </a:schemeClr>
-    </dgm:linClrLst>
-    <dgm:effectClrLst/>
-    <dgm:txLinClrLst/>
-    <dgm:txFillClrLst meth="repeat">
-      <a:schemeClr val="tx1"/>
-    </dgm:txFillClrLst>
-    <dgm:txEffectClrLst/>
-  </dgm:styleLbl>
-</dgm:colorsDef>
-</file>
-
-<file path=ppt/diagrams/colors12.xml><?xml version="1.0" encoding="utf-8"?>
-<dgm:colorsDef xmlns:dgm="http://schemas.openxmlformats.org/drawingml/2006/diagram" xmlns:a="http://schemas.openxmlformats.org/drawingml/2006/main" uniqueId="urn:microsoft.com/office/officeart/2005/8/colors/accent1_2">
-  <dgm:title val=""/>
-  <dgm:desc val=""/>
-  <dgm:catLst>
-    <dgm:cat type="accent1" pri="11200"/>
-  </dgm:catLst>
-  <dgm:styleLbl name="node0">
-    <dgm:fillClrLst meth="repeat">
-      <a:schemeClr val="accent1"/>
-    </dgm:fillClrLst>
-    <dgm:linClrLst meth="repeat">
-      <a:schemeClr val="lt1"/>
-    </dgm:linClrLst>
-    <dgm:effectClrLst/>
-    <dgm:txLinClrLst/>
-    <dgm:txFillClrLst/>
-    <dgm:txEffectClrLst/>
-  </dgm:styleLbl>
-  <dgm:styleLbl name="alignNode1">
-    <dgm:fillClrLst meth="repeat">
-      <a:schemeClr val="accent1"/>
-    </dgm:fillClrLst>
-    <dgm:linClrLst meth="repeat">
-      <a:schemeClr val="accent1"/>
-    </dgm:linClrLst>
-    <dgm:effectClrLst/>
-    <dgm:txLinClrLst/>
-    <dgm:txFillClrLst/>
-    <dgm:txEffectClrLst/>
-  </dgm:styleLbl>
-  <dgm:styleLbl name="node1">
-    <dgm:fillClrLst meth="repeat">
-      <a:schemeClr val="accent1"/>
-    </dgm:fillClrLst>
-    <dgm:linClrLst meth="repeat">
-      <a:schemeClr val="lt1"/>
-    </dgm:linClrLst>
-    <dgm:effectClrLst/>
-    <dgm:txLinClrLst/>
-    <dgm:txFillClrLst/>
-    <dgm:txEffectClrLst/>
-  </dgm:styleLbl>
-  <dgm:styleLbl name="lnNode1">
-    <dgm:fillClrLst meth="repeat">
-      <a:schemeClr val="accent1"/>
-    </dgm:fillClrLst>
-    <dgm:linClrLst meth="repeat">
-      <a:schemeClr val="lt1"/>
-    </dgm:linClrLst>
-    <dgm:effectClrLst/>
-    <dgm:txLinClrLst/>
-    <dgm:txFillClrLst/>
-    <dgm:txEffectClrLst/>
-  </dgm:styleLbl>
-  <dgm:styleLbl name="vennNode1">
-    <dgm:fillClrLst meth="repeat">
-      <a:schemeClr val="accent1">
-        <a:alpha val="50000"/>
-      </a:schemeClr>
-    </dgm:fillClrLst>
-    <dgm:linClrLst meth="repeat">
-      <a:schemeClr val="lt1"/>
-    </dgm:linClrLst>
-    <dgm:effectClrLst/>
-    <dgm:txLinClrLst/>
-    <dgm:txFillClrLst/>
-    <dgm:txEffectClrLst/>
-  </dgm:styleLbl>
-  <dgm:styleLbl name="node2">
-    <dgm:fillClrLst meth="repeat">
-      <a:schemeClr val="accent1"/>
-    </dgm:fillClrLst>
-    <dgm:linClrLst meth="repeat">
-      <a:schemeClr val="lt1"/>
-    </dgm:linClrLst>
-    <dgm:effectClrLst/>
-    <dgm:txLinClrLst/>
-    <dgm:txFillClrLst/>
-    <dgm:txEffectClrLst/>
-  </dgm:styleLbl>
-  <dgm:styleLbl name="node3">
-    <dgm:fillClrLst meth="repeat">
-      <a:schemeClr val="accent1"/>
-    </dgm:fillClrLst>
-    <dgm:linClrLst meth="repeat">
-      <a:schemeClr val="lt1"/>
-    </dgm:linClrLst>
-    <dgm:effectClrLst/>
-    <dgm:txLinClrLst/>
-    <dgm:txFillClrLst/>
-    <dgm:txEffectClrLst/>
-  </dgm:styleLbl>
-  <dgm:styleLbl name="node4">
-    <dgm:fillClrLst meth="repeat">
-      <a:schemeClr val="accent1"/>
-    </dgm:fillClrLst>
-    <dgm:linClrLst meth="repeat">
-      <a:schemeClr val="lt1"/>
-    </dgm:linClrLst>
-    <dgm:effectClrLst/>
-    <dgm:txLinClrLst/>
-    <dgm:txFillClrLst/>
-    <dgm:txEffectClrLst/>
-  </dgm:styleLbl>
-  <dgm:styleLbl name="fgImgPlace1">
-    <dgm:fillClrLst meth="repeat">
-      <a:schemeClr val="accent1">
-        <a:tint val="50000"/>
-      </a:schemeClr>
-    </dgm:fillClrLst>
-    <dgm:linClrLst meth="repeat">
-      <a:schemeClr val="lt1"/>
-    </dgm:linClrLst>
-    <dgm:effectClrLst/>
-    <dgm:txLinClrLst/>
-    <dgm:txFillClrLst meth="repeat">
-      <a:schemeClr val="lt1"/>
-    </dgm:txFillClrLst>
-    <dgm:txEffectClrLst/>
-  </dgm:styleLbl>
-  <dgm:styleLbl name="alignImgPlace1">
-    <dgm:fillClrLst meth="repeat">
-      <a:schemeClr val="accent1">
-        <a:tint val="50000"/>
-      </a:schemeClr>
-    </dgm:fillClrLst>
-    <dgm:linClrLst meth="repeat">
-      <a:schemeClr val="lt1"/>
-    </dgm:linClrLst>
-    <dgm:effectClrLst/>
-    <dgm:txLinClrLst/>
-    <dgm:txFillClrLst meth="repeat">
-      <a:schemeClr val="lt1"/>
-    </dgm:txFillClrLst>
-    <dgm:txEffectClrLst/>
-  </dgm:styleLbl>
-  <dgm:styleLbl name="bgImgPlace1">
-    <dgm:fillClrLst meth="repeat">
-      <a:schemeClr val="accent1">
-        <a:tint val="50000"/>
-      </a:schemeClr>
-    </dgm:fillClrLst>
-    <dgm:linClrLst meth="repeat">
-      <a:schemeClr val="lt1"/>
-    </dgm:linClrLst>
-    <dgm:effectClrLst/>
-    <dgm:txLinClrLst/>
-    <dgm:txFillClrLst meth="repeat">
-      <a:schemeClr val="lt1"/>
-    </dgm:txFillClrLst>
-    <dgm:txEffectClrLst/>
-  </dgm:styleLbl>
-  <dgm:styleLbl name="sibTrans2D1">
-    <dgm:fillClrLst meth="repeat">
-      <a:schemeClr val="accent1">
-        <a:tint val="60000"/>
-      </a:schemeClr>
-    </dgm:fillClrLst>
-    <dgm:linClrLst meth="repeat">
-      <a:schemeClr val="accent1">
-        <a:tint val="60000"/>
-      </a:schemeClr>
-    </dgm:linClrLst>
-    <dgm:effectClrLst/>
-    <dgm:txLinClrLst/>
-    <dgm:txFillClrLst/>
-    <dgm:txEffectClrLst/>
-  </dgm:styleLbl>
-  <dgm:styleLbl name="fgSibTrans2D1">
-    <dgm:fillClrLst meth="repeat">
-      <a:schemeClr val="accent1">
-        <a:tint val="60000"/>
-      </a:schemeClr>
-    </dgm:fillClrLst>
-    <dgm:linClrLst meth="repeat">
-      <a:schemeClr val="accent1">
-        <a:tint val="60000"/>
-      </a:schemeClr>
-    </dgm:linClrLst>
-    <dgm:effectClrLst/>
-    <dgm:txLinClrLst/>
-    <dgm:txFillClrLst/>
-    <dgm:txEffectClrLst/>
-  </dgm:styleLbl>
-  <dgm:styleLbl name="bgSibTrans2D1">
-    <dgm:fillClrLst meth="repeat">
-      <a:schemeClr val="accent1">
-        <a:tint val="60000"/>
-      </a:schemeClr>
-    </dgm:fillClrLst>
-    <dgm:linClrLst meth="repeat">
-      <a:schemeClr val="accent1">
-        <a:tint val="60000"/>
-      </a:schemeClr>
-    </dgm:linClrLst>
-    <dgm:effectClrLst/>
-    <dgm:txLinClrLst/>
-    <dgm:txFillClrLst/>
-    <dgm:txEffectClrLst/>
-  </dgm:styleLbl>
-  <dgm:styleLbl name="sibTrans1D1">
-    <dgm:fillClrLst meth="repeat">
-      <a:schemeClr val="accent1"/>
-    </dgm:fillClrLst>
-    <dgm:linClrLst meth="repeat">
-      <a:schemeClr val="accent1"/>
-    </dgm:linClrLst>
-    <dgm:effectClrLst/>
-    <dgm:txLinClrLst/>
-    <dgm:txFillClrLst meth="repeat">
-      <a:schemeClr val="tx1"/>
-    </dgm:txFillClrLst>
-    <dgm:txEffectClrLst/>
-  </dgm:styleLbl>
-  <dgm:styleLbl name="callout">
-    <dgm:fillClrLst meth="repeat">
-      <a:schemeClr val="accent1"/>
-    </dgm:fillClrLst>
-    <dgm:linClrLst meth="repeat">
-      <a:schemeClr val="accent1">
-        <a:tint val="50000"/>
-      </a:schemeClr>
-    </dgm:linClrLst>
-    <dgm:effectClrLst/>
-    <dgm:txLinClrLst/>
-    <dgm:txFillClrLst meth="repeat">
-      <a:schemeClr val="tx1"/>
-    </dgm:txFillClrLst>
-    <dgm:txEffectClrLst/>
-  </dgm:styleLbl>
-  <dgm:styleLbl name="asst0">
-    <dgm:fillClrLst meth="repeat">
-      <a:schemeClr val="accent1"/>
-    </dgm:fillClrLst>
-    <dgm:linClrLst meth="repeat">
-      <a:schemeClr val="lt1"/>
-    </dgm:linClrLst>
-    <dgm:effectClrLst/>
-    <dgm:txLinClrLst/>
-    <dgm:txFillClrLst/>
-    <dgm:txEffectClrLst/>
-  </dgm:styleLbl>
-  <dgm:styleLbl name="asst1">
-    <dgm:fillClrLst meth="repeat">
-      <a:schemeClr val="accent1"/>
-    </dgm:fillClrLst>
-    <dgm:linClrLst meth="repeat">
-      <a:schemeClr val="lt1"/>
-    </dgm:linClrLst>
-    <dgm:effectClrLst/>
-    <dgm:txLinClrLst/>
-    <dgm:txFillClrLst/>
-    <dgm:txEffectClrLst/>
-  </dgm:styleLbl>
-  <dgm:styleLbl name="asst2">
-    <dgm:fillClrLst meth="repeat">
-      <a:schemeClr val="accent1"/>
-    </dgm:fillClrLst>
-    <dgm:linClrLst meth="repeat">
-      <a:schemeClr val="lt1"/>
-    </dgm:linClrLst>
-    <dgm:effectClrLst/>
-    <dgm:txLinClrLst/>
-    <dgm:txFillClrLst/>
-    <dgm:txEffectClrLst/>
-  </dgm:styleLbl>
-  <dgm:styleLbl name="asst3">
-    <dgm:fillClrLst meth="repeat">
-      <a:schemeClr val="accent1"/>
-    </dgm:fillClrLst>
-    <dgm:linClrLst meth="repeat">
-      <a:schemeClr val="lt1"/>
-    </dgm:linClrLst>
-    <dgm:effectClrLst/>
-    <dgm:txLinClrLst/>
-    <dgm:txFillClrLst/>
-    <dgm:txEffectClrLst/>
-  </dgm:styleLbl>
-  <dgm:styleLbl name="asst4">
-    <dgm:fillClrLst meth="repeat">
-      <a:schemeClr val="accent1"/>
-    </dgm:fillClrLst>
-    <dgm:linClrLst meth="repeat">
-      <a:schemeClr val="lt1"/>
-    </dgm:linClrLst>
-    <dgm:effectClrLst/>
-    <dgm:txLinClrLst/>
-    <dgm:txFillClrLst/>
-    <dgm:txEffectClrLst/>
-  </dgm:styleLbl>
-  <dgm:styleLbl name="parChTrans2D1">
-    <dgm:fillClrLst meth="repeat">
-      <a:schemeClr val="accent1">
-        <a:tint val="60000"/>
-      </a:schemeClr>
-    </dgm:fillClrLst>
-    <dgm:linClrLst meth="repeat">
-      <a:schemeClr val="accent1">
-        <a:tint val="60000"/>
-      </a:schemeClr>
-    </dgm:linClrLst>
-    <dgm:effectClrLst/>
-    <dgm:txLinClrLst/>
-    <dgm:txFillClrLst meth="repeat">
-      <a:schemeClr val="lt1"/>
-    </dgm:txFillClrLst>
-    <dgm:txEffectClrLst/>
-  </dgm:styleLbl>
-  <dgm:styleLbl name="parChTrans2D2">
-    <dgm:fillClrLst meth="repeat">
-      <a:schemeClr val="accent1"/>
-    </dgm:fillClrLst>
-    <dgm:linClrLst meth="repeat">
-      <a:schemeClr val="accent1"/>
-    </dgm:linClrLst>
-    <dgm:effectClrLst/>
-    <dgm:txLinClrLst/>
-    <dgm:txFillClrLst meth="repeat">
-      <a:schemeClr val="lt1"/>
-    </dgm:txFillClrLst>
-    <dgm:txEffectClrLst/>
-  </dgm:styleLbl>
-  <dgm:styleLbl name="parChTrans2D3">
-    <dgm:fillClrLst meth="repeat">
-      <a:schemeClr val="accent1"/>
-    </dgm:fillClrLst>
-    <dgm:linClrLst meth="repeat">
-      <a:schemeClr val="accent1"/>
-    </dgm:linClrLst>
-    <dgm:effectClrLst/>
-    <dgm:txLinClrLst/>
-    <dgm:txFillClrLst meth="repeat">
-      <a:schemeClr val="lt1"/>
-    </dgm:txFillClrLst>
-    <dgm:txEffectClrLst/>
-  </dgm:styleLbl>
-  <dgm:styleLbl name="parChTrans2D4">
-    <dgm:fillClrLst meth="repeat">
-      <a:schemeClr val="accent1"/>
-    </dgm:fillClrLst>
-    <dgm:linClrLst meth="repeat">
-      <a:schemeClr val="accent1"/>
-    </dgm:linClrLst>
-    <dgm:effectClrLst/>
-    <dgm:txLinClrLst/>
-    <dgm:txFillClrLst meth="repeat">
-      <a:schemeClr val="lt1"/>
-    </dgm:txFillClrLst>
-    <dgm:txEffectClrLst/>
-  </dgm:styleLbl>
-  <dgm:styleLbl name="parChTrans1D1">
-    <dgm:fillClrLst meth="repeat">
-      <a:schemeClr val="accent1"/>
-    </dgm:fillClrLst>
-    <dgm:linClrLst meth="repeat">
-      <a:schemeClr val="accent1">
-        <a:shade val="60000"/>
-      </a:schemeClr>
-    </dgm:linClrLst>
-    <dgm:effectClrLst/>
-    <dgm:txLinClrLst/>
-    <dgm:txFillClrLst meth="repeat">
-      <a:schemeClr val="tx1"/>
-    </dgm:txFillClrLst>
-    <dgm:txEffectClrLst/>
-  </dgm:styleLbl>
-  <dgm:styleLbl name="parChTrans1D2">
-    <dgm:fillClrLst meth="repeat">
-      <a:schemeClr val="accent1"/>
-    </dgm:fillClrLst>
-    <dgm:linClrLst meth="repeat">
-      <a:schemeClr val="accent1">
-        <a:shade val="60000"/>
-      </a:schemeClr>
-    </dgm:linClrLst>
-    <dgm:effectClrLst/>
-    <dgm:txLinClrLst/>
-    <dgm:txFillClrLst meth="repeat">
-      <a:schemeClr val="tx1"/>
-    </dgm:txFillClrLst>
-    <dgm:txEffectClrLst/>
-  </dgm:styleLbl>
-  <dgm:styleLbl name="parChTrans1D3">
-    <dgm:fillClrLst meth="repeat">
-      <a:schemeClr val="accent1"/>
-    </dgm:fillClrLst>
-    <dgm:linClrLst meth="repeat">
-      <a:schemeClr val="accent1">
-        <a:shade val="80000"/>
-      </a:schemeClr>
-    </dgm:linClrLst>
-    <dgm:effectClrLst/>
-    <dgm:txLinClrLst/>
-    <dgm:txFillClrLst meth="repeat">
-      <a:schemeClr val="tx1"/>
-    </dgm:txFillClrLst>
-    <dgm:txEffectClrLst/>
-  </dgm:styleLbl>
-  <dgm:styleLbl name="parChTrans1D4">
-    <dgm:fillClrLst meth="repeat">
-      <a:schemeClr val="accent1"/>
-    </dgm:fillClrLst>
-    <dgm:linClrLst meth="repeat">
-      <a:schemeClr val="accent1">
-        <a:shade val="80000"/>
-      </a:schemeClr>
-    </dgm:linClrLst>
-    <dgm:effectClrLst/>
-    <dgm:txLinClrLst/>
-    <dgm:txFillClrLst meth="repeat">
-      <a:schemeClr val="tx1"/>
-    </dgm:txFillClrLst>
-    <dgm:txEffectClrLst/>
-  </dgm:styleLbl>
-  <dgm:styleLbl name="fgAcc1">
-    <dgm:fillClrLst meth="repeat">
-      <a:schemeClr val="lt1">
-        <a:alpha val="90000"/>
-      </a:schemeClr>
-    </dgm:fillClrLst>
-    <dgm:linClrLst meth="repeat">
-      <a:schemeClr val="accent1"/>
-    </dgm:linClrLst>
-    <dgm:effectClrLst/>
-    <dgm:txLinClrLst/>
-    <dgm:txFillClrLst meth="repeat">
-      <a:schemeClr val="dk1"/>
-    </dgm:txFillClrLst>
-    <dgm:txEffectClrLst/>
-  </dgm:styleLbl>
-  <dgm:styleLbl name="conFgAcc1">
-    <dgm:fillClrLst meth="repeat">
-      <a:schemeClr val="lt1">
-        <a:alpha val="90000"/>
-      </a:schemeClr>
-    </dgm:fillClrLst>
-    <dgm:linClrLst meth="repeat">
-      <a:schemeClr val="accent1"/>
-    </dgm:linClrLst>
-    <dgm:effectClrLst/>
-    <dgm:txLinClrLst/>
-    <dgm:txFillClrLst meth="repeat">
-      <a:schemeClr val="dk1"/>
-    </dgm:txFillClrLst>
-    <dgm:txEffectClrLst/>
-  </dgm:styleLbl>
-  <dgm:styleLbl name="alignAcc1">
-    <dgm:fillClrLst meth="repeat">
-      <a:schemeClr val="lt1">
-        <a:alpha val="90000"/>
-      </a:schemeClr>
-    </dgm:fillClrLst>
-    <dgm:linClrLst meth="repeat">
-      <a:schemeClr val="accent1"/>
-    </dgm:linClrLst>
-    <dgm:effectClrLst/>
-    <dgm:txLinClrLst/>
-    <dgm:txFillClrLst meth="repeat">
-      <a:schemeClr val="dk1"/>
-    </dgm:txFillClrLst>
-    <dgm:txEffectClrLst/>
-  </dgm:styleLbl>
-  <dgm:styleLbl name="trAlignAcc1">
-    <dgm:fillClrLst meth="repeat">
-      <a:schemeClr val="lt1">
-        <a:alpha val="40000"/>
-      </a:schemeClr>
-    </dgm:fillClrLst>
-    <dgm:linClrLst meth="repeat">
-      <a:schemeClr val="accent1"/>
-    </dgm:linClrLst>
-    <dgm:effectClrLst/>
-    <dgm:txLinClrLst/>
-    <dgm:txFillClrLst meth="repeat">
-      <a:schemeClr val="dk1"/>
-    </dgm:txFillClrLst>
-    <dgm:txEffectClrLst/>
-  </dgm:styleLbl>
-  <dgm:styleLbl name="bgAcc1">
-    <dgm:fillClrLst meth="repeat">
-      <a:schemeClr val="lt1">
-        <a:alpha val="90000"/>
-      </a:schemeClr>
-    </dgm:fillClrLst>
-    <dgm:linClrLst meth="repeat">
-      <a:schemeClr val="accent1"/>
-    </dgm:linClrLst>
-    <dgm:effectClrLst/>
-    <dgm:txLinClrLst/>
-    <dgm:txFillClrLst meth="repeat">
-      <a:schemeClr val="dk1"/>
-    </dgm:txFillClrLst>
-    <dgm:txEffectClrLst/>
-  </dgm:styleLbl>
-  <dgm:styleLbl name="solidFgAcc1">
-    <dgm:fillClrLst meth="repeat">
-      <a:schemeClr val="lt1"/>
-    </dgm:fillClrLst>
-    <dgm:linClrLst meth="repeat">
-      <a:schemeClr val="accent1"/>
-    </dgm:linClrLst>
-    <dgm:effectClrLst/>
-    <dgm:txLinClrLst/>
-    <dgm:txFillClrLst meth="repeat">
-      <a:schemeClr val="dk1"/>
-    </dgm:txFillClrLst>
-    <dgm:txEffectClrLst/>
-  </dgm:styleLbl>
-  <dgm:styleLbl name="solidAlignAcc1">
-    <dgm:fillClrLst meth="repeat">
-      <a:schemeClr val="lt1"/>
-    </dgm:fillClrLst>
-    <dgm:linClrLst meth="repeat">
-      <a:schemeClr val="accent1"/>
-    </dgm:linClrLst>
-    <dgm:effectClrLst/>
-    <dgm:txLinClrLst/>
-    <dgm:txFillClrLst meth="repeat">
-      <a:schemeClr val="dk1"/>
-    </dgm:txFillClrLst>
-    <dgm:txEffectClrLst/>
-  </dgm:styleLbl>
-  <dgm:styleLbl name="solidBgAcc1">
-    <dgm:fillClrLst meth="repeat">
-      <a:schemeClr val="lt1"/>
-    </dgm:fillClrLst>
-    <dgm:linClrLst meth="repeat">
-      <a:schemeClr val="accent1"/>
-    </dgm:linClrLst>
-    <dgm:effectClrLst/>
-    <dgm:txLinClrLst/>
-    <dgm:txFillClrLst meth="repeat">
-      <a:schemeClr val="dk1"/>
-    </dgm:txFillClrLst>
-    <dgm:txEffectClrLst/>
-  </dgm:styleLbl>
-  <dgm:styleLbl name="fgAccFollowNode1">
-    <dgm:fillClrLst meth="repeat">
-      <a:schemeClr val="accent1">
-        <a:alpha val="90000"/>
-        <a:tint val="40000"/>
-      </a:schemeClr>
-    </dgm:fillClrLst>
-    <dgm:linClrLst meth="repeat">
-      <a:schemeClr val="accent1">
-        <a:alpha val="90000"/>
-        <a:tint val="40000"/>
-      </a:schemeClr>
-    </dgm:linClrLst>
-    <dgm:effectClrLst/>
-    <dgm:txLinClrLst/>
-    <dgm:txFillClrLst meth="repeat">
-      <a:schemeClr val="dk1"/>
-    </dgm:txFillClrLst>
-    <dgm:txEffectClrLst/>
-  </dgm:styleLbl>
-  <dgm:styleLbl name="alignAccFollowNode1">
-    <dgm:fillClrLst meth="repeat">
-      <a:schemeClr val="accent1">
-        <a:alpha val="90000"/>
-        <a:tint val="40000"/>
-      </a:schemeClr>
-    </dgm:fillClrLst>
-    <dgm:linClrLst meth="repeat">
-      <a:schemeClr val="accent1">
-        <a:alpha val="90000"/>
-        <a:tint val="40000"/>
-      </a:schemeClr>
-    </dgm:linClrLst>
-    <dgm:effectClrLst/>
-    <dgm:txLinClrLst/>
-    <dgm:txFillClrLst meth="repeat">
-      <a:schemeClr val="dk1"/>
-    </dgm:txFillClrLst>
-    <dgm:txEffectClrLst/>
-  </dgm:styleLbl>
-  <dgm:styleLbl name="bgAccFollowNode1">
-    <dgm:fillClrLst meth="repeat">
-      <a:schemeClr val="accent1">
-        <a:alpha val="90000"/>
-        <a:tint val="40000"/>
-      </a:schemeClr>
-    </dgm:fillClrLst>
-    <dgm:linClrLst meth="repeat">
-      <a:schemeClr val="accent1">
-        <a:alpha val="90000"/>
-        <a:tint val="40000"/>
-      </a:schemeClr>
-    </dgm:linClrLst>
-    <dgm:effectClrLst/>
-    <dgm:txLinClrLst/>
-    <dgm:txFillClrLst meth="repeat">
-      <a:schemeClr val="dk1"/>
-    </dgm:txFillClrLst>
-    <dgm:txEffectClrLst/>
-  </dgm:styleLbl>
-  <dgm:styleLbl name="fgAcc0">
-    <dgm:fillClrLst meth="repeat">
-      <a:schemeClr val="lt1">
-        <a:alpha val="90000"/>
-      </a:schemeClr>
-    </dgm:fillClrLst>
-    <dgm:linClrLst meth="repeat">
-      <a:schemeClr val="accent1"/>
-    </dgm:linClrLst>
-    <dgm:effectClrLst/>
-    <dgm:txLinClrLst/>
-    <dgm:txFillClrLst meth="repeat">
-      <a:schemeClr val="dk1"/>
-    </dgm:txFillClrLst>
-    <dgm:txEffectClrLst/>
-  </dgm:styleLbl>
-  <dgm:styleLbl name="fgAcc2">
-    <dgm:fillClrLst meth="repeat">
-      <a:schemeClr val="lt1">
-        <a:alpha val="90000"/>
-      </a:schemeClr>
-    </dgm:fillClrLst>
-    <dgm:linClrLst meth="repeat">
-      <a:schemeClr val="accent1"/>
-    </dgm:linClrLst>
-    <dgm:effectClrLst/>
-    <dgm:txLinClrLst/>
-    <dgm:txFillClrLst meth="repeat">
-      <a:schemeClr val="dk1"/>
-    </dgm:txFillClrLst>
-    <dgm:txEffectClrLst/>
-  </dgm:styleLbl>
-  <dgm:styleLbl name="fgAcc3">
-    <dgm:fillClrLst meth="repeat">
-      <a:schemeClr val="lt1">
-        <a:alpha val="90000"/>
-      </a:schemeClr>
-    </dgm:fillClrLst>
-    <dgm:linClrLst meth="repeat">
-      <a:schemeClr val="accent1"/>
-    </dgm:linClrLst>
-    <dgm:effectClrLst/>
-    <dgm:txLinClrLst/>
-    <dgm:txFillClrLst meth="repeat">
-      <a:schemeClr val="dk1"/>
-    </dgm:txFillClrLst>
-    <dgm:txEffectClrLst/>
-  </dgm:styleLbl>
-  <dgm:styleLbl name="fgAcc4">
-    <dgm:fillClrLst meth="repeat">
-      <a:schemeClr val="lt1">
-        <a:alpha val="90000"/>
-      </a:schemeClr>
-    </dgm:fillClrLst>
-    <dgm:linClrLst meth="repeat">
-      <a:schemeClr val="accent1"/>
-    </dgm:linClrLst>
-    <dgm:effectClrLst/>
-    <dgm:txLinClrLst/>
-    <dgm:txFillClrLst meth="repeat">
-      <a:schemeClr val="dk1"/>
-    </dgm:txFillClrLst>
-    <dgm:txEffectClrLst/>
-  </dgm:styleLbl>
-  <dgm:styleLbl name="bgShp">
-    <dgm:fillClrLst meth="repeat">
-      <a:schemeClr val="accent1">
-        <a:tint val="40000"/>
-      </a:schemeClr>
-    </dgm:fillClrLst>
-    <dgm:linClrLst meth="repeat">
-      <a:schemeClr val="accent1"/>
-    </dgm:linClrLst>
-    <dgm:effectClrLst/>
-    <dgm:txLinClrLst/>
-    <dgm:txFillClrLst meth="repeat">
-      <a:schemeClr val="dk1"/>
-    </dgm:txFillClrLst>
-    <dgm:txEffectClrLst/>
-  </dgm:styleLbl>
-  <dgm:styleLbl name="dkBgShp">
-    <dgm:fillClrLst meth="repeat">
-      <a:schemeClr val="accent1">
-        <a:shade val="80000"/>
-      </a:schemeClr>
-    </dgm:fillClrLst>
-    <dgm:linClrLst meth="repeat">
-      <a:schemeClr val="accent1"/>
-    </dgm:linClrLst>
-    <dgm:effectClrLst/>
-    <dgm:txLinClrLst/>
-    <dgm:txFillClrLst meth="repeat">
-      <a:schemeClr val="lt1"/>
-    </dgm:txFillClrLst>
-    <dgm:txEffectClrLst/>
-  </dgm:styleLbl>
-  <dgm:styleLbl name="trBgShp">
-    <dgm:fillClrLst meth="repeat">
-      <a:schemeClr val="accent1">
-        <a:tint val="50000"/>
-        <a:alpha val="40000"/>
-      </a:schemeClr>
-    </dgm:fillClrLst>
-    <dgm:linClrLst meth="repeat">
-      <a:schemeClr val="accent1"/>
-    </dgm:linClrLst>
-    <dgm:effectClrLst/>
-    <dgm:txLinClrLst/>
-    <dgm:txFillClrLst meth="repeat">
-      <a:schemeClr val="lt1"/>
-    </dgm:txFillClrLst>
-    <dgm:txEffectClrLst/>
-  </dgm:styleLbl>
-  <dgm:styleLbl name="fgShp">
-    <dgm:fillClrLst meth="repeat">
-      <a:schemeClr val="accent1">
-        <a:tint val="60000"/>
-      </a:schemeClr>
-    </dgm:fillClrLst>
-    <dgm:linClrLst meth="repeat">
-      <a:schemeClr val="lt1"/>
-    </dgm:linClrLst>
-    <dgm:effectClrLst/>
-    <dgm:txLinClrLst/>
-    <dgm:txFillClrLst meth="repeat">
-      <a:schemeClr val="dk1"/>
-    </dgm:txFillClrLst>
-    <dgm:txEffectClrLst/>
-  </dgm:styleLbl>
-  <dgm:styleLbl name="revTx">
-    <dgm:fillClrLst meth="repeat">
-      <a:schemeClr val="lt1">
-        <a:alpha val="0"/>
-      </a:schemeClr>
-    </dgm:fillClrLst>
-    <dgm:linClrLst meth="repeat">
-      <a:schemeClr val="dk1">
-        <a:alpha val="0"/>
-      </a:schemeClr>
-    </dgm:linClrLst>
-    <dgm:effectClrLst/>
-    <dgm:txLinClrLst/>
-    <dgm:txFillClrLst meth="repeat">
-      <a:schemeClr val="tx1"/>
-    </dgm:txFillClrLst>
-    <dgm:txEffectClrLst/>
-  </dgm:styleLbl>
-</dgm:colorsDef>
-</file>
-
-<file path=ppt/diagrams/colors13.xml><?xml version="1.0" encoding="utf-8"?>
 <dgm:colorsDef xmlns:dgm="http://schemas.openxmlformats.org/drawingml/2006/diagram" xmlns:a="http://schemas.openxmlformats.org/drawingml/2006/main" uniqueId="urn:microsoft.com/office/officeart/2005/8/colors/accent1_2">
   <dgm:title val=""/>
   <dgm:desc val=""/>
@@ -10023,6 +8526,156 @@
                 <a:schemeClr val="bg1"/>
               </a:solidFill>
             </a:rPr>
+            <a:t>Интерфейс страницы со статистикой</a:t>
+          </a:r>
+        </a:p>
+      </dgm:t>
+    </dgm:pt>
+    <dgm:pt modelId="{DCC1E86C-1908-4B5E-B7C0-89BBBC92CE46}" type="parTrans" cxnId="{91853C7C-A62A-45E1-9276-D1D47CA2476F}">
+      <dgm:prSet/>
+      <dgm:spPr/>
+      <dgm:t>
+        <a:bodyPr/>
+        <a:lstStyle/>
+        <a:p>
+          <a:endParaRPr lang="ru-RU"/>
+        </a:p>
+      </dgm:t>
+    </dgm:pt>
+    <dgm:pt modelId="{E0103FFF-3D73-4356-87EE-1E1A391833AA}" type="sibTrans" cxnId="{91853C7C-A62A-45E1-9276-D1D47CA2476F}">
+      <dgm:prSet/>
+      <dgm:spPr/>
+      <dgm:t>
+        <a:bodyPr/>
+        <a:lstStyle/>
+        <a:p>
+          <a:endParaRPr lang="ru-RU"/>
+        </a:p>
+      </dgm:t>
+    </dgm:pt>
+    <dgm:pt modelId="{4A8396AD-A936-460D-A7D5-1DEBA706005D}">
+      <dgm:prSet phldrT="[Текст]"/>
+      <dgm:spPr>
+        <a:solidFill>
+          <a:srgbClr val="0A5283"/>
+        </a:solidFill>
+        <a:ln>
+          <a:noFill/>
+        </a:ln>
+      </dgm:spPr>
+      <dgm:t>
+        <a:bodyPr/>
+        <a:lstStyle/>
+        <a:p>
+          <a:r>
+            <a:rPr lang="ru-RU" dirty="0"/>
+            <a:t> </a:t>
+          </a:r>
+        </a:p>
+      </dgm:t>
+    </dgm:pt>
+    <dgm:pt modelId="{E9EE92E9-D700-44D9-B60C-0C9C6EBFEB0E}" type="parTrans" cxnId="{760F2005-5D68-4B1E-BE3B-7ACE1545D565}">
+      <dgm:prSet/>
+      <dgm:spPr/>
+      <dgm:t>
+        <a:bodyPr/>
+        <a:lstStyle/>
+        <a:p>
+          <a:endParaRPr lang="ru-RU"/>
+        </a:p>
+      </dgm:t>
+    </dgm:pt>
+    <dgm:pt modelId="{3B2DCDAA-DBCC-4FEB-BCF4-ED247A1B7EB7}" type="sibTrans" cxnId="{760F2005-5D68-4B1E-BE3B-7ACE1545D565}">
+      <dgm:prSet/>
+      <dgm:spPr/>
+      <dgm:t>
+        <a:bodyPr/>
+        <a:lstStyle/>
+        <a:p>
+          <a:endParaRPr lang="ru-RU"/>
+        </a:p>
+      </dgm:t>
+    </dgm:pt>
+    <dgm:pt modelId="{AED4F812-677E-4E89-B8CE-F2C7F38AC0A6}" type="pres">
+      <dgm:prSet presAssocID="{CDB5BEA3-373E-4D4F-AA39-79969E9444C2}" presName="Name0" presStyleCnt="0">
+        <dgm:presLayoutVars>
+          <dgm:dir/>
+          <dgm:resizeHandles val="exact"/>
+        </dgm:presLayoutVars>
+      </dgm:prSet>
+      <dgm:spPr/>
+    </dgm:pt>
+    <dgm:pt modelId="{75282B76-4A1B-4043-A722-B53657DB0DAA}" type="pres">
+      <dgm:prSet presAssocID="{24DA3925-63AE-407D-8E66-6C4C642F9F63}" presName="parTxOnly" presStyleLbl="node1" presStyleIdx="0" presStyleCnt="2" custScaleX="99839" custLinFactNeighborX="-52" custLinFactNeighborY="-1031">
+        <dgm:presLayoutVars>
+          <dgm:bulletEnabled val="1"/>
+        </dgm:presLayoutVars>
+      </dgm:prSet>
+      <dgm:spPr/>
+    </dgm:pt>
+    <dgm:pt modelId="{DB9EC306-56F5-4825-A41F-F9876FC9E125}" type="pres">
+      <dgm:prSet presAssocID="{E0103FFF-3D73-4356-87EE-1E1A391833AA}" presName="parSpace" presStyleCnt="0"/>
+      <dgm:spPr/>
+    </dgm:pt>
+    <dgm:pt modelId="{9F5C6265-53CB-4DCC-8DA2-23A6A2126ABB}" type="pres">
+      <dgm:prSet presAssocID="{4A8396AD-A936-460D-A7D5-1DEBA706005D}" presName="parTxOnly" presStyleLbl="node1" presStyleIdx="1" presStyleCnt="2" custScaleX="20336">
+        <dgm:presLayoutVars>
+          <dgm:bulletEnabled val="1"/>
+        </dgm:presLayoutVars>
+      </dgm:prSet>
+      <dgm:spPr/>
+    </dgm:pt>
+  </dgm:ptLst>
+  <dgm:cxnLst>
+    <dgm:cxn modelId="{760F2005-5D68-4B1E-BE3B-7ACE1545D565}" srcId="{CDB5BEA3-373E-4D4F-AA39-79969E9444C2}" destId="{4A8396AD-A936-460D-A7D5-1DEBA706005D}" srcOrd="1" destOrd="0" parTransId="{E9EE92E9-D700-44D9-B60C-0C9C6EBFEB0E}" sibTransId="{3B2DCDAA-DBCC-4FEB-BCF4-ED247A1B7EB7}"/>
+    <dgm:cxn modelId="{A684EF17-3113-4648-AA4B-06DE953701ED}" type="presOf" srcId="{CDB5BEA3-373E-4D4F-AA39-79969E9444C2}" destId="{AED4F812-677E-4E89-B8CE-F2C7F38AC0A6}" srcOrd="0" destOrd="0" presId="urn:microsoft.com/office/officeart/2005/8/layout/hChevron3"/>
+    <dgm:cxn modelId="{91853C7C-A62A-45E1-9276-D1D47CA2476F}" srcId="{CDB5BEA3-373E-4D4F-AA39-79969E9444C2}" destId="{24DA3925-63AE-407D-8E66-6C4C642F9F63}" srcOrd="0" destOrd="0" parTransId="{DCC1E86C-1908-4B5E-B7C0-89BBBC92CE46}" sibTransId="{E0103FFF-3D73-4356-87EE-1E1A391833AA}"/>
+    <dgm:cxn modelId="{7723608C-0975-4C5A-B633-4E60F8F8307F}" type="presOf" srcId="{4A8396AD-A936-460D-A7D5-1DEBA706005D}" destId="{9F5C6265-53CB-4DCC-8DA2-23A6A2126ABB}" srcOrd="0" destOrd="0" presId="urn:microsoft.com/office/officeart/2005/8/layout/hChevron3"/>
+    <dgm:cxn modelId="{1F2A9FB8-14A5-476F-994A-3E416120E522}" type="presOf" srcId="{24DA3925-63AE-407D-8E66-6C4C642F9F63}" destId="{75282B76-4A1B-4043-A722-B53657DB0DAA}" srcOrd="0" destOrd="0" presId="urn:microsoft.com/office/officeart/2005/8/layout/hChevron3"/>
+    <dgm:cxn modelId="{5C51FB35-6427-4922-BAE8-0588912CB2F9}" type="presParOf" srcId="{AED4F812-677E-4E89-B8CE-F2C7F38AC0A6}" destId="{75282B76-4A1B-4043-A722-B53657DB0DAA}" srcOrd="0" destOrd="0" presId="urn:microsoft.com/office/officeart/2005/8/layout/hChevron3"/>
+    <dgm:cxn modelId="{93B0FF22-25BA-494C-8964-1770C03464FC}" type="presParOf" srcId="{AED4F812-677E-4E89-B8CE-F2C7F38AC0A6}" destId="{DB9EC306-56F5-4825-A41F-F9876FC9E125}" srcOrd="1" destOrd="0" presId="urn:microsoft.com/office/officeart/2005/8/layout/hChevron3"/>
+    <dgm:cxn modelId="{94272AE6-D0B0-44C4-B190-114BD7DCDDC5}" type="presParOf" srcId="{AED4F812-677E-4E89-B8CE-F2C7F38AC0A6}" destId="{9F5C6265-53CB-4DCC-8DA2-23A6A2126ABB}" srcOrd="2" destOrd="0" presId="urn:microsoft.com/office/officeart/2005/8/layout/hChevron3"/>
+  </dgm:cxnLst>
+  <dgm:bg>
+    <a:noFill/>
+  </dgm:bg>
+  <dgm:whole/>
+  <dgm:extLst>
+    <a:ext uri="http://schemas.microsoft.com/office/drawing/2008/diagram">
+      <dsp:dataModelExt xmlns:dsp="http://schemas.microsoft.com/office/drawing/2008/diagram" relId="rId6" minVer="http://schemas.openxmlformats.org/drawingml/2006/diagram"/>
+    </a:ext>
+  </dgm:extLst>
+</dgm:dataModel>
+</file>
+
+<file path=ppt/diagrams/data11.xml><?xml version="1.0" encoding="utf-8"?>
+<dgm:dataModel xmlns:dgm="http://schemas.openxmlformats.org/drawingml/2006/diagram" xmlns:a="http://schemas.openxmlformats.org/drawingml/2006/main">
+  <dgm:ptLst>
+    <dgm:pt modelId="{CDB5BEA3-373E-4D4F-AA39-79969E9444C2}" type="doc">
+      <dgm:prSet loTypeId="urn:microsoft.com/office/officeart/2005/8/layout/hChevron3" loCatId="process" qsTypeId="urn:microsoft.com/office/officeart/2005/8/quickstyle/simple1" qsCatId="simple" csTypeId="urn:microsoft.com/office/officeart/2005/8/colors/accent1_2" csCatId="accent1" phldr="1"/>
+      <dgm:spPr/>
+    </dgm:pt>
+    <dgm:pt modelId="{24DA3925-63AE-407D-8E66-6C4C642F9F63}">
+      <dgm:prSet phldrT="[Текст]" custT="1"/>
+      <dgm:spPr>
+        <a:solidFill>
+          <a:srgbClr val="0A5283"/>
+        </a:solidFill>
+        <a:ln>
+          <a:noFill/>
+        </a:ln>
+      </dgm:spPr>
+      <dgm:t>
+        <a:bodyPr/>
+        <a:lstStyle/>
+        <a:p>
+          <a:pPr algn="l"/>
+          <a:r>
+            <a:rPr lang="ru-RU" sz="3200" dirty="0">
+              <a:solidFill>
+                <a:schemeClr val="bg1"/>
+              </a:solidFill>
+            </a:rPr>
             <a:t>  </a:t>
           </a:r>
           <a:r>
@@ -10142,480 +8795,6 @@
     <dgm:cxn modelId="{94272AE6-D0B0-44C4-B190-114BD7DCDDC5}" type="presParOf" srcId="{AED4F812-677E-4E89-B8CE-F2C7F38AC0A6}" destId="{9F5C6265-53CB-4DCC-8DA2-23A6A2126ABB}" srcOrd="2" destOrd="0" presId="urn:microsoft.com/office/officeart/2005/8/layout/hChevron3"/>
   </dgm:cxnLst>
   <dgm:bg/>
-  <dgm:whole/>
-  <dgm:extLst>
-    <a:ext uri="http://schemas.microsoft.com/office/drawing/2008/diagram">
-      <dsp:dataModelExt xmlns:dsp="http://schemas.microsoft.com/office/drawing/2008/diagram" relId="rId6" minVer="http://schemas.openxmlformats.org/drawingml/2006/diagram"/>
-    </a:ext>
-  </dgm:extLst>
-</dgm:dataModel>
-</file>
-
-<file path=ppt/diagrams/data11.xml><?xml version="1.0" encoding="utf-8"?>
-<dgm:dataModel xmlns:dgm="http://schemas.openxmlformats.org/drawingml/2006/diagram" xmlns:a="http://schemas.openxmlformats.org/drawingml/2006/main">
-  <dgm:ptLst>
-    <dgm:pt modelId="{CDB5BEA3-373E-4D4F-AA39-79969E9444C2}" type="doc">
-      <dgm:prSet loTypeId="urn:microsoft.com/office/officeart/2005/8/layout/hChevron3" loCatId="process" qsTypeId="urn:microsoft.com/office/officeart/2005/8/quickstyle/simple1" qsCatId="simple" csTypeId="urn:microsoft.com/office/officeart/2005/8/colors/accent1_2" csCatId="accent1" phldr="1"/>
-      <dgm:spPr/>
-    </dgm:pt>
-    <dgm:pt modelId="{24DA3925-63AE-407D-8E66-6C4C642F9F63}">
-      <dgm:prSet phldrT="[Текст]" custT="1"/>
-      <dgm:spPr>
-        <a:solidFill>
-          <a:srgbClr val="0A5283"/>
-        </a:solidFill>
-        <a:ln>
-          <a:noFill/>
-        </a:ln>
-      </dgm:spPr>
-      <dgm:t>
-        <a:bodyPr/>
-        <a:lstStyle/>
-        <a:p>
-          <a:pPr algn="l"/>
-          <a:r>
-            <a:rPr lang="en-US" sz="3200" dirty="0">
-              <a:solidFill>
-                <a:schemeClr val="bg1"/>
-              </a:solidFill>
-            </a:rPr>
-            <a:t> </a:t>
-          </a:r>
-          <a:r>
-            <a:rPr lang="ru-RU" sz="3200" dirty="0">
-              <a:solidFill>
-                <a:schemeClr val="bg1"/>
-              </a:solidFill>
-            </a:rPr>
-            <a:t>Цели и задачи выпускной квалификационной работы</a:t>
-          </a:r>
-        </a:p>
-      </dgm:t>
-    </dgm:pt>
-    <dgm:pt modelId="{DCC1E86C-1908-4B5E-B7C0-89BBBC92CE46}" type="parTrans" cxnId="{91853C7C-A62A-45E1-9276-D1D47CA2476F}">
-      <dgm:prSet/>
-      <dgm:spPr/>
-      <dgm:t>
-        <a:bodyPr/>
-        <a:lstStyle/>
-        <a:p>
-          <a:endParaRPr lang="ru-RU"/>
-        </a:p>
-      </dgm:t>
-    </dgm:pt>
-    <dgm:pt modelId="{E0103FFF-3D73-4356-87EE-1E1A391833AA}" type="sibTrans" cxnId="{91853C7C-A62A-45E1-9276-D1D47CA2476F}">
-      <dgm:prSet/>
-      <dgm:spPr/>
-      <dgm:t>
-        <a:bodyPr/>
-        <a:lstStyle/>
-        <a:p>
-          <a:endParaRPr lang="ru-RU"/>
-        </a:p>
-      </dgm:t>
-    </dgm:pt>
-    <dgm:pt modelId="{4A8396AD-A936-460D-A7D5-1DEBA706005D}">
-      <dgm:prSet phldrT="[Текст]"/>
-      <dgm:spPr>
-        <a:solidFill>
-          <a:srgbClr val="0A5283"/>
-        </a:solidFill>
-        <a:ln>
-          <a:noFill/>
-        </a:ln>
-      </dgm:spPr>
-      <dgm:t>
-        <a:bodyPr/>
-        <a:lstStyle/>
-        <a:p>
-          <a:r>
-            <a:rPr lang="ru-RU" dirty="0"/>
-            <a:t> </a:t>
-          </a:r>
-        </a:p>
-      </dgm:t>
-    </dgm:pt>
-    <dgm:pt modelId="{E9EE92E9-D700-44D9-B60C-0C9C6EBFEB0E}" type="parTrans" cxnId="{760F2005-5D68-4B1E-BE3B-7ACE1545D565}">
-      <dgm:prSet/>
-      <dgm:spPr/>
-      <dgm:t>
-        <a:bodyPr/>
-        <a:lstStyle/>
-        <a:p>
-          <a:endParaRPr lang="ru-RU"/>
-        </a:p>
-      </dgm:t>
-    </dgm:pt>
-    <dgm:pt modelId="{3B2DCDAA-DBCC-4FEB-BCF4-ED247A1B7EB7}" type="sibTrans" cxnId="{760F2005-5D68-4B1E-BE3B-7ACE1545D565}">
-      <dgm:prSet/>
-      <dgm:spPr/>
-      <dgm:t>
-        <a:bodyPr/>
-        <a:lstStyle/>
-        <a:p>
-          <a:endParaRPr lang="ru-RU"/>
-        </a:p>
-      </dgm:t>
-    </dgm:pt>
-    <dgm:pt modelId="{AED4F812-677E-4E89-B8CE-F2C7F38AC0A6}" type="pres">
-      <dgm:prSet presAssocID="{CDB5BEA3-373E-4D4F-AA39-79969E9444C2}" presName="Name0" presStyleCnt="0">
-        <dgm:presLayoutVars>
-          <dgm:dir/>
-          <dgm:resizeHandles val="exact"/>
-        </dgm:presLayoutVars>
-      </dgm:prSet>
-      <dgm:spPr/>
-    </dgm:pt>
-    <dgm:pt modelId="{75282B76-4A1B-4043-A722-B53657DB0DAA}" type="pres">
-      <dgm:prSet presAssocID="{24DA3925-63AE-407D-8E66-6C4C642F9F63}" presName="parTxOnly" presStyleLbl="node1" presStyleIdx="0" presStyleCnt="2" custScaleX="99839">
-        <dgm:presLayoutVars>
-          <dgm:bulletEnabled val="1"/>
-        </dgm:presLayoutVars>
-      </dgm:prSet>
-      <dgm:spPr/>
-    </dgm:pt>
-    <dgm:pt modelId="{DB9EC306-56F5-4825-A41F-F9876FC9E125}" type="pres">
-      <dgm:prSet presAssocID="{E0103FFF-3D73-4356-87EE-1E1A391833AA}" presName="parSpace" presStyleCnt="0"/>
-      <dgm:spPr/>
-    </dgm:pt>
-    <dgm:pt modelId="{9F5C6265-53CB-4DCC-8DA2-23A6A2126ABB}" type="pres">
-      <dgm:prSet presAssocID="{4A8396AD-A936-460D-A7D5-1DEBA706005D}" presName="parTxOnly" presStyleLbl="node1" presStyleIdx="1" presStyleCnt="2" custScaleX="20336">
-        <dgm:presLayoutVars>
-          <dgm:bulletEnabled val="1"/>
-        </dgm:presLayoutVars>
-      </dgm:prSet>
-      <dgm:spPr/>
-    </dgm:pt>
-  </dgm:ptLst>
-  <dgm:cxnLst>
-    <dgm:cxn modelId="{760F2005-5D68-4B1E-BE3B-7ACE1545D565}" srcId="{CDB5BEA3-373E-4D4F-AA39-79969E9444C2}" destId="{4A8396AD-A936-460D-A7D5-1DEBA706005D}" srcOrd="1" destOrd="0" parTransId="{E9EE92E9-D700-44D9-B60C-0C9C6EBFEB0E}" sibTransId="{3B2DCDAA-DBCC-4FEB-BCF4-ED247A1B7EB7}"/>
-    <dgm:cxn modelId="{A684EF17-3113-4648-AA4B-06DE953701ED}" type="presOf" srcId="{CDB5BEA3-373E-4D4F-AA39-79969E9444C2}" destId="{AED4F812-677E-4E89-B8CE-F2C7F38AC0A6}" srcOrd="0" destOrd="0" presId="urn:microsoft.com/office/officeart/2005/8/layout/hChevron3"/>
-    <dgm:cxn modelId="{91853C7C-A62A-45E1-9276-D1D47CA2476F}" srcId="{CDB5BEA3-373E-4D4F-AA39-79969E9444C2}" destId="{24DA3925-63AE-407D-8E66-6C4C642F9F63}" srcOrd="0" destOrd="0" parTransId="{DCC1E86C-1908-4B5E-B7C0-89BBBC92CE46}" sibTransId="{E0103FFF-3D73-4356-87EE-1E1A391833AA}"/>
-    <dgm:cxn modelId="{7723608C-0975-4C5A-B633-4E60F8F8307F}" type="presOf" srcId="{4A8396AD-A936-460D-A7D5-1DEBA706005D}" destId="{9F5C6265-53CB-4DCC-8DA2-23A6A2126ABB}" srcOrd="0" destOrd="0" presId="urn:microsoft.com/office/officeart/2005/8/layout/hChevron3"/>
-    <dgm:cxn modelId="{1F2A9FB8-14A5-476F-994A-3E416120E522}" type="presOf" srcId="{24DA3925-63AE-407D-8E66-6C4C642F9F63}" destId="{75282B76-4A1B-4043-A722-B53657DB0DAA}" srcOrd="0" destOrd="0" presId="urn:microsoft.com/office/officeart/2005/8/layout/hChevron3"/>
-    <dgm:cxn modelId="{5C51FB35-6427-4922-BAE8-0588912CB2F9}" type="presParOf" srcId="{AED4F812-677E-4E89-B8CE-F2C7F38AC0A6}" destId="{75282B76-4A1B-4043-A722-B53657DB0DAA}" srcOrd="0" destOrd="0" presId="urn:microsoft.com/office/officeart/2005/8/layout/hChevron3"/>
-    <dgm:cxn modelId="{93B0FF22-25BA-494C-8964-1770C03464FC}" type="presParOf" srcId="{AED4F812-677E-4E89-B8CE-F2C7F38AC0A6}" destId="{DB9EC306-56F5-4825-A41F-F9876FC9E125}" srcOrd="1" destOrd="0" presId="urn:microsoft.com/office/officeart/2005/8/layout/hChevron3"/>
-    <dgm:cxn modelId="{94272AE6-D0B0-44C4-B190-114BD7DCDDC5}" type="presParOf" srcId="{AED4F812-677E-4E89-B8CE-F2C7F38AC0A6}" destId="{9F5C6265-53CB-4DCC-8DA2-23A6A2126ABB}" srcOrd="2" destOrd="0" presId="urn:microsoft.com/office/officeart/2005/8/layout/hChevron3"/>
-  </dgm:cxnLst>
-  <dgm:bg>
-    <a:noFill/>
-  </dgm:bg>
-  <dgm:whole/>
-  <dgm:extLst>
-    <a:ext uri="http://schemas.microsoft.com/office/drawing/2008/diagram">
-      <dsp:dataModelExt xmlns:dsp="http://schemas.microsoft.com/office/drawing/2008/diagram" relId="rId6" minVer="http://schemas.openxmlformats.org/drawingml/2006/diagram"/>
-    </a:ext>
-  </dgm:extLst>
-</dgm:dataModel>
-</file>
-
-<file path=ppt/diagrams/data12.xml><?xml version="1.0" encoding="utf-8"?>
-<dgm:dataModel xmlns:dgm="http://schemas.openxmlformats.org/drawingml/2006/diagram" xmlns:a="http://schemas.openxmlformats.org/drawingml/2006/main">
-  <dgm:ptLst>
-    <dgm:pt modelId="{CDB5BEA3-373E-4D4F-AA39-79969E9444C2}" type="doc">
-      <dgm:prSet loTypeId="urn:microsoft.com/office/officeart/2005/8/layout/hChevron3" loCatId="process" qsTypeId="urn:microsoft.com/office/officeart/2005/8/quickstyle/simple1" qsCatId="simple" csTypeId="urn:microsoft.com/office/officeart/2005/8/colors/accent1_2" csCatId="accent1" phldr="1"/>
-      <dgm:spPr/>
-    </dgm:pt>
-    <dgm:pt modelId="{24DA3925-63AE-407D-8E66-6C4C642F9F63}">
-      <dgm:prSet phldrT="[Текст]" custT="1"/>
-      <dgm:spPr>
-        <a:solidFill>
-          <a:srgbClr val="0A5283"/>
-        </a:solidFill>
-        <a:ln>
-          <a:noFill/>
-        </a:ln>
-      </dgm:spPr>
-      <dgm:t>
-        <a:bodyPr/>
-        <a:lstStyle/>
-        <a:p>
-          <a:pPr algn="l"/>
-          <a:r>
-            <a:rPr lang="en-US" sz="3200" dirty="0">
-              <a:solidFill>
-                <a:schemeClr val="bg1"/>
-              </a:solidFill>
-            </a:rPr>
-            <a:t> </a:t>
-          </a:r>
-          <a:r>
-            <a:rPr lang="ru-RU" sz="3200" dirty="0">
-              <a:solidFill>
-                <a:schemeClr val="bg1"/>
-              </a:solidFill>
-            </a:rPr>
-            <a:t>Цели и задачи выпускной квалификационной работы</a:t>
-          </a:r>
-        </a:p>
-      </dgm:t>
-    </dgm:pt>
-    <dgm:pt modelId="{DCC1E86C-1908-4B5E-B7C0-89BBBC92CE46}" type="parTrans" cxnId="{91853C7C-A62A-45E1-9276-D1D47CA2476F}">
-      <dgm:prSet/>
-      <dgm:spPr/>
-      <dgm:t>
-        <a:bodyPr/>
-        <a:lstStyle/>
-        <a:p>
-          <a:endParaRPr lang="ru-RU"/>
-        </a:p>
-      </dgm:t>
-    </dgm:pt>
-    <dgm:pt modelId="{E0103FFF-3D73-4356-87EE-1E1A391833AA}" type="sibTrans" cxnId="{91853C7C-A62A-45E1-9276-D1D47CA2476F}">
-      <dgm:prSet/>
-      <dgm:spPr/>
-      <dgm:t>
-        <a:bodyPr/>
-        <a:lstStyle/>
-        <a:p>
-          <a:endParaRPr lang="ru-RU"/>
-        </a:p>
-      </dgm:t>
-    </dgm:pt>
-    <dgm:pt modelId="{4A8396AD-A936-460D-A7D5-1DEBA706005D}">
-      <dgm:prSet phldrT="[Текст]"/>
-      <dgm:spPr>
-        <a:solidFill>
-          <a:srgbClr val="0A5283"/>
-        </a:solidFill>
-        <a:ln>
-          <a:noFill/>
-        </a:ln>
-      </dgm:spPr>
-      <dgm:t>
-        <a:bodyPr/>
-        <a:lstStyle/>
-        <a:p>
-          <a:r>
-            <a:rPr lang="ru-RU" dirty="0"/>
-            <a:t> </a:t>
-          </a:r>
-        </a:p>
-      </dgm:t>
-    </dgm:pt>
-    <dgm:pt modelId="{E9EE92E9-D700-44D9-B60C-0C9C6EBFEB0E}" type="parTrans" cxnId="{760F2005-5D68-4B1E-BE3B-7ACE1545D565}">
-      <dgm:prSet/>
-      <dgm:spPr/>
-      <dgm:t>
-        <a:bodyPr/>
-        <a:lstStyle/>
-        <a:p>
-          <a:endParaRPr lang="ru-RU"/>
-        </a:p>
-      </dgm:t>
-    </dgm:pt>
-    <dgm:pt modelId="{3B2DCDAA-DBCC-4FEB-BCF4-ED247A1B7EB7}" type="sibTrans" cxnId="{760F2005-5D68-4B1E-BE3B-7ACE1545D565}">
-      <dgm:prSet/>
-      <dgm:spPr/>
-      <dgm:t>
-        <a:bodyPr/>
-        <a:lstStyle/>
-        <a:p>
-          <a:endParaRPr lang="ru-RU"/>
-        </a:p>
-      </dgm:t>
-    </dgm:pt>
-    <dgm:pt modelId="{AED4F812-677E-4E89-B8CE-F2C7F38AC0A6}" type="pres">
-      <dgm:prSet presAssocID="{CDB5BEA3-373E-4D4F-AA39-79969E9444C2}" presName="Name0" presStyleCnt="0">
-        <dgm:presLayoutVars>
-          <dgm:dir/>
-          <dgm:resizeHandles val="exact"/>
-        </dgm:presLayoutVars>
-      </dgm:prSet>
-      <dgm:spPr/>
-    </dgm:pt>
-    <dgm:pt modelId="{75282B76-4A1B-4043-A722-B53657DB0DAA}" type="pres">
-      <dgm:prSet presAssocID="{24DA3925-63AE-407D-8E66-6C4C642F9F63}" presName="parTxOnly" presStyleLbl="node1" presStyleIdx="0" presStyleCnt="2" custScaleX="99839">
-        <dgm:presLayoutVars>
-          <dgm:bulletEnabled val="1"/>
-        </dgm:presLayoutVars>
-      </dgm:prSet>
-      <dgm:spPr/>
-    </dgm:pt>
-    <dgm:pt modelId="{DB9EC306-56F5-4825-A41F-F9876FC9E125}" type="pres">
-      <dgm:prSet presAssocID="{E0103FFF-3D73-4356-87EE-1E1A391833AA}" presName="parSpace" presStyleCnt="0"/>
-      <dgm:spPr/>
-    </dgm:pt>
-    <dgm:pt modelId="{9F5C6265-53CB-4DCC-8DA2-23A6A2126ABB}" type="pres">
-      <dgm:prSet presAssocID="{4A8396AD-A936-460D-A7D5-1DEBA706005D}" presName="parTxOnly" presStyleLbl="node1" presStyleIdx="1" presStyleCnt="2" custScaleX="20336">
-        <dgm:presLayoutVars>
-          <dgm:bulletEnabled val="1"/>
-        </dgm:presLayoutVars>
-      </dgm:prSet>
-      <dgm:spPr/>
-    </dgm:pt>
-  </dgm:ptLst>
-  <dgm:cxnLst>
-    <dgm:cxn modelId="{760F2005-5D68-4B1E-BE3B-7ACE1545D565}" srcId="{CDB5BEA3-373E-4D4F-AA39-79969E9444C2}" destId="{4A8396AD-A936-460D-A7D5-1DEBA706005D}" srcOrd="1" destOrd="0" parTransId="{E9EE92E9-D700-44D9-B60C-0C9C6EBFEB0E}" sibTransId="{3B2DCDAA-DBCC-4FEB-BCF4-ED247A1B7EB7}"/>
-    <dgm:cxn modelId="{A684EF17-3113-4648-AA4B-06DE953701ED}" type="presOf" srcId="{CDB5BEA3-373E-4D4F-AA39-79969E9444C2}" destId="{AED4F812-677E-4E89-B8CE-F2C7F38AC0A6}" srcOrd="0" destOrd="0" presId="urn:microsoft.com/office/officeart/2005/8/layout/hChevron3"/>
-    <dgm:cxn modelId="{91853C7C-A62A-45E1-9276-D1D47CA2476F}" srcId="{CDB5BEA3-373E-4D4F-AA39-79969E9444C2}" destId="{24DA3925-63AE-407D-8E66-6C4C642F9F63}" srcOrd="0" destOrd="0" parTransId="{DCC1E86C-1908-4B5E-B7C0-89BBBC92CE46}" sibTransId="{E0103FFF-3D73-4356-87EE-1E1A391833AA}"/>
-    <dgm:cxn modelId="{7723608C-0975-4C5A-B633-4E60F8F8307F}" type="presOf" srcId="{4A8396AD-A936-460D-A7D5-1DEBA706005D}" destId="{9F5C6265-53CB-4DCC-8DA2-23A6A2126ABB}" srcOrd="0" destOrd="0" presId="urn:microsoft.com/office/officeart/2005/8/layout/hChevron3"/>
-    <dgm:cxn modelId="{1F2A9FB8-14A5-476F-994A-3E416120E522}" type="presOf" srcId="{24DA3925-63AE-407D-8E66-6C4C642F9F63}" destId="{75282B76-4A1B-4043-A722-B53657DB0DAA}" srcOrd="0" destOrd="0" presId="urn:microsoft.com/office/officeart/2005/8/layout/hChevron3"/>
-    <dgm:cxn modelId="{5C51FB35-6427-4922-BAE8-0588912CB2F9}" type="presParOf" srcId="{AED4F812-677E-4E89-B8CE-F2C7F38AC0A6}" destId="{75282B76-4A1B-4043-A722-B53657DB0DAA}" srcOrd="0" destOrd="0" presId="urn:microsoft.com/office/officeart/2005/8/layout/hChevron3"/>
-    <dgm:cxn modelId="{93B0FF22-25BA-494C-8964-1770C03464FC}" type="presParOf" srcId="{AED4F812-677E-4E89-B8CE-F2C7F38AC0A6}" destId="{DB9EC306-56F5-4825-A41F-F9876FC9E125}" srcOrd="1" destOrd="0" presId="urn:microsoft.com/office/officeart/2005/8/layout/hChevron3"/>
-    <dgm:cxn modelId="{94272AE6-D0B0-44C4-B190-114BD7DCDDC5}" type="presParOf" srcId="{AED4F812-677E-4E89-B8CE-F2C7F38AC0A6}" destId="{9F5C6265-53CB-4DCC-8DA2-23A6A2126ABB}" srcOrd="2" destOrd="0" presId="urn:microsoft.com/office/officeart/2005/8/layout/hChevron3"/>
-  </dgm:cxnLst>
-  <dgm:bg>
-    <a:noFill/>
-  </dgm:bg>
-  <dgm:whole/>
-  <dgm:extLst>
-    <a:ext uri="http://schemas.microsoft.com/office/drawing/2008/diagram">
-      <dsp:dataModelExt xmlns:dsp="http://schemas.microsoft.com/office/drawing/2008/diagram" relId="rId6" minVer="http://schemas.openxmlformats.org/drawingml/2006/diagram"/>
-    </a:ext>
-  </dgm:extLst>
-</dgm:dataModel>
-</file>
-
-<file path=ppt/diagrams/data13.xml><?xml version="1.0" encoding="utf-8"?>
-<dgm:dataModel xmlns:dgm="http://schemas.openxmlformats.org/drawingml/2006/diagram" xmlns:a="http://schemas.openxmlformats.org/drawingml/2006/main">
-  <dgm:ptLst>
-    <dgm:pt modelId="{CDB5BEA3-373E-4D4F-AA39-79969E9444C2}" type="doc">
-      <dgm:prSet loTypeId="urn:microsoft.com/office/officeart/2005/8/layout/hChevron3" loCatId="process" qsTypeId="urn:microsoft.com/office/officeart/2005/8/quickstyle/simple1" qsCatId="simple" csTypeId="urn:microsoft.com/office/officeart/2005/8/colors/accent1_2" csCatId="accent1" phldr="1"/>
-      <dgm:spPr/>
-    </dgm:pt>
-    <dgm:pt modelId="{24DA3925-63AE-407D-8E66-6C4C642F9F63}">
-      <dgm:prSet phldrT="[Текст]" custT="1"/>
-      <dgm:spPr>
-        <a:solidFill>
-          <a:srgbClr val="0A5283"/>
-        </a:solidFill>
-        <a:ln>
-          <a:noFill/>
-        </a:ln>
-      </dgm:spPr>
-      <dgm:t>
-        <a:bodyPr/>
-        <a:lstStyle/>
-        <a:p>
-          <a:pPr algn="l"/>
-          <a:r>
-            <a:rPr lang="en-US" sz="3200" dirty="0">
-              <a:solidFill>
-                <a:schemeClr val="bg1"/>
-              </a:solidFill>
-            </a:rPr>
-            <a:t> </a:t>
-          </a:r>
-          <a:r>
-            <a:rPr lang="ru-RU" sz="3200" dirty="0">
-              <a:solidFill>
-                <a:schemeClr val="bg1"/>
-              </a:solidFill>
-            </a:rPr>
-            <a:t>Цели и задачи выпускной квалификационной работы</a:t>
-          </a:r>
-        </a:p>
-      </dgm:t>
-    </dgm:pt>
-    <dgm:pt modelId="{DCC1E86C-1908-4B5E-B7C0-89BBBC92CE46}" type="parTrans" cxnId="{91853C7C-A62A-45E1-9276-D1D47CA2476F}">
-      <dgm:prSet/>
-      <dgm:spPr/>
-      <dgm:t>
-        <a:bodyPr/>
-        <a:lstStyle/>
-        <a:p>
-          <a:endParaRPr lang="ru-RU"/>
-        </a:p>
-      </dgm:t>
-    </dgm:pt>
-    <dgm:pt modelId="{E0103FFF-3D73-4356-87EE-1E1A391833AA}" type="sibTrans" cxnId="{91853C7C-A62A-45E1-9276-D1D47CA2476F}">
-      <dgm:prSet/>
-      <dgm:spPr/>
-      <dgm:t>
-        <a:bodyPr/>
-        <a:lstStyle/>
-        <a:p>
-          <a:endParaRPr lang="ru-RU"/>
-        </a:p>
-      </dgm:t>
-    </dgm:pt>
-    <dgm:pt modelId="{4A8396AD-A936-460D-A7D5-1DEBA706005D}">
-      <dgm:prSet phldrT="[Текст]"/>
-      <dgm:spPr>
-        <a:solidFill>
-          <a:srgbClr val="0A5283"/>
-        </a:solidFill>
-        <a:ln>
-          <a:noFill/>
-        </a:ln>
-      </dgm:spPr>
-      <dgm:t>
-        <a:bodyPr/>
-        <a:lstStyle/>
-        <a:p>
-          <a:r>
-            <a:rPr lang="ru-RU" dirty="0"/>
-            <a:t> </a:t>
-          </a:r>
-        </a:p>
-      </dgm:t>
-    </dgm:pt>
-    <dgm:pt modelId="{E9EE92E9-D700-44D9-B60C-0C9C6EBFEB0E}" type="parTrans" cxnId="{760F2005-5D68-4B1E-BE3B-7ACE1545D565}">
-      <dgm:prSet/>
-      <dgm:spPr/>
-      <dgm:t>
-        <a:bodyPr/>
-        <a:lstStyle/>
-        <a:p>
-          <a:endParaRPr lang="ru-RU"/>
-        </a:p>
-      </dgm:t>
-    </dgm:pt>
-    <dgm:pt modelId="{3B2DCDAA-DBCC-4FEB-BCF4-ED247A1B7EB7}" type="sibTrans" cxnId="{760F2005-5D68-4B1E-BE3B-7ACE1545D565}">
-      <dgm:prSet/>
-      <dgm:spPr/>
-      <dgm:t>
-        <a:bodyPr/>
-        <a:lstStyle/>
-        <a:p>
-          <a:endParaRPr lang="ru-RU"/>
-        </a:p>
-      </dgm:t>
-    </dgm:pt>
-    <dgm:pt modelId="{AED4F812-677E-4E89-B8CE-F2C7F38AC0A6}" type="pres">
-      <dgm:prSet presAssocID="{CDB5BEA3-373E-4D4F-AA39-79969E9444C2}" presName="Name0" presStyleCnt="0">
-        <dgm:presLayoutVars>
-          <dgm:dir/>
-          <dgm:resizeHandles val="exact"/>
-        </dgm:presLayoutVars>
-      </dgm:prSet>
-      <dgm:spPr/>
-    </dgm:pt>
-    <dgm:pt modelId="{75282B76-4A1B-4043-A722-B53657DB0DAA}" type="pres">
-      <dgm:prSet presAssocID="{24DA3925-63AE-407D-8E66-6C4C642F9F63}" presName="parTxOnly" presStyleLbl="node1" presStyleIdx="0" presStyleCnt="2" custScaleX="99839">
-        <dgm:presLayoutVars>
-          <dgm:bulletEnabled val="1"/>
-        </dgm:presLayoutVars>
-      </dgm:prSet>
-      <dgm:spPr/>
-    </dgm:pt>
-    <dgm:pt modelId="{DB9EC306-56F5-4825-A41F-F9876FC9E125}" type="pres">
-      <dgm:prSet presAssocID="{E0103FFF-3D73-4356-87EE-1E1A391833AA}" presName="parSpace" presStyleCnt="0"/>
-      <dgm:spPr/>
-    </dgm:pt>
-    <dgm:pt modelId="{9F5C6265-53CB-4DCC-8DA2-23A6A2126ABB}" type="pres">
-      <dgm:prSet presAssocID="{4A8396AD-A936-460D-A7D5-1DEBA706005D}" presName="parTxOnly" presStyleLbl="node1" presStyleIdx="1" presStyleCnt="2" custScaleX="20336">
-        <dgm:presLayoutVars>
-          <dgm:bulletEnabled val="1"/>
-        </dgm:presLayoutVars>
-      </dgm:prSet>
-      <dgm:spPr/>
-    </dgm:pt>
-  </dgm:ptLst>
-  <dgm:cxnLst>
-    <dgm:cxn modelId="{760F2005-5D68-4B1E-BE3B-7ACE1545D565}" srcId="{CDB5BEA3-373E-4D4F-AA39-79969E9444C2}" destId="{4A8396AD-A936-460D-A7D5-1DEBA706005D}" srcOrd="1" destOrd="0" parTransId="{E9EE92E9-D700-44D9-B60C-0C9C6EBFEB0E}" sibTransId="{3B2DCDAA-DBCC-4FEB-BCF4-ED247A1B7EB7}"/>
-    <dgm:cxn modelId="{A684EF17-3113-4648-AA4B-06DE953701ED}" type="presOf" srcId="{CDB5BEA3-373E-4D4F-AA39-79969E9444C2}" destId="{AED4F812-677E-4E89-B8CE-F2C7F38AC0A6}" srcOrd="0" destOrd="0" presId="urn:microsoft.com/office/officeart/2005/8/layout/hChevron3"/>
-    <dgm:cxn modelId="{91853C7C-A62A-45E1-9276-D1D47CA2476F}" srcId="{CDB5BEA3-373E-4D4F-AA39-79969E9444C2}" destId="{24DA3925-63AE-407D-8E66-6C4C642F9F63}" srcOrd="0" destOrd="0" parTransId="{DCC1E86C-1908-4B5E-B7C0-89BBBC92CE46}" sibTransId="{E0103FFF-3D73-4356-87EE-1E1A391833AA}"/>
-    <dgm:cxn modelId="{7723608C-0975-4C5A-B633-4E60F8F8307F}" type="presOf" srcId="{4A8396AD-A936-460D-A7D5-1DEBA706005D}" destId="{9F5C6265-53CB-4DCC-8DA2-23A6A2126ABB}" srcOrd="0" destOrd="0" presId="urn:microsoft.com/office/officeart/2005/8/layout/hChevron3"/>
-    <dgm:cxn modelId="{1F2A9FB8-14A5-476F-994A-3E416120E522}" type="presOf" srcId="{24DA3925-63AE-407D-8E66-6C4C642F9F63}" destId="{75282B76-4A1B-4043-A722-B53657DB0DAA}" srcOrd="0" destOrd="0" presId="urn:microsoft.com/office/officeart/2005/8/layout/hChevron3"/>
-    <dgm:cxn modelId="{5C51FB35-6427-4922-BAE8-0588912CB2F9}" type="presParOf" srcId="{AED4F812-677E-4E89-B8CE-F2C7F38AC0A6}" destId="{75282B76-4A1B-4043-A722-B53657DB0DAA}" srcOrd="0" destOrd="0" presId="urn:microsoft.com/office/officeart/2005/8/layout/hChevron3"/>
-    <dgm:cxn modelId="{93B0FF22-25BA-494C-8964-1770C03464FC}" type="presParOf" srcId="{AED4F812-677E-4E89-B8CE-F2C7F38AC0A6}" destId="{DB9EC306-56F5-4825-A41F-F9876FC9E125}" srcOrd="1" destOrd="0" presId="urn:microsoft.com/office/officeart/2005/8/layout/hChevron3"/>
-    <dgm:cxn modelId="{94272AE6-D0B0-44C4-B190-114BD7DCDDC5}" type="presParOf" srcId="{AED4F812-677E-4E89-B8CE-F2C7F38AC0A6}" destId="{9F5C6265-53CB-4DCC-8DA2-23A6A2126ABB}" srcOrd="2" destOrd="0" presId="urn:microsoft.com/office/officeart/2005/8/layout/hChevron3"/>
-  </dgm:cxnLst>
-  <dgm:bg>
-    <a:noFill/>
-  </dgm:bg>
   <dgm:whole/>
   <dgm:extLst>
     <a:ext uri="http://schemas.microsoft.com/office/drawing/2008/diagram">
@@ -11727,12 +9906,20 @@
         <a:p>
           <a:pPr algn="l"/>
           <a:r>
+            <a:rPr lang="en-US" sz="3200" dirty="0">
+              <a:solidFill>
+                <a:schemeClr val="bg1"/>
+              </a:solidFill>
+            </a:rPr>
+            <a:t> </a:t>
+          </a:r>
+          <a:r>
             <a:rPr lang="ru-RU" sz="3200" dirty="0">
               <a:solidFill>
                 <a:schemeClr val="bg1"/>
               </a:solidFill>
             </a:rPr>
-            <a:t>Интерфейс страницы со статистикой</a:t>
+            <a:t>Интерфейс сервисной страницы с оборудованием</a:t>
           </a:r>
         </a:p>
       </dgm:t>
@@ -11812,7 +9999,7 @@
       <dgm:spPr/>
     </dgm:pt>
     <dgm:pt modelId="{75282B76-4A1B-4043-A722-B53657DB0DAA}" type="pres">
-      <dgm:prSet presAssocID="{24DA3925-63AE-407D-8E66-6C4C642F9F63}" presName="parTxOnly" presStyleLbl="node1" presStyleIdx="0" presStyleCnt="2" custScaleX="99839" custLinFactNeighborX="-52" custLinFactNeighborY="-1031">
+      <dgm:prSet presAssocID="{24DA3925-63AE-407D-8E66-6C4C642F9F63}" presName="parTxOnly" presStyleLbl="node1" presStyleIdx="0" presStyleCnt="2" custScaleX="99839">
         <dgm:presLayoutVars>
           <dgm:bulletEnabled val="1"/>
         </dgm:presLayoutVars>
@@ -12025,6 +10212,154 @@
       </dsp:nvSpPr>
       <dsp:spPr>
         <a:xfrm>
+          <a:off x="0" y="0"/>
+          <a:ext cx="11999313" cy="852406"/>
+        </a:xfrm>
+        <a:prstGeom prst="homePlate">
+          <a:avLst/>
+        </a:prstGeom>
+        <a:solidFill>
+          <a:srgbClr val="0A5283"/>
+        </a:solidFill>
+        <a:ln w="12700" cap="flat" cmpd="sng" algn="ctr">
+          <a:noFill/>
+          <a:prstDash val="solid"/>
+          <a:miter lim="800000"/>
+        </a:ln>
+        <a:effectLst/>
+      </dsp:spPr>
+      <dsp:style>
+        <a:lnRef idx="2">
+          <a:scrgbClr r="0" g="0" b="0"/>
+        </a:lnRef>
+        <a:fillRef idx="1">
+          <a:scrgbClr r="0" g="0" b="0"/>
+        </a:fillRef>
+        <a:effectRef idx="0">
+          <a:scrgbClr r="0" g="0" b="0"/>
+        </a:effectRef>
+        <a:fontRef idx="minor">
+          <a:schemeClr val="lt1"/>
+        </a:fontRef>
+      </dsp:style>
+      <dsp:txBody>
+        <a:bodyPr spcFirstLastPara="0" vert="horz" wrap="square" lIns="170688" tIns="85344" rIns="42672" bIns="85344" numCol="1" spcCol="1270" anchor="ctr" anchorCtr="0">
+          <a:noAutofit/>
+        </a:bodyPr>
+        <a:lstStyle/>
+        <a:p>
+          <a:pPr marL="0" lvl="0" indent="0" algn="l" defTabSz="1422400">
+            <a:lnSpc>
+              <a:spcPct val="90000"/>
+            </a:lnSpc>
+            <a:spcBef>
+              <a:spcPct val="0"/>
+            </a:spcBef>
+            <a:spcAft>
+              <a:spcPct val="35000"/>
+            </a:spcAft>
+            <a:buNone/>
+          </a:pPr>
+          <a:r>
+            <a:rPr lang="ru-RU" sz="3200" kern="1200" dirty="0">
+              <a:solidFill>
+                <a:schemeClr val="bg1"/>
+              </a:solidFill>
+            </a:rPr>
+            <a:t>Интерфейс страницы со статистикой</a:t>
+          </a:r>
+        </a:p>
+      </dsp:txBody>
+      <dsp:txXfrm>
+        <a:off x="0" y="0"/>
+        <a:ext cx="11786212" cy="852406"/>
+      </dsp:txXfrm>
+    </dsp:sp>
+    <dsp:sp modelId="{9F5C6265-53CB-4DCC-8DA2-23A6A2126ABB}">
+      <dsp:nvSpPr>
+        <dsp:cNvPr id="0" name=""/>
+        <dsp:cNvSpPr/>
+      </dsp:nvSpPr>
+      <dsp:spPr>
+        <a:xfrm>
+          <a:off x="9596824" y="0"/>
+          <a:ext cx="2444115" cy="852406"/>
+        </a:xfrm>
+        <a:prstGeom prst="chevron">
+          <a:avLst/>
+        </a:prstGeom>
+        <a:solidFill>
+          <a:srgbClr val="0A5283"/>
+        </a:solidFill>
+        <a:ln w="12700" cap="flat" cmpd="sng" algn="ctr">
+          <a:noFill/>
+          <a:prstDash val="solid"/>
+          <a:miter lim="800000"/>
+        </a:ln>
+        <a:effectLst/>
+      </dsp:spPr>
+      <dsp:style>
+        <a:lnRef idx="2">
+          <a:scrgbClr r="0" g="0" b="0"/>
+        </a:lnRef>
+        <a:fillRef idx="1">
+          <a:scrgbClr r="0" g="0" b="0"/>
+        </a:fillRef>
+        <a:effectRef idx="0">
+          <a:scrgbClr r="0" g="0" b="0"/>
+        </a:effectRef>
+        <a:fontRef idx="minor">
+          <a:schemeClr val="lt1"/>
+        </a:fontRef>
+      </dsp:style>
+      <dsp:txBody>
+        <a:bodyPr spcFirstLastPara="0" vert="horz" wrap="square" lIns="176022" tIns="117348" rIns="58674" bIns="117348" numCol="1" spcCol="1270" anchor="ctr" anchorCtr="0">
+          <a:noAutofit/>
+        </a:bodyPr>
+        <a:lstStyle/>
+        <a:p>
+          <a:pPr marL="0" lvl="0" indent="0" algn="ctr" defTabSz="1955800">
+            <a:lnSpc>
+              <a:spcPct val="90000"/>
+            </a:lnSpc>
+            <a:spcBef>
+              <a:spcPct val="0"/>
+            </a:spcBef>
+            <a:spcAft>
+              <a:spcPct val="35000"/>
+            </a:spcAft>
+            <a:buNone/>
+          </a:pPr>
+          <a:r>
+            <a:rPr lang="ru-RU" sz="4400" kern="1200" dirty="0"/>
+            <a:t> </a:t>
+          </a:r>
+        </a:p>
+      </dsp:txBody>
+      <dsp:txXfrm>
+        <a:off x="10023027" y="0"/>
+        <a:ext cx="1591709" cy="852406"/>
+      </dsp:txXfrm>
+    </dsp:sp>
+  </dsp:spTree>
+</dsp:drawing>
+</file>
+
+<file path=ppt/diagrams/drawing11.xml><?xml version="1.0" encoding="utf-8"?>
+<dsp:drawing xmlns:dgm="http://schemas.openxmlformats.org/drawingml/2006/diagram" xmlns:dsp="http://schemas.microsoft.com/office/drawing/2008/diagram" xmlns:a="http://schemas.openxmlformats.org/drawingml/2006/main">
+  <dsp:spTree>
+    <dsp:nvGrpSpPr>
+      <dsp:cNvPr id="0" name=""/>
+      <dsp:cNvGrpSpPr/>
+    </dsp:nvGrpSpPr>
+    <dsp:grpSpPr/>
+    <dsp:sp modelId="{75282B76-4A1B-4043-A722-B53657DB0DAA}">
+      <dsp:nvSpPr>
+        <dsp:cNvPr id="0" name=""/>
+        <dsp:cNvSpPr/>
+      </dsp:nvSpPr>
+      <dsp:spPr>
+        <a:xfrm>
           <a:off x="17" y="0"/>
           <a:ext cx="11999313" cy="2133600"/>
         </a:xfrm>
@@ -12160,474 +10495,6 @@
       <dsp:txXfrm>
         <a:off x="10663624" y="0"/>
         <a:ext cx="310515" cy="2133600"/>
-      </dsp:txXfrm>
-    </dsp:sp>
-  </dsp:spTree>
-</dsp:drawing>
-</file>
-
-<file path=ppt/diagrams/drawing11.xml><?xml version="1.0" encoding="utf-8"?>
-<dsp:drawing xmlns:dgm="http://schemas.openxmlformats.org/drawingml/2006/diagram" xmlns:dsp="http://schemas.microsoft.com/office/drawing/2008/diagram" xmlns:a="http://schemas.openxmlformats.org/drawingml/2006/main">
-  <dsp:spTree>
-    <dsp:nvGrpSpPr>
-      <dsp:cNvPr id="0" name=""/>
-      <dsp:cNvGrpSpPr/>
-    </dsp:nvGrpSpPr>
-    <dsp:grpSpPr/>
-    <dsp:sp modelId="{75282B76-4A1B-4043-A722-B53657DB0DAA}">
-      <dsp:nvSpPr>
-        <dsp:cNvPr id="0" name=""/>
-        <dsp:cNvSpPr/>
-      </dsp:nvSpPr>
-      <dsp:spPr>
-        <a:xfrm>
-          <a:off x="1243" y="0"/>
-          <a:ext cx="11999313" cy="852406"/>
-        </a:xfrm>
-        <a:prstGeom prst="homePlate">
-          <a:avLst/>
-        </a:prstGeom>
-        <a:solidFill>
-          <a:srgbClr val="0A5283"/>
-        </a:solidFill>
-        <a:ln w="12700" cap="flat" cmpd="sng" algn="ctr">
-          <a:noFill/>
-          <a:prstDash val="solid"/>
-          <a:miter lim="800000"/>
-        </a:ln>
-        <a:effectLst/>
-      </dsp:spPr>
-      <dsp:style>
-        <a:lnRef idx="2">
-          <a:scrgbClr r="0" g="0" b="0"/>
-        </a:lnRef>
-        <a:fillRef idx="1">
-          <a:scrgbClr r="0" g="0" b="0"/>
-        </a:fillRef>
-        <a:effectRef idx="0">
-          <a:scrgbClr r="0" g="0" b="0"/>
-        </a:effectRef>
-        <a:fontRef idx="minor">
-          <a:schemeClr val="lt1"/>
-        </a:fontRef>
-      </dsp:style>
-      <dsp:txBody>
-        <a:bodyPr spcFirstLastPara="0" vert="horz" wrap="square" lIns="170688" tIns="85344" rIns="42672" bIns="85344" numCol="1" spcCol="1270" anchor="ctr" anchorCtr="0">
-          <a:noAutofit/>
-        </a:bodyPr>
-        <a:lstStyle/>
-        <a:p>
-          <a:pPr marL="0" lvl="0" indent="0" algn="l" defTabSz="1422400">
-            <a:lnSpc>
-              <a:spcPct val="90000"/>
-            </a:lnSpc>
-            <a:spcBef>
-              <a:spcPct val="0"/>
-            </a:spcBef>
-            <a:spcAft>
-              <a:spcPct val="35000"/>
-            </a:spcAft>
-            <a:buNone/>
-          </a:pPr>
-          <a:r>
-            <a:rPr lang="en-US" sz="3200" kern="1200" dirty="0">
-              <a:solidFill>
-                <a:schemeClr val="bg1"/>
-              </a:solidFill>
-            </a:rPr>
-            <a:t> </a:t>
-          </a:r>
-          <a:r>
-            <a:rPr lang="ru-RU" sz="3200" kern="1200" dirty="0">
-              <a:solidFill>
-                <a:schemeClr val="bg1"/>
-              </a:solidFill>
-            </a:rPr>
-            <a:t>Цели и задачи выпускной квалификационной работы</a:t>
-          </a:r>
-        </a:p>
-      </dsp:txBody>
-      <dsp:txXfrm>
-        <a:off x="1243" y="0"/>
-        <a:ext cx="11786212" cy="852406"/>
-      </dsp:txXfrm>
-    </dsp:sp>
-    <dsp:sp modelId="{9F5C6265-53CB-4DCC-8DA2-23A6A2126ABB}">
-      <dsp:nvSpPr>
-        <dsp:cNvPr id="0" name=""/>
-        <dsp:cNvSpPr/>
-      </dsp:nvSpPr>
-      <dsp:spPr>
-        <a:xfrm>
-          <a:off x="9596824" y="0"/>
-          <a:ext cx="2444115" cy="852406"/>
-        </a:xfrm>
-        <a:prstGeom prst="chevron">
-          <a:avLst/>
-        </a:prstGeom>
-        <a:solidFill>
-          <a:srgbClr val="0A5283"/>
-        </a:solidFill>
-        <a:ln w="12700" cap="flat" cmpd="sng" algn="ctr">
-          <a:noFill/>
-          <a:prstDash val="solid"/>
-          <a:miter lim="800000"/>
-        </a:ln>
-        <a:effectLst/>
-      </dsp:spPr>
-      <dsp:style>
-        <a:lnRef idx="2">
-          <a:scrgbClr r="0" g="0" b="0"/>
-        </a:lnRef>
-        <a:fillRef idx="1">
-          <a:scrgbClr r="0" g="0" b="0"/>
-        </a:fillRef>
-        <a:effectRef idx="0">
-          <a:scrgbClr r="0" g="0" b="0"/>
-        </a:effectRef>
-        <a:fontRef idx="minor">
-          <a:schemeClr val="lt1"/>
-        </a:fontRef>
-      </dsp:style>
-      <dsp:txBody>
-        <a:bodyPr spcFirstLastPara="0" vert="horz" wrap="square" lIns="176022" tIns="117348" rIns="58674" bIns="117348" numCol="1" spcCol="1270" anchor="ctr" anchorCtr="0">
-          <a:noAutofit/>
-        </a:bodyPr>
-        <a:lstStyle/>
-        <a:p>
-          <a:pPr marL="0" lvl="0" indent="0" algn="ctr" defTabSz="1955800">
-            <a:lnSpc>
-              <a:spcPct val="90000"/>
-            </a:lnSpc>
-            <a:spcBef>
-              <a:spcPct val="0"/>
-            </a:spcBef>
-            <a:spcAft>
-              <a:spcPct val="35000"/>
-            </a:spcAft>
-            <a:buNone/>
-          </a:pPr>
-          <a:r>
-            <a:rPr lang="ru-RU" sz="4400" kern="1200" dirty="0"/>
-            <a:t> </a:t>
-          </a:r>
-        </a:p>
-      </dsp:txBody>
-      <dsp:txXfrm>
-        <a:off x="10023027" y="0"/>
-        <a:ext cx="1591709" cy="852406"/>
-      </dsp:txXfrm>
-    </dsp:sp>
-  </dsp:spTree>
-</dsp:drawing>
-</file>
-
-<file path=ppt/diagrams/drawing12.xml><?xml version="1.0" encoding="utf-8"?>
-<dsp:drawing xmlns:dgm="http://schemas.openxmlformats.org/drawingml/2006/diagram" xmlns:dsp="http://schemas.microsoft.com/office/drawing/2008/diagram" xmlns:a="http://schemas.openxmlformats.org/drawingml/2006/main">
-  <dsp:spTree>
-    <dsp:nvGrpSpPr>
-      <dsp:cNvPr id="0" name=""/>
-      <dsp:cNvGrpSpPr/>
-    </dsp:nvGrpSpPr>
-    <dsp:grpSpPr/>
-    <dsp:sp modelId="{75282B76-4A1B-4043-A722-B53657DB0DAA}">
-      <dsp:nvSpPr>
-        <dsp:cNvPr id="0" name=""/>
-        <dsp:cNvSpPr/>
-      </dsp:nvSpPr>
-      <dsp:spPr>
-        <a:xfrm>
-          <a:off x="1243" y="0"/>
-          <a:ext cx="11999313" cy="852406"/>
-        </a:xfrm>
-        <a:prstGeom prst="homePlate">
-          <a:avLst/>
-        </a:prstGeom>
-        <a:solidFill>
-          <a:srgbClr val="0A5283"/>
-        </a:solidFill>
-        <a:ln w="12700" cap="flat" cmpd="sng" algn="ctr">
-          <a:noFill/>
-          <a:prstDash val="solid"/>
-          <a:miter lim="800000"/>
-        </a:ln>
-        <a:effectLst/>
-      </dsp:spPr>
-      <dsp:style>
-        <a:lnRef idx="2">
-          <a:scrgbClr r="0" g="0" b="0"/>
-        </a:lnRef>
-        <a:fillRef idx="1">
-          <a:scrgbClr r="0" g="0" b="0"/>
-        </a:fillRef>
-        <a:effectRef idx="0">
-          <a:scrgbClr r="0" g="0" b="0"/>
-        </a:effectRef>
-        <a:fontRef idx="minor">
-          <a:schemeClr val="lt1"/>
-        </a:fontRef>
-      </dsp:style>
-      <dsp:txBody>
-        <a:bodyPr spcFirstLastPara="0" vert="horz" wrap="square" lIns="170688" tIns="85344" rIns="42672" bIns="85344" numCol="1" spcCol="1270" anchor="ctr" anchorCtr="0">
-          <a:noAutofit/>
-        </a:bodyPr>
-        <a:lstStyle/>
-        <a:p>
-          <a:pPr marL="0" lvl="0" indent="0" algn="l" defTabSz="1422400">
-            <a:lnSpc>
-              <a:spcPct val="90000"/>
-            </a:lnSpc>
-            <a:spcBef>
-              <a:spcPct val="0"/>
-            </a:spcBef>
-            <a:spcAft>
-              <a:spcPct val="35000"/>
-            </a:spcAft>
-            <a:buNone/>
-          </a:pPr>
-          <a:r>
-            <a:rPr lang="en-US" sz="3200" kern="1200" dirty="0">
-              <a:solidFill>
-                <a:schemeClr val="bg1"/>
-              </a:solidFill>
-            </a:rPr>
-            <a:t> </a:t>
-          </a:r>
-          <a:r>
-            <a:rPr lang="ru-RU" sz="3200" kern="1200" dirty="0">
-              <a:solidFill>
-                <a:schemeClr val="bg1"/>
-              </a:solidFill>
-            </a:rPr>
-            <a:t>Цели и задачи выпускной квалификационной работы</a:t>
-          </a:r>
-        </a:p>
-      </dsp:txBody>
-      <dsp:txXfrm>
-        <a:off x="1243" y="0"/>
-        <a:ext cx="11786212" cy="852406"/>
-      </dsp:txXfrm>
-    </dsp:sp>
-    <dsp:sp modelId="{9F5C6265-53CB-4DCC-8DA2-23A6A2126ABB}">
-      <dsp:nvSpPr>
-        <dsp:cNvPr id="0" name=""/>
-        <dsp:cNvSpPr/>
-      </dsp:nvSpPr>
-      <dsp:spPr>
-        <a:xfrm>
-          <a:off x="9596824" y="0"/>
-          <a:ext cx="2444115" cy="852406"/>
-        </a:xfrm>
-        <a:prstGeom prst="chevron">
-          <a:avLst/>
-        </a:prstGeom>
-        <a:solidFill>
-          <a:srgbClr val="0A5283"/>
-        </a:solidFill>
-        <a:ln w="12700" cap="flat" cmpd="sng" algn="ctr">
-          <a:noFill/>
-          <a:prstDash val="solid"/>
-          <a:miter lim="800000"/>
-        </a:ln>
-        <a:effectLst/>
-      </dsp:spPr>
-      <dsp:style>
-        <a:lnRef idx="2">
-          <a:scrgbClr r="0" g="0" b="0"/>
-        </a:lnRef>
-        <a:fillRef idx="1">
-          <a:scrgbClr r="0" g="0" b="0"/>
-        </a:fillRef>
-        <a:effectRef idx="0">
-          <a:scrgbClr r="0" g="0" b="0"/>
-        </a:effectRef>
-        <a:fontRef idx="minor">
-          <a:schemeClr val="lt1"/>
-        </a:fontRef>
-      </dsp:style>
-      <dsp:txBody>
-        <a:bodyPr spcFirstLastPara="0" vert="horz" wrap="square" lIns="176022" tIns="117348" rIns="58674" bIns="117348" numCol="1" spcCol="1270" anchor="ctr" anchorCtr="0">
-          <a:noAutofit/>
-        </a:bodyPr>
-        <a:lstStyle/>
-        <a:p>
-          <a:pPr marL="0" lvl="0" indent="0" algn="ctr" defTabSz="1955800">
-            <a:lnSpc>
-              <a:spcPct val="90000"/>
-            </a:lnSpc>
-            <a:spcBef>
-              <a:spcPct val="0"/>
-            </a:spcBef>
-            <a:spcAft>
-              <a:spcPct val="35000"/>
-            </a:spcAft>
-            <a:buNone/>
-          </a:pPr>
-          <a:r>
-            <a:rPr lang="ru-RU" sz="4400" kern="1200" dirty="0"/>
-            <a:t> </a:t>
-          </a:r>
-        </a:p>
-      </dsp:txBody>
-      <dsp:txXfrm>
-        <a:off x="10023027" y="0"/>
-        <a:ext cx="1591709" cy="852406"/>
-      </dsp:txXfrm>
-    </dsp:sp>
-  </dsp:spTree>
-</dsp:drawing>
-</file>
-
-<file path=ppt/diagrams/drawing13.xml><?xml version="1.0" encoding="utf-8"?>
-<dsp:drawing xmlns:dgm="http://schemas.openxmlformats.org/drawingml/2006/diagram" xmlns:dsp="http://schemas.microsoft.com/office/drawing/2008/diagram" xmlns:a="http://schemas.openxmlformats.org/drawingml/2006/main">
-  <dsp:spTree>
-    <dsp:nvGrpSpPr>
-      <dsp:cNvPr id="0" name=""/>
-      <dsp:cNvGrpSpPr/>
-    </dsp:nvGrpSpPr>
-    <dsp:grpSpPr/>
-    <dsp:sp modelId="{75282B76-4A1B-4043-A722-B53657DB0DAA}">
-      <dsp:nvSpPr>
-        <dsp:cNvPr id="0" name=""/>
-        <dsp:cNvSpPr/>
-      </dsp:nvSpPr>
-      <dsp:spPr>
-        <a:xfrm>
-          <a:off x="1243" y="0"/>
-          <a:ext cx="11999313" cy="852406"/>
-        </a:xfrm>
-        <a:prstGeom prst="homePlate">
-          <a:avLst/>
-        </a:prstGeom>
-        <a:solidFill>
-          <a:srgbClr val="0A5283"/>
-        </a:solidFill>
-        <a:ln w="12700" cap="flat" cmpd="sng" algn="ctr">
-          <a:noFill/>
-          <a:prstDash val="solid"/>
-          <a:miter lim="800000"/>
-        </a:ln>
-        <a:effectLst/>
-      </dsp:spPr>
-      <dsp:style>
-        <a:lnRef idx="2">
-          <a:scrgbClr r="0" g="0" b="0"/>
-        </a:lnRef>
-        <a:fillRef idx="1">
-          <a:scrgbClr r="0" g="0" b="0"/>
-        </a:fillRef>
-        <a:effectRef idx="0">
-          <a:scrgbClr r="0" g="0" b="0"/>
-        </a:effectRef>
-        <a:fontRef idx="minor">
-          <a:schemeClr val="lt1"/>
-        </a:fontRef>
-      </dsp:style>
-      <dsp:txBody>
-        <a:bodyPr spcFirstLastPara="0" vert="horz" wrap="square" lIns="170688" tIns="85344" rIns="42672" bIns="85344" numCol="1" spcCol="1270" anchor="ctr" anchorCtr="0">
-          <a:noAutofit/>
-        </a:bodyPr>
-        <a:lstStyle/>
-        <a:p>
-          <a:pPr marL="0" lvl="0" indent="0" algn="l" defTabSz="1422400">
-            <a:lnSpc>
-              <a:spcPct val="90000"/>
-            </a:lnSpc>
-            <a:spcBef>
-              <a:spcPct val="0"/>
-            </a:spcBef>
-            <a:spcAft>
-              <a:spcPct val="35000"/>
-            </a:spcAft>
-            <a:buNone/>
-          </a:pPr>
-          <a:r>
-            <a:rPr lang="en-US" sz="3200" kern="1200" dirty="0">
-              <a:solidFill>
-                <a:schemeClr val="bg1"/>
-              </a:solidFill>
-            </a:rPr>
-            <a:t> </a:t>
-          </a:r>
-          <a:r>
-            <a:rPr lang="ru-RU" sz="3200" kern="1200" dirty="0">
-              <a:solidFill>
-                <a:schemeClr val="bg1"/>
-              </a:solidFill>
-            </a:rPr>
-            <a:t>Цели и задачи выпускной квалификационной работы</a:t>
-          </a:r>
-        </a:p>
-      </dsp:txBody>
-      <dsp:txXfrm>
-        <a:off x="1243" y="0"/>
-        <a:ext cx="11786212" cy="852406"/>
-      </dsp:txXfrm>
-    </dsp:sp>
-    <dsp:sp modelId="{9F5C6265-53CB-4DCC-8DA2-23A6A2126ABB}">
-      <dsp:nvSpPr>
-        <dsp:cNvPr id="0" name=""/>
-        <dsp:cNvSpPr/>
-      </dsp:nvSpPr>
-      <dsp:spPr>
-        <a:xfrm>
-          <a:off x="9596824" y="0"/>
-          <a:ext cx="2444115" cy="852406"/>
-        </a:xfrm>
-        <a:prstGeom prst="chevron">
-          <a:avLst/>
-        </a:prstGeom>
-        <a:solidFill>
-          <a:srgbClr val="0A5283"/>
-        </a:solidFill>
-        <a:ln w="12700" cap="flat" cmpd="sng" algn="ctr">
-          <a:noFill/>
-          <a:prstDash val="solid"/>
-          <a:miter lim="800000"/>
-        </a:ln>
-        <a:effectLst/>
-      </dsp:spPr>
-      <dsp:style>
-        <a:lnRef idx="2">
-          <a:scrgbClr r="0" g="0" b="0"/>
-        </a:lnRef>
-        <a:fillRef idx="1">
-          <a:scrgbClr r="0" g="0" b="0"/>
-        </a:fillRef>
-        <a:effectRef idx="0">
-          <a:scrgbClr r="0" g="0" b="0"/>
-        </a:effectRef>
-        <a:fontRef idx="minor">
-          <a:schemeClr val="lt1"/>
-        </a:fontRef>
-      </dsp:style>
-      <dsp:txBody>
-        <a:bodyPr spcFirstLastPara="0" vert="horz" wrap="square" lIns="176022" tIns="117348" rIns="58674" bIns="117348" numCol="1" spcCol="1270" anchor="ctr" anchorCtr="0">
-          <a:noAutofit/>
-        </a:bodyPr>
-        <a:lstStyle/>
-        <a:p>
-          <a:pPr marL="0" lvl="0" indent="0" algn="ctr" defTabSz="1955800">
-            <a:lnSpc>
-              <a:spcPct val="90000"/>
-            </a:lnSpc>
-            <a:spcBef>
-              <a:spcPct val="0"/>
-            </a:spcBef>
-            <a:spcAft>
-              <a:spcPct val="35000"/>
-            </a:spcAft>
-            <a:buNone/>
-          </a:pPr>
-          <a:r>
-            <a:rPr lang="ru-RU" sz="4400" kern="1200" dirty="0"/>
-            <a:t> </a:t>
-          </a:r>
-        </a:p>
-      </dsp:txBody>
-      <dsp:txXfrm>
-        <a:off x="10023027" y="0"/>
-        <a:ext cx="1591709" cy="852406"/>
       </dsp:txXfrm>
     </dsp:sp>
   </dsp:spTree>
@@ -13714,7 +11581,7 @@
       </dsp:nvSpPr>
       <dsp:spPr>
         <a:xfrm>
-          <a:off x="0" y="0"/>
+          <a:off x="1243" y="0"/>
           <a:ext cx="11999313" cy="852406"/>
         </a:xfrm>
         <a:prstGeom prst="homePlate">
@@ -13763,17 +11630,25 @@
             <a:buNone/>
           </a:pPr>
           <a:r>
+            <a:rPr lang="en-US" sz="3200" kern="1200" dirty="0">
+              <a:solidFill>
+                <a:schemeClr val="bg1"/>
+              </a:solidFill>
+            </a:rPr>
+            <a:t> </a:t>
+          </a:r>
+          <a:r>
             <a:rPr lang="ru-RU" sz="3200" kern="1200" dirty="0">
               <a:solidFill>
                 <a:schemeClr val="bg1"/>
               </a:solidFill>
             </a:rPr>
-            <a:t>Интерфейс страницы со статистикой</a:t>
+            <a:t>Интерфейс сервисной страницы с оборудованием</a:t>
           </a:r>
         </a:p>
       </dsp:txBody>
       <dsp:txXfrm>
-        <a:off x="0" y="0"/>
+        <a:off x="1243" y="0"/>
         <a:ext cx="11786212" cy="852406"/>
       </dsp:txXfrm>
     </dsp:sp>
@@ -14392,550 +12267,6 @@
 </file>
 
 <file path=ppt/diagrams/layout11.xml><?xml version="1.0" encoding="utf-8"?>
-<dgm:layoutDef xmlns:dgm="http://schemas.openxmlformats.org/drawingml/2006/diagram" xmlns:a="http://schemas.openxmlformats.org/drawingml/2006/main" uniqueId="urn:microsoft.com/office/officeart/2005/8/layout/hChevron3">
-  <dgm:title val=""/>
-  <dgm:desc val=""/>
-  <dgm:catLst>
-    <dgm:cat type="process" pri="10000"/>
-  </dgm:catLst>
-  <dgm:sampData useDef="1">
-    <dgm:dataModel>
-      <dgm:ptLst/>
-      <dgm:bg/>
-      <dgm:whole/>
-    </dgm:dataModel>
-  </dgm:sampData>
-  <dgm:styleData>
-    <dgm:dataModel>
-      <dgm:ptLst>
-        <dgm:pt modelId="0" type="doc"/>
-        <dgm:pt modelId="1"/>
-        <dgm:pt modelId="2"/>
-      </dgm:ptLst>
-      <dgm:cxnLst>
-        <dgm:cxn modelId="3" srcId="0" destId="1" srcOrd="0" destOrd="0"/>
-        <dgm:cxn modelId="4" srcId="0" destId="2" srcOrd="1" destOrd="0"/>
-      </dgm:cxnLst>
-      <dgm:bg/>
-      <dgm:whole/>
-    </dgm:dataModel>
-  </dgm:styleData>
-  <dgm:clrData>
-    <dgm:dataModel>
-      <dgm:ptLst>
-        <dgm:pt modelId="0" type="doc"/>
-        <dgm:pt modelId="1"/>
-        <dgm:pt modelId="2"/>
-        <dgm:pt modelId="3"/>
-        <dgm:pt modelId="4"/>
-      </dgm:ptLst>
-      <dgm:cxnLst>
-        <dgm:cxn modelId="5" srcId="0" destId="1" srcOrd="0" destOrd="0"/>
-        <dgm:cxn modelId="6" srcId="0" destId="2" srcOrd="1" destOrd="0"/>
-        <dgm:cxn modelId="7" srcId="0" destId="3" srcOrd="2" destOrd="0"/>
-        <dgm:cxn modelId="8" srcId="0" destId="4" srcOrd="3" destOrd="0"/>
-      </dgm:cxnLst>
-      <dgm:bg/>
-      <dgm:whole/>
-    </dgm:dataModel>
-  </dgm:clrData>
-  <dgm:layoutNode name="Name0">
-    <dgm:varLst>
-      <dgm:dir/>
-      <dgm:resizeHandles val="exact"/>
-    </dgm:varLst>
-    <dgm:choose name="Name1">
-      <dgm:if name="Name2" func="var" arg="dir" op="equ" val="norm">
-        <dgm:alg type="lin"/>
-      </dgm:if>
-      <dgm:else name="Name3">
-        <dgm:alg type="lin">
-          <dgm:param type="linDir" val="fromR"/>
-        </dgm:alg>
-      </dgm:else>
-    </dgm:choose>
-    <dgm:shape xmlns:r="http://schemas.openxmlformats.org/officeDocument/2006/relationships" r:blip="">
-      <dgm:adjLst/>
-    </dgm:shape>
-    <dgm:presOf/>
-    <dgm:choose name="Name4">
-      <dgm:if name="Name5" axis="root des" func="maxDepth" op="gte" val="2">
-        <dgm:constrLst>
-          <dgm:constr type="w" for="ch" forName="parAndChTx" refType="w"/>
-          <dgm:constr type="primFontSz" for="ch" ptType="node" op="equ"/>
-          <dgm:constr type="w" for="ch" forName="parAndChSpace" refType="w" refFor="ch" refForName="parAndChTx" fact="-0.2"/>
-          <dgm:constr type="w" for="ch" ptType="sibTrans" op="equ"/>
-        </dgm:constrLst>
-        <dgm:ruleLst/>
-        <dgm:forEach name="Name6" axis="ch" ptType="node">
-          <dgm:layoutNode name="parAndChTx">
-            <dgm:varLst>
-              <dgm:bulletEnabled val="1"/>
-            </dgm:varLst>
-            <dgm:alg type="tx"/>
-            <dgm:choose name="Name7">
-              <dgm:if name="Name8" func="var" arg="dir" op="equ" val="norm">
-                <dgm:choose name="Name9">
-                  <dgm:if name="Name10" axis="self" ptType="node" func="pos" op="equ" val="1">
-                    <dgm:shape xmlns:r="http://schemas.openxmlformats.org/officeDocument/2006/relationships" type="homePlate" r:blip="">
-                      <dgm:adjLst>
-                        <dgm:adj idx="1" val="0.25"/>
-                      </dgm:adjLst>
-                    </dgm:shape>
-                    <dgm:presOf axis="desOrSelf" ptType="node"/>
-                    <dgm:constrLst>
-                      <dgm:constr type="h" refType="w" op="equ" fact="0.8"/>
-                      <dgm:constr type="primFontSz" val="65"/>
-                      <dgm:constr type="tMarg" refType="primFontSz" fact="0.2"/>
-                      <dgm:constr type="bMarg" refType="primFontSz" fact="0.2"/>
-                      <dgm:constr type="lMarg" refType="w" fact="0.1"/>
-                      <dgm:constr type="rMarg" refType="w" fact="0.4"/>
-                    </dgm:constrLst>
-                  </dgm:if>
-                  <dgm:else name="Name11">
-                    <dgm:shape xmlns:r="http://schemas.openxmlformats.org/officeDocument/2006/relationships" type="chevron" r:blip="">
-                      <dgm:adjLst>
-                        <dgm:adj idx="1" val="0.25"/>
-                      </dgm:adjLst>
-                    </dgm:shape>
-                    <dgm:presOf axis="desOrSelf" ptType="node"/>
-                    <dgm:constrLst>
-                      <dgm:constr type="h" refType="w" op="equ" fact="0.8"/>
-                      <dgm:constr type="primFontSz" val="65"/>
-                      <dgm:constr type="tMarg" refType="primFontSz" fact="0.2"/>
-                      <dgm:constr type="bMarg" refType="primFontSz" fact="0.2"/>
-                      <dgm:constr type="lMarg" refType="w" fact="0.1"/>
-                      <dgm:constr type="rMarg" refType="w" fact="0.1"/>
-                    </dgm:constrLst>
-                  </dgm:else>
-                </dgm:choose>
-              </dgm:if>
-              <dgm:else name="Name12">
-                <dgm:choose name="Name13">
-                  <dgm:if name="Name14" axis="self" ptType="node" func="pos" op="equ" val="1">
-                    <dgm:shape xmlns:r="http://schemas.openxmlformats.org/officeDocument/2006/relationships" rot="180" type="homePlate" r:blip="">
-                      <dgm:adjLst>
-                        <dgm:adj idx="1" val="0.25"/>
-                      </dgm:adjLst>
-                    </dgm:shape>
-                    <dgm:presOf axis="desOrSelf" ptType="node"/>
-                    <dgm:constrLst>
-                      <dgm:constr type="h" refType="w" op="equ" fact="0.8"/>
-                      <dgm:constr type="primFontSz" val="65"/>
-                      <dgm:constr type="tMarg" refType="primFontSz" fact="0.2"/>
-                      <dgm:constr type="bMarg" refType="primFontSz" fact="0.2"/>
-                      <dgm:constr type="lMarg" refType="w" fact="0.4"/>
-                      <dgm:constr type="rMarg" refType="w" fact="0.1"/>
-                    </dgm:constrLst>
-                  </dgm:if>
-                  <dgm:else name="Name15">
-                    <dgm:shape xmlns:r="http://schemas.openxmlformats.org/officeDocument/2006/relationships" rot="180" type="chevron" r:blip="">
-                      <dgm:adjLst>
-                        <dgm:adj idx="1" val="0.25"/>
-                      </dgm:adjLst>
-                    </dgm:shape>
-                    <dgm:presOf axis="desOrSelf" ptType="node"/>
-                    <dgm:constrLst>
-                      <dgm:constr type="h" refType="w" op="equ" fact="0.8"/>
-                      <dgm:constr type="primFontSz" val="65"/>
-                      <dgm:constr type="tMarg" refType="primFontSz" fact="0.2"/>
-                      <dgm:constr type="bMarg" refType="primFontSz" fact="0.2"/>
-                      <dgm:constr type="lMarg" refType="w" fact="0.1"/>
-                      <dgm:constr type="rMarg" refType="w" fact="0.1"/>
-                    </dgm:constrLst>
-                  </dgm:else>
-                </dgm:choose>
-              </dgm:else>
-            </dgm:choose>
-            <dgm:ruleLst>
-              <dgm:rule type="primFontSz" val="5" fact="NaN" max="NaN"/>
-            </dgm:ruleLst>
-          </dgm:layoutNode>
-          <dgm:forEach name="Name16" axis="followSib" ptType="sibTrans" cnt="1">
-            <dgm:layoutNode name="parAndChSpace">
-              <dgm:alg type="sp"/>
-              <dgm:shape xmlns:r="http://schemas.openxmlformats.org/officeDocument/2006/relationships" r:blip="">
-                <dgm:adjLst/>
-              </dgm:shape>
-              <dgm:presOf/>
-              <dgm:constrLst/>
-              <dgm:ruleLst/>
-            </dgm:layoutNode>
-          </dgm:forEach>
-        </dgm:forEach>
-      </dgm:if>
-      <dgm:else name="Name17">
-        <dgm:constrLst>
-          <dgm:constr type="w" for="ch" forName="parTxOnly" refType="w"/>
-          <dgm:constr type="primFontSz" for="ch" ptType="node" op="equ"/>
-          <dgm:constr type="w" for="ch" forName="parSpace" refType="w" refFor="ch" refForName="parTxOnly" fact="-0.2"/>
-          <dgm:constr type="w" for="ch" ptType="sibTrans" op="equ"/>
-        </dgm:constrLst>
-        <dgm:ruleLst/>
-        <dgm:forEach name="Name18" axis="ch" ptType="node">
-          <dgm:layoutNode name="parTxOnly">
-            <dgm:varLst>
-              <dgm:bulletEnabled val="1"/>
-            </dgm:varLst>
-            <dgm:alg type="tx"/>
-            <dgm:presOf axis="desOrSelf" ptType="node"/>
-            <dgm:choose name="Name19">
-              <dgm:if name="Name20" func="var" arg="dir" op="equ" val="norm">
-                <dgm:choose name="Name21">
-                  <dgm:if name="Name22" axis="self" ptType="node" func="pos" op="equ" val="1">
-                    <dgm:shape xmlns:r="http://schemas.openxmlformats.org/officeDocument/2006/relationships" type="homePlate" r:blip="">
-                      <dgm:adjLst/>
-                    </dgm:shape>
-                    <dgm:constrLst>
-                      <dgm:constr type="h" refType="w" op="equ" fact="0.4"/>
-                      <dgm:constr type="primFontSz" val="65"/>
-                      <dgm:constr type="tMarg" refType="primFontSz" fact="0.21"/>
-                      <dgm:constr type="bMarg" refType="primFontSz" fact="0.21"/>
-                      <dgm:constr type="lMarg" refType="primFontSz" fact="0.42"/>
-                      <dgm:constr type="rMarg" refType="primFontSz" fact="0.105"/>
-                    </dgm:constrLst>
-                  </dgm:if>
-                  <dgm:else name="Name23">
-                    <dgm:shape xmlns:r="http://schemas.openxmlformats.org/officeDocument/2006/relationships" type="chevron" r:blip="">
-                      <dgm:adjLst/>
-                    </dgm:shape>
-                    <dgm:constrLst>
-                      <dgm:constr type="h" refType="w" op="equ" fact="0.4"/>
-                      <dgm:constr type="primFontSz" val="65"/>
-                      <dgm:constr type="tMarg" refType="primFontSz" fact="0.21"/>
-                      <dgm:constr type="bMarg" refType="primFontSz" fact="0.21"/>
-                      <dgm:constr type="lMarg" refType="primFontSz" fact="0.315"/>
-                      <dgm:constr type="rMarg" refType="primFontSz" fact="0.105"/>
-                    </dgm:constrLst>
-                  </dgm:else>
-                </dgm:choose>
-              </dgm:if>
-              <dgm:else name="Name24">
-                <dgm:choose name="Name25">
-                  <dgm:if name="Name26" axis="self" ptType="node" func="pos" op="equ" val="1">
-                    <dgm:shape xmlns:r="http://schemas.openxmlformats.org/officeDocument/2006/relationships" rot="180" type="homePlate" r:blip="">
-                      <dgm:adjLst/>
-                    </dgm:shape>
-                    <dgm:constrLst>
-                      <dgm:constr type="h" refType="w" op="equ" fact="0.4"/>
-                      <dgm:constr type="primFontSz" val="65"/>
-                      <dgm:constr type="tMarg" refType="primFontSz" fact="0.21"/>
-                      <dgm:constr type="bMarg" refType="primFontSz" fact="0.21"/>
-                      <dgm:constr type="lMarg" refType="primFontSz" fact="0.105"/>
-                      <dgm:constr type="rMarg" refType="primFontSz" fact="0.42"/>
-                    </dgm:constrLst>
-                  </dgm:if>
-                  <dgm:else name="Name27">
-                    <dgm:shape xmlns:r="http://schemas.openxmlformats.org/officeDocument/2006/relationships" rot="180" type="chevron" r:blip="">
-                      <dgm:adjLst/>
-                    </dgm:shape>
-                    <dgm:constrLst>
-                      <dgm:constr type="h" refType="w" op="equ" fact="0.4"/>
-                      <dgm:constr type="primFontSz" val="65"/>
-                      <dgm:constr type="tMarg" refType="primFontSz" fact="0.21"/>
-                      <dgm:constr type="bMarg" refType="primFontSz" fact="0.21"/>
-                      <dgm:constr type="lMarg" refType="primFontSz" fact="0.105"/>
-                      <dgm:constr type="rMarg" refType="primFontSz" fact="0.315"/>
-                    </dgm:constrLst>
-                  </dgm:else>
-                </dgm:choose>
-              </dgm:else>
-            </dgm:choose>
-            <dgm:ruleLst>
-              <dgm:rule type="primFontSz" val="5" fact="NaN" max="NaN"/>
-            </dgm:ruleLst>
-          </dgm:layoutNode>
-          <dgm:forEach name="Name28" axis="followSib" ptType="sibTrans" cnt="1">
-            <dgm:layoutNode name="parSpace">
-              <dgm:alg type="sp"/>
-              <dgm:shape xmlns:r="http://schemas.openxmlformats.org/officeDocument/2006/relationships" r:blip="">
-                <dgm:adjLst/>
-              </dgm:shape>
-              <dgm:presOf/>
-              <dgm:constrLst/>
-              <dgm:ruleLst/>
-            </dgm:layoutNode>
-          </dgm:forEach>
-        </dgm:forEach>
-      </dgm:else>
-    </dgm:choose>
-  </dgm:layoutNode>
-</dgm:layoutDef>
-</file>
-
-<file path=ppt/diagrams/layout12.xml><?xml version="1.0" encoding="utf-8"?>
-<dgm:layoutDef xmlns:dgm="http://schemas.openxmlformats.org/drawingml/2006/diagram" xmlns:a="http://schemas.openxmlformats.org/drawingml/2006/main" uniqueId="urn:microsoft.com/office/officeart/2005/8/layout/hChevron3">
-  <dgm:title val=""/>
-  <dgm:desc val=""/>
-  <dgm:catLst>
-    <dgm:cat type="process" pri="10000"/>
-  </dgm:catLst>
-  <dgm:sampData useDef="1">
-    <dgm:dataModel>
-      <dgm:ptLst/>
-      <dgm:bg/>
-      <dgm:whole/>
-    </dgm:dataModel>
-  </dgm:sampData>
-  <dgm:styleData>
-    <dgm:dataModel>
-      <dgm:ptLst>
-        <dgm:pt modelId="0" type="doc"/>
-        <dgm:pt modelId="1"/>
-        <dgm:pt modelId="2"/>
-      </dgm:ptLst>
-      <dgm:cxnLst>
-        <dgm:cxn modelId="3" srcId="0" destId="1" srcOrd="0" destOrd="0"/>
-        <dgm:cxn modelId="4" srcId="0" destId="2" srcOrd="1" destOrd="0"/>
-      </dgm:cxnLst>
-      <dgm:bg/>
-      <dgm:whole/>
-    </dgm:dataModel>
-  </dgm:styleData>
-  <dgm:clrData>
-    <dgm:dataModel>
-      <dgm:ptLst>
-        <dgm:pt modelId="0" type="doc"/>
-        <dgm:pt modelId="1"/>
-        <dgm:pt modelId="2"/>
-        <dgm:pt modelId="3"/>
-        <dgm:pt modelId="4"/>
-      </dgm:ptLst>
-      <dgm:cxnLst>
-        <dgm:cxn modelId="5" srcId="0" destId="1" srcOrd="0" destOrd="0"/>
-        <dgm:cxn modelId="6" srcId="0" destId="2" srcOrd="1" destOrd="0"/>
-        <dgm:cxn modelId="7" srcId="0" destId="3" srcOrd="2" destOrd="0"/>
-        <dgm:cxn modelId="8" srcId="0" destId="4" srcOrd="3" destOrd="0"/>
-      </dgm:cxnLst>
-      <dgm:bg/>
-      <dgm:whole/>
-    </dgm:dataModel>
-  </dgm:clrData>
-  <dgm:layoutNode name="Name0">
-    <dgm:varLst>
-      <dgm:dir/>
-      <dgm:resizeHandles val="exact"/>
-    </dgm:varLst>
-    <dgm:choose name="Name1">
-      <dgm:if name="Name2" func="var" arg="dir" op="equ" val="norm">
-        <dgm:alg type="lin"/>
-      </dgm:if>
-      <dgm:else name="Name3">
-        <dgm:alg type="lin">
-          <dgm:param type="linDir" val="fromR"/>
-        </dgm:alg>
-      </dgm:else>
-    </dgm:choose>
-    <dgm:shape xmlns:r="http://schemas.openxmlformats.org/officeDocument/2006/relationships" r:blip="">
-      <dgm:adjLst/>
-    </dgm:shape>
-    <dgm:presOf/>
-    <dgm:choose name="Name4">
-      <dgm:if name="Name5" axis="root des" func="maxDepth" op="gte" val="2">
-        <dgm:constrLst>
-          <dgm:constr type="w" for="ch" forName="parAndChTx" refType="w"/>
-          <dgm:constr type="primFontSz" for="ch" ptType="node" op="equ"/>
-          <dgm:constr type="w" for="ch" forName="parAndChSpace" refType="w" refFor="ch" refForName="parAndChTx" fact="-0.2"/>
-          <dgm:constr type="w" for="ch" ptType="sibTrans" op="equ"/>
-        </dgm:constrLst>
-        <dgm:ruleLst/>
-        <dgm:forEach name="Name6" axis="ch" ptType="node">
-          <dgm:layoutNode name="parAndChTx">
-            <dgm:varLst>
-              <dgm:bulletEnabled val="1"/>
-            </dgm:varLst>
-            <dgm:alg type="tx"/>
-            <dgm:choose name="Name7">
-              <dgm:if name="Name8" func="var" arg="dir" op="equ" val="norm">
-                <dgm:choose name="Name9">
-                  <dgm:if name="Name10" axis="self" ptType="node" func="pos" op="equ" val="1">
-                    <dgm:shape xmlns:r="http://schemas.openxmlformats.org/officeDocument/2006/relationships" type="homePlate" r:blip="">
-                      <dgm:adjLst>
-                        <dgm:adj idx="1" val="0.25"/>
-                      </dgm:adjLst>
-                    </dgm:shape>
-                    <dgm:presOf axis="desOrSelf" ptType="node"/>
-                    <dgm:constrLst>
-                      <dgm:constr type="h" refType="w" op="equ" fact="0.8"/>
-                      <dgm:constr type="primFontSz" val="65"/>
-                      <dgm:constr type="tMarg" refType="primFontSz" fact="0.2"/>
-                      <dgm:constr type="bMarg" refType="primFontSz" fact="0.2"/>
-                      <dgm:constr type="lMarg" refType="w" fact="0.1"/>
-                      <dgm:constr type="rMarg" refType="w" fact="0.4"/>
-                    </dgm:constrLst>
-                  </dgm:if>
-                  <dgm:else name="Name11">
-                    <dgm:shape xmlns:r="http://schemas.openxmlformats.org/officeDocument/2006/relationships" type="chevron" r:blip="">
-                      <dgm:adjLst>
-                        <dgm:adj idx="1" val="0.25"/>
-                      </dgm:adjLst>
-                    </dgm:shape>
-                    <dgm:presOf axis="desOrSelf" ptType="node"/>
-                    <dgm:constrLst>
-                      <dgm:constr type="h" refType="w" op="equ" fact="0.8"/>
-                      <dgm:constr type="primFontSz" val="65"/>
-                      <dgm:constr type="tMarg" refType="primFontSz" fact="0.2"/>
-                      <dgm:constr type="bMarg" refType="primFontSz" fact="0.2"/>
-                      <dgm:constr type="lMarg" refType="w" fact="0.1"/>
-                      <dgm:constr type="rMarg" refType="w" fact="0.1"/>
-                    </dgm:constrLst>
-                  </dgm:else>
-                </dgm:choose>
-              </dgm:if>
-              <dgm:else name="Name12">
-                <dgm:choose name="Name13">
-                  <dgm:if name="Name14" axis="self" ptType="node" func="pos" op="equ" val="1">
-                    <dgm:shape xmlns:r="http://schemas.openxmlformats.org/officeDocument/2006/relationships" rot="180" type="homePlate" r:blip="">
-                      <dgm:adjLst>
-                        <dgm:adj idx="1" val="0.25"/>
-                      </dgm:adjLst>
-                    </dgm:shape>
-                    <dgm:presOf axis="desOrSelf" ptType="node"/>
-                    <dgm:constrLst>
-                      <dgm:constr type="h" refType="w" op="equ" fact="0.8"/>
-                      <dgm:constr type="primFontSz" val="65"/>
-                      <dgm:constr type="tMarg" refType="primFontSz" fact="0.2"/>
-                      <dgm:constr type="bMarg" refType="primFontSz" fact="0.2"/>
-                      <dgm:constr type="lMarg" refType="w" fact="0.4"/>
-                      <dgm:constr type="rMarg" refType="w" fact="0.1"/>
-                    </dgm:constrLst>
-                  </dgm:if>
-                  <dgm:else name="Name15">
-                    <dgm:shape xmlns:r="http://schemas.openxmlformats.org/officeDocument/2006/relationships" rot="180" type="chevron" r:blip="">
-                      <dgm:adjLst>
-                        <dgm:adj idx="1" val="0.25"/>
-                      </dgm:adjLst>
-                    </dgm:shape>
-                    <dgm:presOf axis="desOrSelf" ptType="node"/>
-                    <dgm:constrLst>
-                      <dgm:constr type="h" refType="w" op="equ" fact="0.8"/>
-                      <dgm:constr type="primFontSz" val="65"/>
-                      <dgm:constr type="tMarg" refType="primFontSz" fact="0.2"/>
-                      <dgm:constr type="bMarg" refType="primFontSz" fact="0.2"/>
-                      <dgm:constr type="lMarg" refType="w" fact="0.1"/>
-                      <dgm:constr type="rMarg" refType="w" fact="0.1"/>
-                    </dgm:constrLst>
-                  </dgm:else>
-                </dgm:choose>
-              </dgm:else>
-            </dgm:choose>
-            <dgm:ruleLst>
-              <dgm:rule type="primFontSz" val="5" fact="NaN" max="NaN"/>
-            </dgm:ruleLst>
-          </dgm:layoutNode>
-          <dgm:forEach name="Name16" axis="followSib" ptType="sibTrans" cnt="1">
-            <dgm:layoutNode name="parAndChSpace">
-              <dgm:alg type="sp"/>
-              <dgm:shape xmlns:r="http://schemas.openxmlformats.org/officeDocument/2006/relationships" r:blip="">
-                <dgm:adjLst/>
-              </dgm:shape>
-              <dgm:presOf/>
-              <dgm:constrLst/>
-              <dgm:ruleLst/>
-            </dgm:layoutNode>
-          </dgm:forEach>
-        </dgm:forEach>
-      </dgm:if>
-      <dgm:else name="Name17">
-        <dgm:constrLst>
-          <dgm:constr type="w" for="ch" forName="parTxOnly" refType="w"/>
-          <dgm:constr type="primFontSz" for="ch" ptType="node" op="equ"/>
-          <dgm:constr type="w" for="ch" forName="parSpace" refType="w" refFor="ch" refForName="parTxOnly" fact="-0.2"/>
-          <dgm:constr type="w" for="ch" ptType="sibTrans" op="equ"/>
-        </dgm:constrLst>
-        <dgm:ruleLst/>
-        <dgm:forEach name="Name18" axis="ch" ptType="node">
-          <dgm:layoutNode name="parTxOnly">
-            <dgm:varLst>
-              <dgm:bulletEnabled val="1"/>
-            </dgm:varLst>
-            <dgm:alg type="tx"/>
-            <dgm:presOf axis="desOrSelf" ptType="node"/>
-            <dgm:choose name="Name19">
-              <dgm:if name="Name20" func="var" arg="dir" op="equ" val="norm">
-                <dgm:choose name="Name21">
-                  <dgm:if name="Name22" axis="self" ptType="node" func="pos" op="equ" val="1">
-                    <dgm:shape xmlns:r="http://schemas.openxmlformats.org/officeDocument/2006/relationships" type="homePlate" r:blip="">
-                      <dgm:adjLst/>
-                    </dgm:shape>
-                    <dgm:constrLst>
-                      <dgm:constr type="h" refType="w" op="equ" fact="0.4"/>
-                      <dgm:constr type="primFontSz" val="65"/>
-                      <dgm:constr type="tMarg" refType="primFontSz" fact="0.21"/>
-                      <dgm:constr type="bMarg" refType="primFontSz" fact="0.21"/>
-                      <dgm:constr type="lMarg" refType="primFontSz" fact="0.42"/>
-                      <dgm:constr type="rMarg" refType="primFontSz" fact="0.105"/>
-                    </dgm:constrLst>
-                  </dgm:if>
-                  <dgm:else name="Name23">
-                    <dgm:shape xmlns:r="http://schemas.openxmlformats.org/officeDocument/2006/relationships" type="chevron" r:blip="">
-                      <dgm:adjLst/>
-                    </dgm:shape>
-                    <dgm:constrLst>
-                      <dgm:constr type="h" refType="w" op="equ" fact="0.4"/>
-                      <dgm:constr type="primFontSz" val="65"/>
-                      <dgm:constr type="tMarg" refType="primFontSz" fact="0.21"/>
-                      <dgm:constr type="bMarg" refType="primFontSz" fact="0.21"/>
-                      <dgm:constr type="lMarg" refType="primFontSz" fact="0.315"/>
-                      <dgm:constr type="rMarg" refType="primFontSz" fact="0.105"/>
-                    </dgm:constrLst>
-                  </dgm:else>
-                </dgm:choose>
-              </dgm:if>
-              <dgm:else name="Name24">
-                <dgm:choose name="Name25">
-                  <dgm:if name="Name26" axis="self" ptType="node" func="pos" op="equ" val="1">
-                    <dgm:shape xmlns:r="http://schemas.openxmlformats.org/officeDocument/2006/relationships" rot="180" type="homePlate" r:blip="">
-                      <dgm:adjLst/>
-                    </dgm:shape>
-                    <dgm:constrLst>
-                      <dgm:constr type="h" refType="w" op="equ" fact="0.4"/>
-                      <dgm:constr type="primFontSz" val="65"/>
-                      <dgm:constr type="tMarg" refType="primFontSz" fact="0.21"/>
-                      <dgm:constr type="bMarg" refType="primFontSz" fact="0.21"/>
-                      <dgm:constr type="lMarg" refType="primFontSz" fact="0.105"/>
-                      <dgm:constr type="rMarg" refType="primFontSz" fact="0.42"/>
-                    </dgm:constrLst>
-                  </dgm:if>
-                  <dgm:else name="Name27">
-                    <dgm:shape xmlns:r="http://schemas.openxmlformats.org/officeDocument/2006/relationships" rot="180" type="chevron" r:blip="">
-                      <dgm:adjLst/>
-                    </dgm:shape>
-                    <dgm:constrLst>
-                      <dgm:constr type="h" refType="w" op="equ" fact="0.4"/>
-                      <dgm:constr type="primFontSz" val="65"/>
-                      <dgm:constr type="tMarg" refType="primFontSz" fact="0.21"/>
-                      <dgm:constr type="bMarg" refType="primFontSz" fact="0.21"/>
-                      <dgm:constr type="lMarg" refType="primFontSz" fact="0.105"/>
-                      <dgm:constr type="rMarg" refType="primFontSz" fact="0.315"/>
-                    </dgm:constrLst>
-                  </dgm:else>
-                </dgm:choose>
-              </dgm:else>
-            </dgm:choose>
-            <dgm:ruleLst>
-              <dgm:rule type="primFontSz" val="5" fact="NaN" max="NaN"/>
-            </dgm:ruleLst>
-          </dgm:layoutNode>
-          <dgm:forEach name="Name28" axis="followSib" ptType="sibTrans" cnt="1">
-            <dgm:layoutNode name="parSpace">
-              <dgm:alg type="sp"/>
-              <dgm:shape xmlns:r="http://schemas.openxmlformats.org/officeDocument/2006/relationships" r:blip="">
-                <dgm:adjLst/>
-              </dgm:shape>
-              <dgm:presOf/>
-              <dgm:constrLst/>
-              <dgm:ruleLst/>
-            </dgm:layoutNode>
-          </dgm:forEach>
-        </dgm:forEach>
-      </dgm:else>
-    </dgm:choose>
-  </dgm:layoutNode>
-</dgm:layoutDef>
-</file>
-
-<file path=ppt/diagrams/layout13.xml><?xml version="1.0" encoding="utf-8"?>
 <dgm:layoutDef xmlns:dgm="http://schemas.openxmlformats.org/drawingml/2006/diagram" xmlns:a="http://schemas.openxmlformats.org/drawingml/2006/main" uniqueId="urn:microsoft.com/office/officeart/2005/8/layout/hChevron3">
   <dgm:title val=""/>
   <dgm:desc val=""/>
@@ -20485,2074 +17816,6 @@
 </dgm:styleDef>
 </file>
 
-<file path=ppt/diagrams/quickStyle12.xml><?xml version="1.0" encoding="utf-8"?>
-<dgm:styleDef xmlns:dgm="http://schemas.openxmlformats.org/drawingml/2006/diagram" xmlns:a="http://schemas.openxmlformats.org/drawingml/2006/main" uniqueId="urn:microsoft.com/office/officeart/2005/8/quickstyle/simple1">
-  <dgm:title val=""/>
-  <dgm:desc val=""/>
-  <dgm:catLst>
-    <dgm:cat type="simple" pri="10100"/>
-  </dgm:catLst>
-  <dgm:scene3d>
-    <a:camera prst="orthographicFront"/>
-    <a:lightRig rig="threePt" dir="t"/>
-  </dgm:scene3d>
-  <dgm:styleLbl name="node0">
-    <dgm:scene3d>
-      <a:camera prst="orthographicFront"/>
-      <a:lightRig rig="threePt" dir="t"/>
-    </dgm:scene3d>
-    <dgm:sp3d/>
-    <dgm:txPr/>
-    <dgm:style>
-      <a:lnRef idx="2">
-        <a:scrgbClr r="0" g="0" b="0"/>
-      </a:lnRef>
-      <a:fillRef idx="1">
-        <a:scrgbClr r="0" g="0" b="0"/>
-      </a:fillRef>
-      <a:effectRef idx="0">
-        <a:scrgbClr r="0" g="0" b="0"/>
-      </a:effectRef>
-      <a:fontRef idx="minor">
-        <a:schemeClr val="lt1"/>
-      </a:fontRef>
-    </dgm:style>
-  </dgm:styleLbl>
-  <dgm:styleLbl name="lnNode1">
-    <dgm:scene3d>
-      <a:camera prst="orthographicFront"/>
-      <a:lightRig rig="threePt" dir="t"/>
-    </dgm:scene3d>
-    <dgm:sp3d/>
-    <dgm:txPr/>
-    <dgm:style>
-      <a:lnRef idx="2">
-        <a:scrgbClr r="0" g="0" b="0"/>
-      </a:lnRef>
-      <a:fillRef idx="1">
-        <a:scrgbClr r="0" g="0" b="0"/>
-      </a:fillRef>
-      <a:effectRef idx="0">
-        <a:scrgbClr r="0" g="0" b="0"/>
-      </a:effectRef>
-      <a:fontRef idx="minor">
-        <a:schemeClr val="lt1"/>
-      </a:fontRef>
-    </dgm:style>
-  </dgm:styleLbl>
-  <dgm:styleLbl name="vennNode1">
-    <dgm:scene3d>
-      <a:camera prst="orthographicFront"/>
-      <a:lightRig rig="threePt" dir="t"/>
-    </dgm:scene3d>
-    <dgm:sp3d/>
-    <dgm:txPr/>
-    <dgm:style>
-      <a:lnRef idx="2">
-        <a:scrgbClr r="0" g="0" b="0"/>
-      </a:lnRef>
-      <a:fillRef idx="1">
-        <a:scrgbClr r="0" g="0" b="0"/>
-      </a:fillRef>
-      <a:effectRef idx="0">
-        <a:scrgbClr r="0" g="0" b="0"/>
-      </a:effectRef>
-      <a:fontRef idx="minor">
-        <a:schemeClr val="tx1"/>
-      </a:fontRef>
-    </dgm:style>
-  </dgm:styleLbl>
-  <dgm:styleLbl name="alignNode1">
-    <dgm:scene3d>
-      <a:camera prst="orthographicFront"/>
-      <a:lightRig rig="threePt" dir="t"/>
-    </dgm:scene3d>
-    <dgm:sp3d/>
-    <dgm:txPr/>
-    <dgm:style>
-      <a:lnRef idx="2">
-        <a:scrgbClr r="0" g="0" b="0"/>
-      </a:lnRef>
-      <a:fillRef idx="1">
-        <a:scrgbClr r="0" g="0" b="0"/>
-      </a:fillRef>
-      <a:effectRef idx="0">
-        <a:scrgbClr r="0" g="0" b="0"/>
-      </a:effectRef>
-      <a:fontRef idx="minor">
-        <a:schemeClr val="lt1"/>
-      </a:fontRef>
-    </dgm:style>
-  </dgm:styleLbl>
-  <dgm:styleLbl name="node1">
-    <dgm:scene3d>
-      <a:camera prst="orthographicFront"/>
-      <a:lightRig rig="threePt" dir="t"/>
-    </dgm:scene3d>
-    <dgm:sp3d/>
-    <dgm:txPr/>
-    <dgm:style>
-      <a:lnRef idx="2">
-        <a:scrgbClr r="0" g="0" b="0"/>
-      </a:lnRef>
-      <a:fillRef idx="1">
-        <a:scrgbClr r="0" g="0" b="0"/>
-      </a:fillRef>
-      <a:effectRef idx="0">
-        <a:scrgbClr r="0" g="0" b="0"/>
-      </a:effectRef>
-      <a:fontRef idx="minor">
-        <a:schemeClr val="lt1"/>
-      </a:fontRef>
-    </dgm:style>
-  </dgm:styleLbl>
-  <dgm:styleLbl name="node2">
-    <dgm:scene3d>
-      <a:camera prst="orthographicFront"/>
-      <a:lightRig rig="threePt" dir="t"/>
-    </dgm:scene3d>
-    <dgm:sp3d/>
-    <dgm:txPr/>
-    <dgm:style>
-      <a:lnRef idx="2">
-        <a:scrgbClr r="0" g="0" b="0"/>
-      </a:lnRef>
-      <a:fillRef idx="1">
-        <a:scrgbClr r="0" g="0" b="0"/>
-      </a:fillRef>
-      <a:effectRef idx="0">
-        <a:scrgbClr r="0" g="0" b="0"/>
-      </a:effectRef>
-      <a:fontRef idx="minor">
-        <a:schemeClr val="lt1"/>
-      </a:fontRef>
-    </dgm:style>
-  </dgm:styleLbl>
-  <dgm:styleLbl name="node3">
-    <dgm:scene3d>
-      <a:camera prst="orthographicFront"/>
-      <a:lightRig rig="threePt" dir="t"/>
-    </dgm:scene3d>
-    <dgm:sp3d/>
-    <dgm:txPr/>
-    <dgm:style>
-      <a:lnRef idx="2">
-        <a:scrgbClr r="0" g="0" b="0"/>
-      </a:lnRef>
-      <a:fillRef idx="1">
-        <a:scrgbClr r="0" g="0" b="0"/>
-      </a:fillRef>
-      <a:effectRef idx="0">
-        <a:scrgbClr r="0" g="0" b="0"/>
-      </a:effectRef>
-      <a:fontRef idx="minor">
-        <a:schemeClr val="lt1"/>
-      </a:fontRef>
-    </dgm:style>
-  </dgm:styleLbl>
-  <dgm:styleLbl name="node4">
-    <dgm:scene3d>
-      <a:camera prst="orthographicFront"/>
-      <a:lightRig rig="threePt" dir="t"/>
-    </dgm:scene3d>
-    <dgm:sp3d/>
-    <dgm:txPr/>
-    <dgm:style>
-      <a:lnRef idx="2">
-        <a:scrgbClr r="0" g="0" b="0"/>
-      </a:lnRef>
-      <a:fillRef idx="1">
-        <a:scrgbClr r="0" g="0" b="0"/>
-      </a:fillRef>
-      <a:effectRef idx="0">
-        <a:scrgbClr r="0" g="0" b="0"/>
-      </a:effectRef>
-      <a:fontRef idx="minor">
-        <a:schemeClr val="lt1"/>
-      </a:fontRef>
-    </dgm:style>
-  </dgm:styleLbl>
-  <dgm:styleLbl name="fgImgPlace1">
-    <dgm:scene3d>
-      <a:camera prst="orthographicFront"/>
-      <a:lightRig rig="threePt" dir="t"/>
-    </dgm:scene3d>
-    <dgm:sp3d/>
-    <dgm:txPr/>
-    <dgm:style>
-      <a:lnRef idx="2">
-        <a:scrgbClr r="0" g="0" b="0"/>
-      </a:lnRef>
-      <a:fillRef idx="1">
-        <a:scrgbClr r="0" g="0" b="0"/>
-      </a:fillRef>
-      <a:effectRef idx="0">
-        <a:scrgbClr r="0" g="0" b="0"/>
-      </a:effectRef>
-      <a:fontRef idx="minor"/>
-    </dgm:style>
-  </dgm:styleLbl>
-  <dgm:styleLbl name="alignImgPlace1">
-    <dgm:scene3d>
-      <a:camera prst="orthographicFront"/>
-      <a:lightRig rig="threePt" dir="t"/>
-    </dgm:scene3d>
-    <dgm:sp3d/>
-    <dgm:txPr/>
-    <dgm:style>
-      <a:lnRef idx="2">
-        <a:scrgbClr r="0" g="0" b="0"/>
-      </a:lnRef>
-      <a:fillRef idx="1">
-        <a:scrgbClr r="0" g="0" b="0"/>
-      </a:fillRef>
-      <a:effectRef idx="0">
-        <a:scrgbClr r="0" g="0" b="0"/>
-      </a:effectRef>
-      <a:fontRef idx="minor"/>
-    </dgm:style>
-  </dgm:styleLbl>
-  <dgm:styleLbl name="bgImgPlace1">
-    <dgm:scene3d>
-      <a:camera prst="orthographicFront"/>
-      <a:lightRig rig="threePt" dir="t"/>
-    </dgm:scene3d>
-    <dgm:sp3d/>
-    <dgm:txPr/>
-    <dgm:style>
-      <a:lnRef idx="2">
-        <a:scrgbClr r="0" g="0" b="0"/>
-      </a:lnRef>
-      <a:fillRef idx="1">
-        <a:scrgbClr r="0" g="0" b="0"/>
-      </a:fillRef>
-      <a:effectRef idx="0">
-        <a:scrgbClr r="0" g="0" b="0"/>
-      </a:effectRef>
-      <a:fontRef idx="minor"/>
-    </dgm:style>
-  </dgm:styleLbl>
-  <dgm:styleLbl name="sibTrans2D1">
-    <dgm:scene3d>
-      <a:camera prst="orthographicFront"/>
-      <a:lightRig rig="threePt" dir="t"/>
-    </dgm:scene3d>
-    <dgm:sp3d/>
-    <dgm:txPr/>
-    <dgm:style>
-      <a:lnRef idx="0">
-        <a:scrgbClr r="0" g="0" b="0"/>
-      </a:lnRef>
-      <a:fillRef idx="1">
-        <a:scrgbClr r="0" g="0" b="0"/>
-      </a:fillRef>
-      <a:effectRef idx="0">
-        <a:scrgbClr r="0" g="0" b="0"/>
-      </a:effectRef>
-      <a:fontRef idx="minor">
-        <a:schemeClr val="lt1"/>
-      </a:fontRef>
-    </dgm:style>
-  </dgm:styleLbl>
-  <dgm:styleLbl name="fgSibTrans2D1">
-    <dgm:scene3d>
-      <a:camera prst="orthographicFront"/>
-      <a:lightRig rig="threePt" dir="t"/>
-    </dgm:scene3d>
-    <dgm:sp3d/>
-    <dgm:txPr/>
-    <dgm:style>
-      <a:lnRef idx="0">
-        <a:scrgbClr r="0" g="0" b="0"/>
-      </a:lnRef>
-      <a:fillRef idx="1">
-        <a:scrgbClr r="0" g="0" b="0"/>
-      </a:fillRef>
-      <a:effectRef idx="0">
-        <a:scrgbClr r="0" g="0" b="0"/>
-      </a:effectRef>
-      <a:fontRef idx="minor">
-        <a:schemeClr val="lt1"/>
-      </a:fontRef>
-    </dgm:style>
-  </dgm:styleLbl>
-  <dgm:styleLbl name="bgSibTrans2D1">
-    <dgm:scene3d>
-      <a:camera prst="orthographicFront"/>
-      <a:lightRig rig="threePt" dir="t"/>
-    </dgm:scene3d>
-    <dgm:sp3d/>
-    <dgm:txPr/>
-    <dgm:style>
-      <a:lnRef idx="0">
-        <a:scrgbClr r="0" g="0" b="0"/>
-      </a:lnRef>
-      <a:fillRef idx="1">
-        <a:scrgbClr r="0" g="0" b="0"/>
-      </a:fillRef>
-      <a:effectRef idx="0">
-        <a:scrgbClr r="0" g="0" b="0"/>
-      </a:effectRef>
-      <a:fontRef idx="minor">
-        <a:schemeClr val="lt1"/>
-      </a:fontRef>
-    </dgm:style>
-  </dgm:styleLbl>
-  <dgm:styleLbl name="sibTrans1D1">
-    <dgm:scene3d>
-      <a:camera prst="orthographicFront"/>
-      <a:lightRig rig="threePt" dir="t"/>
-    </dgm:scene3d>
-    <dgm:sp3d/>
-    <dgm:txPr/>
-    <dgm:style>
-      <a:lnRef idx="1">
-        <a:scrgbClr r="0" g="0" b="0"/>
-      </a:lnRef>
-      <a:fillRef idx="0">
-        <a:scrgbClr r="0" g="0" b="0"/>
-      </a:fillRef>
-      <a:effectRef idx="0">
-        <a:scrgbClr r="0" g="0" b="0"/>
-      </a:effectRef>
-      <a:fontRef idx="minor"/>
-    </dgm:style>
-  </dgm:styleLbl>
-  <dgm:styleLbl name="callout">
-    <dgm:scene3d>
-      <a:camera prst="orthographicFront"/>
-      <a:lightRig rig="threePt" dir="t"/>
-    </dgm:scene3d>
-    <dgm:sp3d/>
-    <dgm:txPr/>
-    <dgm:style>
-      <a:lnRef idx="2">
-        <a:scrgbClr r="0" g="0" b="0"/>
-      </a:lnRef>
-      <a:fillRef idx="1">
-        <a:scrgbClr r="0" g="0" b="0"/>
-      </a:fillRef>
-      <a:effectRef idx="0">
-        <a:scrgbClr r="0" g="0" b="0"/>
-      </a:effectRef>
-      <a:fontRef idx="minor"/>
-    </dgm:style>
-  </dgm:styleLbl>
-  <dgm:styleLbl name="asst0">
-    <dgm:scene3d>
-      <a:camera prst="orthographicFront"/>
-      <a:lightRig rig="threePt" dir="t"/>
-    </dgm:scene3d>
-    <dgm:sp3d/>
-    <dgm:txPr/>
-    <dgm:style>
-      <a:lnRef idx="2">
-        <a:scrgbClr r="0" g="0" b="0"/>
-      </a:lnRef>
-      <a:fillRef idx="1">
-        <a:scrgbClr r="0" g="0" b="0"/>
-      </a:fillRef>
-      <a:effectRef idx="0">
-        <a:scrgbClr r="0" g="0" b="0"/>
-      </a:effectRef>
-      <a:fontRef idx="minor">
-        <a:schemeClr val="lt1"/>
-      </a:fontRef>
-    </dgm:style>
-  </dgm:styleLbl>
-  <dgm:styleLbl name="asst1">
-    <dgm:scene3d>
-      <a:camera prst="orthographicFront"/>
-      <a:lightRig rig="threePt" dir="t"/>
-    </dgm:scene3d>
-    <dgm:sp3d/>
-    <dgm:txPr/>
-    <dgm:style>
-      <a:lnRef idx="2">
-        <a:scrgbClr r="0" g="0" b="0"/>
-      </a:lnRef>
-      <a:fillRef idx="1">
-        <a:scrgbClr r="0" g="0" b="0"/>
-      </a:fillRef>
-      <a:effectRef idx="0">
-        <a:scrgbClr r="0" g="0" b="0"/>
-      </a:effectRef>
-      <a:fontRef idx="minor">
-        <a:schemeClr val="lt1"/>
-      </a:fontRef>
-    </dgm:style>
-  </dgm:styleLbl>
-  <dgm:styleLbl name="asst2">
-    <dgm:scene3d>
-      <a:camera prst="orthographicFront"/>
-      <a:lightRig rig="threePt" dir="t"/>
-    </dgm:scene3d>
-    <dgm:sp3d/>
-    <dgm:txPr/>
-    <dgm:style>
-      <a:lnRef idx="2">
-        <a:scrgbClr r="0" g="0" b="0"/>
-      </a:lnRef>
-      <a:fillRef idx="1">
-        <a:scrgbClr r="0" g="0" b="0"/>
-      </a:fillRef>
-      <a:effectRef idx="0">
-        <a:scrgbClr r="0" g="0" b="0"/>
-      </a:effectRef>
-      <a:fontRef idx="minor">
-        <a:schemeClr val="lt1"/>
-      </a:fontRef>
-    </dgm:style>
-  </dgm:styleLbl>
-  <dgm:styleLbl name="asst3">
-    <dgm:scene3d>
-      <a:camera prst="orthographicFront"/>
-      <a:lightRig rig="threePt" dir="t"/>
-    </dgm:scene3d>
-    <dgm:sp3d/>
-    <dgm:txPr/>
-    <dgm:style>
-      <a:lnRef idx="2">
-        <a:scrgbClr r="0" g="0" b="0"/>
-      </a:lnRef>
-      <a:fillRef idx="1">
-        <a:scrgbClr r="0" g="0" b="0"/>
-      </a:fillRef>
-      <a:effectRef idx="0">
-        <a:scrgbClr r="0" g="0" b="0"/>
-      </a:effectRef>
-      <a:fontRef idx="minor">
-        <a:schemeClr val="lt1"/>
-      </a:fontRef>
-    </dgm:style>
-  </dgm:styleLbl>
-  <dgm:styleLbl name="asst4">
-    <dgm:scene3d>
-      <a:camera prst="orthographicFront"/>
-      <a:lightRig rig="threePt" dir="t"/>
-    </dgm:scene3d>
-    <dgm:sp3d/>
-    <dgm:txPr/>
-    <dgm:style>
-      <a:lnRef idx="2">
-        <a:scrgbClr r="0" g="0" b="0"/>
-      </a:lnRef>
-      <a:fillRef idx="1">
-        <a:scrgbClr r="0" g="0" b="0"/>
-      </a:fillRef>
-      <a:effectRef idx="0">
-        <a:scrgbClr r="0" g="0" b="0"/>
-      </a:effectRef>
-      <a:fontRef idx="minor">
-        <a:schemeClr val="lt1"/>
-      </a:fontRef>
-    </dgm:style>
-  </dgm:styleLbl>
-  <dgm:styleLbl name="parChTrans2D1">
-    <dgm:scene3d>
-      <a:camera prst="orthographicFront"/>
-      <a:lightRig rig="threePt" dir="t"/>
-    </dgm:scene3d>
-    <dgm:sp3d/>
-    <dgm:txPr/>
-    <dgm:style>
-      <a:lnRef idx="2">
-        <a:scrgbClr r="0" g="0" b="0"/>
-      </a:lnRef>
-      <a:fillRef idx="1">
-        <a:scrgbClr r="0" g="0" b="0"/>
-      </a:fillRef>
-      <a:effectRef idx="0">
-        <a:scrgbClr r="0" g="0" b="0"/>
-      </a:effectRef>
-      <a:fontRef idx="minor">
-        <a:schemeClr val="lt1"/>
-      </a:fontRef>
-    </dgm:style>
-  </dgm:styleLbl>
-  <dgm:styleLbl name="parChTrans2D2">
-    <dgm:scene3d>
-      <a:camera prst="orthographicFront"/>
-      <a:lightRig rig="threePt" dir="t"/>
-    </dgm:scene3d>
-    <dgm:sp3d/>
-    <dgm:txPr/>
-    <dgm:style>
-      <a:lnRef idx="2">
-        <a:scrgbClr r="0" g="0" b="0"/>
-      </a:lnRef>
-      <a:fillRef idx="1">
-        <a:scrgbClr r="0" g="0" b="0"/>
-      </a:fillRef>
-      <a:effectRef idx="0">
-        <a:scrgbClr r="0" g="0" b="0"/>
-      </a:effectRef>
-      <a:fontRef idx="minor">
-        <a:schemeClr val="lt1"/>
-      </a:fontRef>
-    </dgm:style>
-  </dgm:styleLbl>
-  <dgm:styleLbl name="parChTrans2D3">
-    <dgm:scene3d>
-      <a:camera prst="orthographicFront"/>
-      <a:lightRig rig="threePt" dir="t"/>
-    </dgm:scene3d>
-    <dgm:sp3d/>
-    <dgm:txPr/>
-    <dgm:style>
-      <a:lnRef idx="2">
-        <a:scrgbClr r="0" g="0" b="0"/>
-      </a:lnRef>
-      <a:fillRef idx="1">
-        <a:scrgbClr r="0" g="0" b="0"/>
-      </a:fillRef>
-      <a:effectRef idx="0">
-        <a:scrgbClr r="0" g="0" b="0"/>
-      </a:effectRef>
-      <a:fontRef idx="minor">
-        <a:schemeClr val="lt1"/>
-      </a:fontRef>
-    </dgm:style>
-  </dgm:styleLbl>
-  <dgm:styleLbl name="parChTrans2D4">
-    <dgm:scene3d>
-      <a:camera prst="orthographicFront"/>
-      <a:lightRig rig="threePt" dir="t"/>
-    </dgm:scene3d>
-    <dgm:sp3d/>
-    <dgm:txPr/>
-    <dgm:style>
-      <a:lnRef idx="2">
-        <a:scrgbClr r="0" g="0" b="0"/>
-      </a:lnRef>
-      <a:fillRef idx="1">
-        <a:scrgbClr r="0" g="0" b="0"/>
-      </a:fillRef>
-      <a:effectRef idx="0">
-        <a:scrgbClr r="0" g="0" b="0"/>
-      </a:effectRef>
-      <a:fontRef idx="minor">
-        <a:schemeClr val="lt1"/>
-      </a:fontRef>
-    </dgm:style>
-  </dgm:styleLbl>
-  <dgm:styleLbl name="parChTrans1D1">
-    <dgm:scene3d>
-      <a:camera prst="orthographicFront"/>
-      <a:lightRig rig="threePt" dir="t"/>
-    </dgm:scene3d>
-    <dgm:sp3d/>
-    <dgm:txPr/>
-    <dgm:style>
-      <a:lnRef idx="2">
-        <a:scrgbClr r="0" g="0" b="0"/>
-      </a:lnRef>
-      <a:fillRef idx="0">
-        <a:scrgbClr r="0" g="0" b="0"/>
-      </a:fillRef>
-      <a:effectRef idx="0">
-        <a:scrgbClr r="0" g="0" b="0"/>
-      </a:effectRef>
-      <a:fontRef idx="minor"/>
-    </dgm:style>
-  </dgm:styleLbl>
-  <dgm:styleLbl name="parChTrans1D2">
-    <dgm:scene3d>
-      <a:camera prst="orthographicFront"/>
-      <a:lightRig rig="threePt" dir="t"/>
-    </dgm:scene3d>
-    <dgm:sp3d/>
-    <dgm:txPr/>
-    <dgm:style>
-      <a:lnRef idx="2">
-        <a:scrgbClr r="0" g="0" b="0"/>
-      </a:lnRef>
-      <a:fillRef idx="0">
-        <a:scrgbClr r="0" g="0" b="0"/>
-      </a:fillRef>
-      <a:effectRef idx="0">
-        <a:scrgbClr r="0" g="0" b="0"/>
-      </a:effectRef>
-      <a:fontRef idx="minor"/>
-    </dgm:style>
-  </dgm:styleLbl>
-  <dgm:styleLbl name="parChTrans1D3">
-    <dgm:scene3d>
-      <a:camera prst="orthographicFront"/>
-      <a:lightRig rig="threePt" dir="t"/>
-    </dgm:scene3d>
-    <dgm:sp3d/>
-    <dgm:txPr/>
-    <dgm:style>
-      <a:lnRef idx="2">
-        <a:scrgbClr r="0" g="0" b="0"/>
-      </a:lnRef>
-      <a:fillRef idx="0">
-        <a:scrgbClr r="0" g="0" b="0"/>
-      </a:fillRef>
-      <a:effectRef idx="0">
-        <a:scrgbClr r="0" g="0" b="0"/>
-      </a:effectRef>
-      <a:fontRef idx="minor"/>
-    </dgm:style>
-  </dgm:styleLbl>
-  <dgm:styleLbl name="parChTrans1D4">
-    <dgm:scene3d>
-      <a:camera prst="orthographicFront"/>
-      <a:lightRig rig="threePt" dir="t"/>
-    </dgm:scene3d>
-    <dgm:sp3d/>
-    <dgm:txPr/>
-    <dgm:style>
-      <a:lnRef idx="2">
-        <a:scrgbClr r="0" g="0" b="0"/>
-      </a:lnRef>
-      <a:fillRef idx="0">
-        <a:scrgbClr r="0" g="0" b="0"/>
-      </a:fillRef>
-      <a:effectRef idx="0">
-        <a:scrgbClr r="0" g="0" b="0"/>
-      </a:effectRef>
-      <a:fontRef idx="minor"/>
-    </dgm:style>
-  </dgm:styleLbl>
-  <dgm:styleLbl name="fgAcc1">
-    <dgm:scene3d>
-      <a:camera prst="orthographicFront"/>
-      <a:lightRig rig="threePt" dir="t"/>
-    </dgm:scene3d>
-    <dgm:sp3d/>
-    <dgm:txPr/>
-    <dgm:style>
-      <a:lnRef idx="2">
-        <a:scrgbClr r="0" g="0" b="0"/>
-      </a:lnRef>
-      <a:fillRef idx="1">
-        <a:scrgbClr r="0" g="0" b="0"/>
-      </a:fillRef>
-      <a:effectRef idx="0">
-        <a:scrgbClr r="0" g="0" b="0"/>
-      </a:effectRef>
-      <a:fontRef idx="minor"/>
-    </dgm:style>
-  </dgm:styleLbl>
-  <dgm:styleLbl name="conFgAcc1">
-    <dgm:scene3d>
-      <a:camera prst="orthographicFront"/>
-      <a:lightRig rig="threePt" dir="t"/>
-    </dgm:scene3d>
-    <dgm:sp3d/>
-    <dgm:txPr/>
-    <dgm:style>
-      <a:lnRef idx="2">
-        <a:scrgbClr r="0" g="0" b="0"/>
-      </a:lnRef>
-      <a:fillRef idx="1">
-        <a:scrgbClr r="0" g="0" b="0"/>
-      </a:fillRef>
-      <a:effectRef idx="0">
-        <a:scrgbClr r="0" g="0" b="0"/>
-      </a:effectRef>
-      <a:fontRef idx="minor"/>
-    </dgm:style>
-  </dgm:styleLbl>
-  <dgm:styleLbl name="alignAcc1">
-    <dgm:scene3d>
-      <a:camera prst="orthographicFront"/>
-      <a:lightRig rig="threePt" dir="t"/>
-    </dgm:scene3d>
-    <dgm:sp3d/>
-    <dgm:txPr/>
-    <dgm:style>
-      <a:lnRef idx="2">
-        <a:scrgbClr r="0" g="0" b="0"/>
-      </a:lnRef>
-      <a:fillRef idx="1">
-        <a:scrgbClr r="0" g="0" b="0"/>
-      </a:fillRef>
-      <a:effectRef idx="0">
-        <a:scrgbClr r="0" g="0" b="0"/>
-      </a:effectRef>
-      <a:fontRef idx="minor"/>
-    </dgm:style>
-  </dgm:styleLbl>
-  <dgm:styleLbl name="trAlignAcc1">
-    <dgm:scene3d>
-      <a:camera prst="orthographicFront"/>
-      <a:lightRig rig="threePt" dir="t"/>
-    </dgm:scene3d>
-    <dgm:sp3d/>
-    <dgm:txPr/>
-    <dgm:style>
-      <a:lnRef idx="1">
-        <a:scrgbClr r="0" g="0" b="0"/>
-      </a:lnRef>
-      <a:fillRef idx="1">
-        <a:scrgbClr r="0" g="0" b="0"/>
-      </a:fillRef>
-      <a:effectRef idx="0">
-        <a:scrgbClr r="0" g="0" b="0"/>
-      </a:effectRef>
-      <a:fontRef idx="minor"/>
-    </dgm:style>
-  </dgm:styleLbl>
-  <dgm:styleLbl name="bgAcc1">
-    <dgm:scene3d>
-      <a:camera prst="orthographicFront"/>
-      <a:lightRig rig="threePt" dir="t"/>
-    </dgm:scene3d>
-    <dgm:sp3d/>
-    <dgm:txPr/>
-    <dgm:style>
-      <a:lnRef idx="2">
-        <a:scrgbClr r="0" g="0" b="0"/>
-      </a:lnRef>
-      <a:fillRef idx="1">
-        <a:scrgbClr r="0" g="0" b="0"/>
-      </a:fillRef>
-      <a:effectRef idx="0">
-        <a:scrgbClr r="0" g="0" b="0"/>
-      </a:effectRef>
-      <a:fontRef idx="minor"/>
-    </dgm:style>
-  </dgm:styleLbl>
-  <dgm:styleLbl name="solidFgAcc1">
-    <dgm:scene3d>
-      <a:camera prst="orthographicFront"/>
-      <a:lightRig rig="threePt" dir="t"/>
-    </dgm:scene3d>
-    <dgm:sp3d/>
-    <dgm:txPr/>
-    <dgm:style>
-      <a:lnRef idx="2">
-        <a:scrgbClr r="0" g="0" b="0"/>
-      </a:lnRef>
-      <a:fillRef idx="1">
-        <a:scrgbClr r="0" g="0" b="0"/>
-      </a:fillRef>
-      <a:effectRef idx="0">
-        <a:scrgbClr r="0" g="0" b="0"/>
-      </a:effectRef>
-      <a:fontRef idx="minor"/>
-    </dgm:style>
-  </dgm:styleLbl>
-  <dgm:styleLbl name="solidAlignAcc1">
-    <dgm:scene3d>
-      <a:camera prst="orthographicFront"/>
-      <a:lightRig rig="threePt" dir="t"/>
-    </dgm:scene3d>
-    <dgm:sp3d/>
-    <dgm:txPr/>
-    <dgm:style>
-      <a:lnRef idx="2">
-        <a:scrgbClr r="0" g="0" b="0"/>
-      </a:lnRef>
-      <a:fillRef idx="1">
-        <a:scrgbClr r="0" g="0" b="0"/>
-      </a:fillRef>
-      <a:effectRef idx="0">
-        <a:scrgbClr r="0" g="0" b="0"/>
-      </a:effectRef>
-      <a:fontRef idx="minor"/>
-    </dgm:style>
-  </dgm:styleLbl>
-  <dgm:styleLbl name="solidBgAcc1">
-    <dgm:scene3d>
-      <a:camera prst="orthographicFront"/>
-      <a:lightRig rig="threePt" dir="t"/>
-    </dgm:scene3d>
-    <dgm:sp3d/>
-    <dgm:txPr/>
-    <dgm:style>
-      <a:lnRef idx="2">
-        <a:scrgbClr r="0" g="0" b="0"/>
-      </a:lnRef>
-      <a:fillRef idx="1">
-        <a:scrgbClr r="0" g="0" b="0"/>
-      </a:fillRef>
-      <a:effectRef idx="0">
-        <a:scrgbClr r="0" g="0" b="0"/>
-      </a:effectRef>
-      <a:fontRef idx="minor"/>
-    </dgm:style>
-  </dgm:styleLbl>
-  <dgm:styleLbl name="fgAccFollowNode1">
-    <dgm:scene3d>
-      <a:camera prst="orthographicFront"/>
-      <a:lightRig rig="threePt" dir="t"/>
-    </dgm:scene3d>
-    <dgm:sp3d/>
-    <dgm:txPr/>
-    <dgm:style>
-      <a:lnRef idx="2">
-        <a:scrgbClr r="0" g="0" b="0"/>
-      </a:lnRef>
-      <a:fillRef idx="1">
-        <a:scrgbClr r="0" g="0" b="0"/>
-      </a:fillRef>
-      <a:effectRef idx="0">
-        <a:scrgbClr r="0" g="0" b="0"/>
-      </a:effectRef>
-      <a:fontRef idx="minor"/>
-    </dgm:style>
-  </dgm:styleLbl>
-  <dgm:styleLbl name="alignAccFollowNode1">
-    <dgm:scene3d>
-      <a:camera prst="orthographicFront"/>
-      <a:lightRig rig="threePt" dir="t"/>
-    </dgm:scene3d>
-    <dgm:sp3d/>
-    <dgm:txPr/>
-    <dgm:style>
-      <a:lnRef idx="2">
-        <a:scrgbClr r="0" g="0" b="0"/>
-      </a:lnRef>
-      <a:fillRef idx="1">
-        <a:scrgbClr r="0" g="0" b="0"/>
-      </a:fillRef>
-      <a:effectRef idx="0">
-        <a:scrgbClr r="0" g="0" b="0"/>
-      </a:effectRef>
-      <a:fontRef idx="minor"/>
-    </dgm:style>
-  </dgm:styleLbl>
-  <dgm:styleLbl name="bgAccFollowNode1">
-    <dgm:scene3d>
-      <a:camera prst="orthographicFront"/>
-      <a:lightRig rig="threePt" dir="t"/>
-    </dgm:scene3d>
-    <dgm:sp3d/>
-    <dgm:txPr/>
-    <dgm:style>
-      <a:lnRef idx="2">
-        <a:scrgbClr r="0" g="0" b="0"/>
-      </a:lnRef>
-      <a:fillRef idx="1">
-        <a:scrgbClr r="0" g="0" b="0"/>
-      </a:fillRef>
-      <a:effectRef idx="0">
-        <a:scrgbClr r="0" g="0" b="0"/>
-      </a:effectRef>
-      <a:fontRef idx="minor"/>
-    </dgm:style>
-  </dgm:styleLbl>
-  <dgm:styleLbl name="fgAcc0">
-    <dgm:scene3d>
-      <a:camera prst="orthographicFront"/>
-      <a:lightRig rig="threePt" dir="t"/>
-    </dgm:scene3d>
-    <dgm:sp3d/>
-    <dgm:txPr/>
-    <dgm:style>
-      <a:lnRef idx="2">
-        <a:scrgbClr r="0" g="0" b="0"/>
-      </a:lnRef>
-      <a:fillRef idx="1">
-        <a:scrgbClr r="0" g="0" b="0"/>
-      </a:fillRef>
-      <a:effectRef idx="0">
-        <a:scrgbClr r="0" g="0" b="0"/>
-      </a:effectRef>
-      <a:fontRef idx="minor"/>
-    </dgm:style>
-  </dgm:styleLbl>
-  <dgm:styleLbl name="fgAcc2">
-    <dgm:scene3d>
-      <a:camera prst="orthographicFront"/>
-      <a:lightRig rig="threePt" dir="t"/>
-    </dgm:scene3d>
-    <dgm:sp3d/>
-    <dgm:txPr/>
-    <dgm:style>
-      <a:lnRef idx="2">
-        <a:scrgbClr r="0" g="0" b="0"/>
-      </a:lnRef>
-      <a:fillRef idx="1">
-        <a:scrgbClr r="0" g="0" b="0"/>
-      </a:fillRef>
-      <a:effectRef idx="0">
-        <a:scrgbClr r="0" g="0" b="0"/>
-      </a:effectRef>
-      <a:fontRef idx="minor"/>
-    </dgm:style>
-  </dgm:styleLbl>
-  <dgm:styleLbl name="fgAcc3">
-    <dgm:scene3d>
-      <a:camera prst="orthographicFront"/>
-      <a:lightRig rig="threePt" dir="t"/>
-    </dgm:scene3d>
-    <dgm:sp3d/>
-    <dgm:txPr/>
-    <dgm:style>
-      <a:lnRef idx="2">
-        <a:scrgbClr r="0" g="0" b="0"/>
-      </a:lnRef>
-      <a:fillRef idx="1">
-        <a:scrgbClr r="0" g="0" b="0"/>
-      </a:fillRef>
-      <a:effectRef idx="0">
-        <a:scrgbClr r="0" g="0" b="0"/>
-      </a:effectRef>
-      <a:fontRef idx="minor"/>
-    </dgm:style>
-  </dgm:styleLbl>
-  <dgm:styleLbl name="fgAcc4">
-    <dgm:scene3d>
-      <a:camera prst="orthographicFront"/>
-      <a:lightRig rig="threePt" dir="t"/>
-    </dgm:scene3d>
-    <dgm:sp3d/>
-    <dgm:txPr/>
-    <dgm:style>
-      <a:lnRef idx="2">
-        <a:scrgbClr r="0" g="0" b="0"/>
-      </a:lnRef>
-      <a:fillRef idx="1">
-        <a:scrgbClr r="0" g="0" b="0"/>
-      </a:fillRef>
-      <a:effectRef idx="0">
-        <a:scrgbClr r="0" g="0" b="0"/>
-      </a:effectRef>
-      <a:fontRef idx="minor"/>
-    </dgm:style>
-  </dgm:styleLbl>
-  <dgm:styleLbl name="bgShp">
-    <dgm:scene3d>
-      <a:camera prst="orthographicFront"/>
-      <a:lightRig rig="threePt" dir="t"/>
-    </dgm:scene3d>
-    <dgm:sp3d/>
-    <dgm:txPr/>
-    <dgm:style>
-      <a:lnRef idx="0">
-        <a:scrgbClr r="0" g="0" b="0"/>
-      </a:lnRef>
-      <a:fillRef idx="1">
-        <a:scrgbClr r="0" g="0" b="0"/>
-      </a:fillRef>
-      <a:effectRef idx="0">
-        <a:scrgbClr r="0" g="0" b="0"/>
-      </a:effectRef>
-      <a:fontRef idx="minor"/>
-    </dgm:style>
-  </dgm:styleLbl>
-  <dgm:styleLbl name="dkBgShp">
-    <dgm:scene3d>
-      <a:camera prst="orthographicFront"/>
-      <a:lightRig rig="threePt" dir="t"/>
-    </dgm:scene3d>
-    <dgm:sp3d/>
-    <dgm:txPr/>
-    <dgm:style>
-      <a:lnRef idx="0">
-        <a:scrgbClr r="0" g="0" b="0"/>
-      </a:lnRef>
-      <a:fillRef idx="1">
-        <a:scrgbClr r="0" g="0" b="0"/>
-      </a:fillRef>
-      <a:effectRef idx="0">
-        <a:scrgbClr r="0" g="0" b="0"/>
-      </a:effectRef>
-      <a:fontRef idx="minor"/>
-    </dgm:style>
-  </dgm:styleLbl>
-  <dgm:styleLbl name="trBgShp">
-    <dgm:scene3d>
-      <a:camera prst="orthographicFront"/>
-      <a:lightRig rig="threePt" dir="t"/>
-    </dgm:scene3d>
-    <dgm:sp3d/>
-    <dgm:txPr/>
-    <dgm:style>
-      <a:lnRef idx="0">
-        <a:scrgbClr r="0" g="0" b="0"/>
-      </a:lnRef>
-      <a:fillRef idx="1">
-        <a:scrgbClr r="0" g="0" b="0"/>
-      </a:fillRef>
-      <a:effectRef idx="0">
-        <a:scrgbClr r="0" g="0" b="0"/>
-      </a:effectRef>
-      <a:fontRef idx="minor"/>
-    </dgm:style>
-  </dgm:styleLbl>
-  <dgm:styleLbl name="fgShp">
-    <dgm:scene3d>
-      <a:camera prst="orthographicFront"/>
-      <a:lightRig rig="threePt" dir="t"/>
-    </dgm:scene3d>
-    <dgm:sp3d/>
-    <dgm:txPr/>
-    <dgm:style>
-      <a:lnRef idx="2">
-        <a:scrgbClr r="0" g="0" b="0"/>
-      </a:lnRef>
-      <a:fillRef idx="1">
-        <a:scrgbClr r="0" g="0" b="0"/>
-      </a:fillRef>
-      <a:effectRef idx="0">
-        <a:scrgbClr r="0" g="0" b="0"/>
-      </a:effectRef>
-      <a:fontRef idx="minor"/>
-    </dgm:style>
-  </dgm:styleLbl>
-  <dgm:styleLbl name="revTx">
-    <dgm:scene3d>
-      <a:camera prst="orthographicFront"/>
-      <a:lightRig rig="threePt" dir="t"/>
-    </dgm:scene3d>
-    <dgm:sp3d/>
-    <dgm:txPr/>
-    <dgm:style>
-      <a:lnRef idx="0">
-        <a:scrgbClr r="0" g="0" b="0"/>
-      </a:lnRef>
-      <a:fillRef idx="0">
-        <a:scrgbClr r="0" g="0" b="0"/>
-      </a:fillRef>
-      <a:effectRef idx="0">
-        <a:scrgbClr r="0" g="0" b="0"/>
-      </a:effectRef>
-      <a:fontRef idx="minor"/>
-    </dgm:style>
-  </dgm:styleLbl>
-</dgm:styleDef>
-</file>
-
-<file path=ppt/diagrams/quickStyle13.xml><?xml version="1.0" encoding="utf-8"?>
-<dgm:styleDef xmlns:dgm="http://schemas.openxmlformats.org/drawingml/2006/diagram" xmlns:a="http://schemas.openxmlformats.org/drawingml/2006/main" uniqueId="urn:microsoft.com/office/officeart/2005/8/quickstyle/simple1">
-  <dgm:title val=""/>
-  <dgm:desc val=""/>
-  <dgm:catLst>
-    <dgm:cat type="simple" pri="10100"/>
-  </dgm:catLst>
-  <dgm:scene3d>
-    <a:camera prst="orthographicFront"/>
-    <a:lightRig rig="threePt" dir="t"/>
-  </dgm:scene3d>
-  <dgm:styleLbl name="node0">
-    <dgm:scene3d>
-      <a:camera prst="orthographicFront"/>
-      <a:lightRig rig="threePt" dir="t"/>
-    </dgm:scene3d>
-    <dgm:sp3d/>
-    <dgm:txPr/>
-    <dgm:style>
-      <a:lnRef idx="2">
-        <a:scrgbClr r="0" g="0" b="0"/>
-      </a:lnRef>
-      <a:fillRef idx="1">
-        <a:scrgbClr r="0" g="0" b="0"/>
-      </a:fillRef>
-      <a:effectRef idx="0">
-        <a:scrgbClr r="0" g="0" b="0"/>
-      </a:effectRef>
-      <a:fontRef idx="minor">
-        <a:schemeClr val="lt1"/>
-      </a:fontRef>
-    </dgm:style>
-  </dgm:styleLbl>
-  <dgm:styleLbl name="lnNode1">
-    <dgm:scene3d>
-      <a:camera prst="orthographicFront"/>
-      <a:lightRig rig="threePt" dir="t"/>
-    </dgm:scene3d>
-    <dgm:sp3d/>
-    <dgm:txPr/>
-    <dgm:style>
-      <a:lnRef idx="2">
-        <a:scrgbClr r="0" g="0" b="0"/>
-      </a:lnRef>
-      <a:fillRef idx="1">
-        <a:scrgbClr r="0" g="0" b="0"/>
-      </a:fillRef>
-      <a:effectRef idx="0">
-        <a:scrgbClr r="0" g="0" b="0"/>
-      </a:effectRef>
-      <a:fontRef idx="minor">
-        <a:schemeClr val="lt1"/>
-      </a:fontRef>
-    </dgm:style>
-  </dgm:styleLbl>
-  <dgm:styleLbl name="vennNode1">
-    <dgm:scene3d>
-      <a:camera prst="orthographicFront"/>
-      <a:lightRig rig="threePt" dir="t"/>
-    </dgm:scene3d>
-    <dgm:sp3d/>
-    <dgm:txPr/>
-    <dgm:style>
-      <a:lnRef idx="2">
-        <a:scrgbClr r="0" g="0" b="0"/>
-      </a:lnRef>
-      <a:fillRef idx="1">
-        <a:scrgbClr r="0" g="0" b="0"/>
-      </a:fillRef>
-      <a:effectRef idx="0">
-        <a:scrgbClr r="0" g="0" b="0"/>
-      </a:effectRef>
-      <a:fontRef idx="minor">
-        <a:schemeClr val="tx1"/>
-      </a:fontRef>
-    </dgm:style>
-  </dgm:styleLbl>
-  <dgm:styleLbl name="alignNode1">
-    <dgm:scene3d>
-      <a:camera prst="orthographicFront"/>
-      <a:lightRig rig="threePt" dir="t"/>
-    </dgm:scene3d>
-    <dgm:sp3d/>
-    <dgm:txPr/>
-    <dgm:style>
-      <a:lnRef idx="2">
-        <a:scrgbClr r="0" g="0" b="0"/>
-      </a:lnRef>
-      <a:fillRef idx="1">
-        <a:scrgbClr r="0" g="0" b="0"/>
-      </a:fillRef>
-      <a:effectRef idx="0">
-        <a:scrgbClr r="0" g="0" b="0"/>
-      </a:effectRef>
-      <a:fontRef idx="minor">
-        <a:schemeClr val="lt1"/>
-      </a:fontRef>
-    </dgm:style>
-  </dgm:styleLbl>
-  <dgm:styleLbl name="node1">
-    <dgm:scene3d>
-      <a:camera prst="orthographicFront"/>
-      <a:lightRig rig="threePt" dir="t"/>
-    </dgm:scene3d>
-    <dgm:sp3d/>
-    <dgm:txPr/>
-    <dgm:style>
-      <a:lnRef idx="2">
-        <a:scrgbClr r="0" g="0" b="0"/>
-      </a:lnRef>
-      <a:fillRef idx="1">
-        <a:scrgbClr r="0" g="0" b="0"/>
-      </a:fillRef>
-      <a:effectRef idx="0">
-        <a:scrgbClr r="0" g="0" b="0"/>
-      </a:effectRef>
-      <a:fontRef idx="minor">
-        <a:schemeClr val="lt1"/>
-      </a:fontRef>
-    </dgm:style>
-  </dgm:styleLbl>
-  <dgm:styleLbl name="node2">
-    <dgm:scene3d>
-      <a:camera prst="orthographicFront"/>
-      <a:lightRig rig="threePt" dir="t"/>
-    </dgm:scene3d>
-    <dgm:sp3d/>
-    <dgm:txPr/>
-    <dgm:style>
-      <a:lnRef idx="2">
-        <a:scrgbClr r="0" g="0" b="0"/>
-      </a:lnRef>
-      <a:fillRef idx="1">
-        <a:scrgbClr r="0" g="0" b="0"/>
-      </a:fillRef>
-      <a:effectRef idx="0">
-        <a:scrgbClr r="0" g="0" b="0"/>
-      </a:effectRef>
-      <a:fontRef idx="minor">
-        <a:schemeClr val="lt1"/>
-      </a:fontRef>
-    </dgm:style>
-  </dgm:styleLbl>
-  <dgm:styleLbl name="node3">
-    <dgm:scene3d>
-      <a:camera prst="orthographicFront"/>
-      <a:lightRig rig="threePt" dir="t"/>
-    </dgm:scene3d>
-    <dgm:sp3d/>
-    <dgm:txPr/>
-    <dgm:style>
-      <a:lnRef idx="2">
-        <a:scrgbClr r="0" g="0" b="0"/>
-      </a:lnRef>
-      <a:fillRef idx="1">
-        <a:scrgbClr r="0" g="0" b="0"/>
-      </a:fillRef>
-      <a:effectRef idx="0">
-        <a:scrgbClr r="0" g="0" b="0"/>
-      </a:effectRef>
-      <a:fontRef idx="minor">
-        <a:schemeClr val="lt1"/>
-      </a:fontRef>
-    </dgm:style>
-  </dgm:styleLbl>
-  <dgm:styleLbl name="node4">
-    <dgm:scene3d>
-      <a:camera prst="orthographicFront"/>
-      <a:lightRig rig="threePt" dir="t"/>
-    </dgm:scene3d>
-    <dgm:sp3d/>
-    <dgm:txPr/>
-    <dgm:style>
-      <a:lnRef idx="2">
-        <a:scrgbClr r="0" g="0" b="0"/>
-      </a:lnRef>
-      <a:fillRef idx="1">
-        <a:scrgbClr r="0" g="0" b="0"/>
-      </a:fillRef>
-      <a:effectRef idx="0">
-        <a:scrgbClr r="0" g="0" b="0"/>
-      </a:effectRef>
-      <a:fontRef idx="minor">
-        <a:schemeClr val="lt1"/>
-      </a:fontRef>
-    </dgm:style>
-  </dgm:styleLbl>
-  <dgm:styleLbl name="fgImgPlace1">
-    <dgm:scene3d>
-      <a:camera prst="orthographicFront"/>
-      <a:lightRig rig="threePt" dir="t"/>
-    </dgm:scene3d>
-    <dgm:sp3d/>
-    <dgm:txPr/>
-    <dgm:style>
-      <a:lnRef idx="2">
-        <a:scrgbClr r="0" g="0" b="0"/>
-      </a:lnRef>
-      <a:fillRef idx="1">
-        <a:scrgbClr r="0" g="0" b="0"/>
-      </a:fillRef>
-      <a:effectRef idx="0">
-        <a:scrgbClr r="0" g="0" b="0"/>
-      </a:effectRef>
-      <a:fontRef idx="minor"/>
-    </dgm:style>
-  </dgm:styleLbl>
-  <dgm:styleLbl name="alignImgPlace1">
-    <dgm:scene3d>
-      <a:camera prst="orthographicFront"/>
-      <a:lightRig rig="threePt" dir="t"/>
-    </dgm:scene3d>
-    <dgm:sp3d/>
-    <dgm:txPr/>
-    <dgm:style>
-      <a:lnRef idx="2">
-        <a:scrgbClr r="0" g="0" b="0"/>
-      </a:lnRef>
-      <a:fillRef idx="1">
-        <a:scrgbClr r="0" g="0" b="0"/>
-      </a:fillRef>
-      <a:effectRef idx="0">
-        <a:scrgbClr r="0" g="0" b="0"/>
-      </a:effectRef>
-      <a:fontRef idx="minor"/>
-    </dgm:style>
-  </dgm:styleLbl>
-  <dgm:styleLbl name="bgImgPlace1">
-    <dgm:scene3d>
-      <a:camera prst="orthographicFront"/>
-      <a:lightRig rig="threePt" dir="t"/>
-    </dgm:scene3d>
-    <dgm:sp3d/>
-    <dgm:txPr/>
-    <dgm:style>
-      <a:lnRef idx="2">
-        <a:scrgbClr r="0" g="0" b="0"/>
-      </a:lnRef>
-      <a:fillRef idx="1">
-        <a:scrgbClr r="0" g="0" b="0"/>
-      </a:fillRef>
-      <a:effectRef idx="0">
-        <a:scrgbClr r="0" g="0" b="0"/>
-      </a:effectRef>
-      <a:fontRef idx="minor"/>
-    </dgm:style>
-  </dgm:styleLbl>
-  <dgm:styleLbl name="sibTrans2D1">
-    <dgm:scene3d>
-      <a:camera prst="orthographicFront"/>
-      <a:lightRig rig="threePt" dir="t"/>
-    </dgm:scene3d>
-    <dgm:sp3d/>
-    <dgm:txPr/>
-    <dgm:style>
-      <a:lnRef idx="0">
-        <a:scrgbClr r="0" g="0" b="0"/>
-      </a:lnRef>
-      <a:fillRef idx="1">
-        <a:scrgbClr r="0" g="0" b="0"/>
-      </a:fillRef>
-      <a:effectRef idx="0">
-        <a:scrgbClr r="0" g="0" b="0"/>
-      </a:effectRef>
-      <a:fontRef idx="minor">
-        <a:schemeClr val="lt1"/>
-      </a:fontRef>
-    </dgm:style>
-  </dgm:styleLbl>
-  <dgm:styleLbl name="fgSibTrans2D1">
-    <dgm:scene3d>
-      <a:camera prst="orthographicFront"/>
-      <a:lightRig rig="threePt" dir="t"/>
-    </dgm:scene3d>
-    <dgm:sp3d/>
-    <dgm:txPr/>
-    <dgm:style>
-      <a:lnRef idx="0">
-        <a:scrgbClr r="0" g="0" b="0"/>
-      </a:lnRef>
-      <a:fillRef idx="1">
-        <a:scrgbClr r="0" g="0" b="0"/>
-      </a:fillRef>
-      <a:effectRef idx="0">
-        <a:scrgbClr r="0" g="0" b="0"/>
-      </a:effectRef>
-      <a:fontRef idx="minor">
-        <a:schemeClr val="lt1"/>
-      </a:fontRef>
-    </dgm:style>
-  </dgm:styleLbl>
-  <dgm:styleLbl name="bgSibTrans2D1">
-    <dgm:scene3d>
-      <a:camera prst="orthographicFront"/>
-      <a:lightRig rig="threePt" dir="t"/>
-    </dgm:scene3d>
-    <dgm:sp3d/>
-    <dgm:txPr/>
-    <dgm:style>
-      <a:lnRef idx="0">
-        <a:scrgbClr r="0" g="0" b="0"/>
-      </a:lnRef>
-      <a:fillRef idx="1">
-        <a:scrgbClr r="0" g="0" b="0"/>
-      </a:fillRef>
-      <a:effectRef idx="0">
-        <a:scrgbClr r="0" g="0" b="0"/>
-      </a:effectRef>
-      <a:fontRef idx="minor">
-        <a:schemeClr val="lt1"/>
-      </a:fontRef>
-    </dgm:style>
-  </dgm:styleLbl>
-  <dgm:styleLbl name="sibTrans1D1">
-    <dgm:scene3d>
-      <a:camera prst="orthographicFront"/>
-      <a:lightRig rig="threePt" dir="t"/>
-    </dgm:scene3d>
-    <dgm:sp3d/>
-    <dgm:txPr/>
-    <dgm:style>
-      <a:lnRef idx="1">
-        <a:scrgbClr r="0" g="0" b="0"/>
-      </a:lnRef>
-      <a:fillRef idx="0">
-        <a:scrgbClr r="0" g="0" b="0"/>
-      </a:fillRef>
-      <a:effectRef idx="0">
-        <a:scrgbClr r="0" g="0" b="0"/>
-      </a:effectRef>
-      <a:fontRef idx="minor"/>
-    </dgm:style>
-  </dgm:styleLbl>
-  <dgm:styleLbl name="callout">
-    <dgm:scene3d>
-      <a:camera prst="orthographicFront"/>
-      <a:lightRig rig="threePt" dir="t"/>
-    </dgm:scene3d>
-    <dgm:sp3d/>
-    <dgm:txPr/>
-    <dgm:style>
-      <a:lnRef idx="2">
-        <a:scrgbClr r="0" g="0" b="0"/>
-      </a:lnRef>
-      <a:fillRef idx="1">
-        <a:scrgbClr r="0" g="0" b="0"/>
-      </a:fillRef>
-      <a:effectRef idx="0">
-        <a:scrgbClr r="0" g="0" b="0"/>
-      </a:effectRef>
-      <a:fontRef idx="minor"/>
-    </dgm:style>
-  </dgm:styleLbl>
-  <dgm:styleLbl name="asst0">
-    <dgm:scene3d>
-      <a:camera prst="orthographicFront"/>
-      <a:lightRig rig="threePt" dir="t"/>
-    </dgm:scene3d>
-    <dgm:sp3d/>
-    <dgm:txPr/>
-    <dgm:style>
-      <a:lnRef idx="2">
-        <a:scrgbClr r="0" g="0" b="0"/>
-      </a:lnRef>
-      <a:fillRef idx="1">
-        <a:scrgbClr r="0" g="0" b="0"/>
-      </a:fillRef>
-      <a:effectRef idx="0">
-        <a:scrgbClr r="0" g="0" b="0"/>
-      </a:effectRef>
-      <a:fontRef idx="minor">
-        <a:schemeClr val="lt1"/>
-      </a:fontRef>
-    </dgm:style>
-  </dgm:styleLbl>
-  <dgm:styleLbl name="asst1">
-    <dgm:scene3d>
-      <a:camera prst="orthographicFront"/>
-      <a:lightRig rig="threePt" dir="t"/>
-    </dgm:scene3d>
-    <dgm:sp3d/>
-    <dgm:txPr/>
-    <dgm:style>
-      <a:lnRef idx="2">
-        <a:scrgbClr r="0" g="0" b="0"/>
-      </a:lnRef>
-      <a:fillRef idx="1">
-        <a:scrgbClr r="0" g="0" b="0"/>
-      </a:fillRef>
-      <a:effectRef idx="0">
-        <a:scrgbClr r="0" g="0" b="0"/>
-      </a:effectRef>
-      <a:fontRef idx="minor">
-        <a:schemeClr val="lt1"/>
-      </a:fontRef>
-    </dgm:style>
-  </dgm:styleLbl>
-  <dgm:styleLbl name="asst2">
-    <dgm:scene3d>
-      <a:camera prst="orthographicFront"/>
-      <a:lightRig rig="threePt" dir="t"/>
-    </dgm:scene3d>
-    <dgm:sp3d/>
-    <dgm:txPr/>
-    <dgm:style>
-      <a:lnRef idx="2">
-        <a:scrgbClr r="0" g="0" b="0"/>
-      </a:lnRef>
-      <a:fillRef idx="1">
-        <a:scrgbClr r="0" g="0" b="0"/>
-      </a:fillRef>
-      <a:effectRef idx="0">
-        <a:scrgbClr r="0" g="0" b="0"/>
-      </a:effectRef>
-      <a:fontRef idx="minor">
-        <a:schemeClr val="lt1"/>
-      </a:fontRef>
-    </dgm:style>
-  </dgm:styleLbl>
-  <dgm:styleLbl name="asst3">
-    <dgm:scene3d>
-      <a:camera prst="orthographicFront"/>
-      <a:lightRig rig="threePt" dir="t"/>
-    </dgm:scene3d>
-    <dgm:sp3d/>
-    <dgm:txPr/>
-    <dgm:style>
-      <a:lnRef idx="2">
-        <a:scrgbClr r="0" g="0" b="0"/>
-      </a:lnRef>
-      <a:fillRef idx="1">
-        <a:scrgbClr r="0" g="0" b="0"/>
-      </a:fillRef>
-      <a:effectRef idx="0">
-        <a:scrgbClr r="0" g="0" b="0"/>
-      </a:effectRef>
-      <a:fontRef idx="minor">
-        <a:schemeClr val="lt1"/>
-      </a:fontRef>
-    </dgm:style>
-  </dgm:styleLbl>
-  <dgm:styleLbl name="asst4">
-    <dgm:scene3d>
-      <a:camera prst="orthographicFront"/>
-      <a:lightRig rig="threePt" dir="t"/>
-    </dgm:scene3d>
-    <dgm:sp3d/>
-    <dgm:txPr/>
-    <dgm:style>
-      <a:lnRef idx="2">
-        <a:scrgbClr r="0" g="0" b="0"/>
-      </a:lnRef>
-      <a:fillRef idx="1">
-        <a:scrgbClr r="0" g="0" b="0"/>
-      </a:fillRef>
-      <a:effectRef idx="0">
-        <a:scrgbClr r="0" g="0" b="0"/>
-      </a:effectRef>
-      <a:fontRef idx="minor">
-        <a:schemeClr val="lt1"/>
-      </a:fontRef>
-    </dgm:style>
-  </dgm:styleLbl>
-  <dgm:styleLbl name="parChTrans2D1">
-    <dgm:scene3d>
-      <a:camera prst="orthographicFront"/>
-      <a:lightRig rig="threePt" dir="t"/>
-    </dgm:scene3d>
-    <dgm:sp3d/>
-    <dgm:txPr/>
-    <dgm:style>
-      <a:lnRef idx="2">
-        <a:scrgbClr r="0" g="0" b="0"/>
-      </a:lnRef>
-      <a:fillRef idx="1">
-        <a:scrgbClr r="0" g="0" b="0"/>
-      </a:fillRef>
-      <a:effectRef idx="0">
-        <a:scrgbClr r="0" g="0" b="0"/>
-      </a:effectRef>
-      <a:fontRef idx="minor">
-        <a:schemeClr val="lt1"/>
-      </a:fontRef>
-    </dgm:style>
-  </dgm:styleLbl>
-  <dgm:styleLbl name="parChTrans2D2">
-    <dgm:scene3d>
-      <a:camera prst="orthographicFront"/>
-      <a:lightRig rig="threePt" dir="t"/>
-    </dgm:scene3d>
-    <dgm:sp3d/>
-    <dgm:txPr/>
-    <dgm:style>
-      <a:lnRef idx="2">
-        <a:scrgbClr r="0" g="0" b="0"/>
-      </a:lnRef>
-      <a:fillRef idx="1">
-        <a:scrgbClr r="0" g="0" b="0"/>
-      </a:fillRef>
-      <a:effectRef idx="0">
-        <a:scrgbClr r="0" g="0" b="0"/>
-      </a:effectRef>
-      <a:fontRef idx="minor">
-        <a:schemeClr val="lt1"/>
-      </a:fontRef>
-    </dgm:style>
-  </dgm:styleLbl>
-  <dgm:styleLbl name="parChTrans2D3">
-    <dgm:scene3d>
-      <a:camera prst="orthographicFront"/>
-      <a:lightRig rig="threePt" dir="t"/>
-    </dgm:scene3d>
-    <dgm:sp3d/>
-    <dgm:txPr/>
-    <dgm:style>
-      <a:lnRef idx="2">
-        <a:scrgbClr r="0" g="0" b="0"/>
-      </a:lnRef>
-      <a:fillRef idx="1">
-        <a:scrgbClr r="0" g="0" b="0"/>
-      </a:fillRef>
-      <a:effectRef idx="0">
-        <a:scrgbClr r="0" g="0" b="0"/>
-      </a:effectRef>
-      <a:fontRef idx="minor">
-        <a:schemeClr val="lt1"/>
-      </a:fontRef>
-    </dgm:style>
-  </dgm:styleLbl>
-  <dgm:styleLbl name="parChTrans2D4">
-    <dgm:scene3d>
-      <a:camera prst="orthographicFront"/>
-      <a:lightRig rig="threePt" dir="t"/>
-    </dgm:scene3d>
-    <dgm:sp3d/>
-    <dgm:txPr/>
-    <dgm:style>
-      <a:lnRef idx="2">
-        <a:scrgbClr r="0" g="0" b="0"/>
-      </a:lnRef>
-      <a:fillRef idx="1">
-        <a:scrgbClr r="0" g="0" b="0"/>
-      </a:fillRef>
-      <a:effectRef idx="0">
-        <a:scrgbClr r="0" g="0" b="0"/>
-      </a:effectRef>
-      <a:fontRef idx="minor">
-        <a:schemeClr val="lt1"/>
-      </a:fontRef>
-    </dgm:style>
-  </dgm:styleLbl>
-  <dgm:styleLbl name="parChTrans1D1">
-    <dgm:scene3d>
-      <a:camera prst="orthographicFront"/>
-      <a:lightRig rig="threePt" dir="t"/>
-    </dgm:scene3d>
-    <dgm:sp3d/>
-    <dgm:txPr/>
-    <dgm:style>
-      <a:lnRef idx="2">
-        <a:scrgbClr r="0" g="0" b="0"/>
-      </a:lnRef>
-      <a:fillRef idx="0">
-        <a:scrgbClr r="0" g="0" b="0"/>
-      </a:fillRef>
-      <a:effectRef idx="0">
-        <a:scrgbClr r="0" g="0" b="0"/>
-      </a:effectRef>
-      <a:fontRef idx="minor"/>
-    </dgm:style>
-  </dgm:styleLbl>
-  <dgm:styleLbl name="parChTrans1D2">
-    <dgm:scene3d>
-      <a:camera prst="orthographicFront"/>
-      <a:lightRig rig="threePt" dir="t"/>
-    </dgm:scene3d>
-    <dgm:sp3d/>
-    <dgm:txPr/>
-    <dgm:style>
-      <a:lnRef idx="2">
-        <a:scrgbClr r="0" g="0" b="0"/>
-      </a:lnRef>
-      <a:fillRef idx="0">
-        <a:scrgbClr r="0" g="0" b="0"/>
-      </a:fillRef>
-      <a:effectRef idx="0">
-        <a:scrgbClr r="0" g="0" b="0"/>
-      </a:effectRef>
-      <a:fontRef idx="minor"/>
-    </dgm:style>
-  </dgm:styleLbl>
-  <dgm:styleLbl name="parChTrans1D3">
-    <dgm:scene3d>
-      <a:camera prst="orthographicFront"/>
-      <a:lightRig rig="threePt" dir="t"/>
-    </dgm:scene3d>
-    <dgm:sp3d/>
-    <dgm:txPr/>
-    <dgm:style>
-      <a:lnRef idx="2">
-        <a:scrgbClr r="0" g="0" b="0"/>
-      </a:lnRef>
-      <a:fillRef idx="0">
-        <a:scrgbClr r="0" g="0" b="0"/>
-      </a:fillRef>
-      <a:effectRef idx="0">
-        <a:scrgbClr r="0" g="0" b="0"/>
-      </a:effectRef>
-      <a:fontRef idx="minor"/>
-    </dgm:style>
-  </dgm:styleLbl>
-  <dgm:styleLbl name="parChTrans1D4">
-    <dgm:scene3d>
-      <a:camera prst="orthographicFront"/>
-      <a:lightRig rig="threePt" dir="t"/>
-    </dgm:scene3d>
-    <dgm:sp3d/>
-    <dgm:txPr/>
-    <dgm:style>
-      <a:lnRef idx="2">
-        <a:scrgbClr r="0" g="0" b="0"/>
-      </a:lnRef>
-      <a:fillRef idx="0">
-        <a:scrgbClr r="0" g="0" b="0"/>
-      </a:fillRef>
-      <a:effectRef idx="0">
-        <a:scrgbClr r="0" g="0" b="0"/>
-      </a:effectRef>
-      <a:fontRef idx="minor"/>
-    </dgm:style>
-  </dgm:styleLbl>
-  <dgm:styleLbl name="fgAcc1">
-    <dgm:scene3d>
-      <a:camera prst="orthographicFront"/>
-      <a:lightRig rig="threePt" dir="t"/>
-    </dgm:scene3d>
-    <dgm:sp3d/>
-    <dgm:txPr/>
-    <dgm:style>
-      <a:lnRef idx="2">
-        <a:scrgbClr r="0" g="0" b="0"/>
-      </a:lnRef>
-      <a:fillRef idx="1">
-        <a:scrgbClr r="0" g="0" b="0"/>
-      </a:fillRef>
-      <a:effectRef idx="0">
-        <a:scrgbClr r="0" g="0" b="0"/>
-      </a:effectRef>
-      <a:fontRef idx="minor"/>
-    </dgm:style>
-  </dgm:styleLbl>
-  <dgm:styleLbl name="conFgAcc1">
-    <dgm:scene3d>
-      <a:camera prst="orthographicFront"/>
-      <a:lightRig rig="threePt" dir="t"/>
-    </dgm:scene3d>
-    <dgm:sp3d/>
-    <dgm:txPr/>
-    <dgm:style>
-      <a:lnRef idx="2">
-        <a:scrgbClr r="0" g="0" b="0"/>
-      </a:lnRef>
-      <a:fillRef idx="1">
-        <a:scrgbClr r="0" g="0" b="0"/>
-      </a:fillRef>
-      <a:effectRef idx="0">
-        <a:scrgbClr r="0" g="0" b="0"/>
-      </a:effectRef>
-      <a:fontRef idx="minor"/>
-    </dgm:style>
-  </dgm:styleLbl>
-  <dgm:styleLbl name="alignAcc1">
-    <dgm:scene3d>
-      <a:camera prst="orthographicFront"/>
-      <a:lightRig rig="threePt" dir="t"/>
-    </dgm:scene3d>
-    <dgm:sp3d/>
-    <dgm:txPr/>
-    <dgm:style>
-      <a:lnRef idx="2">
-        <a:scrgbClr r="0" g="0" b="0"/>
-      </a:lnRef>
-      <a:fillRef idx="1">
-        <a:scrgbClr r="0" g="0" b="0"/>
-      </a:fillRef>
-      <a:effectRef idx="0">
-        <a:scrgbClr r="0" g="0" b="0"/>
-      </a:effectRef>
-      <a:fontRef idx="minor"/>
-    </dgm:style>
-  </dgm:styleLbl>
-  <dgm:styleLbl name="trAlignAcc1">
-    <dgm:scene3d>
-      <a:camera prst="orthographicFront"/>
-      <a:lightRig rig="threePt" dir="t"/>
-    </dgm:scene3d>
-    <dgm:sp3d/>
-    <dgm:txPr/>
-    <dgm:style>
-      <a:lnRef idx="1">
-        <a:scrgbClr r="0" g="0" b="0"/>
-      </a:lnRef>
-      <a:fillRef idx="1">
-        <a:scrgbClr r="0" g="0" b="0"/>
-      </a:fillRef>
-      <a:effectRef idx="0">
-        <a:scrgbClr r="0" g="0" b="0"/>
-      </a:effectRef>
-      <a:fontRef idx="minor"/>
-    </dgm:style>
-  </dgm:styleLbl>
-  <dgm:styleLbl name="bgAcc1">
-    <dgm:scene3d>
-      <a:camera prst="orthographicFront"/>
-      <a:lightRig rig="threePt" dir="t"/>
-    </dgm:scene3d>
-    <dgm:sp3d/>
-    <dgm:txPr/>
-    <dgm:style>
-      <a:lnRef idx="2">
-        <a:scrgbClr r="0" g="0" b="0"/>
-      </a:lnRef>
-      <a:fillRef idx="1">
-        <a:scrgbClr r="0" g="0" b="0"/>
-      </a:fillRef>
-      <a:effectRef idx="0">
-        <a:scrgbClr r="0" g="0" b="0"/>
-      </a:effectRef>
-      <a:fontRef idx="minor"/>
-    </dgm:style>
-  </dgm:styleLbl>
-  <dgm:styleLbl name="solidFgAcc1">
-    <dgm:scene3d>
-      <a:camera prst="orthographicFront"/>
-      <a:lightRig rig="threePt" dir="t"/>
-    </dgm:scene3d>
-    <dgm:sp3d/>
-    <dgm:txPr/>
-    <dgm:style>
-      <a:lnRef idx="2">
-        <a:scrgbClr r="0" g="0" b="0"/>
-      </a:lnRef>
-      <a:fillRef idx="1">
-        <a:scrgbClr r="0" g="0" b="0"/>
-      </a:fillRef>
-      <a:effectRef idx="0">
-        <a:scrgbClr r="0" g="0" b="0"/>
-      </a:effectRef>
-      <a:fontRef idx="minor"/>
-    </dgm:style>
-  </dgm:styleLbl>
-  <dgm:styleLbl name="solidAlignAcc1">
-    <dgm:scene3d>
-      <a:camera prst="orthographicFront"/>
-      <a:lightRig rig="threePt" dir="t"/>
-    </dgm:scene3d>
-    <dgm:sp3d/>
-    <dgm:txPr/>
-    <dgm:style>
-      <a:lnRef idx="2">
-        <a:scrgbClr r="0" g="0" b="0"/>
-      </a:lnRef>
-      <a:fillRef idx="1">
-        <a:scrgbClr r="0" g="0" b="0"/>
-      </a:fillRef>
-      <a:effectRef idx="0">
-        <a:scrgbClr r="0" g="0" b="0"/>
-      </a:effectRef>
-      <a:fontRef idx="minor"/>
-    </dgm:style>
-  </dgm:styleLbl>
-  <dgm:styleLbl name="solidBgAcc1">
-    <dgm:scene3d>
-      <a:camera prst="orthographicFront"/>
-      <a:lightRig rig="threePt" dir="t"/>
-    </dgm:scene3d>
-    <dgm:sp3d/>
-    <dgm:txPr/>
-    <dgm:style>
-      <a:lnRef idx="2">
-        <a:scrgbClr r="0" g="0" b="0"/>
-      </a:lnRef>
-      <a:fillRef idx="1">
-        <a:scrgbClr r="0" g="0" b="0"/>
-      </a:fillRef>
-      <a:effectRef idx="0">
-        <a:scrgbClr r="0" g="0" b="0"/>
-      </a:effectRef>
-      <a:fontRef idx="minor"/>
-    </dgm:style>
-  </dgm:styleLbl>
-  <dgm:styleLbl name="fgAccFollowNode1">
-    <dgm:scene3d>
-      <a:camera prst="orthographicFront"/>
-      <a:lightRig rig="threePt" dir="t"/>
-    </dgm:scene3d>
-    <dgm:sp3d/>
-    <dgm:txPr/>
-    <dgm:style>
-      <a:lnRef idx="2">
-        <a:scrgbClr r="0" g="0" b="0"/>
-      </a:lnRef>
-      <a:fillRef idx="1">
-        <a:scrgbClr r="0" g="0" b="0"/>
-      </a:fillRef>
-      <a:effectRef idx="0">
-        <a:scrgbClr r="0" g="0" b="0"/>
-      </a:effectRef>
-      <a:fontRef idx="minor"/>
-    </dgm:style>
-  </dgm:styleLbl>
-  <dgm:styleLbl name="alignAccFollowNode1">
-    <dgm:scene3d>
-      <a:camera prst="orthographicFront"/>
-      <a:lightRig rig="threePt" dir="t"/>
-    </dgm:scene3d>
-    <dgm:sp3d/>
-    <dgm:txPr/>
-    <dgm:style>
-      <a:lnRef idx="2">
-        <a:scrgbClr r="0" g="0" b="0"/>
-      </a:lnRef>
-      <a:fillRef idx="1">
-        <a:scrgbClr r="0" g="0" b="0"/>
-      </a:fillRef>
-      <a:effectRef idx="0">
-        <a:scrgbClr r="0" g="0" b="0"/>
-      </a:effectRef>
-      <a:fontRef idx="minor"/>
-    </dgm:style>
-  </dgm:styleLbl>
-  <dgm:styleLbl name="bgAccFollowNode1">
-    <dgm:scene3d>
-      <a:camera prst="orthographicFront"/>
-      <a:lightRig rig="threePt" dir="t"/>
-    </dgm:scene3d>
-    <dgm:sp3d/>
-    <dgm:txPr/>
-    <dgm:style>
-      <a:lnRef idx="2">
-        <a:scrgbClr r="0" g="0" b="0"/>
-      </a:lnRef>
-      <a:fillRef idx="1">
-        <a:scrgbClr r="0" g="0" b="0"/>
-      </a:fillRef>
-      <a:effectRef idx="0">
-        <a:scrgbClr r="0" g="0" b="0"/>
-      </a:effectRef>
-      <a:fontRef idx="minor"/>
-    </dgm:style>
-  </dgm:styleLbl>
-  <dgm:styleLbl name="fgAcc0">
-    <dgm:scene3d>
-      <a:camera prst="orthographicFront"/>
-      <a:lightRig rig="threePt" dir="t"/>
-    </dgm:scene3d>
-    <dgm:sp3d/>
-    <dgm:txPr/>
-    <dgm:style>
-      <a:lnRef idx="2">
-        <a:scrgbClr r="0" g="0" b="0"/>
-      </a:lnRef>
-      <a:fillRef idx="1">
-        <a:scrgbClr r="0" g="0" b="0"/>
-      </a:fillRef>
-      <a:effectRef idx="0">
-        <a:scrgbClr r="0" g="0" b="0"/>
-      </a:effectRef>
-      <a:fontRef idx="minor"/>
-    </dgm:style>
-  </dgm:styleLbl>
-  <dgm:styleLbl name="fgAcc2">
-    <dgm:scene3d>
-      <a:camera prst="orthographicFront"/>
-      <a:lightRig rig="threePt" dir="t"/>
-    </dgm:scene3d>
-    <dgm:sp3d/>
-    <dgm:txPr/>
-    <dgm:style>
-      <a:lnRef idx="2">
-        <a:scrgbClr r="0" g="0" b="0"/>
-      </a:lnRef>
-      <a:fillRef idx="1">
-        <a:scrgbClr r="0" g="0" b="0"/>
-      </a:fillRef>
-      <a:effectRef idx="0">
-        <a:scrgbClr r="0" g="0" b="0"/>
-      </a:effectRef>
-      <a:fontRef idx="minor"/>
-    </dgm:style>
-  </dgm:styleLbl>
-  <dgm:styleLbl name="fgAcc3">
-    <dgm:scene3d>
-      <a:camera prst="orthographicFront"/>
-      <a:lightRig rig="threePt" dir="t"/>
-    </dgm:scene3d>
-    <dgm:sp3d/>
-    <dgm:txPr/>
-    <dgm:style>
-      <a:lnRef idx="2">
-        <a:scrgbClr r="0" g="0" b="0"/>
-      </a:lnRef>
-      <a:fillRef idx="1">
-        <a:scrgbClr r="0" g="0" b="0"/>
-      </a:fillRef>
-      <a:effectRef idx="0">
-        <a:scrgbClr r="0" g="0" b="0"/>
-      </a:effectRef>
-      <a:fontRef idx="minor"/>
-    </dgm:style>
-  </dgm:styleLbl>
-  <dgm:styleLbl name="fgAcc4">
-    <dgm:scene3d>
-      <a:camera prst="orthographicFront"/>
-      <a:lightRig rig="threePt" dir="t"/>
-    </dgm:scene3d>
-    <dgm:sp3d/>
-    <dgm:txPr/>
-    <dgm:style>
-      <a:lnRef idx="2">
-        <a:scrgbClr r="0" g="0" b="0"/>
-      </a:lnRef>
-      <a:fillRef idx="1">
-        <a:scrgbClr r="0" g="0" b="0"/>
-      </a:fillRef>
-      <a:effectRef idx="0">
-        <a:scrgbClr r="0" g="0" b="0"/>
-      </a:effectRef>
-      <a:fontRef idx="minor"/>
-    </dgm:style>
-  </dgm:styleLbl>
-  <dgm:styleLbl name="bgShp">
-    <dgm:scene3d>
-      <a:camera prst="orthographicFront"/>
-      <a:lightRig rig="threePt" dir="t"/>
-    </dgm:scene3d>
-    <dgm:sp3d/>
-    <dgm:txPr/>
-    <dgm:style>
-      <a:lnRef idx="0">
-        <a:scrgbClr r="0" g="0" b="0"/>
-      </a:lnRef>
-      <a:fillRef idx="1">
-        <a:scrgbClr r="0" g="0" b="0"/>
-      </a:fillRef>
-      <a:effectRef idx="0">
-        <a:scrgbClr r="0" g="0" b="0"/>
-      </a:effectRef>
-      <a:fontRef idx="minor"/>
-    </dgm:style>
-  </dgm:styleLbl>
-  <dgm:styleLbl name="dkBgShp">
-    <dgm:scene3d>
-      <a:camera prst="orthographicFront"/>
-      <a:lightRig rig="threePt" dir="t"/>
-    </dgm:scene3d>
-    <dgm:sp3d/>
-    <dgm:txPr/>
-    <dgm:style>
-      <a:lnRef idx="0">
-        <a:scrgbClr r="0" g="0" b="0"/>
-      </a:lnRef>
-      <a:fillRef idx="1">
-        <a:scrgbClr r="0" g="0" b="0"/>
-      </a:fillRef>
-      <a:effectRef idx="0">
-        <a:scrgbClr r="0" g="0" b="0"/>
-      </a:effectRef>
-      <a:fontRef idx="minor"/>
-    </dgm:style>
-  </dgm:styleLbl>
-  <dgm:styleLbl name="trBgShp">
-    <dgm:scene3d>
-      <a:camera prst="orthographicFront"/>
-      <a:lightRig rig="threePt" dir="t"/>
-    </dgm:scene3d>
-    <dgm:sp3d/>
-    <dgm:txPr/>
-    <dgm:style>
-      <a:lnRef idx="0">
-        <a:scrgbClr r="0" g="0" b="0"/>
-      </a:lnRef>
-      <a:fillRef idx="1">
-        <a:scrgbClr r="0" g="0" b="0"/>
-      </a:fillRef>
-      <a:effectRef idx="0">
-        <a:scrgbClr r="0" g="0" b="0"/>
-      </a:effectRef>
-      <a:fontRef idx="minor"/>
-    </dgm:style>
-  </dgm:styleLbl>
-  <dgm:styleLbl name="fgShp">
-    <dgm:scene3d>
-      <a:camera prst="orthographicFront"/>
-      <a:lightRig rig="threePt" dir="t"/>
-    </dgm:scene3d>
-    <dgm:sp3d/>
-    <dgm:txPr/>
-    <dgm:style>
-      <a:lnRef idx="2">
-        <a:scrgbClr r="0" g="0" b="0"/>
-      </a:lnRef>
-      <a:fillRef idx="1">
-        <a:scrgbClr r="0" g="0" b="0"/>
-      </a:fillRef>
-      <a:effectRef idx="0">
-        <a:scrgbClr r="0" g="0" b="0"/>
-      </a:effectRef>
-      <a:fontRef idx="minor"/>
-    </dgm:style>
-  </dgm:styleLbl>
-  <dgm:styleLbl name="revTx">
-    <dgm:scene3d>
-      <a:camera prst="orthographicFront"/>
-      <a:lightRig rig="threePt" dir="t"/>
-    </dgm:scene3d>
-    <dgm:sp3d/>
-    <dgm:txPr/>
-    <dgm:style>
-      <a:lnRef idx="0">
-        <a:scrgbClr r="0" g="0" b="0"/>
-      </a:lnRef>
-      <a:fillRef idx="0">
-        <a:scrgbClr r="0" g="0" b="0"/>
-      </a:fillRef>
-      <a:effectRef idx="0">
-        <a:scrgbClr r="0" g="0" b="0"/>
-      </a:effectRef>
-      <a:fontRef idx="minor"/>
-    </dgm:style>
-  </dgm:styleLbl>
-</dgm:styleDef>
-</file>
-
 <file path=ppt/diagrams/quickStyle2.xml><?xml version="1.0" encoding="utf-8"?>
 <dgm:styleDef xmlns:dgm="http://schemas.openxmlformats.org/drawingml/2006/diagram" xmlns:a="http://schemas.openxmlformats.org/drawingml/2006/main" uniqueId="urn:microsoft.com/office/officeart/2005/8/quickstyle/simple1">
   <dgm:title val=""/>
@@ -30954,7 +26217,7 @@
           <a:p>
             <a:fld id="{52056610-B2B8-4C80-B377-E3C2418411DD}" type="datetimeFigureOut">
               <a:rPr lang="ru-RU" smtClean="0"/>
-              <a:t>03.06.2022</a:t>
+              <a:t>06.06.2022</a:t>
             </a:fld>
             <a:endParaRPr lang="ru-RU"/>
           </a:p>
@@ -31122,7 +26385,7 @@
           <a:p>
             <a:fld id="{52056610-B2B8-4C80-B377-E3C2418411DD}" type="datetimeFigureOut">
               <a:rPr lang="ru-RU" smtClean="0"/>
-              <a:t>03.06.2022</a:t>
+              <a:t>06.06.2022</a:t>
             </a:fld>
             <a:endParaRPr lang="ru-RU"/>
           </a:p>
@@ -31300,7 +26563,7 @@
           <a:p>
             <a:fld id="{52056610-B2B8-4C80-B377-E3C2418411DD}" type="datetimeFigureOut">
               <a:rPr lang="ru-RU" smtClean="0"/>
-              <a:t>03.06.2022</a:t>
+              <a:t>06.06.2022</a:t>
             </a:fld>
             <a:endParaRPr lang="ru-RU"/>
           </a:p>
@@ -31468,7 +26731,7 @@
           <a:p>
             <a:fld id="{52056610-B2B8-4C80-B377-E3C2418411DD}" type="datetimeFigureOut">
               <a:rPr lang="ru-RU" smtClean="0"/>
-              <a:t>03.06.2022</a:t>
+              <a:t>06.06.2022</a:t>
             </a:fld>
             <a:endParaRPr lang="ru-RU"/>
           </a:p>
@@ -31713,7 +26976,7 @@
           <a:p>
             <a:fld id="{52056610-B2B8-4C80-B377-E3C2418411DD}" type="datetimeFigureOut">
               <a:rPr lang="ru-RU" smtClean="0"/>
-              <a:t>03.06.2022</a:t>
+              <a:t>06.06.2022</a:t>
             </a:fld>
             <a:endParaRPr lang="ru-RU"/>
           </a:p>
@@ -31942,7 +27205,7 @@
           <a:p>
             <a:fld id="{52056610-B2B8-4C80-B377-E3C2418411DD}" type="datetimeFigureOut">
               <a:rPr lang="ru-RU" smtClean="0"/>
-              <a:t>03.06.2022</a:t>
+              <a:t>06.06.2022</a:t>
             </a:fld>
             <a:endParaRPr lang="ru-RU"/>
           </a:p>
@@ -32306,7 +27569,7 @@
           <a:p>
             <a:fld id="{52056610-B2B8-4C80-B377-E3C2418411DD}" type="datetimeFigureOut">
               <a:rPr lang="ru-RU" smtClean="0"/>
-              <a:t>03.06.2022</a:t>
+              <a:t>06.06.2022</a:t>
             </a:fld>
             <a:endParaRPr lang="ru-RU"/>
           </a:p>
@@ -32423,7 +27686,7 @@
           <a:p>
             <a:fld id="{52056610-B2B8-4C80-B377-E3C2418411DD}" type="datetimeFigureOut">
               <a:rPr lang="ru-RU" smtClean="0"/>
-              <a:t>03.06.2022</a:t>
+              <a:t>06.06.2022</a:t>
             </a:fld>
             <a:endParaRPr lang="ru-RU"/>
           </a:p>
@@ -32518,7 +27781,7 @@
           <a:p>
             <a:fld id="{52056610-B2B8-4C80-B377-E3C2418411DD}" type="datetimeFigureOut">
               <a:rPr lang="ru-RU" smtClean="0"/>
-              <a:t>03.06.2022</a:t>
+              <a:t>06.06.2022</a:t>
             </a:fld>
             <a:endParaRPr lang="ru-RU"/>
           </a:p>
@@ -32793,7 +28056,7 @@
           <a:p>
             <a:fld id="{52056610-B2B8-4C80-B377-E3C2418411DD}" type="datetimeFigureOut">
               <a:rPr lang="ru-RU" smtClean="0"/>
-              <a:t>03.06.2022</a:t>
+              <a:t>06.06.2022</a:t>
             </a:fld>
             <a:endParaRPr lang="ru-RU"/>
           </a:p>
@@ -33045,7 +28308,7 @@
           <a:p>
             <a:fld id="{52056610-B2B8-4C80-B377-E3C2418411DD}" type="datetimeFigureOut">
               <a:rPr lang="ru-RU" smtClean="0"/>
-              <a:t>03.06.2022</a:t>
+              <a:t>06.06.2022</a:t>
             </a:fld>
             <a:endParaRPr lang="ru-RU"/>
           </a:p>
@@ -33259,7 +28522,7 @@
           <a:p>
             <a:fld id="{52056610-B2B8-4C80-B377-E3C2418411DD}" type="datetimeFigureOut">
               <a:rPr lang="ru-RU" smtClean="0"/>
-              <a:t>03.06.2022</a:t>
+              <a:t>06.06.2022</a:t>
             </a:fld>
             <a:endParaRPr lang="ru-RU"/>
           </a:p>
@@ -34037,6 +29300,172 @@
           <p:nvPr>
             <p:extLst>
               <p:ext uri="{D42A27DB-BD31-4B8C-83A1-F6EECF244321}">
+                <p14:modId xmlns:p14="http://schemas.microsoft.com/office/powerpoint/2010/main" val="3332159484"/>
+              </p:ext>
+            </p:extLst>
+          </p:nvPr>
+        </p:nvGraphicFramePr>
+        <p:xfrm>
+          <a:off x="0" y="278971"/>
+          <a:ext cx="12042183" cy="852406"/>
+        </p:xfrm>
+        <a:graphic>
+          <a:graphicData uri="http://schemas.openxmlformats.org/drawingml/2006/diagram">
+            <dgm:relIds xmlns:dgm="http://schemas.openxmlformats.org/drawingml/2006/diagram" xmlns:r="http://schemas.openxmlformats.org/officeDocument/2006/relationships" r:dm="rId2" r:lo="rId3" r:qs="rId4" r:cs="rId5"/>
+          </a:graphicData>
+        </a:graphic>
+      </p:graphicFrame>
+      <p:pic>
+        <p:nvPicPr>
+          <p:cNvPr id="4" name="Рисунок 3">
+            <a:extLst>
+              <a:ext uri="{FF2B5EF4-FFF2-40B4-BE49-F238E27FC236}">
+                <a16:creationId xmlns:a16="http://schemas.microsoft.com/office/drawing/2014/main" id="{98FB80C4-7C0D-4CF8-91EE-B34BC2AECE84}"/>
+              </a:ext>
+            </a:extLst>
+          </p:cNvPr>
+          <p:cNvPicPr>
+            <a:picLocks noChangeAspect="1"/>
+          </p:cNvPicPr>
+          <p:nvPr/>
+        </p:nvPicPr>
+        <p:blipFill>
+          <a:blip r:embed="rId7"/>
+          <a:stretch>
+            <a:fillRect/>
+          </a:stretch>
+        </p:blipFill>
+        <p:spPr>
+          <a:xfrm>
+            <a:off x="227891" y="1157753"/>
+            <a:ext cx="11736217" cy="5020947"/>
+          </a:xfrm>
+          <a:prstGeom prst="rect">
+            <a:avLst/>
+          </a:prstGeom>
+        </p:spPr>
+      </p:pic>
+      <p:sp>
+        <p:nvSpPr>
+          <p:cNvPr id="6" name="Ромб 5">
+            <a:extLst>
+              <a:ext uri="{FF2B5EF4-FFF2-40B4-BE49-F238E27FC236}">
+                <a16:creationId xmlns:a16="http://schemas.microsoft.com/office/drawing/2014/main" id="{AFA48F3F-E9C2-4CED-8ED0-C1C13197BA94}"/>
+              </a:ext>
+            </a:extLst>
+          </p:cNvPr>
+          <p:cNvSpPr/>
+          <p:nvPr/>
+        </p:nvSpPr>
+        <p:spPr>
+          <a:xfrm>
+            <a:off x="227892" y="5542187"/>
+            <a:ext cx="1193368" cy="1134463"/>
+          </a:xfrm>
+          <a:prstGeom prst="diamond">
+            <a:avLst/>
+          </a:prstGeom>
+          <a:solidFill>
+            <a:srgbClr val="0A5283"/>
+          </a:solidFill>
+          <a:ln>
+            <a:solidFill>
+              <a:srgbClr val="5D0286"/>
+            </a:solidFill>
+          </a:ln>
+        </p:spPr>
+        <p:style>
+          <a:lnRef idx="2">
+            <a:schemeClr val="accent1">
+              <a:shade val="50000"/>
+            </a:schemeClr>
+          </a:lnRef>
+          <a:fillRef idx="1">
+            <a:schemeClr val="accent1"/>
+          </a:fillRef>
+          <a:effectRef idx="0">
+            <a:schemeClr val="accent1"/>
+          </a:effectRef>
+          <a:fontRef idx="minor">
+            <a:schemeClr val="lt1"/>
+          </a:fontRef>
+        </p:style>
+        <p:txBody>
+          <a:bodyPr rtlCol="0" anchor="ctr"/>
+          <a:lstStyle/>
+          <a:p>
+            <a:pPr algn="ctr"/>
+            <a:fld id="{49B1FDF3-5911-4F81-93E0-89705F5667EF}" type="slidenum">
+              <a:rPr lang="ru-RU" sz="3200" b="1" dirty="0">
+                <a:solidFill>
+                  <a:schemeClr val="bg1"/>
+                </a:solidFill>
+                <a:effectLst>
+                  <a:outerShdw blurRad="38100" dist="38100" dir="2700000" algn="tl">
+                    <a:srgbClr val="000000">
+                      <a:alpha val="43137"/>
+                    </a:srgbClr>
+                  </a:outerShdw>
+                </a:effectLst>
+                <a:latin typeface="Times New Roman" panose="02020603050405020304" pitchFamily="18" charset="0"/>
+                <a:cs typeface="Times New Roman" panose="02020603050405020304" pitchFamily="18" charset="0"/>
+              </a:rPr>
+              <a:t>10</a:t>
+            </a:fld>
+            <a:endParaRPr lang="ru-RU" sz="3200" b="1" dirty="0">
+              <a:solidFill>
+                <a:schemeClr val="bg1"/>
+              </a:solidFill>
+              <a:effectLst>
+                <a:outerShdw blurRad="38100" dist="38100" dir="2700000" algn="tl">
+                  <a:srgbClr val="000000">
+                    <a:alpha val="43137"/>
+                  </a:srgbClr>
+                </a:outerShdw>
+              </a:effectLst>
+              <a:latin typeface="Times New Roman" panose="02020603050405020304" pitchFamily="18" charset="0"/>
+              <a:cs typeface="Times New Roman" panose="02020603050405020304" pitchFamily="18" charset="0"/>
+            </a:endParaRPr>
+          </a:p>
+        </p:txBody>
+      </p:sp>
+    </p:spTree>
+    <p:extLst>
+      <p:ext uri="{BB962C8B-B14F-4D97-AF65-F5344CB8AC3E}">
+        <p14:creationId xmlns:p14="http://schemas.microsoft.com/office/powerpoint/2010/main" val="2365656601"/>
+      </p:ext>
+    </p:extLst>
+  </p:cSld>
+  <p:clrMapOvr>
+    <a:masterClrMapping/>
+  </p:clrMapOvr>
+</p:sld>
+</file>
+
+<file path=ppt/slides/slide11.xml><?xml version="1.0" encoding="utf-8"?>
+<p:sld xmlns:a="http://schemas.openxmlformats.org/drawingml/2006/main" xmlns:r="http://schemas.openxmlformats.org/officeDocument/2006/relationships" xmlns:p="http://schemas.openxmlformats.org/presentationml/2006/main">
+  <p:cSld>
+    <p:spTree>
+      <p:nvGrpSpPr>
+        <p:cNvPr id="1" name=""/>
+        <p:cNvGrpSpPr/>
+        <p:nvPr/>
+      </p:nvGrpSpPr>
+      <p:grpSpPr>
+        <a:xfrm>
+          <a:off x="0" y="0"/>
+          <a:ext cx="0" cy="0"/>
+          <a:chOff x="0" y="0"/>
+          <a:chExt cx="0" cy="0"/>
+        </a:xfrm>
+      </p:grpSpPr>
+      <p:graphicFrame>
+        <p:nvGraphicFramePr>
+          <p:cNvPr id="3" name="Схема 2"/>
+          <p:cNvGraphicFramePr/>
+          <p:nvPr>
+            <p:extLst>
+              <p:ext uri="{D42A27DB-BD31-4B8C-83A1-F6EECF244321}">
                 <p14:modId xmlns:p14="http://schemas.microsoft.com/office/powerpoint/2010/main" val="1288513709"/>
               </p:ext>
             </p:extLst>
@@ -34147,7 +29576,7 @@
                 <a:latin typeface="Times New Roman" panose="02020603050405020304" pitchFamily="18" charset="0"/>
                 <a:cs typeface="Times New Roman" panose="02020603050405020304" pitchFamily="18" charset="0"/>
               </a:rPr>
-              <a:t>10</a:t>
+              <a:t>11</a:t>
             </a:fld>
             <a:endParaRPr lang="ru-RU" sz="3200" b="1" dirty="0">
               <a:solidFill>
@@ -34179,7 +29608,7 @@
 </p:sld>
 </file>
 
-<file path=ppt/slides/slide11.xml><?xml version="1.0" encoding="utf-8"?>
+<file path=ppt/slides/slide12.xml><?xml version="1.0" encoding="utf-8"?>
 <p:sld xmlns:a="http://schemas.openxmlformats.org/drawingml/2006/main" xmlns:r="http://schemas.openxmlformats.org/officeDocument/2006/relationships" xmlns:p="http://schemas.openxmlformats.org/presentationml/2006/main">
   <p:cSld>
     <p:spTree>
@@ -34222,524 +29651,6 @@
     <p:extLst>
       <p:ext uri="{BB962C8B-B14F-4D97-AF65-F5344CB8AC3E}">
         <p14:creationId xmlns:p14="http://schemas.microsoft.com/office/powerpoint/2010/main" val="1927179598"/>
-      </p:ext>
-    </p:extLst>
-  </p:cSld>
-  <p:clrMapOvr>
-    <a:masterClrMapping/>
-  </p:clrMapOvr>
-</p:sld>
-</file>
-
-<file path=ppt/slides/slide12.xml><?xml version="1.0" encoding="utf-8"?>
-<p:sld xmlns:a="http://schemas.openxmlformats.org/drawingml/2006/main" xmlns:r="http://schemas.openxmlformats.org/officeDocument/2006/relationships" xmlns:p="http://schemas.openxmlformats.org/presentationml/2006/main">
-  <p:cSld>
-    <p:spTree>
-      <p:nvGrpSpPr>
-        <p:cNvPr id="1" name=""/>
-        <p:cNvGrpSpPr/>
-        <p:nvPr/>
-      </p:nvGrpSpPr>
-      <p:grpSpPr>
-        <a:xfrm>
-          <a:off x="0" y="0"/>
-          <a:ext cx="0" cy="0"/>
-          <a:chOff x="0" y="0"/>
-          <a:chExt cx="0" cy="0"/>
-        </a:xfrm>
-      </p:grpSpPr>
-      <p:graphicFrame>
-        <p:nvGraphicFramePr>
-          <p:cNvPr id="3" name="Схема 2"/>
-          <p:cNvGraphicFramePr/>
-          <p:nvPr/>
-        </p:nvGraphicFramePr>
-        <p:xfrm>
-          <a:off x="0" y="278971"/>
-          <a:ext cx="12042183" cy="852406"/>
-        </p:xfrm>
-        <a:graphic>
-          <a:graphicData uri="http://schemas.openxmlformats.org/drawingml/2006/diagram">
-            <dgm:relIds xmlns:dgm="http://schemas.openxmlformats.org/drawingml/2006/diagram" xmlns:r="http://schemas.openxmlformats.org/officeDocument/2006/relationships" r:dm="rId2" r:lo="rId3" r:qs="rId4" r:cs="rId5"/>
-          </a:graphicData>
-        </a:graphic>
-      </p:graphicFrame>
-      <p:sp>
-        <p:nvSpPr>
-          <p:cNvPr id="6" name="Ромб 5">
-            <a:extLst>
-              <a:ext uri="{FF2B5EF4-FFF2-40B4-BE49-F238E27FC236}">
-                <a16:creationId xmlns:a16="http://schemas.microsoft.com/office/drawing/2014/main" id="{AFA48F3F-E9C2-4CED-8ED0-C1C13197BA94}"/>
-              </a:ext>
-            </a:extLst>
-          </p:cNvPr>
-          <p:cNvSpPr/>
-          <p:nvPr/>
-        </p:nvSpPr>
-        <p:spPr>
-          <a:xfrm>
-            <a:off x="227892" y="5542187"/>
-            <a:ext cx="1193368" cy="1134463"/>
-          </a:xfrm>
-          <a:prstGeom prst="diamond">
-            <a:avLst/>
-          </a:prstGeom>
-          <a:solidFill>
-            <a:srgbClr val="0A5283"/>
-          </a:solidFill>
-          <a:ln>
-            <a:solidFill>
-              <a:srgbClr val="5D0286"/>
-            </a:solidFill>
-          </a:ln>
-        </p:spPr>
-        <p:style>
-          <a:lnRef idx="2">
-            <a:schemeClr val="accent1">
-              <a:shade val="50000"/>
-            </a:schemeClr>
-          </a:lnRef>
-          <a:fillRef idx="1">
-            <a:schemeClr val="accent1"/>
-          </a:fillRef>
-          <a:effectRef idx="0">
-            <a:schemeClr val="accent1"/>
-          </a:effectRef>
-          <a:fontRef idx="minor">
-            <a:schemeClr val="lt1"/>
-          </a:fontRef>
-        </p:style>
-        <p:txBody>
-          <a:bodyPr rtlCol="0" anchor="ctr"/>
-          <a:lstStyle/>
-          <a:p>
-            <a:pPr algn="ctr"/>
-            <a:fld id="{49B1FDF3-5911-4F81-93E0-89705F5667EF}" type="slidenum">
-              <a:rPr lang="ru-RU" sz="3200" b="1" dirty="0">
-                <a:solidFill>
-                  <a:schemeClr val="bg1"/>
-                </a:solidFill>
-                <a:effectLst>
-                  <a:outerShdw blurRad="38100" dist="38100" dir="2700000" algn="tl">
-                    <a:srgbClr val="000000">
-                      <a:alpha val="43137"/>
-                    </a:srgbClr>
-                  </a:outerShdw>
-                </a:effectLst>
-                <a:latin typeface="Times New Roman" panose="02020603050405020304" pitchFamily="18" charset="0"/>
-                <a:cs typeface="Times New Roman" panose="02020603050405020304" pitchFamily="18" charset="0"/>
-              </a:rPr>
-              <a:t>12</a:t>
-            </a:fld>
-            <a:endParaRPr lang="ru-RU" sz="3200" b="1" dirty="0">
-              <a:solidFill>
-                <a:schemeClr val="bg1"/>
-              </a:solidFill>
-              <a:effectLst>
-                <a:outerShdw blurRad="38100" dist="38100" dir="2700000" algn="tl">
-                  <a:srgbClr val="000000">
-                    <a:alpha val="43137"/>
-                  </a:srgbClr>
-                </a:outerShdw>
-              </a:effectLst>
-              <a:latin typeface="Times New Roman" panose="02020603050405020304" pitchFamily="18" charset="0"/>
-              <a:cs typeface="Times New Roman" panose="02020603050405020304" pitchFamily="18" charset="0"/>
-            </a:endParaRPr>
-          </a:p>
-        </p:txBody>
-      </p:sp>
-    </p:spTree>
-    <p:extLst>
-      <p:ext uri="{BB962C8B-B14F-4D97-AF65-F5344CB8AC3E}">
-        <p14:creationId xmlns:p14="http://schemas.microsoft.com/office/powerpoint/2010/main" val="2365656601"/>
-      </p:ext>
-    </p:extLst>
-  </p:cSld>
-  <p:clrMapOvr>
-    <a:masterClrMapping/>
-  </p:clrMapOvr>
-</p:sld>
-</file>
-
-<file path=ppt/slides/slide13.xml><?xml version="1.0" encoding="utf-8"?>
-<p:sld xmlns:a="http://schemas.openxmlformats.org/drawingml/2006/main" xmlns:r="http://schemas.openxmlformats.org/officeDocument/2006/relationships" xmlns:p="http://schemas.openxmlformats.org/presentationml/2006/main">
-  <p:cSld>
-    <p:spTree>
-      <p:nvGrpSpPr>
-        <p:cNvPr id="1" name=""/>
-        <p:cNvGrpSpPr/>
-        <p:nvPr/>
-      </p:nvGrpSpPr>
-      <p:grpSpPr>
-        <a:xfrm>
-          <a:off x="0" y="0"/>
-          <a:ext cx="0" cy="0"/>
-          <a:chOff x="0" y="0"/>
-          <a:chExt cx="0" cy="0"/>
-        </a:xfrm>
-      </p:grpSpPr>
-      <p:graphicFrame>
-        <p:nvGraphicFramePr>
-          <p:cNvPr id="3" name="Схема 2"/>
-          <p:cNvGraphicFramePr/>
-          <p:nvPr/>
-        </p:nvGraphicFramePr>
-        <p:xfrm>
-          <a:off x="0" y="278971"/>
-          <a:ext cx="12042183" cy="852406"/>
-        </p:xfrm>
-        <a:graphic>
-          <a:graphicData uri="http://schemas.openxmlformats.org/drawingml/2006/diagram">
-            <dgm:relIds xmlns:dgm="http://schemas.openxmlformats.org/drawingml/2006/diagram" xmlns:r="http://schemas.openxmlformats.org/officeDocument/2006/relationships" r:dm="rId2" r:lo="rId3" r:qs="rId4" r:cs="rId5"/>
-          </a:graphicData>
-        </a:graphic>
-      </p:graphicFrame>
-      <p:sp>
-        <p:nvSpPr>
-          <p:cNvPr id="6" name="Ромб 5">
-            <a:extLst>
-              <a:ext uri="{FF2B5EF4-FFF2-40B4-BE49-F238E27FC236}">
-                <a16:creationId xmlns:a16="http://schemas.microsoft.com/office/drawing/2014/main" id="{AFA48F3F-E9C2-4CED-8ED0-C1C13197BA94}"/>
-              </a:ext>
-            </a:extLst>
-          </p:cNvPr>
-          <p:cNvSpPr/>
-          <p:nvPr/>
-        </p:nvSpPr>
-        <p:spPr>
-          <a:xfrm>
-            <a:off x="227892" y="5542187"/>
-            <a:ext cx="1193368" cy="1134463"/>
-          </a:xfrm>
-          <a:prstGeom prst="diamond">
-            <a:avLst/>
-          </a:prstGeom>
-          <a:solidFill>
-            <a:srgbClr val="0A5283"/>
-          </a:solidFill>
-          <a:ln>
-            <a:solidFill>
-              <a:srgbClr val="5D0286"/>
-            </a:solidFill>
-          </a:ln>
-        </p:spPr>
-        <p:style>
-          <a:lnRef idx="2">
-            <a:schemeClr val="accent1">
-              <a:shade val="50000"/>
-            </a:schemeClr>
-          </a:lnRef>
-          <a:fillRef idx="1">
-            <a:schemeClr val="accent1"/>
-          </a:fillRef>
-          <a:effectRef idx="0">
-            <a:schemeClr val="accent1"/>
-          </a:effectRef>
-          <a:fontRef idx="minor">
-            <a:schemeClr val="lt1"/>
-          </a:fontRef>
-        </p:style>
-        <p:txBody>
-          <a:bodyPr rtlCol="0" anchor="ctr"/>
-          <a:lstStyle/>
-          <a:p>
-            <a:pPr algn="ctr"/>
-            <a:fld id="{06086AC7-6945-4E9D-A95E-4DC204797C07}" type="slidenum">
-              <a:rPr lang="ru-RU" sz="3200" b="1" dirty="0">
-                <a:solidFill>
-                  <a:schemeClr val="bg1"/>
-                </a:solidFill>
-                <a:effectLst>
-                  <a:outerShdw blurRad="38100" dist="38100" dir="2700000" algn="tl">
-                    <a:srgbClr val="000000">
-                      <a:alpha val="43137"/>
-                    </a:srgbClr>
-                  </a:outerShdw>
-                </a:effectLst>
-                <a:latin typeface="Times New Roman" panose="02020603050405020304" pitchFamily="18" charset="0"/>
-                <a:cs typeface="Times New Roman" panose="02020603050405020304" pitchFamily="18" charset="0"/>
-              </a:rPr>
-              <a:t>13</a:t>
-            </a:fld>
-            <a:endParaRPr lang="ru-RU" sz="3200" b="1" dirty="0">
-              <a:solidFill>
-                <a:schemeClr val="bg1"/>
-              </a:solidFill>
-              <a:effectLst>
-                <a:outerShdw blurRad="38100" dist="38100" dir="2700000" algn="tl">
-                  <a:srgbClr val="000000">
-                    <a:alpha val="43137"/>
-                  </a:srgbClr>
-                </a:outerShdw>
-              </a:effectLst>
-              <a:latin typeface="Times New Roman" panose="02020603050405020304" pitchFamily="18" charset="0"/>
-              <a:cs typeface="Times New Roman" panose="02020603050405020304" pitchFamily="18" charset="0"/>
-            </a:endParaRPr>
-          </a:p>
-        </p:txBody>
-      </p:sp>
-    </p:spTree>
-    <p:extLst>
-      <p:ext uri="{BB962C8B-B14F-4D97-AF65-F5344CB8AC3E}">
-        <p14:creationId xmlns:p14="http://schemas.microsoft.com/office/powerpoint/2010/main" val="3190836386"/>
-      </p:ext>
-    </p:extLst>
-  </p:cSld>
-  <p:clrMapOvr>
-    <a:masterClrMapping/>
-  </p:clrMapOvr>
-</p:sld>
-</file>
-
-<file path=ppt/slides/slide14.xml><?xml version="1.0" encoding="utf-8"?>
-<p:sld xmlns:a="http://schemas.openxmlformats.org/drawingml/2006/main" xmlns:r="http://schemas.openxmlformats.org/officeDocument/2006/relationships" xmlns:p="http://schemas.openxmlformats.org/presentationml/2006/main">
-  <p:cSld>
-    <p:spTree>
-      <p:nvGrpSpPr>
-        <p:cNvPr id="1" name=""/>
-        <p:cNvGrpSpPr/>
-        <p:nvPr/>
-      </p:nvGrpSpPr>
-      <p:grpSpPr>
-        <a:xfrm>
-          <a:off x="0" y="0"/>
-          <a:ext cx="0" cy="0"/>
-          <a:chOff x="0" y="0"/>
-          <a:chExt cx="0" cy="0"/>
-        </a:xfrm>
-      </p:grpSpPr>
-      <p:graphicFrame>
-        <p:nvGraphicFramePr>
-          <p:cNvPr id="3" name="Схема 2"/>
-          <p:cNvGraphicFramePr/>
-          <p:nvPr/>
-        </p:nvGraphicFramePr>
-        <p:xfrm>
-          <a:off x="0" y="278971"/>
-          <a:ext cx="12042183" cy="852406"/>
-        </p:xfrm>
-        <a:graphic>
-          <a:graphicData uri="http://schemas.openxmlformats.org/drawingml/2006/diagram">
-            <dgm:relIds xmlns:dgm="http://schemas.openxmlformats.org/drawingml/2006/diagram" xmlns:r="http://schemas.openxmlformats.org/officeDocument/2006/relationships" r:dm="rId2" r:lo="rId3" r:qs="rId4" r:cs="rId5"/>
-          </a:graphicData>
-        </a:graphic>
-      </p:graphicFrame>
-      <p:sp>
-        <p:nvSpPr>
-          <p:cNvPr id="6" name="Ромб 5">
-            <a:extLst>
-              <a:ext uri="{FF2B5EF4-FFF2-40B4-BE49-F238E27FC236}">
-                <a16:creationId xmlns:a16="http://schemas.microsoft.com/office/drawing/2014/main" id="{AFA48F3F-E9C2-4CED-8ED0-C1C13197BA94}"/>
-              </a:ext>
-            </a:extLst>
-          </p:cNvPr>
-          <p:cNvSpPr/>
-          <p:nvPr/>
-        </p:nvSpPr>
-        <p:spPr>
-          <a:xfrm>
-            <a:off x="227892" y="5542187"/>
-            <a:ext cx="1193368" cy="1134463"/>
-          </a:xfrm>
-          <a:prstGeom prst="diamond">
-            <a:avLst/>
-          </a:prstGeom>
-          <a:solidFill>
-            <a:srgbClr val="0A5283"/>
-          </a:solidFill>
-          <a:ln>
-            <a:solidFill>
-              <a:srgbClr val="5D0286"/>
-            </a:solidFill>
-          </a:ln>
-        </p:spPr>
-        <p:style>
-          <a:lnRef idx="2">
-            <a:schemeClr val="accent1">
-              <a:shade val="50000"/>
-            </a:schemeClr>
-          </a:lnRef>
-          <a:fillRef idx="1">
-            <a:schemeClr val="accent1"/>
-          </a:fillRef>
-          <a:effectRef idx="0">
-            <a:schemeClr val="accent1"/>
-          </a:effectRef>
-          <a:fontRef idx="minor">
-            <a:schemeClr val="lt1"/>
-          </a:fontRef>
-        </p:style>
-        <p:txBody>
-          <a:bodyPr rtlCol="0" anchor="ctr"/>
-          <a:lstStyle/>
-          <a:p>
-            <a:pPr algn="ctr"/>
-            <a:fld id="{C1DCE5CC-4FEB-4723-817A-3A9AFBC8CFDE}" type="slidenum">
-              <a:rPr lang="ru-RU" sz="3200" b="1" dirty="0">
-                <a:solidFill>
-                  <a:schemeClr val="bg1"/>
-                </a:solidFill>
-                <a:effectLst>
-                  <a:outerShdw blurRad="38100" dist="38100" dir="2700000" algn="tl">
-                    <a:srgbClr val="000000">
-                      <a:alpha val="43137"/>
-                    </a:srgbClr>
-                  </a:outerShdw>
-                </a:effectLst>
-                <a:latin typeface="Times New Roman" panose="02020603050405020304" pitchFamily="18" charset="0"/>
-                <a:cs typeface="Times New Roman" panose="02020603050405020304" pitchFamily="18" charset="0"/>
-              </a:rPr>
-              <a:t>14</a:t>
-            </a:fld>
-            <a:endParaRPr lang="ru-RU" sz="3200" b="1" dirty="0">
-              <a:solidFill>
-                <a:schemeClr val="bg1"/>
-              </a:solidFill>
-              <a:effectLst>
-                <a:outerShdw blurRad="38100" dist="38100" dir="2700000" algn="tl">
-                  <a:srgbClr val="000000">
-                    <a:alpha val="43137"/>
-                  </a:srgbClr>
-                </a:outerShdw>
-              </a:effectLst>
-              <a:latin typeface="Times New Roman" panose="02020603050405020304" pitchFamily="18" charset="0"/>
-              <a:cs typeface="Times New Roman" panose="02020603050405020304" pitchFamily="18" charset="0"/>
-            </a:endParaRPr>
-          </a:p>
-        </p:txBody>
-      </p:sp>
-    </p:spTree>
-    <p:extLst>
-      <p:ext uri="{BB962C8B-B14F-4D97-AF65-F5344CB8AC3E}">
-        <p14:creationId xmlns:p14="http://schemas.microsoft.com/office/powerpoint/2010/main" val="3313026852"/>
-      </p:ext>
-    </p:extLst>
-  </p:cSld>
-  <p:clrMapOvr>
-    <a:masterClrMapping/>
-  </p:clrMapOvr>
-</p:sld>
-</file>
-
-<file path=ppt/slides/slide15.xml><?xml version="1.0" encoding="utf-8"?>
-<p:sld xmlns:a="http://schemas.openxmlformats.org/drawingml/2006/main" xmlns:r="http://schemas.openxmlformats.org/officeDocument/2006/relationships" xmlns:p="http://schemas.openxmlformats.org/presentationml/2006/main">
-  <p:cSld>
-    <p:spTree>
-      <p:nvGrpSpPr>
-        <p:cNvPr id="1" name=""/>
-        <p:cNvGrpSpPr/>
-        <p:nvPr/>
-      </p:nvGrpSpPr>
-      <p:grpSpPr>
-        <a:xfrm>
-          <a:off x="0" y="0"/>
-          <a:ext cx="0" cy="0"/>
-          <a:chOff x="0" y="0"/>
-          <a:chExt cx="0" cy="0"/>
-        </a:xfrm>
-      </p:grpSpPr>
-      <p:sp>
-        <p:nvSpPr>
-          <p:cNvPr id="2" name="Заголовок 1">
-            <a:extLst>
-              <a:ext uri="{FF2B5EF4-FFF2-40B4-BE49-F238E27FC236}">
-                <a16:creationId xmlns:a16="http://schemas.microsoft.com/office/drawing/2014/main" id="{BFCF46FD-C609-47AF-9EF9-149FA36B35B2}"/>
-              </a:ext>
-            </a:extLst>
-          </p:cNvPr>
-          <p:cNvSpPr>
-            <a:spLocks noGrp="1"/>
-          </p:cNvSpPr>
-          <p:nvPr>
-            <p:ph type="title"/>
-          </p:nvPr>
-        </p:nvSpPr>
-        <p:spPr>
-          <a:xfrm>
-            <a:off x="541986" y="462678"/>
-            <a:ext cx="10515600" cy="5932644"/>
-          </a:xfrm>
-        </p:spPr>
-        <p:txBody>
-          <a:bodyPr>
-            <a:normAutofit fontScale="90000"/>
-          </a:bodyPr>
-          <a:lstStyle/>
-          <a:p>
-            <a:r>
-              <a:rPr lang="ru-RU" dirty="0"/>
-              <a:t>- Цветовая гамма любая</a:t>
-            </a:r>
-            <a:br>
-              <a:rPr lang="ru-RU" dirty="0"/>
-            </a:br>
-            <a:r>
-              <a:rPr lang="ru-RU" dirty="0"/>
-              <a:t>- Неяркий фон, контрастный к фону цвет текста</a:t>
-            </a:r>
-            <a:br>
-              <a:rPr lang="ru-RU" dirty="0"/>
-            </a:br>
-            <a:r>
-              <a:rPr lang="ru-RU" dirty="0"/>
-              <a:t>- Нумерация страниц</a:t>
-            </a:r>
-            <a:br>
-              <a:rPr lang="ru-RU" dirty="0"/>
-            </a:br>
-            <a:r>
-              <a:rPr lang="ru-RU" dirty="0"/>
-              <a:t>- Наверху заголовок слайда</a:t>
-            </a:r>
-            <a:br>
-              <a:rPr lang="ru-RU" dirty="0"/>
-            </a:br>
-            <a:r>
-              <a:rPr lang="ru-RU" dirty="0"/>
-              <a:t>- Небольшое количества текста</a:t>
-            </a:r>
-            <a:br>
-              <a:rPr lang="ru-RU" dirty="0"/>
-            </a:br>
-            <a:r>
-              <a:rPr lang="ru-RU" dirty="0"/>
-              <a:t>- Крупный шрифт и картинки </a:t>
-            </a:r>
-            <a:br>
-              <a:rPr lang="ru-RU" dirty="0"/>
-            </a:br>
-            <a:r>
-              <a:rPr lang="ru-RU" dirty="0"/>
-              <a:t>- Без переходов, анимации и видео</a:t>
-            </a:r>
-            <a:br>
-              <a:rPr lang="ru-RU" dirty="0"/>
-            </a:br>
-            <a:r>
-              <a:rPr lang="ru-RU" dirty="0"/>
-              <a:t>- Начать с целей и задач ВКР</a:t>
-            </a:r>
-            <a:br>
-              <a:rPr lang="ru-RU" dirty="0"/>
-            </a:br>
-            <a:r>
-              <a:rPr lang="ru-RU" dirty="0"/>
-              <a:t>- Последний слайд – Благодарю за внимание</a:t>
-            </a:r>
-            <a:br>
-              <a:rPr lang="ru-RU" dirty="0"/>
-            </a:br>
-            <a:r>
-              <a:rPr lang="ru-RU" dirty="0"/>
-              <a:t>- Не больше 10-12 слайдов</a:t>
-            </a:r>
-          </a:p>
-        </p:txBody>
-      </p:sp>
-    </p:spTree>
-    <p:extLst>
-      <p:ext uri="{BB962C8B-B14F-4D97-AF65-F5344CB8AC3E}">
-        <p14:creationId xmlns:p14="http://schemas.microsoft.com/office/powerpoint/2010/main" val="3014723093"/>
       </p:ext>
     </p:extLst>
   </p:cSld>
@@ -34886,8 +29797,8 @@
         </p:nvSpPr>
         <p:spPr>
           <a:xfrm>
-            <a:off x="800100" y="1327874"/>
-            <a:ext cx="10818652" cy="4321376"/>
+            <a:off x="1011116" y="1125658"/>
+            <a:ext cx="10818652" cy="4731745"/>
           </a:xfrm>
           <a:prstGeom prst="rect">
             <a:avLst/>
@@ -34969,6 +29880,24 @@
               </a:rPr>
               <a:t> </a:t>
             </a:r>
+            <a:endParaRPr lang="en-US" sz="2800" b="1" dirty="0">
+              <a:effectLst/>
+              <a:latin typeface="Times New Roman" panose="02020603050405020304" pitchFamily="18" charset="0"/>
+              <a:ea typeface="Times New Roman" panose="02020603050405020304" pitchFamily="18" charset="0"/>
+              <a:cs typeface="Times New Roman" panose="02020603050405020304" pitchFamily="18" charset="0"/>
+            </a:endParaRPr>
+          </a:p>
+          <a:p>
+            <a:pPr marL="457200" indent="-457200" algn="just">
+              <a:lnSpc>
+                <a:spcPct val="107000"/>
+              </a:lnSpc>
+              <a:spcAft>
+                <a:spcPts val="800"/>
+              </a:spcAft>
+              <a:buFont typeface="Arial" panose="020B0604020202020204" pitchFamily="34" charset="0"/>
+              <a:buChar char="•"/>
+            </a:pPr>
             <a:r>
               <a:rPr lang="ru-RU" sz="2800" dirty="0">
                 <a:effectLst/>
@@ -34976,7 +29905,106 @@
                 <a:ea typeface="Times New Roman" panose="02020603050405020304" pitchFamily="18" charset="0"/>
                 <a:cs typeface="Times New Roman" panose="02020603050405020304" pitchFamily="18" charset="0"/>
               </a:rPr>
-              <a:t>анализ бизнеса по аренде движимого оборудования с точки зрения учета его местонахождения; анализ и сравнение имеющихся на рынке средств автоматизации системы хранения; выявление основных требований к функционалу разрабатываемого решения; проектирование алгоритмов работы; проектирование бизнес-процессов; экономические параметры разработки и внедрения разрабатываемого решения; разработка программного продукта.</a:t>
+              <a:t>анализ бизнеса по аренде движимого оборудования;</a:t>
+            </a:r>
+            <a:endParaRPr lang="en-US" sz="2800" dirty="0">
+              <a:effectLst/>
+              <a:latin typeface="Times New Roman" panose="02020603050405020304" pitchFamily="18" charset="0"/>
+              <a:ea typeface="Times New Roman" panose="02020603050405020304" pitchFamily="18" charset="0"/>
+              <a:cs typeface="Times New Roman" panose="02020603050405020304" pitchFamily="18" charset="0"/>
+            </a:endParaRPr>
+          </a:p>
+          <a:p>
+            <a:pPr marL="457200" indent="-457200" algn="just">
+              <a:lnSpc>
+                <a:spcPct val="107000"/>
+              </a:lnSpc>
+              <a:spcAft>
+                <a:spcPts val="800"/>
+              </a:spcAft>
+              <a:buFont typeface="Arial" panose="020B0604020202020204" pitchFamily="34" charset="0"/>
+              <a:buChar char="•"/>
+            </a:pPr>
+            <a:r>
+              <a:rPr lang="ru-RU" sz="2800" dirty="0">
+                <a:effectLst/>
+                <a:latin typeface="Times New Roman" panose="02020603050405020304" pitchFamily="18" charset="0"/>
+                <a:ea typeface="Times New Roman" panose="02020603050405020304" pitchFamily="18" charset="0"/>
+                <a:cs typeface="Times New Roman" panose="02020603050405020304" pitchFamily="18" charset="0"/>
+              </a:rPr>
+              <a:t>анализ</a:t>
+            </a:r>
+            <a:r>
+              <a:rPr lang="en-US" sz="2800" dirty="0">
+                <a:effectLst/>
+                <a:latin typeface="Times New Roman" panose="02020603050405020304" pitchFamily="18" charset="0"/>
+                <a:ea typeface="Times New Roman" panose="02020603050405020304" pitchFamily="18" charset="0"/>
+                <a:cs typeface="Times New Roman" panose="02020603050405020304" pitchFamily="18" charset="0"/>
+              </a:rPr>
+              <a:t> </a:t>
+            </a:r>
+            <a:r>
+              <a:rPr lang="ru-RU" sz="2800" dirty="0">
+                <a:effectLst/>
+                <a:latin typeface="Times New Roman" panose="02020603050405020304" pitchFamily="18" charset="0"/>
+                <a:ea typeface="Times New Roman" panose="02020603050405020304" pitchFamily="18" charset="0"/>
+                <a:cs typeface="Times New Roman" panose="02020603050405020304" pitchFamily="18" charset="0"/>
+              </a:rPr>
+              <a:t>имеющихся на рынке средств автоматизации системы хранения; </a:t>
+            </a:r>
+            <a:endParaRPr lang="en-US" sz="2800" dirty="0">
+              <a:effectLst/>
+              <a:latin typeface="Times New Roman" panose="02020603050405020304" pitchFamily="18" charset="0"/>
+              <a:ea typeface="Times New Roman" panose="02020603050405020304" pitchFamily="18" charset="0"/>
+              <a:cs typeface="Times New Roman" panose="02020603050405020304" pitchFamily="18" charset="0"/>
+            </a:endParaRPr>
+          </a:p>
+          <a:p>
+            <a:pPr marL="457200" indent="-457200" algn="just">
+              <a:lnSpc>
+                <a:spcPct val="107000"/>
+              </a:lnSpc>
+              <a:spcAft>
+                <a:spcPts val="800"/>
+              </a:spcAft>
+              <a:buFont typeface="Arial" panose="020B0604020202020204" pitchFamily="34" charset="0"/>
+              <a:buChar char="•"/>
+            </a:pPr>
+            <a:r>
+              <a:rPr lang="ru-RU" sz="2800" dirty="0">
+                <a:effectLst/>
+                <a:latin typeface="Times New Roman" panose="02020603050405020304" pitchFamily="18" charset="0"/>
+                <a:ea typeface="Times New Roman" panose="02020603050405020304" pitchFamily="18" charset="0"/>
+                <a:cs typeface="Times New Roman" panose="02020603050405020304" pitchFamily="18" charset="0"/>
+              </a:rPr>
+              <a:t>выявление основных требований к функционалу разрабатываемого решения; </a:t>
+            </a:r>
+            <a:endParaRPr lang="en-US" sz="2800" dirty="0">
+              <a:effectLst/>
+              <a:latin typeface="Times New Roman" panose="02020603050405020304" pitchFamily="18" charset="0"/>
+              <a:ea typeface="Times New Roman" panose="02020603050405020304" pitchFamily="18" charset="0"/>
+              <a:cs typeface="Times New Roman" panose="02020603050405020304" pitchFamily="18" charset="0"/>
+            </a:endParaRPr>
+          </a:p>
+          <a:p>
+            <a:pPr marL="457200" indent="-457200" algn="just">
+              <a:lnSpc>
+                <a:spcPct val="107000"/>
+              </a:lnSpc>
+              <a:spcAft>
+                <a:spcPts val="800"/>
+              </a:spcAft>
+              <a:buFont typeface="Arial" panose="020B0604020202020204" pitchFamily="34" charset="0"/>
+              <a:buChar char="•"/>
+            </a:pPr>
+            <a:r>
+              <a:rPr lang="ru-RU" sz="2800" dirty="0">
+                <a:effectLst/>
+                <a:latin typeface="Times New Roman" panose="02020603050405020304" pitchFamily="18" charset="0"/>
+                <a:ea typeface="Times New Roman" panose="02020603050405020304" pitchFamily="18" charset="0"/>
+                <a:cs typeface="Times New Roman" panose="02020603050405020304" pitchFamily="18" charset="0"/>
+              </a:rPr>
+              <a:t>разработка программного продукта.</a:t>
             </a:r>
             <a:endParaRPr lang="ru-RU" sz="2400" dirty="0">
               <a:effectLst/>
@@ -35123,6 +30151,85 @@
           </a:p>
         </p:txBody>
       </p:sp>
+      <p:sp>
+        <p:nvSpPr>
+          <p:cNvPr id="4" name="TextBox 3">
+            <a:extLst>
+              <a:ext uri="{FF2B5EF4-FFF2-40B4-BE49-F238E27FC236}">
+                <a16:creationId xmlns:a16="http://schemas.microsoft.com/office/drawing/2014/main" id="{AEB28F31-5EBD-425C-921E-C88283678E45}"/>
+              </a:ext>
+            </a:extLst>
+          </p:cNvPr>
+          <p:cNvSpPr txBox="1"/>
+          <p:nvPr/>
+        </p:nvSpPr>
+        <p:spPr>
+          <a:xfrm>
+            <a:off x="826477" y="1484029"/>
+            <a:ext cx="10539046" cy="4893647"/>
+          </a:xfrm>
+          <a:prstGeom prst="rect">
+            <a:avLst/>
+          </a:prstGeom>
+          <a:noFill/>
+        </p:spPr>
+        <p:txBody>
+          <a:bodyPr wrap="square" rtlCol="0">
+            <a:spAutoFit/>
+          </a:bodyPr>
+          <a:lstStyle/>
+          <a:p>
+            <a:pPr marL="457200" indent="-457200">
+              <a:buFont typeface="Arial" panose="020B0604020202020204" pitchFamily="34" charset="0"/>
+              <a:buChar char="•"/>
+            </a:pPr>
+            <a:r>
+              <a:rPr lang="ru-RU" sz="3200" dirty="0"/>
+              <a:t>Арендная сфера бизнеса укрепляет свои позиции на рынке;</a:t>
+            </a:r>
+          </a:p>
+          <a:p>
+            <a:pPr marL="457200" indent="-457200">
+              <a:buFont typeface="Arial" panose="020B0604020202020204" pitchFamily="34" charset="0"/>
+              <a:buChar char="•"/>
+            </a:pPr>
+            <a:r>
+              <a:rPr lang="ru-RU" sz="3200" dirty="0"/>
+              <a:t>Вывод на рынок программного средства отечественного производства;</a:t>
+            </a:r>
+          </a:p>
+          <a:p>
+            <a:pPr marL="457200" indent="-457200">
+              <a:buFont typeface="Arial" panose="020B0604020202020204" pitchFamily="34" charset="0"/>
+              <a:buChar char="•"/>
+            </a:pPr>
+            <a:r>
+              <a:rPr lang="ru-RU" sz="3200" dirty="0"/>
+              <a:t>Большая часть аналогов в данной сфере представляет собой средства контроля склада;</a:t>
+            </a:r>
+          </a:p>
+          <a:p>
+            <a:pPr marL="457200" indent="-457200">
+              <a:buFont typeface="Arial" panose="020B0604020202020204" pitchFamily="34" charset="0"/>
+              <a:buChar char="•"/>
+            </a:pPr>
+            <a:r>
+              <a:rPr lang="ru-RU" sz="3200" dirty="0"/>
+              <a:t>Создание на рынке конкурентного программного средства.</a:t>
+            </a:r>
+          </a:p>
+          <a:p>
+            <a:endParaRPr lang="ru-RU" sz="2800" dirty="0"/>
+          </a:p>
+          <a:p>
+            <a:pPr marL="457200" indent="-457200">
+              <a:buFont typeface="Arial" panose="020B0604020202020204" pitchFamily="34" charset="0"/>
+              <a:buChar char="•"/>
+            </a:pPr>
+            <a:endParaRPr lang="ru-RU" sz="2800" dirty="0"/>
+          </a:p>
+        </p:txBody>
+      </p:sp>
     </p:spTree>
     <p:extLst>
       <p:ext uri="{BB962C8B-B14F-4D97-AF65-F5344CB8AC3E}">
@@ -35177,10 +30284,10 @@
       </p:graphicFrame>
       <p:pic>
         <p:nvPicPr>
-          <p:cNvPr id="4" name="Рисунок 3">
+          <p:cNvPr id="5" name="Рисунок 4">
             <a:extLst>
               <a:ext uri="{FF2B5EF4-FFF2-40B4-BE49-F238E27FC236}">
-                <a16:creationId xmlns:a16="http://schemas.microsoft.com/office/drawing/2014/main" id="{C548DA6F-52E2-4D39-B7AD-FB1772C61C6C}"/>
+                <a16:creationId xmlns:a16="http://schemas.microsoft.com/office/drawing/2014/main" id="{1F7AF6AB-7D78-40E1-9221-A7E73FBE62B6}"/>
               </a:ext>
             </a:extLst>
           </p:cNvPr>
@@ -35197,8 +30304,8 @@
         </p:blipFill>
         <p:spPr>
           <a:xfrm>
-            <a:off x="911391" y="1131378"/>
-            <a:ext cx="11130791" cy="4891354"/>
+            <a:off x="1072472" y="1587965"/>
+            <a:ext cx="9882743" cy="4367345"/>
           </a:xfrm>
           <a:prstGeom prst="rect">
             <a:avLst/>
